--- a/Final_V2.pptx
+++ b/Final_V2.pptx
@@ -4,25 +4,29 @@
   <p:sldMasterIdLst>
     <p:sldMasterId id="2147483660" r:id="rId1"/>
   </p:sldMasterIdLst>
+  <p:notesMasterIdLst>
+    <p:notesMasterId r:id="rId21"/>
+  </p:notesMasterIdLst>
   <p:sldIdLst>
     <p:sldId id="256" r:id="rId2"/>
     <p:sldId id="257" r:id="rId3"/>
-    <p:sldId id="269" r:id="rId4"/>
-    <p:sldId id="258" r:id="rId5"/>
-    <p:sldId id="264" r:id="rId6"/>
-    <p:sldId id="266" r:id="rId7"/>
-    <p:sldId id="267" r:id="rId8"/>
-    <p:sldId id="268" r:id="rId9"/>
-    <p:sldId id="276" r:id="rId10"/>
-    <p:sldId id="260" r:id="rId11"/>
-    <p:sldId id="270" r:id="rId12"/>
-    <p:sldId id="271" r:id="rId13"/>
-    <p:sldId id="272" r:id="rId14"/>
-    <p:sldId id="273" r:id="rId15"/>
-    <p:sldId id="275" r:id="rId16"/>
-    <p:sldId id="274" r:id="rId17"/>
-    <p:sldId id="261" r:id="rId18"/>
-    <p:sldId id="262" r:id="rId19"/>
+    <p:sldId id="277" r:id="rId4"/>
+    <p:sldId id="269" r:id="rId5"/>
+    <p:sldId id="258" r:id="rId6"/>
+    <p:sldId id="264" r:id="rId7"/>
+    <p:sldId id="266" r:id="rId8"/>
+    <p:sldId id="267" r:id="rId9"/>
+    <p:sldId id="268" r:id="rId10"/>
+    <p:sldId id="276" r:id="rId11"/>
+    <p:sldId id="260" r:id="rId12"/>
+    <p:sldId id="270" r:id="rId13"/>
+    <p:sldId id="271" r:id="rId14"/>
+    <p:sldId id="272" r:id="rId15"/>
+    <p:sldId id="273" r:id="rId16"/>
+    <p:sldId id="275" r:id="rId17"/>
+    <p:sldId id="274" r:id="rId18"/>
+    <p:sldId id="261" r:id="rId19"/>
+    <p:sldId id="262" r:id="rId20"/>
   </p:sldIdLst>
   <p:sldSz cx="12192000" cy="6858000"/>
   <p:notesSz cx="6858000" cy="9144000"/>
@@ -123,7 +127,7 @@
   </p:defaultTextStyle>
   <p:extLst>
     <p:ext uri="{EFAFB233-063F-42B5-8137-9DF3F51BA10A}">
-      <p15:sldGuideLst xmlns="" xmlns:p15="http://schemas.microsoft.com/office/powerpoint/2012/main"/>
+      <p15:sldGuideLst xmlns:p15="http://schemas.microsoft.com/office/powerpoint/2012/main" xmlns=""/>
     </p:ext>
   </p:extLst>
 </p:presentation>
@@ -137,6 +141,440 @@
     <p1510:client id="{0ECF2887-868E-42BF-A10A-D4A13CEECC73}" v="3" dt="2018-12-14T11:00:42.309"/>
   </p1510:revLst>
 </p1510:revInfo>
+</file>
+
+<file path=ppt/notesMasters/notesMaster1.xml><?xml version="1.0" encoding="utf-8"?>
+<p:notesMaster xmlns:a="http://schemas.openxmlformats.org/drawingml/2006/main" xmlns:r="http://schemas.openxmlformats.org/officeDocument/2006/relationships" xmlns:p="http://schemas.openxmlformats.org/presentationml/2006/main">
+  <p:cSld>
+    <p:bg>
+      <p:bgRef idx="1001">
+        <a:schemeClr val="bg1"/>
+      </p:bgRef>
+    </p:bg>
+    <p:spTree>
+      <p:nvGrpSpPr>
+        <p:cNvPr id="1" name=""/>
+        <p:cNvGrpSpPr/>
+        <p:nvPr/>
+      </p:nvGrpSpPr>
+      <p:grpSpPr>
+        <a:xfrm>
+          <a:off x="0" y="0"/>
+          <a:ext cx="0" cy="0"/>
+          <a:chOff x="0" y="0"/>
+          <a:chExt cx="0" cy="0"/>
+        </a:xfrm>
+      </p:grpSpPr>
+      <p:sp>
+        <p:nvSpPr>
+          <p:cNvPr id="2" name="Tijdelijke aanduiding voor koptekst 1"/>
+          <p:cNvSpPr>
+            <a:spLocks noGrp="1"/>
+          </p:cNvSpPr>
+          <p:nvPr>
+            <p:ph type="hdr" sz="quarter"/>
+          </p:nvPr>
+        </p:nvSpPr>
+        <p:spPr>
+          <a:xfrm>
+            <a:off x="0" y="0"/>
+            <a:ext cx="2971800" cy="457200"/>
+          </a:xfrm>
+          <a:prstGeom prst="rect">
+            <a:avLst/>
+          </a:prstGeom>
+        </p:spPr>
+        <p:txBody>
+          <a:bodyPr vert="horz" lIns="91440" tIns="45720" rIns="91440" bIns="45720" rtlCol="0"/>
+          <a:lstStyle>
+            <a:lvl1pPr algn="l">
+              <a:defRPr sz="1200"/>
+            </a:lvl1pPr>
+          </a:lstStyle>
+          <a:p>
+            <a:endParaRPr lang="nl-NL"/>
+          </a:p>
+        </p:txBody>
+      </p:sp>
+      <p:sp>
+        <p:nvSpPr>
+          <p:cNvPr id="3" name="Tijdelijke aanduiding voor datum 2"/>
+          <p:cNvSpPr>
+            <a:spLocks noGrp="1"/>
+          </p:cNvSpPr>
+          <p:nvPr>
+            <p:ph type="dt" idx="1"/>
+          </p:nvPr>
+        </p:nvSpPr>
+        <p:spPr>
+          <a:xfrm>
+            <a:off x="3884613" y="0"/>
+            <a:ext cx="2971800" cy="457200"/>
+          </a:xfrm>
+          <a:prstGeom prst="rect">
+            <a:avLst/>
+          </a:prstGeom>
+        </p:spPr>
+        <p:txBody>
+          <a:bodyPr vert="horz" lIns="91440" tIns="45720" rIns="91440" bIns="45720" rtlCol="0"/>
+          <a:lstStyle>
+            <a:lvl1pPr algn="r">
+              <a:defRPr sz="1200"/>
+            </a:lvl1pPr>
+          </a:lstStyle>
+          <a:p>
+            <a:fld id="{7FEA998D-50D6-4F9B-8BB7-ABCA489027ED}" type="datetimeFigureOut">
+              <a:rPr lang="nl-NL" smtClean="0"/>
+              <a:t>19-12-2018</a:t>
+            </a:fld>
+            <a:endParaRPr lang="nl-NL"/>
+          </a:p>
+        </p:txBody>
+      </p:sp>
+      <p:sp>
+        <p:nvSpPr>
+          <p:cNvPr id="4" name="Tijdelijke aanduiding voor dia-afbeelding 3"/>
+          <p:cNvSpPr>
+            <a:spLocks noGrp="1" noRot="1" noChangeAspect="1"/>
+          </p:cNvSpPr>
+          <p:nvPr>
+            <p:ph type="sldImg" idx="2"/>
+          </p:nvPr>
+        </p:nvSpPr>
+        <p:spPr>
+          <a:xfrm>
+            <a:off x="381000" y="685800"/>
+            <a:ext cx="6096000" cy="3429000"/>
+          </a:xfrm>
+          <a:prstGeom prst="rect">
+            <a:avLst/>
+          </a:prstGeom>
+          <a:noFill/>
+          <a:ln w="12700">
+            <a:solidFill>
+              <a:prstClr val="black"/>
+            </a:solidFill>
+          </a:ln>
+        </p:spPr>
+        <p:txBody>
+          <a:bodyPr vert="horz" lIns="91440" tIns="45720" rIns="91440" bIns="45720" rtlCol="0" anchor="ctr"/>
+          <a:lstStyle/>
+          <a:p>
+            <a:endParaRPr lang="nl-NL"/>
+          </a:p>
+        </p:txBody>
+      </p:sp>
+      <p:sp>
+        <p:nvSpPr>
+          <p:cNvPr id="5" name="Tijdelijke aanduiding voor notities 4"/>
+          <p:cNvSpPr>
+            <a:spLocks noGrp="1"/>
+          </p:cNvSpPr>
+          <p:nvPr>
+            <p:ph type="body" sz="quarter" idx="3"/>
+          </p:nvPr>
+        </p:nvSpPr>
+        <p:spPr>
+          <a:xfrm>
+            <a:off x="685800" y="4343400"/>
+            <a:ext cx="5486400" cy="4114800"/>
+          </a:xfrm>
+          <a:prstGeom prst="rect">
+            <a:avLst/>
+          </a:prstGeom>
+        </p:spPr>
+        <p:txBody>
+          <a:bodyPr vert="horz" lIns="91440" tIns="45720" rIns="91440" bIns="45720" rtlCol="0"/>
+          <a:lstStyle/>
+          <a:p>
+            <a:pPr lvl="0"/>
+            <a:r>
+              <a:rPr lang="nl-NL" smtClean="0"/>
+              <a:t>Klik om de modelstijlen te bewerken</a:t>
+            </a:r>
+          </a:p>
+          <a:p>
+            <a:pPr lvl="1"/>
+            <a:r>
+              <a:rPr lang="nl-NL" smtClean="0"/>
+              <a:t>Tweede niveau</a:t>
+            </a:r>
+          </a:p>
+          <a:p>
+            <a:pPr lvl="2"/>
+            <a:r>
+              <a:rPr lang="nl-NL" smtClean="0"/>
+              <a:t>Derde niveau</a:t>
+            </a:r>
+          </a:p>
+          <a:p>
+            <a:pPr lvl="3"/>
+            <a:r>
+              <a:rPr lang="nl-NL" smtClean="0"/>
+              <a:t>Vierde niveau</a:t>
+            </a:r>
+          </a:p>
+          <a:p>
+            <a:pPr lvl="4"/>
+            <a:r>
+              <a:rPr lang="nl-NL" smtClean="0"/>
+              <a:t>Vijfde niveau</a:t>
+            </a:r>
+            <a:endParaRPr lang="nl-NL"/>
+          </a:p>
+        </p:txBody>
+      </p:sp>
+      <p:sp>
+        <p:nvSpPr>
+          <p:cNvPr id="6" name="Tijdelijke aanduiding voor voettekst 5"/>
+          <p:cNvSpPr>
+            <a:spLocks noGrp="1"/>
+          </p:cNvSpPr>
+          <p:nvPr>
+            <p:ph type="ftr" sz="quarter" idx="4"/>
+          </p:nvPr>
+        </p:nvSpPr>
+        <p:spPr>
+          <a:xfrm>
+            <a:off x="0" y="8685213"/>
+            <a:ext cx="2971800" cy="457200"/>
+          </a:xfrm>
+          <a:prstGeom prst="rect">
+            <a:avLst/>
+          </a:prstGeom>
+        </p:spPr>
+        <p:txBody>
+          <a:bodyPr vert="horz" lIns="91440" tIns="45720" rIns="91440" bIns="45720" rtlCol="0" anchor="b"/>
+          <a:lstStyle>
+            <a:lvl1pPr algn="l">
+              <a:defRPr sz="1200"/>
+            </a:lvl1pPr>
+          </a:lstStyle>
+          <a:p>
+            <a:endParaRPr lang="nl-NL"/>
+          </a:p>
+        </p:txBody>
+      </p:sp>
+      <p:sp>
+        <p:nvSpPr>
+          <p:cNvPr id="7" name="Tijdelijke aanduiding voor dianummer 6"/>
+          <p:cNvSpPr>
+            <a:spLocks noGrp="1"/>
+          </p:cNvSpPr>
+          <p:nvPr>
+            <p:ph type="sldNum" sz="quarter" idx="5"/>
+          </p:nvPr>
+        </p:nvSpPr>
+        <p:spPr>
+          <a:xfrm>
+            <a:off x="3884613" y="8685213"/>
+            <a:ext cx="2971800" cy="457200"/>
+          </a:xfrm>
+          <a:prstGeom prst="rect">
+            <a:avLst/>
+          </a:prstGeom>
+        </p:spPr>
+        <p:txBody>
+          <a:bodyPr vert="horz" lIns="91440" tIns="45720" rIns="91440" bIns="45720" rtlCol="0" anchor="b"/>
+          <a:lstStyle>
+            <a:lvl1pPr algn="r">
+              <a:defRPr sz="1200"/>
+            </a:lvl1pPr>
+          </a:lstStyle>
+          <a:p>
+            <a:fld id="{091E500D-4CD7-4EA8-AFB9-1E80D0C7AB56}" type="slidenum">
+              <a:rPr lang="nl-NL" smtClean="0"/>
+              <a:t>‹nr.›</a:t>
+            </a:fld>
+            <a:endParaRPr lang="nl-NL"/>
+          </a:p>
+        </p:txBody>
+      </p:sp>
+    </p:spTree>
+    <p:extLst>
+      <p:ext uri="{BB962C8B-B14F-4D97-AF65-F5344CB8AC3E}">
+        <p14:creationId xmlns:p14="http://schemas.microsoft.com/office/powerpoint/2010/main" val="3446587134"/>
+      </p:ext>
+    </p:extLst>
+  </p:cSld>
+  <p:clrMap bg1="lt1" tx1="dk1" bg2="lt2" tx2="dk2" accent1="accent1" accent2="accent2" accent3="accent3" accent4="accent4" accent5="accent5" accent6="accent6" hlink="hlink" folHlink="folHlink"/>
+  <p:notesStyle>
+    <a:lvl1pPr marL="0" algn="l" defTabSz="914400" rtl="0" eaLnBrk="1" latinLnBrk="0" hangingPunct="1">
+      <a:defRPr sz="1200" kern="1200">
+        <a:solidFill>
+          <a:schemeClr val="tx1"/>
+        </a:solidFill>
+        <a:latin typeface="+mn-lt"/>
+        <a:ea typeface="+mn-ea"/>
+        <a:cs typeface="+mn-cs"/>
+      </a:defRPr>
+    </a:lvl1pPr>
+    <a:lvl2pPr marL="457200" algn="l" defTabSz="914400" rtl="0" eaLnBrk="1" latinLnBrk="0" hangingPunct="1">
+      <a:defRPr sz="1200" kern="1200">
+        <a:solidFill>
+          <a:schemeClr val="tx1"/>
+        </a:solidFill>
+        <a:latin typeface="+mn-lt"/>
+        <a:ea typeface="+mn-ea"/>
+        <a:cs typeface="+mn-cs"/>
+      </a:defRPr>
+    </a:lvl2pPr>
+    <a:lvl3pPr marL="914400" algn="l" defTabSz="914400" rtl="0" eaLnBrk="1" latinLnBrk="0" hangingPunct="1">
+      <a:defRPr sz="1200" kern="1200">
+        <a:solidFill>
+          <a:schemeClr val="tx1"/>
+        </a:solidFill>
+        <a:latin typeface="+mn-lt"/>
+        <a:ea typeface="+mn-ea"/>
+        <a:cs typeface="+mn-cs"/>
+      </a:defRPr>
+    </a:lvl3pPr>
+    <a:lvl4pPr marL="1371600" algn="l" defTabSz="914400" rtl="0" eaLnBrk="1" latinLnBrk="0" hangingPunct="1">
+      <a:defRPr sz="1200" kern="1200">
+        <a:solidFill>
+          <a:schemeClr val="tx1"/>
+        </a:solidFill>
+        <a:latin typeface="+mn-lt"/>
+        <a:ea typeface="+mn-ea"/>
+        <a:cs typeface="+mn-cs"/>
+      </a:defRPr>
+    </a:lvl4pPr>
+    <a:lvl5pPr marL="1828800" algn="l" defTabSz="914400" rtl="0" eaLnBrk="1" latinLnBrk="0" hangingPunct="1">
+      <a:defRPr sz="1200" kern="1200">
+        <a:solidFill>
+          <a:schemeClr val="tx1"/>
+        </a:solidFill>
+        <a:latin typeface="+mn-lt"/>
+        <a:ea typeface="+mn-ea"/>
+        <a:cs typeface="+mn-cs"/>
+      </a:defRPr>
+    </a:lvl5pPr>
+    <a:lvl6pPr marL="2286000" algn="l" defTabSz="914400" rtl="0" eaLnBrk="1" latinLnBrk="0" hangingPunct="1">
+      <a:defRPr sz="1200" kern="1200">
+        <a:solidFill>
+          <a:schemeClr val="tx1"/>
+        </a:solidFill>
+        <a:latin typeface="+mn-lt"/>
+        <a:ea typeface="+mn-ea"/>
+        <a:cs typeface="+mn-cs"/>
+      </a:defRPr>
+    </a:lvl6pPr>
+    <a:lvl7pPr marL="2743200" algn="l" defTabSz="914400" rtl="0" eaLnBrk="1" latinLnBrk="0" hangingPunct="1">
+      <a:defRPr sz="1200" kern="1200">
+        <a:solidFill>
+          <a:schemeClr val="tx1"/>
+        </a:solidFill>
+        <a:latin typeface="+mn-lt"/>
+        <a:ea typeface="+mn-ea"/>
+        <a:cs typeface="+mn-cs"/>
+      </a:defRPr>
+    </a:lvl7pPr>
+    <a:lvl8pPr marL="3200400" algn="l" defTabSz="914400" rtl="0" eaLnBrk="1" latinLnBrk="0" hangingPunct="1">
+      <a:defRPr sz="1200" kern="1200">
+        <a:solidFill>
+          <a:schemeClr val="tx1"/>
+        </a:solidFill>
+        <a:latin typeface="+mn-lt"/>
+        <a:ea typeface="+mn-ea"/>
+        <a:cs typeface="+mn-cs"/>
+      </a:defRPr>
+    </a:lvl8pPr>
+    <a:lvl9pPr marL="3657600" algn="l" defTabSz="914400" rtl="0" eaLnBrk="1" latinLnBrk="0" hangingPunct="1">
+      <a:defRPr sz="1200" kern="1200">
+        <a:solidFill>
+          <a:schemeClr val="tx1"/>
+        </a:solidFill>
+        <a:latin typeface="+mn-lt"/>
+        <a:ea typeface="+mn-ea"/>
+        <a:cs typeface="+mn-cs"/>
+      </a:defRPr>
+    </a:lvl9pPr>
+  </p:notesStyle>
+</p:notesMaster>
+</file>
+
+<file path=ppt/notesSlides/notesSlide1.xml><?xml version="1.0" encoding="utf-8"?>
+<p:notes xmlns:a="http://schemas.openxmlformats.org/drawingml/2006/main" xmlns:r="http://schemas.openxmlformats.org/officeDocument/2006/relationships" xmlns:p="http://schemas.openxmlformats.org/presentationml/2006/main">
+  <p:cSld>
+    <p:spTree>
+      <p:nvGrpSpPr>
+        <p:cNvPr id="1" name=""/>
+        <p:cNvGrpSpPr/>
+        <p:nvPr/>
+      </p:nvGrpSpPr>
+      <p:grpSpPr>
+        <a:xfrm>
+          <a:off x="0" y="0"/>
+          <a:ext cx="0" cy="0"/>
+          <a:chOff x="0" y="0"/>
+          <a:chExt cx="0" cy="0"/>
+        </a:xfrm>
+      </p:grpSpPr>
+      <p:sp>
+        <p:nvSpPr>
+          <p:cNvPr id="2" name="Tijdelijke aanduiding voor dia-afbeelding 1"/>
+          <p:cNvSpPr>
+            <a:spLocks noGrp="1" noRot="1" noChangeAspect="1"/>
+          </p:cNvSpPr>
+          <p:nvPr>
+            <p:ph type="sldImg"/>
+          </p:nvPr>
+        </p:nvSpPr>
+        <p:spPr/>
+      </p:sp>
+      <p:sp>
+        <p:nvSpPr>
+          <p:cNvPr id="3" name="Tijdelijke aanduiding voor notities 2"/>
+          <p:cNvSpPr>
+            <a:spLocks noGrp="1"/>
+          </p:cNvSpPr>
+          <p:nvPr>
+            <p:ph type="body" idx="1"/>
+          </p:nvPr>
+        </p:nvSpPr>
+        <p:spPr/>
+        <p:txBody>
+          <a:bodyPr/>
+          <a:lstStyle/>
+          <a:p>
+            <a:endParaRPr lang="nl-NL" dirty="0"/>
+          </a:p>
+        </p:txBody>
+      </p:sp>
+      <p:sp>
+        <p:nvSpPr>
+          <p:cNvPr id="4" name="Tijdelijke aanduiding voor dianummer 3"/>
+          <p:cNvSpPr>
+            <a:spLocks noGrp="1"/>
+          </p:cNvSpPr>
+          <p:nvPr>
+            <p:ph type="sldNum" sz="quarter" idx="10"/>
+          </p:nvPr>
+        </p:nvSpPr>
+        <p:spPr/>
+        <p:txBody>
+          <a:bodyPr/>
+          <a:lstStyle/>
+          <a:p>
+            <a:fld id="{091E500D-4CD7-4EA8-AFB9-1E80D0C7AB56}" type="slidenum">
+              <a:rPr lang="nl-NL" smtClean="0"/>
+              <a:t>18</a:t>
+            </a:fld>
+            <a:endParaRPr lang="nl-NL"/>
+          </a:p>
+        </p:txBody>
+      </p:sp>
+    </p:spTree>
+    <p:extLst>
+      <p:ext uri="{BB962C8B-B14F-4D97-AF65-F5344CB8AC3E}">
+        <p14:creationId xmlns:p14="http://schemas.microsoft.com/office/powerpoint/2010/main" val="3634898618"/>
+      </p:ext>
+    </p:extLst>
+  </p:cSld>
+  <p:clrMapOvr>
+    <a:masterClrMapping/>
+  </p:clrMapOvr>
+</p:notes>
 </file>
 
 <file path=ppt/slideLayouts/slideLayout1.xml><?xml version="1.0" encoding="utf-8"?>
@@ -327,7 +765,7 @@
           <a:p>
             <a:fld id="{CA953BDC-9EAE-49FE-9892-958C9F845175}" type="datetimeFigureOut">
               <a:rPr lang="de-DE" smtClean="0"/>
-              <a:t>17.12.2018</a:t>
+              <a:t>19.12.2018</a:t>
             </a:fld>
             <a:endParaRPr lang="de-DE"/>
           </a:p>
@@ -665,7 +1103,7 @@
           <a:p>
             <a:fld id="{CA953BDC-9EAE-49FE-9892-958C9F845175}" type="datetimeFigureOut">
               <a:rPr lang="de-DE" smtClean="0"/>
-              <a:t>17.12.2018</a:t>
+              <a:t>19.12.2018</a:t>
             </a:fld>
             <a:endParaRPr lang="de-DE"/>
           </a:p>
@@ -1066,7 +1504,7 @@
           <a:p>
             <a:fld id="{CA953BDC-9EAE-49FE-9892-958C9F845175}" type="datetimeFigureOut">
               <a:rPr lang="de-DE" smtClean="0"/>
-              <a:t>17.12.2018</a:t>
+              <a:t>19.12.2018</a:t>
             </a:fld>
             <a:endParaRPr lang="de-DE"/>
           </a:p>
@@ -1402,7 +1840,7 @@
           <a:p>
             <a:fld id="{CA953BDC-9EAE-49FE-9892-958C9F845175}" type="datetimeFigureOut">
               <a:rPr lang="de-DE" smtClean="0"/>
-              <a:t>17.12.2018</a:t>
+              <a:t>19.12.2018</a:t>
             </a:fld>
             <a:endParaRPr lang="de-DE"/>
           </a:p>
@@ -1722,7 +2160,7 @@
           <a:p>
             <a:fld id="{CA953BDC-9EAE-49FE-9892-958C9F845175}" type="datetimeFigureOut">
               <a:rPr lang="de-DE" smtClean="0"/>
-              <a:t>17.12.2018</a:t>
+              <a:t>19.12.2018</a:t>
             </a:fld>
             <a:endParaRPr lang="de-DE"/>
           </a:p>
@@ -2118,7 +2556,7 @@
           <a:p>
             <a:fld id="{CA953BDC-9EAE-49FE-9892-958C9F845175}" type="datetimeFigureOut">
               <a:rPr lang="de-DE" smtClean="0"/>
-              <a:t>17.12.2018</a:t>
+              <a:t>19.12.2018</a:t>
             </a:fld>
             <a:endParaRPr lang="de-DE"/>
           </a:p>
@@ -2375,7 +2813,7 @@
           <a:p>
             <a:fld id="{CA953BDC-9EAE-49FE-9892-958C9F845175}" type="datetimeFigureOut">
               <a:rPr lang="de-DE" smtClean="0"/>
-              <a:t>17.12.2018</a:t>
+              <a:t>19.12.2018</a:t>
             </a:fld>
             <a:endParaRPr lang="de-DE"/>
           </a:p>
@@ -2637,7 +3075,7 @@
           <a:p>
             <a:fld id="{CA953BDC-9EAE-49FE-9892-958C9F845175}" type="datetimeFigureOut">
               <a:rPr lang="de-DE" smtClean="0"/>
-              <a:t>17.12.2018</a:t>
+              <a:t>19.12.2018</a:t>
             </a:fld>
             <a:endParaRPr lang="de-DE"/>
           </a:p>
@@ -2899,7 +3337,7 @@
           <a:p>
             <a:fld id="{CA953BDC-9EAE-49FE-9892-958C9F845175}" type="datetimeFigureOut">
               <a:rPr lang="de-DE" smtClean="0"/>
-              <a:t>17.12.2018</a:t>
+              <a:t>19.12.2018</a:t>
             </a:fld>
             <a:endParaRPr lang="de-DE"/>
           </a:p>
@@ -3228,7 +3666,7 @@
           <a:p>
             <a:fld id="{CA953BDC-9EAE-49FE-9892-958C9F845175}" type="datetimeFigureOut">
               <a:rPr lang="de-DE" smtClean="0"/>
-              <a:t>17.12.2018</a:t>
+              <a:t>19.12.2018</a:t>
             </a:fld>
             <a:endParaRPr lang="de-DE"/>
           </a:p>
@@ -3551,7 +3989,7 @@
           <a:p>
             <a:fld id="{CA953BDC-9EAE-49FE-9892-958C9F845175}" type="datetimeFigureOut">
               <a:rPr lang="de-DE" smtClean="0"/>
-              <a:t>17.12.2018</a:t>
+              <a:t>19.12.2018</a:t>
             </a:fld>
             <a:endParaRPr lang="de-DE"/>
           </a:p>
@@ -4008,7 +4446,7 @@
           <a:p>
             <a:fld id="{CA953BDC-9EAE-49FE-9892-958C9F845175}" type="datetimeFigureOut">
               <a:rPr lang="de-DE" smtClean="0"/>
-              <a:t>17.12.2018</a:t>
+              <a:t>19.12.2018</a:t>
             </a:fld>
             <a:endParaRPr lang="de-DE"/>
           </a:p>
@@ -4213,7 +4651,7 @@
           <a:p>
             <a:fld id="{CA953BDC-9EAE-49FE-9892-958C9F845175}" type="datetimeFigureOut">
               <a:rPr lang="de-DE" smtClean="0"/>
-              <a:t>17.12.2018</a:t>
+              <a:t>19.12.2018</a:t>
             </a:fld>
             <a:endParaRPr lang="de-DE"/>
           </a:p>
@@ -4390,7 +4828,7 @@
           <a:p>
             <a:fld id="{CA953BDC-9EAE-49FE-9892-958C9F845175}" type="datetimeFigureOut">
               <a:rPr lang="de-DE" smtClean="0"/>
-              <a:t>17.12.2018</a:t>
+              <a:t>19.12.2018</a:t>
             </a:fld>
             <a:endParaRPr lang="de-DE"/>
           </a:p>
@@ -4723,7 +5161,7 @@
           <a:p>
             <a:fld id="{CA953BDC-9EAE-49FE-9892-958C9F845175}" type="datetimeFigureOut">
               <a:rPr lang="de-DE" smtClean="0"/>
-              <a:t>17.12.2018</a:t>
+              <a:t>19.12.2018</a:t>
             </a:fld>
             <a:endParaRPr lang="de-DE"/>
           </a:p>
@@ -5068,7 +5506,7 @@
           <a:p>
             <a:fld id="{CA953BDC-9EAE-49FE-9892-958C9F845175}" type="datetimeFigureOut">
               <a:rPr lang="de-DE" smtClean="0"/>
-              <a:t>17.12.2018</a:t>
+              <a:t>19.12.2018</a:t>
             </a:fld>
             <a:endParaRPr lang="de-DE"/>
           </a:p>
@@ -7185,7 +7623,7 @@
           <a:p>
             <a:fld id="{CA953BDC-9EAE-49FE-9892-958C9F845175}" type="datetimeFigureOut">
               <a:rPr lang="de-DE" smtClean="0"/>
-              <a:t>17.12.2018</a:t>
+              <a:t>19.12.2018</a:t>
             </a:fld>
             <a:endParaRPr lang="de-DE"/>
           </a:p>
@@ -7734,10 +8172,10 @@
           <p:cNvPr id="5" name="Rectangle 7">
             <a:extLst>
               <a:ext uri="{FF2B5EF4-FFF2-40B4-BE49-F238E27FC236}">
-                <a16:creationId xmlns="" xmlns:a16="http://schemas.microsoft.com/office/drawing/2014/main" id="{57ABABA7-0420-4200-9B65-1C1967CE9373}"/>
+                <a16:creationId xmlns:a16="http://schemas.microsoft.com/office/drawing/2014/main" xmlns="" id="{57ABABA7-0420-4200-9B65-1C1967CE9373}"/>
               </a:ext>
               <a:ext uri="{C183D7F6-B498-43B3-948B-1728B52AA6E4}">
-                <adec:decorative xmlns="" xmlns:adec="http://schemas.microsoft.com/office/drawing/2017/decorative" val="1"/>
+                <adec:decorative xmlns:adec="http://schemas.microsoft.com/office/drawing/2017/decorative" xmlns="" val="1"/>
               </a:ext>
             </a:extLst>
           </p:cNvPr>
@@ -7747,7 +8185,7 @@
           <p:nvPr>
             <p:extLst>
               <p:ext uri="{386F3935-93C4-4BCD-93E2-E3B085C9AB24}">
-                <p16:designElem xmlns="" xmlns:p16="http://schemas.microsoft.com/office/powerpoint/2015/main" val="1"/>
+                <p16:designElem xmlns:p16="http://schemas.microsoft.com/office/powerpoint/2015/main" xmlns="" val="1"/>
               </p:ext>
             </p:extLst>
           </p:nvPr>
@@ -7794,10 +8232,10 @@
           <p:cNvPr id="6" name="Group 9">
             <a:extLst>
               <a:ext uri="{FF2B5EF4-FFF2-40B4-BE49-F238E27FC236}">
-                <a16:creationId xmlns="" xmlns:a16="http://schemas.microsoft.com/office/drawing/2014/main" id="{7A03E380-9CD1-4ABA-A763-9F9D252B8908}"/>
+                <a16:creationId xmlns:a16="http://schemas.microsoft.com/office/drawing/2014/main" xmlns="" id="{7A03E380-9CD1-4ABA-A763-9F9D252B8908}"/>
               </a:ext>
               <a:ext uri="{C183D7F6-B498-43B3-948B-1728B52AA6E4}">
-                <adec:decorative xmlns="" xmlns:adec="http://schemas.microsoft.com/office/drawing/2017/decorative" val="1"/>
+                <adec:decorative xmlns:adec="http://schemas.microsoft.com/office/drawing/2017/decorative" xmlns="" val="1"/>
               </a:ext>
             </a:extLst>
           </p:cNvPr>
@@ -7807,7 +8245,7 @@
           <p:nvPr>
             <p:extLst>
               <p:ext uri="{386F3935-93C4-4BCD-93E2-E3B085C9AB24}">
-                <p16:designElem xmlns="" xmlns:p16="http://schemas.microsoft.com/office/powerpoint/2015/main" val="1"/>
+                <p16:designElem xmlns:p16="http://schemas.microsoft.com/office/powerpoint/2015/main" xmlns="" val="1"/>
               </p:ext>
             </p:extLst>
           </p:nvPr>
@@ -7830,10 +8268,10 @@
             <p:cNvPr id="11" name="Freeform 11">
               <a:extLst>
                 <a:ext uri="{FF2B5EF4-FFF2-40B4-BE49-F238E27FC236}">
-                  <a16:creationId xmlns="" xmlns:a16="http://schemas.microsoft.com/office/drawing/2014/main" id="{66E01B84-4C2B-4DE5-90C8-9C4001A75B11}"/>
+                  <a16:creationId xmlns:a16="http://schemas.microsoft.com/office/drawing/2014/main" xmlns="" id="{66E01B84-4C2B-4DE5-90C8-9C4001A75B11}"/>
                 </a:ext>
                 <a:ext uri="{C183D7F6-B498-43B3-948B-1728B52AA6E4}">
-                  <adec:decorative xmlns="" xmlns:adec="http://schemas.microsoft.com/office/drawing/2017/decorative" val="1"/>
+                  <adec:decorative xmlns:adec="http://schemas.microsoft.com/office/drawing/2017/decorative" xmlns="" val="1"/>
                 </a:ext>
               </a:extLst>
             </p:cNvPr>
@@ -7841,7 +8279,7 @@
             <p:nvPr>
               <p:extLst>
                 <p:ext uri="{386F3935-93C4-4BCD-93E2-E3B085C9AB24}">
-                  <p16:designElem xmlns="" xmlns:p16="http://schemas.microsoft.com/office/powerpoint/2015/main" val="1"/>
+                  <p16:designElem xmlns:p16="http://schemas.microsoft.com/office/powerpoint/2015/main" xmlns="" val="1"/>
                 </p:ext>
               </p:extLst>
             </p:nvPr>
@@ -7902,10 +8340,10 @@
             <p:cNvPr id="7" name="Freeform 12">
               <a:extLst>
                 <a:ext uri="{FF2B5EF4-FFF2-40B4-BE49-F238E27FC236}">
-                  <a16:creationId xmlns="" xmlns:a16="http://schemas.microsoft.com/office/drawing/2014/main" id="{64CE5A7A-D5C5-4FE5-860C-0B5748FDEEDC}"/>
+                  <a16:creationId xmlns:a16="http://schemas.microsoft.com/office/drawing/2014/main" xmlns="" id="{64CE5A7A-D5C5-4FE5-860C-0B5748FDEEDC}"/>
                 </a:ext>
                 <a:ext uri="{C183D7F6-B498-43B3-948B-1728B52AA6E4}">
-                  <adec:decorative xmlns="" xmlns:adec="http://schemas.microsoft.com/office/drawing/2017/decorative" val="1"/>
+                  <adec:decorative xmlns:adec="http://schemas.microsoft.com/office/drawing/2017/decorative" xmlns="" val="1"/>
                 </a:ext>
               </a:extLst>
             </p:cNvPr>
@@ -7913,7 +8351,7 @@
             <p:nvPr>
               <p:extLst>
                 <p:ext uri="{386F3935-93C4-4BCD-93E2-E3B085C9AB24}">
-                  <p16:designElem xmlns="" xmlns:p16="http://schemas.microsoft.com/office/powerpoint/2015/main" val="1"/>
+                  <p16:designElem xmlns:p16="http://schemas.microsoft.com/office/powerpoint/2015/main" xmlns="" val="1"/>
                 </p:ext>
               </p:extLst>
             </p:nvPr>
@@ -7979,10 +8417,10 @@
             <p:cNvPr id="13" name="Freeform 13">
               <a:extLst>
                 <a:ext uri="{FF2B5EF4-FFF2-40B4-BE49-F238E27FC236}">
-                  <a16:creationId xmlns="" xmlns:a16="http://schemas.microsoft.com/office/drawing/2014/main" id="{016A7D2A-6EEA-47B8-A763-7D82E41B3CED}"/>
+                  <a16:creationId xmlns:a16="http://schemas.microsoft.com/office/drawing/2014/main" xmlns="" id="{016A7D2A-6EEA-47B8-A763-7D82E41B3CED}"/>
                 </a:ext>
                 <a:ext uri="{C183D7F6-B498-43B3-948B-1728B52AA6E4}">
-                  <adec:decorative xmlns="" xmlns:adec="http://schemas.microsoft.com/office/drawing/2017/decorative" val="1"/>
+                  <adec:decorative xmlns:adec="http://schemas.microsoft.com/office/drawing/2017/decorative" xmlns="" val="1"/>
                 </a:ext>
               </a:extLst>
             </p:cNvPr>
@@ -7990,7 +8428,7 @@
             <p:nvPr>
               <p:extLst>
                 <p:ext uri="{386F3935-93C4-4BCD-93E2-E3B085C9AB24}">
-                  <p16:designElem xmlns="" xmlns:p16="http://schemas.microsoft.com/office/powerpoint/2015/main" val="1"/>
+                  <p16:designElem xmlns:p16="http://schemas.microsoft.com/office/powerpoint/2015/main" xmlns="" val="1"/>
                 </p:ext>
               </p:extLst>
             </p:nvPr>
@@ -8061,10 +8499,10 @@
             <p:cNvPr id="14" name="Freeform 14">
               <a:extLst>
                 <a:ext uri="{FF2B5EF4-FFF2-40B4-BE49-F238E27FC236}">
-                  <a16:creationId xmlns="" xmlns:a16="http://schemas.microsoft.com/office/drawing/2014/main" id="{E758F6E7-6DEC-48D0-ACB1-E5E26B13E6C3}"/>
+                  <a16:creationId xmlns:a16="http://schemas.microsoft.com/office/drawing/2014/main" xmlns="" id="{E758F6E7-6DEC-48D0-ACB1-E5E26B13E6C3}"/>
                 </a:ext>
                 <a:ext uri="{C183D7F6-B498-43B3-948B-1728B52AA6E4}">
-                  <adec:decorative xmlns="" xmlns:adec="http://schemas.microsoft.com/office/drawing/2017/decorative" val="1"/>
+                  <adec:decorative xmlns:adec="http://schemas.microsoft.com/office/drawing/2017/decorative" xmlns="" val="1"/>
                 </a:ext>
               </a:extLst>
             </p:cNvPr>
@@ -8072,7 +8510,7 @@
             <p:nvPr>
               <p:extLst>
                 <p:ext uri="{386F3935-93C4-4BCD-93E2-E3B085C9AB24}">
-                  <p16:designElem xmlns="" xmlns:p16="http://schemas.microsoft.com/office/powerpoint/2015/main" val="1"/>
+                  <p16:designElem xmlns:p16="http://schemas.microsoft.com/office/powerpoint/2015/main" xmlns="" val="1"/>
                 </p:ext>
               </p:extLst>
             </p:nvPr>
@@ -8123,10 +8561,10 @@
             <p:cNvPr id="15" name="Freeform 15">
               <a:extLst>
                 <a:ext uri="{FF2B5EF4-FFF2-40B4-BE49-F238E27FC236}">
-                  <a16:creationId xmlns="" xmlns:a16="http://schemas.microsoft.com/office/drawing/2014/main" id="{B56657FF-C027-42E7-859B-902929B6FA1C}"/>
+                  <a16:creationId xmlns:a16="http://schemas.microsoft.com/office/drawing/2014/main" xmlns="" id="{B56657FF-C027-42E7-859B-902929B6FA1C}"/>
                 </a:ext>
                 <a:ext uri="{C183D7F6-B498-43B3-948B-1728B52AA6E4}">
-                  <adec:decorative xmlns="" xmlns:adec="http://schemas.microsoft.com/office/drawing/2017/decorative" val="1"/>
+                  <adec:decorative xmlns:adec="http://schemas.microsoft.com/office/drawing/2017/decorative" xmlns="" val="1"/>
                 </a:ext>
               </a:extLst>
             </p:cNvPr>
@@ -8134,7 +8572,7 @@
             <p:nvPr>
               <p:extLst>
                 <p:ext uri="{386F3935-93C4-4BCD-93E2-E3B085C9AB24}">
-                  <p16:designElem xmlns="" xmlns:p16="http://schemas.microsoft.com/office/powerpoint/2015/main" val="1"/>
+                  <p16:designElem xmlns:p16="http://schemas.microsoft.com/office/powerpoint/2015/main" xmlns="" val="1"/>
                 </p:ext>
               </p:extLst>
             </p:nvPr>
@@ -8220,10 +8658,10 @@
             <p:cNvPr id="16" name="Freeform 16">
               <a:extLst>
                 <a:ext uri="{FF2B5EF4-FFF2-40B4-BE49-F238E27FC236}">
-                  <a16:creationId xmlns="" xmlns:a16="http://schemas.microsoft.com/office/drawing/2014/main" id="{79047F2A-5978-46C6-B3A2-54AAC2136B15}"/>
+                  <a16:creationId xmlns:a16="http://schemas.microsoft.com/office/drawing/2014/main" xmlns="" id="{79047F2A-5978-46C6-B3A2-54AAC2136B15}"/>
                 </a:ext>
                 <a:ext uri="{C183D7F6-B498-43B3-948B-1728B52AA6E4}">
-                  <adec:decorative xmlns="" xmlns:adec="http://schemas.microsoft.com/office/drawing/2017/decorative" val="1"/>
+                  <adec:decorative xmlns:adec="http://schemas.microsoft.com/office/drawing/2017/decorative" xmlns="" val="1"/>
                 </a:ext>
               </a:extLst>
             </p:cNvPr>
@@ -8231,7 +8669,7 @@
             <p:nvPr>
               <p:extLst>
                 <p:ext uri="{386F3935-93C4-4BCD-93E2-E3B085C9AB24}">
-                  <p16:designElem xmlns="" xmlns:p16="http://schemas.microsoft.com/office/powerpoint/2015/main" val="1"/>
+                  <p16:designElem xmlns:p16="http://schemas.microsoft.com/office/powerpoint/2015/main" xmlns="" val="1"/>
                 </p:ext>
               </p:extLst>
             </p:nvPr>
@@ -8312,10 +8750,10 @@
             <p:cNvPr id="17" name="Freeform 17">
               <a:extLst>
                 <a:ext uri="{FF2B5EF4-FFF2-40B4-BE49-F238E27FC236}">
-                  <a16:creationId xmlns="" xmlns:a16="http://schemas.microsoft.com/office/drawing/2014/main" id="{F3BE8FD1-0A72-4640-AC7A-2E057273F87D}"/>
+                  <a16:creationId xmlns:a16="http://schemas.microsoft.com/office/drawing/2014/main" xmlns="" id="{F3BE8FD1-0A72-4640-AC7A-2E057273F87D}"/>
                 </a:ext>
                 <a:ext uri="{C183D7F6-B498-43B3-948B-1728B52AA6E4}">
-                  <adec:decorative xmlns="" xmlns:adec="http://schemas.microsoft.com/office/drawing/2017/decorative" val="1"/>
+                  <adec:decorative xmlns:adec="http://schemas.microsoft.com/office/drawing/2017/decorative" xmlns="" val="1"/>
                 </a:ext>
               </a:extLst>
             </p:cNvPr>
@@ -8323,7 +8761,7 @@
             <p:nvPr>
               <p:extLst>
                 <p:ext uri="{386F3935-93C4-4BCD-93E2-E3B085C9AB24}">
-                  <p16:designElem xmlns="" xmlns:p16="http://schemas.microsoft.com/office/powerpoint/2015/main" val="1"/>
+                  <p16:designElem xmlns:p16="http://schemas.microsoft.com/office/powerpoint/2015/main" xmlns="" val="1"/>
                 </p:ext>
               </p:extLst>
             </p:nvPr>
@@ -8384,10 +8822,10 @@
             <p:cNvPr id="18" name="Freeform 18">
               <a:extLst>
                 <a:ext uri="{FF2B5EF4-FFF2-40B4-BE49-F238E27FC236}">
-                  <a16:creationId xmlns="" xmlns:a16="http://schemas.microsoft.com/office/drawing/2014/main" id="{752FC782-A372-4D11-B20D-958955E5641F}"/>
+                  <a16:creationId xmlns:a16="http://schemas.microsoft.com/office/drawing/2014/main" xmlns="" id="{752FC782-A372-4D11-B20D-958955E5641F}"/>
                 </a:ext>
                 <a:ext uri="{C183D7F6-B498-43B3-948B-1728B52AA6E4}">
-                  <adec:decorative xmlns="" xmlns:adec="http://schemas.microsoft.com/office/drawing/2017/decorative" val="1"/>
+                  <adec:decorative xmlns:adec="http://schemas.microsoft.com/office/drawing/2017/decorative" xmlns="" val="1"/>
                 </a:ext>
               </a:extLst>
             </p:cNvPr>
@@ -8395,7 +8833,7 @@
             <p:nvPr>
               <p:extLst>
                 <p:ext uri="{386F3935-93C4-4BCD-93E2-E3B085C9AB24}">
-                  <p16:designElem xmlns="" xmlns:p16="http://schemas.microsoft.com/office/powerpoint/2015/main" val="1"/>
+                  <p16:designElem xmlns:p16="http://schemas.microsoft.com/office/powerpoint/2015/main" xmlns="" val="1"/>
                 </p:ext>
               </p:extLst>
             </p:nvPr>
@@ -8476,10 +8914,10 @@
             <p:cNvPr id="19" name="Freeform 19">
               <a:extLst>
                 <a:ext uri="{FF2B5EF4-FFF2-40B4-BE49-F238E27FC236}">
-                  <a16:creationId xmlns="" xmlns:a16="http://schemas.microsoft.com/office/drawing/2014/main" id="{AA00B2F1-BEE2-444A-8249-C8E3212CA1A8}"/>
+                  <a16:creationId xmlns:a16="http://schemas.microsoft.com/office/drawing/2014/main" xmlns="" id="{AA00B2F1-BEE2-444A-8249-C8E3212CA1A8}"/>
                 </a:ext>
                 <a:ext uri="{C183D7F6-B498-43B3-948B-1728B52AA6E4}">
-                  <adec:decorative xmlns="" xmlns:adec="http://schemas.microsoft.com/office/drawing/2017/decorative" val="1"/>
+                  <adec:decorative xmlns:adec="http://schemas.microsoft.com/office/drawing/2017/decorative" xmlns="" val="1"/>
                 </a:ext>
               </a:extLst>
             </p:cNvPr>
@@ -8487,7 +8925,7 @@
             <p:nvPr>
               <p:extLst>
                 <p:ext uri="{386F3935-93C4-4BCD-93E2-E3B085C9AB24}">
-                  <p16:designElem xmlns="" xmlns:p16="http://schemas.microsoft.com/office/powerpoint/2015/main" val="1"/>
+                  <p16:designElem xmlns:p16="http://schemas.microsoft.com/office/powerpoint/2015/main" xmlns="" val="1"/>
                 </p:ext>
               </p:extLst>
             </p:nvPr>
@@ -8603,10 +9041,10 @@
             <p:cNvPr id="20" name="Freeform 20">
               <a:extLst>
                 <a:ext uri="{FF2B5EF4-FFF2-40B4-BE49-F238E27FC236}">
-                  <a16:creationId xmlns="" xmlns:a16="http://schemas.microsoft.com/office/drawing/2014/main" id="{E7F5747E-514B-4CF7-B6B0-DAD714909789}"/>
+                  <a16:creationId xmlns:a16="http://schemas.microsoft.com/office/drawing/2014/main" xmlns="" id="{E7F5747E-514B-4CF7-B6B0-DAD714909789}"/>
                 </a:ext>
                 <a:ext uri="{C183D7F6-B498-43B3-948B-1728B52AA6E4}">
-                  <adec:decorative xmlns="" xmlns:adec="http://schemas.microsoft.com/office/drawing/2017/decorative" val="1"/>
+                  <adec:decorative xmlns:adec="http://schemas.microsoft.com/office/drawing/2017/decorative" xmlns="" val="1"/>
                 </a:ext>
               </a:extLst>
             </p:cNvPr>
@@ -8614,7 +9052,7 @@
             <p:nvPr>
               <p:extLst>
                 <p:ext uri="{386F3935-93C4-4BCD-93E2-E3B085C9AB24}">
-                  <p16:designElem xmlns="" xmlns:p16="http://schemas.microsoft.com/office/powerpoint/2015/main" val="1"/>
+                  <p16:designElem xmlns:p16="http://schemas.microsoft.com/office/powerpoint/2015/main" xmlns="" val="1"/>
                 </p:ext>
               </p:extLst>
             </p:nvPr>
@@ -8665,10 +9103,10 @@
             <p:cNvPr id="21" name="Freeform 21">
               <a:extLst>
                 <a:ext uri="{FF2B5EF4-FFF2-40B4-BE49-F238E27FC236}">
-                  <a16:creationId xmlns="" xmlns:a16="http://schemas.microsoft.com/office/drawing/2014/main" id="{931614BB-1593-40ED-8113-2BD11870556B}"/>
+                  <a16:creationId xmlns:a16="http://schemas.microsoft.com/office/drawing/2014/main" xmlns="" id="{931614BB-1593-40ED-8113-2BD11870556B}"/>
                 </a:ext>
                 <a:ext uri="{C183D7F6-B498-43B3-948B-1728B52AA6E4}">
-                  <adec:decorative xmlns="" xmlns:adec="http://schemas.microsoft.com/office/drawing/2017/decorative" val="1"/>
+                  <adec:decorative xmlns:adec="http://schemas.microsoft.com/office/drawing/2017/decorative" xmlns="" val="1"/>
                 </a:ext>
               </a:extLst>
             </p:cNvPr>
@@ -8676,7 +9114,7 @@
             <p:nvPr>
               <p:extLst>
                 <p:ext uri="{386F3935-93C4-4BCD-93E2-E3B085C9AB24}">
-                  <p16:designElem xmlns="" xmlns:p16="http://schemas.microsoft.com/office/powerpoint/2015/main" val="1"/>
+                  <p16:designElem xmlns:p16="http://schemas.microsoft.com/office/powerpoint/2015/main" xmlns="" val="1"/>
                 </p:ext>
               </p:extLst>
             </p:nvPr>
@@ -8737,10 +9175,10 @@
             <p:cNvPr id="22" name="Freeform 22">
               <a:extLst>
                 <a:ext uri="{FF2B5EF4-FFF2-40B4-BE49-F238E27FC236}">
-                  <a16:creationId xmlns="" xmlns:a16="http://schemas.microsoft.com/office/drawing/2014/main" id="{2691871F-F15C-4E19-BC9C-78E5748D744E}"/>
+                  <a16:creationId xmlns:a16="http://schemas.microsoft.com/office/drawing/2014/main" xmlns="" id="{2691871F-F15C-4E19-BC9C-78E5748D744E}"/>
                 </a:ext>
                 <a:ext uri="{C183D7F6-B498-43B3-948B-1728B52AA6E4}">
-                  <adec:decorative xmlns="" xmlns:adec="http://schemas.microsoft.com/office/drawing/2017/decorative" val="1"/>
+                  <adec:decorative xmlns:adec="http://schemas.microsoft.com/office/drawing/2017/decorative" xmlns="" val="1"/>
                 </a:ext>
               </a:extLst>
             </p:cNvPr>
@@ -8748,7 +9186,7 @@
             <p:nvPr>
               <p:extLst>
                 <p:ext uri="{386F3935-93C4-4BCD-93E2-E3B085C9AB24}">
-                  <p16:designElem xmlns="" xmlns:p16="http://schemas.microsoft.com/office/powerpoint/2015/main" val="1"/>
+                  <p16:designElem xmlns:p16="http://schemas.microsoft.com/office/powerpoint/2015/main" xmlns="" val="1"/>
                 </p:ext>
               </p:extLst>
             </p:nvPr>
@@ -8891,10 +9329,10 @@
           <p:cNvPr id="24" name="Rectangle 23">
             <a:extLst>
               <a:ext uri="{FF2B5EF4-FFF2-40B4-BE49-F238E27FC236}">
-                <a16:creationId xmlns="" xmlns:a16="http://schemas.microsoft.com/office/drawing/2014/main" id="{A317EBE3-FF86-4DA1-BC9A-331F7F2144E9}"/>
+                <a16:creationId xmlns:a16="http://schemas.microsoft.com/office/drawing/2014/main" xmlns="" id="{A317EBE3-FF86-4DA1-BC9A-331F7F2144E9}"/>
               </a:ext>
               <a:ext uri="{C183D7F6-B498-43B3-948B-1728B52AA6E4}">
-                <adec:decorative xmlns="" xmlns:adec="http://schemas.microsoft.com/office/drawing/2017/decorative" val="1"/>
+                <adec:decorative xmlns:adec="http://schemas.microsoft.com/office/drawing/2017/decorative" xmlns="" val="1"/>
               </a:ext>
             </a:extLst>
           </p:cNvPr>
@@ -8904,7 +9342,7 @@
           <p:nvPr>
             <p:extLst>
               <p:ext uri="{386F3935-93C4-4BCD-93E2-E3B085C9AB24}">
-                <p16:designElem xmlns="" xmlns:p16="http://schemas.microsoft.com/office/powerpoint/2015/main" val="1"/>
+                <p16:designElem xmlns:p16="http://schemas.microsoft.com/office/powerpoint/2015/main" xmlns="" val="1"/>
               </p:ext>
             </p:extLst>
           </p:nvPr>
@@ -8945,10 +9383,10 @@
           <p:cNvPr id="9" name="Straight Connector 25">
             <a:extLst>
               <a:ext uri="{FF2B5EF4-FFF2-40B4-BE49-F238E27FC236}">
-                <a16:creationId xmlns="" xmlns:a16="http://schemas.microsoft.com/office/drawing/2014/main" id="{34D43EC1-35FA-4FC3-8526-F655CEB09D9C}"/>
+                <a16:creationId xmlns:a16="http://schemas.microsoft.com/office/drawing/2014/main" xmlns="" id="{34D43EC1-35FA-4FC3-8526-F655CEB09D9C}"/>
               </a:ext>
               <a:ext uri="{C183D7F6-B498-43B3-948B-1728B52AA6E4}">
-                <adec:decorative xmlns="" xmlns:adec="http://schemas.microsoft.com/office/drawing/2017/decorative" val="1"/>
+                <adec:decorative xmlns:adec="http://schemas.microsoft.com/office/drawing/2017/decorative" xmlns="" val="1"/>
               </a:ext>
             </a:extLst>
           </p:cNvPr>
@@ -8958,7 +9396,7 @@
           <p:nvPr>
             <p:extLst>
               <p:ext uri="{386F3935-93C4-4BCD-93E2-E3B085C9AB24}">
-                <p16:designElem xmlns="" xmlns:p16="http://schemas.microsoft.com/office/powerpoint/2015/main" val="1"/>
+                <p16:designElem xmlns:p16="http://schemas.microsoft.com/office/powerpoint/2015/main" xmlns="" val="1"/>
               </p:ext>
             </p:extLst>
           </p:nvPr>
@@ -9002,121 +9440,6 @@
   <p:clrMapOvr>
     <a:masterClrMapping/>
   </p:clrMapOvr>
-</p:sld>
-</file>
-
-<file path=ppt/slides/slide10.xml><?xml version="1.0" encoding="utf-8"?>
-<p:sld xmlns:a="http://schemas.openxmlformats.org/drawingml/2006/main" xmlns:r="http://schemas.openxmlformats.org/officeDocument/2006/relationships" xmlns:p="http://schemas.openxmlformats.org/presentationml/2006/main">
-  <p:cSld>
-    <p:spTree>
-      <p:nvGrpSpPr>
-        <p:cNvPr id="1" name=""/>
-        <p:cNvGrpSpPr/>
-        <p:nvPr/>
-      </p:nvGrpSpPr>
-      <p:grpSpPr>
-        <a:xfrm>
-          <a:off x="0" y="0"/>
-          <a:ext cx="0" cy="0"/>
-          <a:chOff x="0" y="0"/>
-          <a:chExt cx="0" cy="0"/>
-        </a:xfrm>
-      </p:grpSpPr>
-      <p:sp>
-        <p:nvSpPr>
-          <p:cNvPr id="2" name="Titel 1">
-            <a:extLst>
-              <a:ext uri="{FF2B5EF4-FFF2-40B4-BE49-F238E27FC236}">
-                <a16:creationId xmlns="" xmlns:a16="http://schemas.microsoft.com/office/drawing/2014/main" id="{81C56212-2D06-4563-A27A-2F81AD3C08F8}"/>
-              </a:ext>
-            </a:extLst>
-          </p:cNvPr>
-          <p:cNvSpPr>
-            <a:spLocks noGrp="1"/>
-          </p:cNvSpPr>
-          <p:nvPr>
-            <p:ph type="title"/>
-          </p:nvPr>
-        </p:nvSpPr>
-        <p:spPr/>
-        <p:txBody>
-          <a:bodyPr/>
-          <a:lstStyle/>
-          <a:p>
-            <a:r>
-              <a:rPr lang="nl-NL"/>
-              <a:t>Results</a:t>
-            </a:r>
-          </a:p>
-        </p:txBody>
-      </p:sp>
-      <p:sp>
-        <p:nvSpPr>
-          <p:cNvPr id="3" name="Tijdelijke aanduiding voor inhoud 2">
-            <a:extLst>
-              <a:ext uri="{FF2B5EF4-FFF2-40B4-BE49-F238E27FC236}">
-                <a16:creationId xmlns="" xmlns:a16="http://schemas.microsoft.com/office/drawing/2014/main" id="{FCAA3D2D-3FEC-4EB3-88D0-8A0E062EEEB9}"/>
-              </a:ext>
-            </a:extLst>
-          </p:cNvPr>
-          <p:cNvSpPr>
-            <a:spLocks noGrp="1"/>
-          </p:cNvSpPr>
-          <p:nvPr>
-            <p:ph idx="1"/>
-          </p:nvPr>
-        </p:nvSpPr>
-        <p:spPr/>
-        <p:txBody>
-          <a:bodyPr vert="horz" lIns="91440" tIns="45720" rIns="91440" bIns="45720" rtlCol="0" anchor="t">
-            <a:normAutofit/>
-          </a:bodyPr>
-          <a:lstStyle/>
-          <a:p>
-            <a:r>
-              <a:rPr lang="nl-NL"/>
-              <a:t>Results – Greedy</a:t>
-            </a:r>
-          </a:p>
-          <a:p>
-            <a:endParaRPr lang="nl-NL"/>
-          </a:p>
-          <a:p>
-            <a:r>
-              <a:rPr lang="nl-NL"/>
-              <a:t>Results – Hill Climber</a:t>
-            </a:r>
-          </a:p>
-          <a:p>
-            <a:endParaRPr lang="nl-NL"/>
-          </a:p>
-          <a:p>
-            <a:r>
-              <a:rPr lang="nl-NL"/>
-              <a:t>Results – Simulated Annealing</a:t>
-            </a:r>
-          </a:p>
-          <a:p>
-            <a:endParaRPr lang="nl-NL"/>
-          </a:p>
-          <a:p>
-            <a:r>
-              <a:rPr lang="nl-NL"/>
-              <a:t>Results – K-means</a:t>
-            </a:r>
-          </a:p>
-        </p:txBody>
-      </p:sp>
-    </p:spTree>
-    <p:extLst>
-      <p:ext uri="{BB962C8B-B14F-4D97-AF65-F5344CB8AC3E}">
-        <p14:creationId xmlns:p14="http://schemas.microsoft.com/office/powerpoint/2010/main" val="169055156"/>
-      </p:ext>
-    </p:extLst>
-  </p:cSld>
-  <p:clrMapOvr>
-    <a:masterClrMapping/>
-  </p:clrMapOvr>
   <p:timing>
     <p:tnLst>
       <p:par>
@@ -9127,2183 +9450,7 @@
 </p:sld>
 </file>
 
-<file path=ppt/slides/slide11.xml><?xml version="1.0" encoding="utf-8"?>
-<p:sld xmlns:a="http://schemas.openxmlformats.org/drawingml/2006/main" xmlns:r="http://schemas.openxmlformats.org/officeDocument/2006/relationships" xmlns:p="http://schemas.openxmlformats.org/presentationml/2006/main">
-  <p:cSld>
-    <p:spTree>
-      <p:nvGrpSpPr>
-        <p:cNvPr id="1" name=""/>
-        <p:cNvGrpSpPr/>
-        <p:nvPr/>
-      </p:nvGrpSpPr>
-      <p:grpSpPr>
-        <a:xfrm>
-          <a:off x="0" y="0"/>
-          <a:ext cx="0" cy="0"/>
-          <a:chOff x="0" y="0"/>
-          <a:chExt cx="0" cy="0"/>
-        </a:xfrm>
-      </p:grpSpPr>
-      <p:sp>
-        <p:nvSpPr>
-          <p:cNvPr id="2" name="Titel 1">
-            <a:extLst>
-              <a:ext uri="{FF2B5EF4-FFF2-40B4-BE49-F238E27FC236}">
-                <a16:creationId xmlns="" xmlns:a16="http://schemas.microsoft.com/office/drawing/2014/main" id="{5337A996-074E-4709-9274-E26D068C8EF7}"/>
-              </a:ext>
-            </a:extLst>
-          </p:cNvPr>
-          <p:cNvSpPr>
-            <a:spLocks noGrp="1"/>
-          </p:cNvSpPr>
-          <p:nvPr>
-            <p:ph type="title"/>
-          </p:nvPr>
-        </p:nvSpPr>
-        <p:spPr/>
-        <p:txBody>
-          <a:bodyPr/>
-          <a:lstStyle/>
-          <a:p>
-            <a:r>
-              <a:rPr lang="nl-NL" err="1"/>
-              <a:t>Results</a:t>
-            </a:r>
-            <a:r>
-              <a:rPr lang="nl-NL"/>
-              <a:t> - </a:t>
-            </a:r>
-            <a:r>
-              <a:rPr lang="nl-NL" err="1"/>
-              <a:t>Greedy</a:t>
-            </a:r>
-          </a:p>
-        </p:txBody>
-      </p:sp>
-      <p:pic>
-        <p:nvPicPr>
-          <p:cNvPr id="4" name="Afbeelding 4">
-            <a:extLst>
-              <a:ext uri="{FF2B5EF4-FFF2-40B4-BE49-F238E27FC236}">
-                <a16:creationId xmlns="" xmlns:a16="http://schemas.microsoft.com/office/drawing/2014/main" id="{54760032-D035-4747-AF14-AE8EC1DE3EF2}"/>
-              </a:ext>
-            </a:extLst>
-          </p:cNvPr>
-          <p:cNvPicPr>
-            <a:picLocks noGrp="1" noChangeAspect="1"/>
-          </p:cNvPicPr>
-          <p:nvPr>
-            <p:ph idx="1"/>
-          </p:nvPr>
-        </p:nvPicPr>
-        <p:blipFill>
-          <a:blip r:embed="rId2"/>
-          <a:stretch>
-            <a:fillRect/>
-          </a:stretch>
-        </p:blipFill>
-        <p:spPr>
-          <a:xfrm>
-            <a:off x="6036587" y="2240782"/>
-            <a:ext cx="6151359" cy="4613310"/>
-          </a:xfrm>
-          <a:prstGeom prst="rect">
-            <a:avLst/>
-          </a:prstGeom>
-        </p:spPr>
-      </p:pic>
-      <p:sp>
-        <p:nvSpPr>
-          <p:cNvPr id="3" name="Tekstvak 2">
-            <a:extLst>
-              <a:ext uri="{FF2B5EF4-FFF2-40B4-BE49-F238E27FC236}">
-                <a16:creationId xmlns="" xmlns:a16="http://schemas.microsoft.com/office/drawing/2014/main" id="{F0247C35-EBE3-48D1-90D0-1971BBFDE13F}"/>
-              </a:ext>
-            </a:extLst>
-          </p:cNvPr>
-          <p:cNvSpPr txBox="1"/>
-          <p:nvPr/>
-        </p:nvSpPr>
-        <p:spPr>
-          <a:xfrm>
-            <a:off x="2590800" y="3341915"/>
-            <a:ext cx="6096000" cy="2308324"/>
-          </a:xfrm>
-          <a:prstGeom prst="rect">
-            <a:avLst/>
-          </a:prstGeom>
-        </p:spPr>
-        <p:txBody>
-          <a:bodyPr rot="0" spcFirstLastPara="0" vertOverflow="overflow" horzOverflow="overflow" vert="horz" wrap="square" lIns="91440" tIns="45720" rIns="91440" bIns="45720" numCol="1" spcCol="0" rtlCol="0" fromWordArt="0" anchor="t" anchorCtr="0" forceAA="0" compatLnSpc="1">
-            <a:prstTxWarp prst="textNoShape">
-              <a:avLst/>
-            </a:prstTxWarp>
-            <a:spAutoFit/>
-          </a:bodyPr>
-          <a:lstStyle/>
-          <a:p>
-            <a:r>
-              <a:rPr lang="nl-NL">
-                <a:cs typeface="Segoe UI"/>
-              </a:rPr>
-              <a:t>Lowerbound:</a:t>
-            </a:r>
-            <a:r>
-              <a:rPr lang="en-US">
-                <a:latin typeface="Century Gothic"/>
-                <a:cs typeface="Segoe UI"/>
-              </a:rPr>
-              <a:t>​</a:t>
-            </a:r>
-          </a:p>
-          <a:p>
-            <a:r>
-              <a:rPr lang="nl-NL">
-                <a:latin typeface="Century Gothic"/>
-                <a:cs typeface="Segoe UI"/>
-              </a:rPr>
-              <a:t>€ 53.188</a:t>
-            </a:r>
-            <a:endParaRPr lang="en-US">
-              <a:latin typeface="Century Gothic"/>
-              <a:cs typeface="Segoe UI"/>
-            </a:endParaRPr>
-          </a:p>
-          <a:p>
-            <a:endParaRPr lang="en-US">
-              <a:latin typeface="Century Gothic"/>
-              <a:cs typeface="Segoe UI"/>
-            </a:endParaRPr>
-          </a:p>
-          <a:p>
-            <a:r>
-              <a:rPr lang="nl-NL">
-                <a:cs typeface="Segoe UI"/>
-              </a:rPr>
-              <a:t>Upperbound:</a:t>
-            </a:r>
-            <a:r>
-              <a:rPr lang="en-US">
-                <a:latin typeface="Century Gothic"/>
-                <a:cs typeface="Segoe UI"/>
-              </a:rPr>
-              <a:t>​</a:t>
-            </a:r>
-          </a:p>
-          <a:p>
-            <a:r>
-              <a:rPr lang="nl-NL">
-                <a:cs typeface="Segoe UI"/>
-              </a:rPr>
-              <a:t>€ 103.030</a:t>
-            </a:r>
-            <a:endParaRPr lang="nl-NL">
-              <a:latin typeface="Century Gothic"/>
-              <a:cs typeface="Segoe UI"/>
-            </a:endParaRPr>
-          </a:p>
-          <a:p>
-            <a:r>
-              <a:rPr lang="nl-NL">
-                <a:latin typeface="Century Gothic"/>
-                <a:cs typeface="Segoe UI"/>
-              </a:rPr>
-              <a:t>​</a:t>
-            </a:r>
-          </a:p>
-          <a:p>
-            <a:r>
-              <a:rPr lang="nl-NL">
-                <a:cs typeface="Segoe UI"/>
-              </a:rPr>
-              <a:t>Total costs:</a:t>
-            </a:r>
-            <a:r>
-              <a:rPr lang="en-US">
-                <a:latin typeface="Century Gothic"/>
-                <a:cs typeface="Segoe UI"/>
-              </a:rPr>
-              <a:t>​</a:t>
-            </a:r>
-          </a:p>
-          <a:p>
-            <a:r>
-              <a:rPr lang="nl-NL">
-                <a:cs typeface="Segoe UI"/>
-              </a:rPr>
-              <a:t>€ 56.950</a:t>
-            </a:r>
-          </a:p>
-        </p:txBody>
-      </p:sp>
-    </p:spTree>
-    <p:extLst>
-      <p:ext uri="{BB962C8B-B14F-4D97-AF65-F5344CB8AC3E}">
-        <p14:creationId xmlns:p14="http://schemas.microsoft.com/office/powerpoint/2010/main" val="992654744"/>
-      </p:ext>
-    </p:extLst>
-  </p:cSld>
-  <p:clrMapOvr>
-    <a:masterClrMapping/>
-  </p:clrMapOvr>
-  <p:timing>
-    <p:tnLst>
-      <p:par>
-        <p:cTn id="1" dur="indefinite" restart="never" nodeType="tmRoot"/>
-      </p:par>
-    </p:tnLst>
-  </p:timing>
-</p:sld>
-</file>
-
-<file path=ppt/slides/slide12.xml><?xml version="1.0" encoding="utf-8"?>
-<p:sld xmlns:a="http://schemas.openxmlformats.org/drawingml/2006/main" xmlns:r="http://schemas.openxmlformats.org/officeDocument/2006/relationships" xmlns:p="http://schemas.openxmlformats.org/presentationml/2006/main">
-  <p:cSld>
-    <p:spTree>
-      <p:nvGrpSpPr>
-        <p:cNvPr id="1" name=""/>
-        <p:cNvGrpSpPr/>
-        <p:nvPr/>
-      </p:nvGrpSpPr>
-      <p:grpSpPr>
-        <a:xfrm>
-          <a:off x="0" y="0"/>
-          <a:ext cx="0" cy="0"/>
-          <a:chOff x="0" y="0"/>
-          <a:chExt cx="0" cy="0"/>
-        </a:xfrm>
-      </p:grpSpPr>
-      <p:sp>
-        <p:nvSpPr>
-          <p:cNvPr id="2" name="Titel 1">
-            <a:extLst>
-              <a:ext uri="{FF2B5EF4-FFF2-40B4-BE49-F238E27FC236}">
-                <a16:creationId xmlns="" xmlns:a16="http://schemas.microsoft.com/office/drawing/2014/main" id="{5337A996-074E-4709-9274-E26D068C8EF7}"/>
-              </a:ext>
-            </a:extLst>
-          </p:cNvPr>
-          <p:cNvSpPr>
-            <a:spLocks noGrp="1"/>
-          </p:cNvSpPr>
-          <p:nvPr>
-            <p:ph type="title"/>
-          </p:nvPr>
-        </p:nvSpPr>
-        <p:spPr/>
-        <p:txBody>
-          <a:bodyPr/>
-          <a:lstStyle/>
-          <a:p>
-            <a:r>
-              <a:rPr lang="nl-NL" err="1"/>
-              <a:t>Results</a:t>
-            </a:r>
-            <a:r>
-              <a:rPr lang="nl-NL"/>
-              <a:t> - Hill </a:t>
-            </a:r>
-            <a:r>
-              <a:rPr lang="nl-NL" err="1"/>
-              <a:t>Climber</a:t>
-            </a:r>
-            <a:endParaRPr lang="nl-NL" err="1">
-              <a:ea typeface="+mj-lt"/>
-              <a:cs typeface="+mj-lt"/>
-            </a:endParaRPr>
-          </a:p>
-        </p:txBody>
-      </p:sp>
-      <p:pic>
-        <p:nvPicPr>
-          <p:cNvPr id="4" name="Afbeelding 4">
-            <a:extLst>
-              <a:ext uri="{FF2B5EF4-FFF2-40B4-BE49-F238E27FC236}">
-                <a16:creationId xmlns="" xmlns:a16="http://schemas.microsoft.com/office/drawing/2014/main" id="{43455314-FF6D-47CB-9FAD-3D99638D905D}"/>
-              </a:ext>
-            </a:extLst>
-          </p:cNvPr>
-          <p:cNvPicPr>
-            <a:picLocks noGrp="1" noChangeAspect="1"/>
-          </p:cNvPicPr>
-          <p:nvPr>
-            <p:ph idx="1"/>
-          </p:nvPr>
-        </p:nvPicPr>
-        <p:blipFill>
-          <a:blip r:embed="rId2"/>
-          <a:stretch>
-            <a:fillRect/>
-          </a:stretch>
-        </p:blipFill>
-        <p:spPr>
-          <a:xfrm>
-            <a:off x="6099391" y="2168771"/>
-            <a:ext cx="5986397" cy="4481005"/>
-          </a:xfrm>
-          <a:prstGeom prst="rect">
-            <a:avLst/>
-          </a:prstGeom>
-        </p:spPr>
-      </p:pic>
-      <p:sp>
-        <p:nvSpPr>
-          <p:cNvPr id="7" name="Tekstvak 6">
-            <a:extLst>
-              <a:ext uri="{FF2B5EF4-FFF2-40B4-BE49-F238E27FC236}">
-                <a16:creationId xmlns="" xmlns:a16="http://schemas.microsoft.com/office/drawing/2014/main" id="{E3FE3C8F-5D86-4A0B-9E0E-B46B020972D7}"/>
-              </a:ext>
-            </a:extLst>
-          </p:cNvPr>
-          <p:cNvSpPr txBox="1"/>
-          <p:nvPr/>
-        </p:nvSpPr>
-        <p:spPr>
-          <a:xfrm>
-            <a:off x="2590800" y="3341915"/>
-            <a:ext cx="6096000" cy="2308324"/>
-          </a:xfrm>
-          <a:prstGeom prst="rect">
-            <a:avLst/>
-          </a:prstGeom>
-        </p:spPr>
-        <p:txBody>
-          <a:bodyPr rot="0" spcFirstLastPara="0" vertOverflow="overflow" horzOverflow="overflow" vert="horz" wrap="square" lIns="91440" tIns="45720" rIns="91440" bIns="45720" numCol="1" spcCol="0" rtlCol="0" fromWordArt="0" anchor="t" anchorCtr="0" forceAA="0" compatLnSpc="1">
-            <a:prstTxWarp prst="textNoShape">
-              <a:avLst/>
-            </a:prstTxWarp>
-            <a:spAutoFit/>
-          </a:bodyPr>
-          <a:lstStyle/>
-          <a:p>
-            <a:r>
-              <a:rPr lang="nl-NL">
-                <a:cs typeface="Segoe UI"/>
-              </a:rPr>
-              <a:t>Lowerbound:</a:t>
-            </a:r>
-            <a:r>
-              <a:rPr lang="en-US">
-                <a:latin typeface="Century Gothic"/>
-                <a:cs typeface="Segoe UI"/>
-              </a:rPr>
-              <a:t>​</a:t>
-            </a:r>
-          </a:p>
-          <a:p>
-            <a:r>
-              <a:rPr lang="nl-NL">
-                <a:latin typeface="Century Gothic"/>
-                <a:cs typeface="Segoe UI"/>
-              </a:rPr>
-              <a:t>€ 53.188</a:t>
-            </a:r>
-            <a:endParaRPr lang="en-US">
-              <a:latin typeface="Century Gothic"/>
-              <a:cs typeface="Segoe UI"/>
-            </a:endParaRPr>
-          </a:p>
-          <a:p>
-            <a:endParaRPr lang="en-US">
-              <a:latin typeface="Century Gothic"/>
-              <a:cs typeface="Segoe UI"/>
-            </a:endParaRPr>
-          </a:p>
-          <a:p>
-            <a:r>
-              <a:rPr lang="nl-NL">
-                <a:cs typeface="Segoe UI"/>
-              </a:rPr>
-              <a:t>Upperbound:</a:t>
-            </a:r>
-            <a:r>
-              <a:rPr lang="en-US">
-                <a:latin typeface="Century Gothic"/>
-                <a:cs typeface="Segoe UI"/>
-              </a:rPr>
-              <a:t>​</a:t>
-            </a:r>
-          </a:p>
-          <a:p>
-            <a:r>
-              <a:rPr lang="nl-NL">
-                <a:cs typeface="Segoe UI"/>
-              </a:rPr>
-              <a:t>€ 103.030</a:t>
-            </a:r>
-            <a:endParaRPr lang="nl-NL">
-              <a:latin typeface="Century Gothic"/>
-              <a:cs typeface="Segoe UI"/>
-            </a:endParaRPr>
-          </a:p>
-          <a:p>
-            <a:r>
-              <a:rPr lang="nl-NL">
-                <a:latin typeface="Century Gothic"/>
-                <a:cs typeface="Segoe UI"/>
-              </a:rPr>
-              <a:t>​</a:t>
-            </a:r>
-          </a:p>
-          <a:p>
-            <a:r>
-              <a:rPr lang="nl-NL">
-                <a:cs typeface="Segoe UI"/>
-              </a:rPr>
-              <a:t>Total costs:</a:t>
-            </a:r>
-            <a:r>
-              <a:rPr lang="en-US">
-                <a:latin typeface="Century Gothic"/>
-                <a:cs typeface="Segoe UI"/>
-              </a:rPr>
-              <a:t>​</a:t>
-            </a:r>
-          </a:p>
-          <a:p>
-            <a:r>
-              <a:rPr lang="nl-NL">
-                <a:cs typeface="Segoe UI"/>
-              </a:rPr>
-              <a:t>€ 56.370</a:t>
-            </a:r>
-          </a:p>
-        </p:txBody>
-      </p:sp>
-    </p:spTree>
-    <p:extLst>
-      <p:ext uri="{BB962C8B-B14F-4D97-AF65-F5344CB8AC3E}">
-        <p14:creationId xmlns:p14="http://schemas.microsoft.com/office/powerpoint/2010/main" val="3667981630"/>
-      </p:ext>
-    </p:extLst>
-  </p:cSld>
-  <p:clrMapOvr>
-    <a:masterClrMapping/>
-  </p:clrMapOvr>
-  <p:timing>
-    <p:tnLst>
-      <p:par>
-        <p:cTn id="1" dur="indefinite" restart="never" nodeType="tmRoot"/>
-      </p:par>
-    </p:tnLst>
-  </p:timing>
-</p:sld>
-</file>
-
-<file path=ppt/slides/slide13.xml><?xml version="1.0" encoding="utf-8"?>
-<p:sld xmlns:a="http://schemas.openxmlformats.org/drawingml/2006/main" xmlns:r="http://schemas.openxmlformats.org/officeDocument/2006/relationships" xmlns:p="http://schemas.openxmlformats.org/presentationml/2006/main">
-  <p:cSld>
-    <p:spTree>
-      <p:nvGrpSpPr>
-        <p:cNvPr id="1" name=""/>
-        <p:cNvGrpSpPr/>
-        <p:nvPr/>
-      </p:nvGrpSpPr>
-      <p:grpSpPr>
-        <a:xfrm>
-          <a:off x="0" y="0"/>
-          <a:ext cx="0" cy="0"/>
-          <a:chOff x="0" y="0"/>
-          <a:chExt cx="0" cy="0"/>
-        </a:xfrm>
-      </p:grpSpPr>
-      <p:sp>
-        <p:nvSpPr>
-          <p:cNvPr id="2" name="Titel 1">
-            <a:extLst>
-              <a:ext uri="{FF2B5EF4-FFF2-40B4-BE49-F238E27FC236}">
-                <a16:creationId xmlns="" xmlns:a16="http://schemas.microsoft.com/office/drawing/2014/main" id="{5337A996-074E-4709-9274-E26D068C8EF7}"/>
-              </a:ext>
-            </a:extLst>
-          </p:cNvPr>
-          <p:cNvSpPr>
-            <a:spLocks noGrp="1"/>
-          </p:cNvSpPr>
-          <p:nvPr>
-            <p:ph type="title"/>
-          </p:nvPr>
-        </p:nvSpPr>
-        <p:spPr/>
-        <p:txBody>
-          <a:bodyPr/>
-          <a:lstStyle/>
-          <a:p>
-            <a:r>
-              <a:rPr lang="nl-NL" err="1"/>
-              <a:t>Results</a:t>
-            </a:r>
-            <a:r>
-              <a:rPr lang="nl-NL"/>
-              <a:t> - </a:t>
-            </a:r>
-            <a:r>
-              <a:rPr lang="nl-NL" err="1"/>
-              <a:t>Simulated</a:t>
-            </a:r>
-            <a:r>
-              <a:rPr lang="nl-NL"/>
-              <a:t> </a:t>
-            </a:r>
-            <a:r>
-              <a:rPr lang="nl-NL" err="1"/>
-              <a:t>Annealing</a:t>
-            </a:r>
-          </a:p>
-        </p:txBody>
-      </p:sp>
-      <p:sp>
-        <p:nvSpPr>
-          <p:cNvPr id="3" name="Tijdelijke aanduiding voor inhoud 2"/>
-          <p:cNvSpPr>
-            <a:spLocks noGrp="1"/>
-          </p:cNvSpPr>
-          <p:nvPr>
-            <p:ph idx="1"/>
-          </p:nvPr>
-        </p:nvSpPr>
-        <p:spPr/>
-        <p:txBody>
-          <a:bodyPr/>
-          <a:lstStyle/>
-          <a:p>
-            <a:endParaRPr lang="nl-NL" dirty="0"/>
-          </a:p>
-        </p:txBody>
-      </p:sp>
-      <p:pic>
-        <p:nvPicPr>
-          <p:cNvPr id="1026" name="Picture 2" descr="simulated_10times.PNG"/>
-          <p:cNvPicPr>
-            <a:picLocks noChangeAspect="1" noChangeArrowheads="1"/>
-          </p:cNvPicPr>
-          <p:nvPr/>
-        </p:nvPicPr>
-        <p:blipFill>
-          <a:blip r:embed="rId2">
-            <a:extLst>
-              <a:ext uri="{28A0092B-C50C-407E-A947-70E740481C1C}">
-                <a14:useLocalDpi xmlns:a14="http://schemas.microsoft.com/office/drawing/2010/main" val="0"/>
-              </a:ext>
-            </a:extLst>
-          </a:blip>
-          <a:srcRect/>
-          <a:stretch>
-            <a:fillRect/>
-          </a:stretch>
-        </p:blipFill>
-        <p:spPr bwMode="auto">
-          <a:xfrm>
-            <a:off x="3562350" y="1316036"/>
-            <a:ext cx="5556250" cy="5547037"/>
-          </a:xfrm>
-          <a:prstGeom prst="rect">
-            <a:avLst/>
-          </a:prstGeom>
-          <a:noFill/>
-          <a:extLst>
-            <a:ext uri="{909E8E84-426E-40DD-AFC4-6F175D3DCCD1}">
-              <a14:hiddenFill xmlns:a14="http://schemas.microsoft.com/office/drawing/2010/main">
-                <a:solidFill>
-                  <a:srgbClr val="FFFFFF"/>
-                </a:solidFill>
-              </a14:hiddenFill>
-            </a:ext>
-          </a:extLst>
-        </p:spPr>
-      </p:pic>
-    </p:spTree>
-    <p:extLst>
-      <p:ext uri="{BB962C8B-B14F-4D97-AF65-F5344CB8AC3E}">
-        <p14:creationId xmlns:p14="http://schemas.microsoft.com/office/powerpoint/2010/main" val="2786059534"/>
-      </p:ext>
-    </p:extLst>
-  </p:cSld>
-  <p:clrMapOvr>
-    <a:masterClrMapping/>
-  </p:clrMapOvr>
-  <p:timing>
-    <p:tnLst>
-      <p:par>
-        <p:cTn id="1" dur="indefinite" restart="never" nodeType="tmRoot"/>
-      </p:par>
-    </p:tnLst>
-  </p:timing>
-</p:sld>
-</file>
-
-<file path=ppt/slides/slide14.xml><?xml version="1.0" encoding="utf-8"?>
-<p:sld xmlns:a="http://schemas.openxmlformats.org/drawingml/2006/main" xmlns:r="http://schemas.openxmlformats.org/officeDocument/2006/relationships" xmlns:p="http://schemas.openxmlformats.org/presentationml/2006/main">
-  <p:cSld>
-    <p:spTree>
-      <p:nvGrpSpPr>
-        <p:cNvPr id="1" name=""/>
-        <p:cNvGrpSpPr/>
-        <p:nvPr/>
-      </p:nvGrpSpPr>
-      <p:grpSpPr>
-        <a:xfrm>
-          <a:off x="0" y="0"/>
-          <a:ext cx="0" cy="0"/>
-          <a:chOff x="0" y="0"/>
-          <a:chExt cx="0" cy="0"/>
-        </a:xfrm>
-      </p:grpSpPr>
-      <p:sp>
-        <p:nvSpPr>
-          <p:cNvPr id="2" name="Titel 1">
-            <a:extLst>
-              <a:ext uri="{FF2B5EF4-FFF2-40B4-BE49-F238E27FC236}">
-                <a16:creationId xmlns="" xmlns:a16="http://schemas.microsoft.com/office/drawing/2014/main" id="{5337A996-074E-4709-9274-E26D068C8EF7}"/>
-              </a:ext>
-            </a:extLst>
-          </p:cNvPr>
-          <p:cNvSpPr>
-            <a:spLocks noGrp="1"/>
-          </p:cNvSpPr>
-          <p:nvPr>
-            <p:ph type="title"/>
-          </p:nvPr>
-        </p:nvSpPr>
-        <p:spPr/>
-        <p:txBody>
-          <a:bodyPr/>
-          <a:lstStyle/>
-          <a:p>
-            <a:r>
-              <a:rPr lang="nl-NL" err="1"/>
-              <a:t>Results</a:t>
-            </a:r>
-            <a:r>
-              <a:rPr lang="nl-NL"/>
-              <a:t> - K-Means</a:t>
-            </a:r>
-          </a:p>
-        </p:txBody>
-      </p:sp>
-      <p:pic>
-        <p:nvPicPr>
-          <p:cNvPr id="4" name="Afbeelding 4">
-            <a:extLst>
-              <a:ext uri="{FF2B5EF4-FFF2-40B4-BE49-F238E27FC236}">
-                <a16:creationId xmlns="" xmlns:a16="http://schemas.microsoft.com/office/drawing/2014/main" id="{E2ABE176-51E3-4B57-9384-4E50965B3A4F}"/>
-              </a:ext>
-            </a:extLst>
-          </p:cNvPr>
-          <p:cNvPicPr>
-            <a:picLocks noGrp="1" noChangeAspect="1"/>
-          </p:cNvPicPr>
-          <p:nvPr>
-            <p:ph idx="1"/>
-          </p:nvPr>
-        </p:nvPicPr>
-        <p:blipFill>
-          <a:blip r:embed="rId2"/>
-          <a:stretch>
-            <a:fillRect/>
-          </a:stretch>
-        </p:blipFill>
-        <p:spPr>
-          <a:xfrm>
-            <a:off x="1925974" y="1629508"/>
-            <a:ext cx="6115352" cy="4586514"/>
-          </a:xfrm>
-          <a:prstGeom prst="rect">
-            <a:avLst/>
-          </a:prstGeom>
-        </p:spPr>
-      </p:pic>
-      <p:sp>
-        <p:nvSpPr>
-          <p:cNvPr id="6" name="Tekstvak 5">
-            <a:extLst>
-              <a:ext uri="{FF2B5EF4-FFF2-40B4-BE49-F238E27FC236}">
-                <a16:creationId xmlns="" xmlns:a16="http://schemas.microsoft.com/office/drawing/2014/main" id="{A4D78363-19A6-49F1-A9B3-21E9BFDA57C1}"/>
-              </a:ext>
-            </a:extLst>
-          </p:cNvPr>
-          <p:cNvSpPr txBox="1"/>
-          <p:nvPr/>
-        </p:nvSpPr>
-        <p:spPr>
-          <a:xfrm>
-            <a:off x="8447314" y="1877367"/>
-            <a:ext cx="2743200" cy="2308324"/>
-          </a:xfrm>
-          <a:prstGeom prst="rect">
-            <a:avLst/>
-          </a:prstGeom>
-        </p:spPr>
-        <p:txBody>
-          <a:bodyPr rot="0" spcFirstLastPara="0" vertOverflow="overflow" horzOverflow="overflow" vert="horz" wrap="square" lIns="91440" tIns="45720" rIns="91440" bIns="45720" numCol="1" spcCol="0" rtlCol="0" fromWordArt="0" anchor="t" anchorCtr="0" forceAA="0" compatLnSpc="1">
-            <a:prstTxWarp prst="textNoShape">
-              <a:avLst/>
-            </a:prstTxWarp>
-            <a:spAutoFit/>
-          </a:bodyPr>
-          <a:lstStyle/>
-          <a:p>
-            <a:r>
-              <a:rPr lang="nl-NL" err="1"/>
-              <a:t>Updated</a:t>
-            </a:r>
-            <a:r>
-              <a:rPr lang="nl-NL"/>
-              <a:t> </a:t>
-            </a:r>
-            <a:r>
-              <a:rPr lang="nl-NL" err="1"/>
-              <a:t>lowerbound</a:t>
-            </a:r>
-            <a:r>
-              <a:rPr lang="nl-NL"/>
-              <a:t>:</a:t>
-            </a:r>
-          </a:p>
-          <a:p>
-            <a:r>
-              <a:rPr lang="nl-NL"/>
-              <a:t>€ 39.958</a:t>
-            </a:r>
-          </a:p>
-          <a:p>
-            <a:endParaRPr lang="nl-NL"/>
-          </a:p>
-          <a:p>
-            <a:r>
-              <a:rPr lang="nl-NL" err="1"/>
-              <a:t>Updated</a:t>
-            </a:r>
-            <a:r>
-              <a:rPr lang="nl-NL"/>
-              <a:t> </a:t>
-            </a:r>
-            <a:r>
-              <a:rPr lang="nl-NL" err="1"/>
-              <a:t>upperbound</a:t>
-            </a:r>
-            <a:r>
-              <a:rPr lang="nl-NL"/>
-              <a:t>:</a:t>
-            </a:r>
-          </a:p>
-          <a:p>
-            <a:r>
-              <a:rPr lang="nl-NL"/>
-              <a:t>€ 94.867</a:t>
-            </a:r>
-          </a:p>
-          <a:p>
-            <a:endParaRPr lang="nl-NL"/>
-          </a:p>
-          <a:p>
-            <a:r>
-              <a:rPr lang="nl-NL"/>
-              <a:t>Total </a:t>
-            </a:r>
-            <a:r>
-              <a:rPr lang="nl-NL" err="1"/>
-              <a:t>costs</a:t>
-            </a:r>
-            <a:r>
-              <a:rPr lang="nl-NL"/>
-              <a:t>:</a:t>
-            </a:r>
-          </a:p>
-          <a:p>
-            <a:r>
-              <a:rPr lang="nl-NL"/>
-              <a:t>€ 40.444</a:t>
-            </a:r>
-          </a:p>
-        </p:txBody>
-      </p:sp>
-    </p:spTree>
-    <p:extLst>
-      <p:ext uri="{BB962C8B-B14F-4D97-AF65-F5344CB8AC3E}">
-        <p14:creationId xmlns:p14="http://schemas.microsoft.com/office/powerpoint/2010/main" val="3589587555"/>
-      </p:ext>
-    </p:extLst>
-  </p:cSld>
-  <p:clrMapOvr>
-    <a:masterClrMapping/>
-  </p:clrMapOvr>
-  <p:timing>
-    <p:tnLst>
-      <p:par>
-        <p:cTn id="1" dur="indefinite" restart="never" nodeType="tmRoot"/>
-      </p:par>
-    </p:tnLst>
-  </p:timing>
-</p:sld>
-</file>
-
-<file path=ppt/slides/slide15.xml><?xml version="1.0" encoding="utf-8"?>
-<p:sld xmlns:a="http://schemas.openxmlformats.org/drawingml/2006/main" xmlns:r="http://schemas.openxmlformats.org/officeDocument/2006/relationships" xmlns:p="http://schemas.openxmlformats.org/presentationml/2006/main">
-  <p:cSld>
-    <p:spTree>
-      <p:nvGrpSpPr>
-        <p:cNvPr id="1" name=""/>
-        <p:cNvGrpSpPr/>
-        <p:nvPr/>
-      </p:nvGrpSpPr>
-      <p:grpSpPr>
-        <a:xfrm>
-          <a:off x="0" y="0"/>
-          <a:ext cx="0" cy="0"/>
-          <a:chOff x="0" y="0"/>
-          <a:chExt cx="0" cy="0"/>
-        </a:xfrm>
-      </p:grpSpPr>
-      <p:sp>
-        <p:nvSpPr>
-          <p:cNvPr id="2" name="Titel 1"/>
-          <p:cNvSpPr>
-            <a:spLocks noGrp="1"/>
-          </p:cNvSpPr>
-          <p:nvPr>
-            <p:ph type="title"/>
-          </p:nvPr>
-        </p:nvSpPr>
-        <p:spPr>
-          <a:xfrm>
-            <a:off x="1638301" y="624110"/>
-            <a:ext cx="9866312" cy="1280890"/>
-          </a:xfrm>
-        </p:spPr>
-        <p:txBody>
-          <a:bodyPr>
-            <a:normAutofit/>
-          </a:bodyPr>
-          <a:lstStyle/>
-          <a:p>
-            <a:r>
-              <a:rPr lang="en-US" sz="3100" dirty="0" smtClean="0"/>
-              <a:t>Results </a:t>
-            </a:r>
-            <a:r>
-              <a:rPr lang="en-US" sz="3100" dirty="0"/>
-              <a:t>– Hierarchical Agglomerative Clustering</a:t>
-            </a:r>
-            <a:endParaRPr lang="nl-NL" sz="3100" dirty="0"/>
-          </a:p>
-        </p:txBody>
-      </p:sp>
-      <p:sp>
-        <p:nvSpPr>
-          <p:cNvPr id="3" name="Tijdelijke aanduiding voor inhoud 2"/>
-          <p:cNvSpPr>
-            <a:spLocks noGrp="1"/>
-          </p:cNvSpPr>
-          <p:nvPr>
-            <p:ph idx="1"/>
-          </p:nvPr>
-        </p:nvSpPr>
-        <p:spPr/>
-        <p:txBody>
-          <a:bodyPr/>
-          <a:lstStyle/>
-          <a:p>
-            <a:endParaRPr lang="nl-NL" dirty="0"/>
-          </a:p>
-        </p:txBody>
-      </p:sp>
-      <p:pic>
-        <p:nvPicPr>
-          <p:cNvPr id="2050" name="Picture 2" descr="Hierarchical_Agglomerative_Clustering_V2.png"/>
-          <p:cNvPicPr>
-            <a:picLocks noChangeAspect="1" noChangeArrowheads="1"/>
-          </p:cNvPicPr>
-          <p:nvPr/>
-        </p:nvPicPr>
-        <p:blipFill>
-          <a:blip r:embed="rId2">
-            <a:extLst>
-              <a:ext uri="{28A0092B-C50C-407E-A947-70E740481C1C}">
-                <a14:useLocalDpi xmlns:a14="http://schemas.microsoft.com/office/drawing/2010/main" val="0"/>
-              </a:ext>
-            </a:extLst>
-          </a:blip>
-          <a:srcRect/>
-          <a:stretch>
-            <a:fillRect/>
-          </a:stretch>
-        </p:blipFill>
-        <p:spPr bwMode="auto">
-          <a:xfrm>
-            <a:off x="2571751" y="1143001"/>
-            <a:ext cx="7620000" cy="5715000"/>
-          </a:xfrm>
-          <a:prstGeom prst="rect">
-            <a:avLst/>
-          </a:prstGeom>
-          <a:noFill/>
-          <a:extLst>
-            <a:ext uri="{909E8E84-426E-40DD-AFC4-6F175D3DCCD1}">
-              <a14:hiddenFill xmlns:a14="http://schemas.microsoft.com/office/drawing/2010/main">
-                <a:solidFill>
-                  <a:srgbClr val="FFFFFF"/>
-                </a:solidFill>
-              </a14:hiddenFill>
-            </a:ext>
-          </a:extLst>
-        </p:spPr>
-      </p:pic>
-    </p:spTree>
-    <p:extLst>
-      <p:ext uri="{BB962C8B-B14F-4D97-AF65-F5344CB8AC3E}">
-        <p14:creationId xmlns:p14="http://schemas.microsoft.com/office/powerpoint/2010/main" val="2094529884"/>
-      </p:ext>
-    </p:extLst>
-  </p:cSld>
-  <p:clrMapOvr>
-    <a:masterClrMapping/>
-  </p:clrMapOvr>
-</p:sld>
-</file>
-
-<file path=ppt/slides/slide16.xml><?xml version="1.0" encoding="utf-8"?>
-<p:sld xmlns:a="http://schemas.openxmlformats.org/drawingml/2006/main" xmlns:r="http://schemas.openxmlformats.org/officeDocument/2006/relationships" xmlns:p="http://schemas.openxmlformats.org/presentationml/2006/main">
-  <p:cSld>
-    <p:spTree>
-      <p:nvGrpSpPr>
-        <p:cNvPr id="1" name=""/>
-        <p:cNvGrpSpPr/>
-        <p:nvPr/>
-      </p:nvGrpSpPr>
-      <p:grpSpPr>
-        <a:xfrm>
-          <a:off x="0" y="0"/>
-          <a:ext cx="0" cy="0"/>
-          <a:chOff x="0" y="0"/>
-          <a:chExt cx="0" cy="0"/>
-        </a:xfrm>
-      </p:grpSpPr>
-      <p:sp>
-        <p:nvSpPr>
-          <p:cNvPr id="2" name="Titel 1">
-            <a:extLst>
-              <a:ext uri="{FF2B5EF4-FFF2-40B4-BE49-F238E27FC236}">
-                <a16:creationId xmlns="" xmlns:a16="http://schemas.microsoft.com/office/drawing/2014/main" id="{C12DB86D-DE2A-4FAC-8EE3-F7D1DA0A7581}"/>
-              </a:ext>
-            </a:extLst>
-          </p:cNvPr>
-          <p:cNvSpPr>
-            <a:spLocks noGrp="1"/>
-          </p:cNvSpPr>
-          <p:nvPr>
-            <p:ph type="title"/>
-          </p:nvPr>
-        </p:nvSpPr>
-        <p:spPr/>
-        <p:txBody>
-          <a:bodyPr/>
-          <a:lstStyle/>
-          <a:p>
-            <a:r>
-              <a:rPr lang="nl-NL"/>
-              <a:t>Comparison</a:t>
-            </a:r>
-            <a:br>
-              <a:rPr lang="nl-NL"/>
-            </a:br>
-            <a:endParaRPr lang="nl-NL"/>
-          </a:p>
-        </p:txBody>
-      </p:sp>
-      <p:pic>
-        <p:nvPicPr>
-          <p:cNvPr id="4" name="Afbeelding 4" descr="Afbeelding met schermafbeelding&#10;&#10;Beschrijving is gegenereerd met zeer hoge betrouwbaarheid">
-            <a:extLst>
-              <a:ext uri="{FF2B5EF4-FFF2-40B4-BE49-F238E27FC236}">
-                <a16:creationId xmlns="" xmlns:a16="http://schemas.microsoft.com/office/drawing/2014/main" id="{5C64BE66-7D7F-4874-846D-A709512DECCD}"/>
-              </a:ext>
-            </a:extLst>
-          </p:cNvPr>
-          <p:cNvPicPr>
-            <a:picLocks noGrp="1" noChangeAspect="1"/>
-          </p:cNvPicPr>
-          <p:nvPr>
-            <p:ph idx="1"/>
-          </p:nvPr>
-        </p:nvPicPr>
-        <p:blipFill>
-          <a:blip r:embed="rId2"/>
-          <a:stretch>
-            <a:fillRect/>
-          </a:stretch>
-        </p:blipFill>
-        <p:spPr>
-          <a:xfrm>
-            <a:off x="3120735" y="1578244"/>
-            <a:ext cx="6328354" cy="4733350"/>
-          </a:xfrm>
-          <a:prstGeom prst="rect">
-            <a:avLst/>
-          </a:prstGeom>
-        </p:spPr>
-      </p:pic>
-    </p:spTree>
-    <p:extLst>
-      <p:ext uri="{BB962C8B-B14F-4D97-AF65-F5344CB8AC3E}">
-        <p14:creationId xmlns:p14="http://schemas.microsoft.com/office/powerpoint/2010/main" val="3239406521"/>
-      </p:ext>
-    </p:extLst>
-  </p:cSld>
-  <p:clrMapOvr>
-    <a:masterClrMapping/>
-  </p:clrMapOvr>
-  <p:timing>
-    <p:tnLst>
-      <p:par>
-        <p:cTn id="1" dur="indefinite" restart="never" nodeType="tmRoot"/>
-      </p:par>
-    </p:tnLst>
-  </p:timing>
-</p:sld>
-</file>
-
-<file path=ppt/slides/slide17.xml><?xml version="1.0" encoding="utf-8"?>
-<p:sld xmlns:a="http://schemas.openxmlformats.org/drawingml/2006/main" xmlns:r="http://schemas.openxmlformats.org/officeDocument/2006/relationships" xmlns:p="http://schemas.openxmlformats.org/presentationml/2006/main">
-  <p:cSld>
-    <p:spTree>
-      <p:nvGrpSpPr>
-        <p:cNvPr id="1" name=""/>
-        <p:cNvGrpSpPr/>
-        <p:nvPr/>
-      </p:nvGrpSpPr>
-      <p:grpSpPr>
-        <a:xfrm>
-          <a:off x="0" y="0"/>
-          <a:ext cx="0" cy="0"/>
-          <a:chOff x="0" y="0"/>
-          <a:chExt cx="0" cy="0"/>
-        </a:xfrm>
-      </p:grpSpPr>
-      <p:sp>
-        <p:nvSpPr>
-          <p:cNvPr id="2" name="Titel 1">
-            <a:extLst>
-              <a:ext uri="{FF2B5EF4-FFF2-40B4-BE49-F238E27FC236}">
-                <a16:creationId xmlns="" xmlns:a16="http://schemas.microsoft.com/office/drawing/2014/main" id="{81C56212-2D06-4563-A27A-2F81AD3C08F8}"/>
-              </a:ext>
-            </a:extLst>
-          </p:cNvPr>
-          <p:cNvSpPr>
-            <a:spLocks noGrp="1"/>
-          </p:cNvSpPr>
-          <p:nvPr>
-            <p:ph type="title"/>
-          </p:nvPr>
-        </p:nvSpPr>
-        <p:spPr/>
-        <p:txBody>
-          <a:bodyPr/>
-          <a:lstStyle/>
-          <a:p>
-            <a:r>
-              <a:rPr lang="nl-NL"/>
-              <a:t>Comparison</a:t>
-            </a:r>
-          </a:p>
-        </p:txBody>
-      </p:sp>
-      <p:pic>
-        <p:nvPicPr>
-          <p:cNvPr id="4" name="Afbeelding 4" descr="Afbeelding met schermafbeelding&#10;&#10;Beschrijving is gegenereerd met zeer hoge betrouwbaarheid">
-            <a:extLst>
-              <a:ext uri="{FF2B5EF4-FFF2-40B4-BE49-F238E27FC236}">
-                <a16:creationId xmlns="" xmlns:a16="http://schemas.microsoft.com/office/drawing/2014/main" id="{A68B45D0-C1B5-4D83-9F26-00D26E9B566D}"/>
-              </a:ext>
-            </a:extLst>
-          </p:cNvPr>
-          <p:cNvPicPr>
-            <a:picLocks noGrp="1" noChangeAspect="1"/>
-          </p:cNvPicPr>
-          <p:nvPr>
-            <p:ph idx="1"/>
-          </p:nvPr>
-        </p:nvPicPr>
-        <p:blipFill>
-          <a:blip r:embed="rId2"/>
-          <a:stretch>
-            <a:fillRect/>
-          </a:stretch>
-        </p:blipFill>
-        <p:spPr>
-          <a:xfrm>
-            <a:off x="948329" y="1371778"/>
-            <a:ext cx="11034794" cy="5546655"/>
-          </a:xfrm>
-          <a:prstGeom prst="rect">
-            <a:avLst/>
-          </a:prstGeom>
-        </p:spPr>
-      </p:pic>
-    </p:spTree>
-    <p:extLst>
-      <p:ext uri="{BB962C8B-B14F-4D97-AF65-F5344CB8AC3E}">
-        <p14:creationId xmlns:p14="http://schemas.microsoft.com/office/powerpoint/2010/main" val="3165940883"/>
-      </p:ext>
-    </p:extLst>
-  </p:cSld>
-  <p:clrMapOvr>
-    <a:masterClrMapping/>
-  </p:clrMapOvr>
-</p:sld>
-</file>
-
-<file path=ppt/slides/slide18.xml><?xml version="1.0" encoding="utf-8"?>
-<p:sld xmlns:a="http://schemas.openxmlformats.org/drawingml/2006/main" xmlns:r="http://schemas.openxmlformats.org/officeDocument/2006/relationships" xmlns:p="http://schemas.openxmlformats.org/presentationml/2006/main">
-  <p:cSld>
-    <p:spTree>
-      <p:nvGrpSpPr>
-        <p:cNvPr id="1" name=""/>
-        <p:cNvGrpSpPr/>
-        <p:nvPr/>
-      </p:nvGrpSpPr>
-      <p:grpSpPr>
-        <a:xfrm>
-          <a:off x="0" y="0"/>
-          <a:ext cx="0" cy="0"/>
-          <a:chOff x="0" y="0"/>
-          <a:chExt cx="0" cy="0"/>
-        </a:xfrm>
-      </p:grpSpPr>
-      <p:sp>
-        <p:nvSpPr>
-          <p:cNvPr id="2" name="Titel 1">
-            <a:extLst>
-              <a:ext uri="{FF2B5EF4-FFF2-40B4-BE49-F238E27FC236}">
-                <a16:creationId xmlns="" xmlns:a16="http://schemas.microsoft.com/office/drawing/2014/main" id="{81C56212-2D06-4563-A27A-2F81AD3C08F8}"/>
-              </a:ext>
-            </a:extLst>
-          </p:cNvPr>
-          <p:cNvSpPr>
-            <a:spLocks noGrp="1"/>
-          </p:cNvSpPr>
-          <p:nvPr>
-            <p:ph type="title"/>
-          </p:nvPr>
-        </p:nvSpPr>
-        <p:spPr/>
-        <p:txBody>
-          <a:bodyPr/>
-          <a:lstStyle/>
-          <a:p>
-            <a:r>
-              <a:rPr lang="nl-NL"/>
-              <a:t>Questions?</a:t>
-            </a:r>
-          </a:p>
-        </p:txBody>
-      </p:sp>
-      <p:sp>
-        <p:nvSpPr>
-          <p:cNvPr id="3" name="Tijdelijke aanduiding voor inhoud 2">
-            <a:extLst>
-              <a:ext uri="{FF2B5EF4-FFF2-40B4-BE49-F238E27FC236}">
-                <a16:creationId xmlns="" xmlns:a16="http://schemas.microsoft.com/office/drawing/2014/main" id="{FCAA3D2D-3FEC-4EB3-88D0-8A0E062EEEB9}"/>
-              </a:ext>
-            </a:extLst>
-          </p:cNvPr>
-          <p:cNvSpPr>
-            <a:spLocks noGrp="1"/>
-          </p:cNvSpPr>
-          <p:nvPr>
-            <p:ph idx="1"/>
-          </p:nvPr>
-        </p:nvSpPr>
-        <p:spPr/>
-        <p:txBody>
-          <a:bodyPr/>
-          <a:lstStyle/>
-          <a:p>
-            <a:endParaRPr lang="nl-NL"/>
-          </a:p>
-        </p:txBody>
-      </p:sp>
-    </p:spTree>
-    <p:extLst>
-      <p:ext uri="{BB962C8B-B14F-4D97-AF65-F5344CB8AC3E}">
-        <p14:creationId xmlns:p14="http://schemas.microsoft.com/office/powerpoint/2010/main" val="2175462976"/>
-      </p:ext>
-    </p:extLst>
-  </p:cSld>
-  <p:clrMapOvr>
-    <a:masterClrMapping/>
-  </p:clrMapOvr>
-</p:sld>
-</file>
-
-<file path=ppt/slides/slide2.xml><?xml version="1.0" encoding="utf-8"?>
-<p:sld xmlns:a="http://schemas.openxmlformats.org/drawingml/2006/main" xmlns:r="http://schemas.openxmlformats.org/officeDocument/2006/relationships" xmlns:p="http://schemas.openxmlformats.org/presentationml/2006/main">
-  <p:cSld>
-    <p:spTree>
-      <p:nvGrpSpPr>
-        <p:cNvPr id="1" name=""/>
-        <p:cNvGrpSpPr/>
-        <p:nvPr/>
-      </p:nvGrpSpPr>
-      <p:grpSpPr>
-        <a:xfrm>
-          <a:off x="0" y="0"/>
-          <a:ext cx="0" cy="0"/>
-          <a:chOff x="0" y="0"/>
-          <a:chExt cx="0" cy="0"/>
-        </a:xfrm>
-      </p:grpSpPr>
-      <p:pic>
-        <p:nvPicPr>
-          <p:cNvPr id="4" name="Afbeelding 4" descr="Afbeelding met kaart, tekst&#10;&#10;Beschrijving is gegenereerd met hoge betrouwbaarheid">
-            <a:extLst>
-              <a:ext uri="{FF2B5EF4-FFF2-40B4-BE49-F238E27FC236}">
-                <a16:creationId xmlns="" xmlns:a16="http://schemas.microsoft.com/office/drawing/2014/main" id="{744104A2-F3EC-4446-ACD8-07972D3E5DAE}"/>
-              </a:ext>
-            </a:extLst>
-          </p:cNvPr>
-          <p:cNvPicPr>
-            <a:picLocks noChangeAspect="1"/>
-          </p:cNvPicPr>
-          <p:nvPr/>
-        </p:nvPicPr>
-        <p:blipFill>
-          <a:blip r:embed="rId2"/>
-          <a:stretch>
-            <a:fillRect/>
-          </a:stretch>
-        </p:blipFill>
-        <p:spPr>
-          <a:xfrm>
-            <a:off x="4999055" y="1160167"/>
-            <a:ext cx="7078225" cy="5311391"/>
-          </a:xfrm>
-          <a:prstGeom prst="rect">
-            <a:avLst/>
-          </a:prstGeom>
-        </p:spPr>
-      </p:pic>
-      <p:sp>
-        <p:nvSpPr>
-          <p:cNvPr id="2" name="Titel 1">
-            <a:extLst>
-              <a:ext uri="{FF2B5EF4-FFF2-40B4-BE49-F238E27FC236}">
-                <a16:creationId xmlns="" xmlns:a16="http://schemas.microsoft.com/office/drawing/2014/main" id="{7154CB1A-48F2-4D7C-8DB3-D70F5FA31935}"/>
-              </a:ext>
-            </a:extLst>
-          </p:cNvPr>
-          <p:cNvSpPr>
-            <a:spLocks noGrp="1"/>
-          </p:cNvSpPr>
-          <p:nvPr>
-            <p:ph type="title"/>
-          </p:nvPr>
-        </p:nvSpPr>
-        <p:spPr/>
-        <p:txBody>
-          <a:bodyPr/>
-          <a:lstStyle/>
-          <a:p>
-            <a:r>
-              <a:rPr lang="nl-NL"/>
-              <a:t>Introduction</a:t>
-            </a:r>
-            <a:endParaRPr lang="nl-NL">
-              <a:ea typeface="+mj-lt"/>
-              <a:cs typeface="+mj-lt"/>
-            </a:endParaRPr>
-          </a:p>
-        </p:txBody>
-      </p:sp>
-      <p:sp>
-        <p:nvSpPr>
-          <p:cNvPr id="3" name="Tijdelijke aanduiding voor inhoud 2">
-            <a:extLst>
-              <a:ext uri="{FF2B5EF4-FFF2-40B4-BE49-F238E27FC236}">
-                <a16:creationId xmlns="" xmlns:a16="http://schemas.microsoft.com/office/drawing/2014/main" id="{C1B2880A-7AED-4B51-BB52-B462DBB5D40E}"/>
-              </a:ext>
-            </a:extLst>
-          </p:cNvPr>
-          <p:cNvSpPr>
-            <a:spLocks noGrp="1"/>
-          </p:cNvSpPr>
-          <p:nvPr>
-            <p:ph idx="1"/>
-          </p:nvPr>
-        </p:nvSpPr>
-        <p:spPr>
-          <a:xfrm>
-            <a:off x="2589212" y="2133600"/>
-            <a:ext cx="3063816" cy="3777622"/>
-          </a:xfrm>
-        </p:spPr>
-        <p:txBody>
-          <a:bodyPr vert="horz" lIns="91440" tIns="45720" rIns="91440" bIns="45720" rtlCol="0" anchor="t">
-            <a:normAutofit/>
-          </a:bodyPr>
-          <a:lstStyle/>
-          <a:p>
-            <a:r>
-              <a:rPr lang="nl-NL"/>
-              <a:t>Wat is SmartGrid?</a:t>
-            </a:r>
-          </a:p>
-          <a:p>
-            <a:r>
-              <a:rPr lang="nl-NL"/>
-              <a:t>Het probleem</a:t>
-            </a:r>
-          </a:p>
-          <a:p>
-            <a:endParaRPr lang="nl-NL"/>
-          </a:p>
-          <a:p>
-            <a:pPr marL="0" indent="0">
-              <a:buNone/>
-            </a:pPr>
-            <a:endParaRPr lang="nl-NL"/>
-          </a:p>
-        </p:txBody>
-      </p:sp>
-    </p:spTree>
-    <p:extLst>
-      <p:ext uri="{BB962C8B-B14F-4D97-AF65-F5344CB8AC3E}">
-        <p14:creationId xmlns:p14="http://schemas.microsoft.com/office/powerpoint/2010/main" val="2073432293"/>
-      </p:ext>
-    </p:extLst>
-  </p:cSld>
-  <p:clrMapOvr>
-    <a:masterClrMapping/>
-  </p:clrMapOvr>
-</p:sld>
-</file>
-
-<file path=ppt/slides/slide3.xml><?xml version="1.0" encoding="utf-8"?>
-<p:sld xmlns:a="http://schemas.openxmlformats.org/drawingml/2006/main" xmlns:r="http://schemas.openxmlformats.org/officeDocument/2006/relationships" xmlns:p="http://schemas.openxmlformats.org/presentationml/2006/main">
-  <p:cSld>
-    <p:spTree>
-      <p:nvGrpSpPr>
-        <p:cNvPr id="1" name=""/>
-        <p:cNvGrpSpPr/>
-        <p:nvPr/>
-      </p:nvGrpSpPr>
-      <p:grpSpPr>
-        <a:xfrm>
-          <a:off x="0" y="0"/>
-          <a:ext cx="0" cy="0"/>
-          <a:chOff x="0" y="0"/>
-          <a:chExt cx="0" cy="0"/>
-        </a:xfrm>
-      </p:grpSpPr>
-      <p:sp>
-        <p:nvSpPr>
-          <p:cNvPr id="2" name="Titel 1">
-            <a:extLst>
-              <a:ext uri="{FF2B5EF4-FFF2-40B4-BE49-F238E27FC236}">
-                <a16:creationId xmlns="" xmlns:a16="http://schemas.microsoft.com/office/drawing/2014/main" id="{B65100A1-C365-40A7-A42F-4B5A9FD90ADA}"/>
-              </a:ext>
-            </a:extLst>
-          </p:cNvPr>
-          <p:cNvSpPr>
-            <a:spLocks noGrp="1"/>
-          </p:cNvSpPr>
-          <p:nvPr>
-            <p:ph type="title"/>
-          </p:nvPr>
-        </p:nvSpPr>
-        <p:spPr/>
-        <p:txBody>
-          <a:bodyPr/>
-          <a:lstStyle/>
-          <a:p>
-            <a:r>
-              <a:rPr lang="nl-NL" err="1"/>
-              <a:t>Statespace</a:t>
-            </a:r>
-            <a:endParaRPr lang="nl-NL" err="1">
-              <a:ea typeface="+mj-lt"/>
-              <a:cs typeface="+mj-lt"/>
-            </a:endParaRPr>
-          </a:p>
-        </p:txBody>
-      </p:sp>
-      <p:sp>
-        <p:nvSpPr>
-          <p:cNvPr id="3" name="Tijdelijke aanduiding voor inhoud 2">
-            <a:extLst>
-              <a:ext uri="{FF2B5EF4-FFF2-40B4-BE49-F238E27FC236}">
-                <a16:creationId xmlns="" xmlns:a16="http://schemas.microsoft.com/office/drawing/2014/main" id="{05C6F3D3-C738-43C0-8418-47F08F56C29D}"/>
-              </a:ext>
-            </a:extLst>
-          </p:cNvPr>
-          <p:cNvSpPr>
-            <a:spLocks noGrp="1"/>
-          </p:cNvSpPr>
-          <p:nvPr>
-            <p:ph idx="1"/>
-          </p:nvPr>
-        </p:nvSpPr>
-        <p:spPr>
-          <a:xfrm>
-            <a:off x="2589212" y="2035629"/>
-            <a:ext cx="8915400" cy="3777622"/>
-          </a:xfrm>
-        </p:spPr>
-        <p:txBody>
-          <a:bodyPr vert="horz" lIns="91440" tIns="45720" rIns="91440" bIns="45720" rtlCol="0" anchor="t">
-            <a:normAutofit/>
-          </a:bodyPr>
-          <a:lstStyle/>
-          <a:p>
-            <a:endParaRPr lang="nl-NL"/>
-          </a:p>
-          <a:p>
-            <a:endParaRPr lang="nl-NL"/>
-          </a:p>
-          <a:p>
-            <a:r>
-              <a:rPr lang="nl-NL" err="1"/>
-              <a:t>Lowerbound</a:t>
-            </a:r>
-            <a:r>
-              <a:rPr lang="nl-NL"/>
-              <a:t> kosten</a:t>
-            </a:r>
-          </a:p>
-          <a:p>
-            <a:pPr marL="0" indent="0">
-              <a:buNone/>
-            </a:pPr>
-            <a:r>
-              <a:rPr lang="nl-NL"/>
-              <a:t>5 * €5000 + 150 * (afstand tussen huis en dichtbij zijnde batterij) = €53.188</a:t>
-            </a:r>
-          </a:p>
-          <a:p>
-            <a:endParaRPr lang="nl-NL"/>
-          </a:p>
-          <a:p>
-            <a:pPr marL="0" indent="0">
-              <a:buNone/>
-            </a:pPr>
-            <a:r>
-              <a:rPr lang="nl-NL" err="1"/>
-              <a:t>Upperbound</a:t>
-            </a:r>
-            <a:r>
-              <a:rPr lang="nl-NL"/>
-              <a:t> kosten</a:t>
-            </a:r>
-          </a:p>
-          <a:p>
-            <a:pPr>
-              <a:buNone/>
-            </a:pPr>
-            <a:r>
-              <a:rPr lang="nl-NL"/>
-              <a:t>5 * €5000 + 150 * (afstand tussen huis en verste batterij) = €103.030</a:t>
-            </a:r>
-          </a:p>
-          <a:p>
-            <a:endParaRPr lang="nl-NL"/>
-          </a:p>
-          <a:p>
-            <a:r>
-              <a:rPr lang="nl-NL"/>
-              <a:t>Manhattan </a:t>
-            </a:r>
-            <a:r>
-              <a:rPr lang="nl-NL" err="1"/>
-              <a:t>Distance</a:t>
-            </a:r>
-          </a:p>
-          <a:p>
-            <a:pPr>
-              <a:buNone/>
-            </a:pPr>
-            <a:endParaRPr lang="nl-NL"/>
-          </a:p>
-        </p:txBody>
-      </p:sp>
-      <p:pic>
-        <p:nvPicPr>
-          <p:cNvPr id="8" name="Afbeelding 8" descr="Afbeelding met object&#10;&#10;Beschrijving is gegenereerd met hoge betrouwbaarheid">
-            <a:extLst>
-              <a:ext uri="{FF2B5EF4-FFF2-40B4-BE49-F238E27FC236}">
-                <a16:creationId xmlns="" xmlns:a16="http://schemas.microsoft.com/office/drawing/2014/main" id="{932B4111-7644-4BE8-A8A6-7B47628A9855}"/>
-              </a:ext>
-            </a:extLst>
-          </p:cNvPr>
-          <p:cNvPicPr>
-            <a:picLocks noChangeAspect="1"/>
-          </p:cNvPicPr>
-          <p:nvPr/>
-        </p:nvPicPr>
-        <p:blipFill>
-          <a:blip r:embed="rId2"/>
-          <a:stretch>
-            <a:fillRect/>
-          </a:stretch>
-        </p:blipFill>
-        <p:spPr>
-          <a:xfrm>
-            <a:off x="3254829" y="1443541"/>
-            <a:ext cx="5693228" cy="1227719"/>
-          </a:xfrm>
-          <a:prstGeom prst="rect">
-            <a:avLst/>
-          </a:prstGeom>
-        </p:spPr>
-      </p:pic>
-    </p:spTree>
-    <p:extLst>
-      <p:ext uri="{BB962C8B-B14F-4D97-AF65-F5344CB8AC3E}">
-        <p14:creationId xmlns:p14="http://schemas.microsoft.com/office/powerpoint/2010/main" val="2166740308"/>
-      </p:ext>
-    </p:extLst>
-  </p:cSld>
-  <p:clrMapOvr>
-    <a:masterClrMapping/>
-  </p:clrMapOvr>
-</p:sld>
-</file>
-
-<file path=ppt/slides/slide4.xml><?xml version="1.0" encoding="utf-8"?>
-<p:sld xmlns:a="http://schemas.openxmlformats.org/drawingml/2006/main" xmlns:r="http://schemas.openxmlformats.org/officeDocument/2006/relationships" xmlns:p="http://schemas.openxmlformats.org/presentationml/2006/main">
-  <p:cSld>
-    <p:spTree>
-      <p:nvGrpSpPr>
-        <p:cNvPr id="1" name=""/>
-        <p:cNvGrpSpPr/>
-        <p:nvPr/>
-      </p:nvGrpSpPr>
-      <p:grpSpPr>
-        <a:xfrm>
-          <a:off x="0" y="0"/>
-          <a:ext cx="0" cy="0"/>
-          <a:chOff x="0" y="0"/>
-          <a:chExt cx="0" cy="0"/>
-        </a:xfrm>
-      </p:grpSpPr>
-      <p:sp>
-        <p:nvSpPr>
-          <p:cNvPr id="2" name="Titel 1">
-            <a:extLst>
-              <a:ext uri="{FF2B5EF4-FFF2-40B4-BE49-F238E27FC236}">
-                <a16:creationId xmlns="" xmlns:a16="http://schemas.microsoft.com/office/drawing/2014/main" id="{9CF66834-9D6D-4A52-8664-095792201C63}"/>
-              </a:ext>
-            </a:extLst>
-          </p:cNvPr>
-          <p:cNvSpPr>
-            <a:spLocks noGrp="1"/>
-          </p:cNvSpPr>
-          <p:nvPr>
-            <p:ph type="title"/>
-          </p:nvPr>
-        </p:nvSpPr>
-        <p:spPr/>
-        <p:txBody>
-          <a:bodyPr/>
-          <a:lstStyle/>
-          <a:p>
-            <a:r>
-              <a:rPr lang="nl-NL"/>
-              <a:t>Methodes</a:t>
-            </a:r>
-          </a:p>
-        </p:txBody>
-      </p:sp>
-      <p:sp>
-        <p:nvSpPr>
-          <p:cNvPr id="3" name="Tijdelijke aanduiding voor inhoud 2">
-            <a:extLst>
-              <a:ext uri="{FF2B5EF4-FFF2-40B4-BE49-F238E27FC236}">
-                <a16:creationId xmlns="" xmlns:a16="http://schemas.microsoft.com/office/drawing/2014/main" id="{21FC9782-7392-448C-877F-DFA5765C1A81}"/>
-              </a:ext>
-            </a:extLst>
-          </p:cNvPr>
-          <p:cNvSpPr>
-            <a:spLocks noGrp="1"/>
-          </p:cNvSpPr>
-          <p:nvPr>
-            <p:ph idx="1"/>
-          </p:nvPr>
-        </p:nvSpPr>
-        <p:spPr>
-          <a:xfrm>
-            <a:off x="2589212" y="2133600"/>
-            <a:ext cx="9303588" cy="4510867"/>
-          </a:xfrm>
-        </p:spPr>
-        <p:txBody>
-          <a:bodyPr vert="horz" lIns="91440" tIns="45720" rIns="91440" bIns="45720" rtlCol="0" anchor="t">
-            <a:normAutofit/>
-          </a:bodyPr>
-          <a:lstStyle/>
-          <a:p>
-            <a:r>
-              <a:rPr lang="nl-NL" dirty="0" err="1" smtClean="0"/>
-              <a:t>Greedy</a:t>
-            </a:r>
-            <a:r>
-              <a:rPr lang="nl-NL" dirty="0" smtClean="0"/>
-              <a:t> </a:t>
-            </a:r>
-            <a:r>
-              <a:rPr lang="nl-NL" dirty="0"/>
-              <a:t>+ </a:t>
-            </a:r>
-            <a:r>
-              <a:rPr lang="nl-NL" dirty="0" err="1" smtClean="0"/>
-              <a:t>sort</a:t>
-            </a:r>
-            <a:endParaRPr lang="nl-NL" dirty="0"/>
-          </a:p>
-          <a:p>
-            <a:endParaRPr lang="nl-NL" dirty="0"/>
-          </a:p>
-          <a:p>
-            <a:r>
-              <a:rPr lang="nl-NL" dirty="0" smtClean="0"/>
-              <a:t>Hill </a:t>
-            </a:r>
-            <a:r>
-              <a:rPr lang="nl-NL" dirty="0" err="1"/>
-              <a:t>Climber</a:t>
-            </a:r>
-            <a:endParaRPr lang="nl-NL" dirty="0"/>
-          </a:p>
-          <a:p>
-            <a:endParaRPr lang="nl-NL" dirty="0"/>
-          </a:p>
-          <a:p>
-            <a:r>
-              <a:rPr lang="nl-NL" dirty="0" err="1" smtClean="0"/>
-              <a:t>Simulated</a:t>
-            </a:r>
-            <a:r>
-              <a:rPr lang="nl-NL" dirty="0" smtClean="0"/>
-              <a:t> </a:t>
-            </a:r>
-            <a:r>
-              <a:rPr lang="nl-NL" dirty="0" err="1"/>
-              <a:t>Annealling</a:t>
-            </a:r>
-            <a:endParaRPr lang="nl-NL" dirty="0"/>
-          </a:p>
-          <a:p>
-            <a:endParaRPr lang="nl-NL" dirty="0"/>
-          </a:p>
-          <a:p>
-            <a:r>
-              <a:rPr lang="nl-NL" dirty="0" smtClean="0"/>
-              <a:t>K Means</a:t>
-            </a:r>
-          </a:p>
-          <a:p>
-            <a:endParaRPr lang="en-US" dirty="0"/>
-          </a:p>
-          <a:p>
-            <a:r>
-              <a:rPr lang="en-US" dirty="0" smtClean="0"/>
-              <a:t>Hierarchical </a:t>
-            </a:r>
-            <a:r>
-              <a:rPr lang="en-US" dirty="0"/>
-              <a:t>Agglomerative Clustering</a:t>
-            </a:r>
-            <a:endParaRPr lang="nl-NL" dirty="0"/>
-          </a:p>
-          <a:p>
-            <a:endParaRPr lang="nl-NL" dirty="0"/>
-          </a:p>
-        </p:txBody>
-      </p:sp>
-    </p:spTree>
-    <p:extLst>
-      <p:ext uri="{BB962C8B-B14F-4D97-AF65-F5344CB8AC3E}">
-        <p14:creationId xmlns:p14="http://schemas.microsoft.com/office/powerpoint/2010/main" val="141323830"/>
-      </p:ext>
-    </p:extLst>
-  </p:cSld>
-  <p:clrMapOvr>
-    <a:masterClrMapping/>
-  </p:clrMapOvr>
-</p:sld>
-</file>
-
-<file path=ppt/slides/slide5.xml><?xml version="1.0" encoding="utf-8"?>
-<p:sld xmlns:a="http://schemas.openxmlformats.org/drawingml/2006/main" xmlns:r="http://schemas.openxmlformats.org/officeDocument/2006/relationships" xmlns:p="http://schemas.openxmlformats.org/presentationml/2006/main">
-  <p:cSld>
-    <p:spTree>
-      <p:nvGrpSpPr>
-        <p:cNvPr id="1" name=""/>
-        <p:cNvGrpSpPr/>
-        <p:nvPr/>
-      </p:nvGrpSpPr>
-      <p:grpSpPr>
-        <a:xfrm>
-          <a:off x="0" y="0"/>
-          <a:ext cx="0" cy="0"/>
-          <a:chOff x="0" y="0"/>
-          <a:chExt cx="0" cy="0"/>
-        </a:xfrm>
-      </p:grpSpPr>
-      <p:sp>
-        <p:nvSpPr>
-          <p:cNvPr id="2" name="Titel 1">
-            <a:extLst>
-              <a:ext uri="{FF2B5EF4-FFF2-40B4-BE49-F238E27FC236}">
-                <a16:creationId xmlns="" xmlns:a16="http://schemas.microsoft.com/office/drawing/2014/main" id="{F35DF6B5-B5E3-4B99-AE4B-AD924BF7CD83}"/>
-              </a:ext>
-            </a:extLst>
-          </p:cNvPr>
-          <p:cNvSpPr>
-            <a:spLocks noGrp="1"/>
-          </p:cNvSpPr>
-          <p:nvPr>
-            <p:ph type="title"/>
-          </p:nvPr>
-        </p:nvSpPr>
-        <p:spPr/>
-        <p:txBody>
-          <a:bodyPr/>
-          <a:lstStyle/>
-          <a:p>
-            <a:r>
-              <a:rPr lang="nl-NL"/>
-              <a:t>Greedy</a:t>
-            </a:r>
-          </a:p>
-        </p:txBody>
-      </p:sp>
-      <p:sp>
-        <p:nvSpPr>
-          <p:cNvPr id="3" name="Tijdelijke aanduiding voor inhoud 2">
-            <a:extLst>
-              <a:ext uri="{FF2B5EF4-FFF2-40B4-BE49-F238E27FC236}">
-                <a16:creationId xmlns="" xmlns:a16="http://schemas.microsoft.com/office/drawing/2014/main" id="{4EF0DB5F-D1EA-49EC-BAE7-E159686E804C}"/>
-              </a:ext>
-            </a:extLst>
-          </p:cNvPr>
-          <p:cNvSpPr>
-            <a:spLocks noGrp="1"/>
-          </p:cNvSpPr>
-          <p:nvPr>
-            <p:ph idx="1"/>
-          </p:nvPr>
-        </p:nvSpPr>
-        <p:spPr/>
-        <p:txBody>
-          <a:bodyPr vert="horz" lIns="91440" tIns="45720" rIns="91440" bIns="45720" rtlCol="0" anchor="t">
-            <a:normAutofit lnSpcReduction="10000"/>
-          </a:bodyPr>
-          <a:lstStyle/>
-          <a:p>
-            <a:r>
-              <a:rPr lang="nl-NL"/>
-              <a:t>Per huis een batterij kiezen op basis van een heuristiek en huis daaraan verbinden.</a:t>
-            </a:r>
-          </a:p>
-          <a:p>
-            <a:endParaRPr lang="nl-NL"/>
-          </a:p>
-          <a:p>
-            <a:r>
-              <a:rPr lang="nl-NL"/>
-              <a:t>Output</a:t>
-            </a:r>
-          </a:p>
-          <a:p>
-            <a:endParaRPr lang="nl-NL"/>
-          </a:p>
-          <a:p>
-            <a:r>
-              <a:rPr lang="nl-NL" err="1"/>
-              <a:t>Distance</a:t>
-            </a:r>
-          </a:p>
-          <a:p>
-            <a:endParaRPr lang="nl-NL"/>
-          </a:p>
-          <a:p>
-            <a:r>
-              <a:rPr lang="nl-NL"/>
-              <a:t>Priority</a:t>
-            </a:r>
-          </a:p>
-          <a:p>
-            <a:endParaRPr lang="nl-NL"/>
-          </a:p>
-          <a:p>
-            <a:r>
-              <a:rPr lang="nl-NL"/>
-              <a:t>Swap</a:t>
-            </a:r>
-          </a:p>
-        </p:txBody>
-      </p:sp>
-    </p:spTree>
-    <p:extLst>
-      <p:ext uri="{BB962C8B-B14F-4D97-AF65-F5344CB8AC3E}">
-        <p14:creationId xmlns:p14="http://schemas.microsoft.com/office/powerpoint/2010/main" val="2932678235"/>
-      </p:ext>
-    </p:extLst>
-  </p:cSld>
-  <p:clrMapOvr>
-    <a:masterClrMapping/>
-  </p:clrMapOvr>
-</p:sld>
-</file>
-
-<file path=ppt/slides/slide6.xml><?xml version="1.0" encoding="utf-8"?>
-<p:sld xmlns:a="http://schemas.openxmlformats.org/drawingml/2006/main" xmlns:r="http://schemas.openxmlformats.org/officeDocument/2006/relationships" xmlns:p="http://schemas.openxmlformats.org/presentationml/2006/main">
-  <p:cSld>
-    <p:spTree>
-      <p:nvGrpSpPr>
-        <p:cNvPr id="1" name=""/>
-        <p:cNvGrpSpPr/>
-        <p:nvPr/>
-      </p:nvGrpSpPr>
-      <p:grpSpPr>
-        <a:xfrm>
-          <a:off x="0" y="0"/>
-          <a:ext cx="0" cy="0"/>
-          <a:chOff x="0" y="0"/>
-          <a:chExt cx="0" cy="0"/>
-        </a:xfrm>
-      </p:grpSpPr>
-      <p:sp>
-        <p:nvSpPr>
-          <p:cNvPr id="2" name="Titel 1">
-            <a:extLst>
-              <a:ext uri="{FF2B5EF4-FFF2-40B4-BE49-F238E27FC236}">
-                <a16:creationId xmlns="" xmlns:a16="http://schemas.microsoft.com/office/drawing/2014/main" id="{F35DF6B5-B5E3-4B99-AE4B-AD924BF7CD83}"/>
-              </a:ext>
-            </a:extLst>
-          </p:cNvPr>
-          <p:cNvSpPr>
-            <a:spLocks noGrp="1"/>
-          </p:cNvSpPr>
-          <p:nvPr>
-            <p:ph type="title"/>
-          </p:nvPr>
-        </p:nvSpPr>
-        <p:spPr/>
-        <p:txBody>
-          <a:bodyPr/>
-          <a:lstStyle/>
-          <a:p>
-            <a:r>
-              <a:rPr lang="nl-NL"/>
-              <a:t>Hill Climber</a:t>
-            </a:r>
-          </a:p>
-        </p:txBody>
-      </p:sp>
-      <p:sp>
-        <p:nvSpPr>
-          <p:cNvPr id="3" name="Tijdelijke aanduiding voor inhoud 2">
-            <a:extLst>
-              <a:ext uri="{FF2B5EF4-FFF2-40B4-BE49-F238E27FC236}">
-                <a16:creationId xmlns="" xmlns:a16="http://schemas.microsoft.com/office/drawing/2014/main" id="{4EF0DB5F-D1EA-49EC-BAE7-E159686E804C}"/>
-              </a:ext>
-            </a:extLst>
-          </p:cNvPr>
-          <p:cNvSpPr>
-            <a:spLocks noGrp="1"/>
-          </p:cNvSpPr>
-          <p:nvPr>
-            <p:ph idx="1"/>
-          </p:nvPr>
-        </p:nvSpPr>
-        <p:spPr/>
-        <p:txBody>
-          <a:bodyPr vert="horz" lIns="91440" tIns="45720" rIns="91440" bIns="45720" rtlCol="0" anchor="t">
-            <a:normAutofit/>
-          </a:bodyPr>
-          <a:lstStyle/>
-          <a:p>
-            <a:r>
-              <a:rPr lang="nl-NL"/>
-              <a:t>Hierbij wordt een wisseling uitgevoerd tussen twee locaties om een verbetering te realiseren.</a:t>
-            </a:r>
-          </a:p>
-          <a:p>
-            <a:endParaRPr lang="nl-NL"/>
-          </a:p>
-          <a:p>
-            <a:r>
-              <a:rPr lang="nl-NL"/>
-              <a:t>Random</a:t>
-            </a:r>
-          </a:p>
-          <a:p>
-            <a:endParaRPr lang="nl-NL"/>
-          </a:p>
-          <a:p>
-            <a:r>
-              <a:rPr lang="nl-NL"/>
-              <a:t>Lijst met mogelijke wisselingen</a:t>
-            </a:r>
-          </a:p>
-          <a:p>
-            <a:endParaRPr lang="nl-NL"/>
-          </a:p>
-          <a:p>
-            <a:r>
-              <a:rPr lang="nl-NL"/>
-              <a:t>Best </a:t>
-            </a:r>
-            <a:r>
-              <a:rPr lang="nl-NL" err="1"/>
-              <a:t>Choice</a:t>
-            </a:r>
-            <a:endParaRPr lang="nl-NL"/>
-          </a:p>
-        </p:txBody>
-      </p:sp>
-    </p:spTree>
-    <p:extLst>
-      <p:ext uri="{BB962C8B-B14F-4D97-AF65-F5344CB8AC3E}">
-        <p14:creationId xmlns:p14="http://schemas.microsoft.com/office/powerpoint/2010/main" val="2843711804"/>
-      </p:ext>
-    </p:extLst>
-  </p:cSld>
-  <p:clrMapOvr>
-    <a:masterClrMapping/>
-  </p:clrMapOvr>
-</p:sld>
-</file>
-
-<file path=ppt/slides/slide7.xml><?xml version="1.0" encoding="utf-8"?>
-<p:sld xmlns:a="http://schemas.openxmlformats.org/drawingml/2006/main" xmlns:r="http://schemas.openxmlformats.org/officeDocument/2006/relationships" xmlns:p="http://schemas.openxmlformats.org/presentationml/2006/main">
-  <p:cSld>
-    <p:spTree>
-      <p:nvGrpSpPr>
-        <p:cNvPr id="1" name=""/>
-        <p:cNvGrpSpPr/>
-        <p:nvPr/>
-      </p:nvGrpSpPr>
-      <p:grpSpPr>
-        <a:xfrm>
-          <a:off x="0" y="0"/>
-          <a:ext cx="0" cy="0"/>
-          <a:chOff x="0" y="0"/>
-          <a:chExt cx="0" cy="0"/>
-        </a:xfrm>
-      </p:grpSpPr>
-      <p:sp>
-        <p:nvSpPr>
-          <p:cNvPr id="2" name="Titel 1">
-            <a:extLst>
-              <a:ext uri="{FF2B5EF4-FFF2-40B4-BE49-F238E27FC236}">
-                <a16:creationId xmlns="" xmlns:a16="http://schemas.microsoft.com/office/drawing/2014/main" id="{F35DF6B5-B5E3-4B99-AE4B-AD924BF7CD83}"/>
-              </a:ext>
-            </a:extLst>
-          </p:cNvPr>
-          <p:cNvSpPr>
-            <a:spLocks noGrp="1"/>
-          </p:cNvSpPr>
-          <p:nvPr>
-            <p:ph type="title"/>
-          </p:nvPr>
-        </p:nvSpPr>
-        <p:spPr/>
-        <p:txBody>
-          <a:bodyPr/>
-          <a:lstStyle/>
-          <a:p>
-            <a:r>
-              <a:rPr lang="nl-NL"/>
-              <a:t>Simulated Annealling</a:t>
-            </a:r>
-          </a:p>
-        </p:txBody>
-      </p:sp>
-      <p:sp>
-        <p:nvSpPr>
-          <p:cNvPr id="3" name="Tijdelijke aanduiding voor inhoud 2">
-            <a:extLst>
-              <a:ext uri="{FF2B5EF4-FFF2-40B4-BE49-F238E27FC236}">
-                <a16:creationId xmlns="" xmlns:a16="http://schemas.microsoft.com/office/drawing/2014/main" id="{4EF0DB5F-D1EA-49EC-BAE7-E159686E804C}"/>
-              </a:ext>
-            </a:extLst>
-          </p:cNvPr>
-          <p:cNvSpPr>
-            <a:spLocks noGrp="1"/>
-          </p:cNvSpPr>
-          <p:nvPr>
-            <p:ph idx="1"/>
-          </p:nvPr>
-        </p:nvSpPr>
-        <p:spPr/>
-        <p:txBody>
-          <a:bodyPr vert="horz" lIns="91440" tIns="45720" rIns="91440" bIns="45720" rtlCol="0" anchor="t">
-            <a:normAutofit/>
-          </a:bodyPr>
-          <a:lstStyle/>
-          <a:p>
-            <a:r>
-              <a:rPr lang="nl-NL"/>
-              <a:t>Hierbij wordt op basis van temperatuur wijzigingen doorgevoerd waarbij ook slechte wijzigingen worden geaccepteerd. </a:t>
-            </a:r>
-          </a:p>
-          <a:p>
-            <a:endParaRPr lang="nl-NL"/>
-          </a:p>
-          <a:p>
-            <a:r>
-              <a:rPr lang="nl-NL" err="1"/>
-              <a:t>Distance</a:t>
-            </a:r>
-          </a:p>
-        </p:txBody>
-      </p:sp>
-    </p:spTree>
-    <p:extLst>
-      <p:ext uri="{BB962C8B-B14F-4D97-AF65-F5344CB8AC3E}">
-        <p14:creationId xmlns:p14="http://schemas.microsoft.com/office/powerpoint/2010/main" val="140892491"/>
-      </p:ext>
-    </p:extLst>
-  </p:cSld>
-  <p:clrMapOvr>
-    <a:masterClrMapping/>
-  </p:clrMapOvr>
-  <p:timing>
-    <p:tnLst>
-      <p:par>
-        <p:cTn id="1" dur="indefinite" restart="never" nodeType="tmRoot"/>
-      </p:par>
-    </p:tnLst>
-  </p:timing>
-</p:sld>
-</file>
-
-<file path=ppt/slides/slide8.xml><?xml version="1.0" encoding="utf-8"?>
-<p:sld xmlns:a="http://schemas.openxmlformats.org/drawingml/2006/main" xmlns:r="http://schemas.openxmlformats.org/officeDocument/2006/relationships" xmlns:p="http://schemas.openxmlformats.org/presentationml/2006/main">
-  <p:cSld>
-    <p:spTree>
-      <p:nvGrpSpPr>
-        <p:cNvPr id="1" name=""/>
-        <p:cNvGrpSpPr/>
-        <p:nvPr/>
-      </p:nvGrpSpPr>
-      <p:grpSpPr>
-        <a:xfrm>
-          <a:off x="0" y="0"/>
-          <a:ext cx="0" cy="0"/>
-          <a:chOff x="0" y="0"/>
-          <a:chExt cx="0" cy="0"/>
-        </a:xfrm>
-      </p:grpSpPr>
-      <p:sp>
-        <p:nvSpPr>
-          <p:cNvPr id="2" name="Titel 1">
-            <a:extLst>
-              <a:ext uri="{FF2B5EF4-FFF2-40B4-BE49-F238E27FC236}">
-                <a16:creationId xmlns="" xmlns:a16="http://schemas.microsoft.com/office/drawing/2014/main" id="{F35DF6B5-B5E3-4B99-AE4B-AD924BF7CD83}"/>
-              </a:ext>
-            </a:extLst>
-          </p:cNvPr>
-          <p:cNvSpPr>
-            <a:spLocks noGrp="1"/>
-          </p:cNvSpPr>
-          <p:nvPr>
-            <p:ph type="title"/>
-          </p:nvPr>
-        </p:nvSpPr>
-        <p:spPr/>
-        <p:txBody>
-          <a:bodyPr/>
-          <a:lstStyle/>
-          <a:p>
-            <a:r>
-              <a:rPr lang="nl-NL"/>
-              <a:t>K-Means</a:t>
-            </a:r>
-          </a:p>
-        </p:txBody>
-      </p:sp>
-      <p:sp>
-        <p:nvSpPr>
-          <p:cNvPr id="3" name="Tijdelijke aanduiding voor inhoud 2">
-            <a:extLst>
-              <a:ext uri="{FF2B5EF4-FFF2-40B4-BE49-F238E27FC236}">
-                <a16:creationId xmlns="" xmlns:a16="http://schemas.microsoft.com/office/drawing/2014/main" id="{4EF0DB5F-D1EA-49EC-BAE7-E159686E804C}"/>
-              </a:ext>
-            </a:extLst>
-          </p:cNvPr>
-          <p:cNvSpPr>
-            <a:spLocks noGrp="1"/>
-          </p:cNvSpPr>
-          <p:nvPr>
-            <p:ph idx="1"/>
-          </p:nvPr>
-        </p:nvSpPr>
-        <p:spPr/>
-        <p:txBody>
-          <a:bodyPr vert="horz" lIns="91440" tIns="45720" rIns="91440" bIns="45720" rtlCol="0" anchor="t">
-            <a:normAutofit/>
-          </a:bodyPr>
-          <a:lstStyle/>
-          <a:p>
-            <a:r>
-              <a:rPr lang="nl-NL"/>
-              <a:t>Hierbij worden batterijen verplaatst op basis van de locaties van de verbonden huizen.</a:t>
-            </a:r>
-          </a:p>
-        </p:txBody>
-      </p:sp>
-      <p:pic>
-        <p:nvPicPr>
-          <p:cNvPr id="4" name="Afbeelding 3"/>
-          <p:cNvPicPr>
-            <a:picLocks noChangeAspect="1"/>
-          </p:cNvPicPr>
-          <p:nvPr/>
-        </p:nvPicPr>
-        <p:blipFill>
-          <a:blip r:embed="rId2">
-            <a:extLst>
-              <a:ext uri="{28A0092B-C50C-407E-A947-70E740481C1C}">
-                <a14:useLocalDpi xmlns:a14="http://schemas.microsoft.com/office/drawing/2010/main" val="0"/>
-              </a:ext>
-            </a:extLst>
-          </a:blip>
-          <a:stretch>
-            <a:fillRect/>
-          </a:stretch>
-        </p:blipFill>
-        <p:spPr>
-          <a:xfrm>
-            <a:off x="4667250" y="3086100"/>
-            <a:ext cx="2857500" cy="2857500"/>
-          </a:xfrm>
-          <a:prstGeom prst="rect">
-            <a:avLst/>
-          </a:prstGeom>
-        </p:spPr>
-      </p:pic>
-    </p:spTree>
-    <p:extLst>
-      <p:ext uri="{BB962C8B-B14F-4D97-AF65-F5344CB8AC3E}">
-        <p14:creationId xmlns:p14="http://schemas.microsoft.com/office/powerpoint/2010/main" val="3862078795"/>
-      </p:ext>
-    </p:extLst>
-  </p:cSld>
-  <p:clrMapOvr>
-    <a:masterClrMapping/>
-  </p:clrMapOvr>
-  <p:timing>
-    <p:tnLst>
-      <p:par>
-        <p:cTn id="1" dur="indefinite" restart="never" nodeType="tmRoot"/>
-      </p:par>
-    </p:tnLst>
-  </p:timing>
-</p:sld>
-</file>
-
-<file path=ppt/slides/slide9.xml><?xml version="1.0" encoding="utf-8"?>
+<file path=ppt/slides/slide10.xml><?xml version="1.0" encoding="utf-8"?>
 <p:sld xmlns:a="http://schemas.openxmlformats.org/drawingml/2006/main" xmlns:r="http://schemas.openxmlformats.org/officeDocument/2006/relationships" xmlns:p="http://schemas.openxmlformats.org/presentationml/2006/main">
   <p:cSld>
     <p:spTree>
@@ -11456,6 +9603,2867 @@
   <p:clrMapOvr>
     <a:masterClrMapping/>
   </p:clrMapOvr>
+  <p:timing>
+    <p:tnLst>
+      <p:par>
+        <p:cTn id="1" dur="indefinite" restart="never" nodeType="tmRoot"/>
+      </p:par>
+    </p:tnLst>
+  </p:timing>
+</p:sld>
+</file>
+
+<file path=ppt/slides/slide11.xml><?xml version="1.0" encoding="utf-8"?>
+<p:sld xmlns:a="http://schemas.openxmlformats.org/drawingml/2006/main" xmlns:r="http://schemas.openxmlformats.org/officeDocument/2006/relationships" xmlns:p="http://schemas.openxmlformats.org/presentationml/2006/main">
+  <p:cSld>
+    <p:spTree>
+      <p:nvGrpSpPr>
+        <p:cNvPr id="1" name=""/>
+        <p:cNvGrpSpPr/>
+        <p:nvPr/>
+      </p:nvGrpSpPr>
+      <p:grpSpPr>
+        <a:xfrm>
+          <a:off x="0" y="0"/>
+          <a:ext cx="0" cy="0"/>
+          <a:chOff x="0" y="0"/>
+          <a:chExt cx="0" cy="0"/>
+        </a:xfrm>
+      </p:grpSpPr>
+      <p:sp>
+        <p:nvSpPr>
+          <p:cNvPr id="2" name="Titel 1">
+            <a:extLst>
+              <a:ext uri="{FF2B5EF4-FFF2-40B4-BE49-F238E27FC236}">
+                <a16:creationId xmlns:a16="http://schemas.microsoft.com/office/drawing/2014/main" xmlns="" id="{81C56212-2D06-4563-A27A-2F81AD3C08F8}"/>
+              </a:ext>
+            </a:extLst>
+          </p:cNvPr>
+          <p:cNvSpPr>
+            <a:spLocks noGrp="1"/>
+          </p:cNvSpPr>
+          <p:nvPr>
+            <p:ph type="title"/>
+          </p:nvPr>
+        </p:nvSpPr>
+        <p:spPr/>
+        <p:txBody>
+          <a:bodyPr/>
+          <a:lstStyle/>
+          <a:p>
+            <a:r>
+              <a:rPr lang="nl-NL"/>
+              <a:t>Results</a:t>
+            </a:r>
+          </a:p>
+        </p:txBody>
+      </p:sp>
+      <p:sp>
+        <p:nvSpPr>
+          <p:cNvPr id="3" name="Tijdelijke aanduiding voor inhoud 2">
+            <a:extLst>
+              <a:ext uri="{FF2B5EF4-FFF2-40B4-BE49-F238E27FC236}">
+                <a16:creationId xmlns:a16="http://schemas.microsoft.com/office/drawing/2014/main" xmlns="" id="{FCAA3D2D-3FEC-4EB3-88D0-8A0E062EEEB9}"/>
+              </a:ext>
+            </a:extLst>
+          </p:cNvPr>
+          <p:cNvSpPr>
+            <a:spLocks noGrp="1"/>
+          </p:cNvSpPr>
+          <p:nvPr>
+            <p:ph idx="1"/>
+          </p:nvPr>
+        </p:nvSpPr>
+        <p:spPr/>
+        <p:txBody>
+          <a:bodyPr vert="horz" lIns="91440" tIns="45720" rIns="91440" bIns="45720" rtlCol="0" anchor="t">
+            <a:normAutofit/>
+          </a:bodyPr>
+          <a:lstStyle/>
+          <a:p>
+            <a:r>
+              <a:rPr lang="nl-NL"/>
+              <a:t>Results – Greedy</a:t>
+            </a:r>
+          </a:p>
+          <a:p>
+            <a:endParaRPr lang="nl-NL"/>
+          </a:p>
+          <a:p>
+            <a:r>
+              <a:rPr lang="nl-NL"/>
+              <a:t>Results – Hill Climber</a:t>
+            </a:r>
+          </a:p>
+          <a:p>
+            <a:endParaRPr lang="nl-NL"/>
+          </a:p>
+          <a:p>
+            <a:r>
+              <a:rPr lang="nl-NL"/>
+              <a:t>Results – Simulated Annealing</a:t>
+            </a:r>
+          </a:p>
+          <a:p>
+            <a:endParaRPr lang="nl-NL"/>
+          </a:p>
+          <a:p>
+            <a:r>
+              <a:rPr lang="nl-NL"/>
+              <a:t>Results – K-means</a:t>
+            </a:r>
+          </a:p>
+        </p:txBody>
+      </p:sp>
+    </p:spTree>
+    <p:extLst>
+      <p:ext uri="{BB962C8B-B14F-4D97-AF65-F5344CB8AC3E}">
+        <p14:creationId xmlns:p14="http://schemas.microsoft.com/office/powerpoint/2010/main" val="169055156"/>
+      </p:ext>
+    </p:extLst>
+  </p:cSld>
+  <p:clrMapOvr>
+    <a:masterClrMapping/>
+  </p:clrMapOvr>
+  <p:timing>
+    <p:tnLst>
+      <p:par>
+        <p:cTn id="1" dur="indefinite" restart="never" nodeType="tmRoot"/>
+      </p:par>
+    </p:tnLst>
+  </p:timing>
+</p:sld>
+</file>
+
+<file path=ppt/slides/slide12.xml><?xml version="1.0" encoding="utf-8"?>
+<p:sld xmlns:a="http://schemas.openxmlformats.org/drawingml/2006/main" xmlns:r="http://schemas.openxmlformats.org/officeDocument/2006/relationships" xmlns:p="http://schemas.openxmlformats.org/presentationml/2006/main">
+  <p:cSld>
+    <p:spTree>
+      <p:nvGrpSpPr>
+        <p:cNvPr id="1" name=""/>
+        <p:cNvGrpSpPr/>
+        <p:nvPr/>
+      </p:nvGrpSpPr>
+      <p:grpSpPr>
+        <a:xfrm>
+          <a:off x="0" y="0"/>
+          <a:ext cx="0" cy="0"/>
+          <a:chOff x="0" y="0"/>
+          <a:chExt cx="0" cy="0"/>
+        </a:xfrm>
+      </p:grpSpPr>
+      <p:sp>
+        <p:nvSpPr>
+          <p:cNvPr id="2" name="Titel 1">
+            <a:extLst>
+              <a:ext uri="{FF2B5EF4-FFF2-40B4-BE49-F238E27FC236}">
+                <a16:creationId xmlns:a16="http://schemas.microsoft.com/office/drawing/2014/main" xmlns="" id="{5337A996-074E-4709-9274-E26D068C8EF7}"/>
+              </a:ext>
+            </a:extLst>
+          </p:cNvPr>
+          <p:cNvSpPr>
+            <a:spLocks noGrp="1"/>
+          </p:cNvSpPr>
+          <p:nvPr>
+            <p:ph type="title"/>
+          </p:nvPr>
+        </p:nvSpPr>
+        <p:spPr/>
+        <p:txBody>
+          <a:bodyPr/>
+          <a:lstStyle/>
+          <a:p>
+            <a:r>
+              <a:rPr lang="nl-NL" err="1"/>
+              <a:t>Results</a:t>
+            </a:r>
+            <a:r>
+              <a:rPr lang="nl-NL"/>
+              <a:t> - </a:t>
+            </a:r>
+            <a:r>
+              <a:rPr lang="nl-NL" err="1"/>
+              <a:t>Greedy</a:t>
+            </a:r>
+          </a:p>
+        </p:txBody>
+      </p:sp>
+      <p:pic>
+        <p:nvPicPr>
+          <p:cNvPr id="4" name="Afbeelding 4">
+            <a:extLst>
+              <a:ext uri="{FF2B5EF4-FFF2-40B4-BE49-F238E27FC236}">
+                <a16:creationId xmlns:a16="http://schemas.microsoft.com/office/drawing/2014/main" xmlns="" id="{54760032-D035-4747-AF14-AE8EC1DE3EF2}"/>
+              </a:ext>
+            </a:extLst>
+          </p:cNvPr>
+          <p:cNvPicPr>
+            <a:picLocks noGrp="1" noChangeAspect="1"/>
+          </p:cNvPicPr>
+          <p:nvPr>
+            <p:ph idx="1"/>
+          </p:nvPr>
+        </p:nvPicPr>
+        <p:blipFill>
+          <a:blip r:embed="rId2"/>
+          <a:stretch>
+            <a:fillRect/>
+          </a:stretch>
+        </p:blipFill>
+        <p:spPr>
+          <a:xfrm>
+            <a:off x="1597937" y="1650232"/>
+            <a:ext cx="6151359" cy="4613310"/>
+          </a:xfrm>
+          <a:prstGeom prst="rect">
+            <a:avLst/>
+          </a:prstGeom>
+        </p:spPr>
+      </p:pic>
+      <p:sp>
+        <p:nvSpPr>
+          <p:cNvPr id="5" name="Tekstvak 4">
+            <a:extLst>
+              <a:ext uri="{FF2B5EF4-FFF2-40B4-BE49-F238E27FC236}">
+                <a16:creationId xmlns:a16="http://schemas.microsoft.com/office/drawing/2014/main" xmlns="" id="{F0247C35-EBE3-48D1-90D0-1971BBFDE13F}"/>
+              </a:ext>
+            </a:extLst>
+          </p:cNvPr>
+          <p:cNvSpPr txBox="1"/>
+          <p:nvPr/>
+        </p:nvSpPr>
+        <p:spPr>
+          <a:xfrm>
+            <a:off x="8667750" y="2683053"/>
+            <a:ext cx="2762250" cy="2308324"/>
+          </a:xfrm>
+          <a:prstGeom prst="rect">
+            <a:avLst/>
+          </a:prstGeom>
+        </p:spPr>
+        <p:txBody>
+          <a:bodyPr rot="0" spcFirstLastPara="0" vertOverflow="overflow" horzOverflow="overflow" vert="horz" wrap="square" lIns="91440" tIns="45720" rIns="91440" bIns="45720" numCol="1" spcCol="0" rtlCol="0" fromWordArt="0" anchor="t" anchorCtr="0" forceAA="0" compatLnSpc="1">
+            <a:prstTxWarp prst="textNoShape">
+              <a:avLst/>
+            </a:prstTxWarp>
+            <a:spAutoFit/>
+          </a:bodyPr>
+          <a:lstStyle/>
+          <a:p>
+            <a:r>
+              <a:rPr lang="nl-NL">
+                <a:cs typeface="Segoe UI"/>
+              </a:rPr>
+              <a:t>Lowerbound:</a:t>
+            </a:r>
+            <a:r>
+              <a:rPr lang="en-US">
+                <a:latin typeface="Century Gothic"/>
+                <a:cs typeface="Segoe UI"/>
+              </a:rPr>
+              <a:t>​</a:t>
+            </a:r>
+          </a:p>
+          <a:p>
+            <a:r>
+              <a:rPr lang="nl-NL">
+                <a:latin typeface="Century Gothic"/>
+                <a:cs typeface="Segoe UI"/>
+              </a:rPr>
+              <a:t>€ 53.188</a:t>
+            </a:r>
+            <a:endParaRPr lang="en-US">
+              <a:latin typeface="Century Gothic"/>
+              <a:cs typeface="Segoe UI"/>
+            </a:endParaRPr>
+          </a:p>
+          <a:p>
+            <a:endParaRPr lang="en-US">
+              <a:latin typeface="Century Gothic"/>
+              <a:cs typeface="Segoe UI"/>
+            </a:endParaRPr>
+          </a:p>
+          <a:p>
+            <a:r>
+              <a:rPr lang="nl-NL">
+                <a:cs typeface="Segoe UI"/>
+              </a:rPr>
+              <a:t>Upperbound:</a:t>
+            </a:r>
+            <a:r>
+              <a:rPr lang="en-US">
+                <a:latin typeface="Century Gothic"/>
+                <a:cs typeface="Segoe UI"/>
+              </a:rPr>
+              <a:t>​</a:t>
+            </a:r>
+          </a:p>
+          <a:p>
+            <a:r>
+              <a:rPr lang="nl-NL">
+                <a:cs typeface="Segoe UI"/>
+              </a:rPr>
+              <a:t>€ 103.030</a:t>
+            </a:r>
+            <a:endParaRPr lang="nl-NL">
+              <a:latin typeface="Century Gothic"/>
+              <a:cs typeface="Segoe UI"/>
+            </a:endParaRPr>
+          </a:p>
+          <a:p>
+            <a:r>
+              <a:rPr lang="nl-NL">
+                <a:latin typeface="Century Gothic"/>
+                <a:cs typeface="Segoe UI"/>
+              </a:rPr>
+              <a:t>​</a:t>
+            </a:r>
+          </a:p>
+          <a:p>
+            <a:r>
+              <a:rPr lang="nl-NL">
+                <a:cs typeface="Segoe UI"/>
+              </a:rPr>
+              <a:t>Total costs:</a:t>
+            </a:r>
+            <a:r>
+              <a:rPr lang="en-US">
+                <a:latin typeface="Century Gothic"/>
+                <a:cs typeface="Segoe UI"/>
+              </a:rPr>
+              <a:t>​</a:t>
+            </a:r>
+          </a:p>
+          <a:p>
+            <a:r>
+              <a:rPr lang="nl-NL">
+                <a:cs typeface="Segoe UI"/>
+              </a:rPr>
+              <a:t>€ 56.950</a:t>
+            </a:r>
+          </a:p>
+        </p:txBody>
+      </p:sp>
+    </p:spTree>
+    <p:extLst>
+      <p:ext uri="{BB962C8B-B14F-4D97-AF65-F5344CB8AC3E}">
+        <p14:creationId xmlns:p14="http://schemas.microsoft.com/office/powerpoint/2010/main" val="992654744"/>
+      </p:ext>
+    </p:extLst>
+  </p:cSld>
+  <p:clrMapOvr>
+    <a:masterClrMapping/>
+  </p:clrMapOvr>
+  <p:timing>
+    <p:tnLst>
+      <p:par>
+        <p:cTn id="1" dur="indefinite" restart="never" nodeType="tmRoot"/>
+      </p:par>
+    </p:tnLst>
+  </p:timing>
+</p:sld>
+</file>
+
+<file path=ppt/slides/slide13.xml><?xml version="1.0" encoding="utf-8"?>
+<p:sld xmlns:a="http://schemas.openxmlformats.org/drawingml/2006/main" xmlns:r="http://schemas.openxmlformats.org/officeDocument/2006/relationships" xmlns:p="http://schemas.openxmlformats.org/presentationml/2006/main">
+  <p:cSld>
+    <p:spTree>
+      <p:nvGrpSpPr>
+        <p:cNvPr id="1" name=""/>
+        <p:cNvGrpSpPr/>
+        <p:nvPr/>
+      </p:nvGrpSpPr>
+      <p:grpSpPr>
+        <a:xfrm>
+          <a:off x="0" y="0"/>
+          <a:ext cx="0" cy="0"/>
+          <a:chOff x="0" y="0"/>
+          <a:chExt cx="0" cy="0"/>
+        </a:xfrm>
+      </p:grpSpPr>
+      <p:sp>
+        <p:nvSpPr>
+          <p:cNvPr id="2" name="Titel 1">
+            <a:extLst>
+              <a:ext uri="{FF2B5EF4-FFF2-40B4-BE49-F238E27FC236}">
+                <a16:creationId xmlns:a16="http://schemas.microsoft.com/office/drawing/2014/main" xmlns="" id="{5337A996-074E-4709-9274-E26D068C8EF7}"/>
+              </a:ext>
+            </a:extLst>
+          </p:cNvPr>
+          <p:cNvSpPr>
+            <a:spLocks noGrp="1"/>
+          </p:cNvSpPr>
+          <p:nvPr>
+            <p:ph type="title"/>
+          </p:nvPr>
+        </p:nvSpPr>
+        <p:spPr/>
+        <p:txBody>
+          <a:bodyPr/>
+          <a:lstStyle/>
+          <a:p>
+            <a:r>
+              <a:rPr lang="nl-NL" err="1"/>
+              <a:t>Results</a:t>
+            </a:r>
+            <a:r>
+              <a:rPr lang="nl-NL"/>
+              <a:t> - Hill </a:t>
+            </a:r>
+            <a:r>
+              <a:rPr lang="nl-NL" err="1"/>
+              <a:t>Climber</a:t>
+            </a:r>
+            <a:endParaRPr lang="nl-NL" err="1">
+              <a:ea typeface="+mj-lt"/>
+              <a:cs typeface="+mj-lt"/>
+            </a:endParaRPr>
+          </a:p>
+        </p:txBody>
+      </p:sp>
+      <p:pic>
+        <p:nvPicPr>
+          <p:cNvPr id="4" name="Afbeelding 4">
+            <a:extLst>
+              <a:ext uri="{FF2B5EF4-FFF2-40B4-BE49-F238E27FC236}">
+                <a16:creationId xmlns:a16="http://schemas.microsoft.com/office/drawing/2014/main" xmlns="" id="{43455314-FF6D-47CB-9FAD-3D99638D905D}"/>
+              </a:ext>
+            </a:extLst>
+          </p:cNvPr>
+          <p:cNvPicPr>
+            <a:picLocks noGrp="1" noChangeAspect="1"/>
+          </p:cNvPicPr>
+          <p:nvPr>
+            <p:ph idx="1"/>
+          </p:nvPr>
+        </p:nvPicPr>
+        <p:blipFill>
+          <a:blip r:embed="rId2"/>
+          <a:stretch>
+            <a:fillRect/>
+          </a:stretch>
+        </p:blipFill>
+        <p:spPr>
+          <a:xfrm>
+            <a:off x="1584541" y="1600201"/>
+            <a:ext cx="6364232" cy="4763826"/>
+          </a:xfrm>
+          <a:prstGeom prst="rect">
+            <a:avLst/>
+          </a:prstGeom>
+        </p:spPr>
+      </p:pic>
+      <p:sp>
+        <p:nvSpPr>
+          <p:cNvPr id="5" name="Tekstvak 4">
+            <a:extLst>
+              <a:ext uri="{FF2B5EF4-FFF2-40B4-BE49-F238E27FC236}">
+                <a16:creationId xmlns:a16="http://schemas.microsoft.com/office/drawing/2014/main" xmlns="" id="{E3FE3C8F-5D86-4A0B-9E0E-B46B020972D7}"/>
+              </a:ext>
+            </a:extLst>
+          </p:cNvPr>
+          <p:cNvSpPr txBox="1"/>
+          <p:nvPr/>
+        </p:nvSpPr>
+        <p:spPr>
+          <a:xfrm>
+            <a:off x="8810625" y="2595968"/>
+            <a:ext cx="2533650" cy="2308324"/>
+          </a:xfrm>
+          <a:prstGeom prst="rect">
+            <a:avLst/>
+          </a:prstGeom>
+        </p:spPr>
+        <p:txBody>
+          <a:bodyPr rot="0" spcFirstLastPara="0" vertOverflow="overflow" horzOverflow="overflow" vert="horz" wrap="square" lIns="91440" tIns="45720" rIns="91440" bIns="45720" numCol="1" spcCol="0" rtlCol="0" fromWordArt="0" anchor="t" anchorCtr="0" forceAA="0" compatLnSpc="1">
+            <a:prstTxWarp prst="textNoShape">
+              <a:avLst/>
+            </a:prstTxWarp>
+            <a:spAutoFit/>
+          </a:bodyPr>
+          <a:lstStyle/>
+          <a:p>
+            <a:r>
+              <a:rPr lang="nl-NL" dirty="0" err="1">
+                <a:cs typeface="Segoe UI"/>
+              </a:rPr>
+              <a:t>Lowerbound</a:t>
+            </a:r>
+            <a:r>
+              <a:rPr lang="nl-NL" dirty="0">
+                <a:cs typeface="Segoe UI"/>
+              </a:rPr>
+              <a:t>:</a:t>
+            </a:r>
+            <a:r>
+              <a:rPr lang="en-US" dirty="0">
+                <a:latin typeface="Century Gothic"/>
+                <a:cs typeface="Segoe UI"/>
+              </a:rPr>
+              <a:t>​</a:t>
+            </a:r>
+          </a:p>
+          <a:p>
+            <a:r>
+              <a:rPr lang="nl-NL" dirty="0">
+                <a:latin typeface="Century Gothic"/>
+                <a:cs typeface="Segoe UI"/>
+              </a:rPr>
+              <a:t>€ 53.188</a:t>
+            </a:r>
+            <a:endParaRPr lang="en-US" dirty="0">
+              <a:latin typeface="Century Gothic"/>
+              <a:cs typeface="Segoe UI"/>
+            </a:endParaRPr>
+          </a:p>
+          <a:p>
+            <a:endParaRPr lang="en-US" dirty="0">
+              <a:latin typeface="Century Gothic"/>
+              <a:cs typeface="Segoe UI"/>
+            </a:endParaRPr>
+          </a:p>
+          <a:p>
+            <a:r>
+              <a:rPr lang="nl-NL" dirty="0" err="1">
+                <a:cs typeface="Segoe UI"/>
+              </a:rPr>
+              <a:t>Upperbound</a:t>
+            </a:r>
+            <a:r>
+              <a:rPr lang="nl-NL" dirty="0">
+                <a:cs typeface="Segoe UI"/>
+              </a:rPr>
+              <a:t>:</a:t>
+            </a:r>
+            <a:r>
+              <a:rPr lang="en-US" dirty="0">
+                <a:latin typeface="Century Gothic"/>
+                <a:cs typeface="Segoe UI"/>
+              </a:rPr>
+              <a:t>​</a:t>
+            </a:r>
+          </a:p>
+          <a:p>
+            <a:r>
+              <a:rPr lang="nl-NL" dirty="0">
+                <a:cs typeface="Segoe UI"/>
+              </a:rPr>
+              <a:t>€ 103.030</a:t>
+            </a:r>
+            <a:endParaRPr lang="nl-NL" dirty="0">
+              <a:latin typeface="Century Gothic"/>
+              <a:cs typeface="Segoe UI"/>
+            </a:endParaRPr>
+          </a:p>
+          <a:p>
+            <a:r>
+              <a:rPr lang="nl-NL" dirty="0">
+                <a:latin typeface="Century Gothic"/>
+                <a:cs typeface="Segoe UI"/>
+              </a:rPr>
+              <a:t>​</a:t>
+            </a:r>
+          </a:p>
+          <a:p>
+            <a:r>
+              <a:rPr lang="nl-NL" dirty="0">
+                <a:cs typeface="Segoe UI"/>
+              </a:rPr>
+              <a:t>Total </a:t>
+            </a:r>
+            <a:r>
+              <a:rPr lang="nl-NL" dirty="0" err="1">
+                <a:cs typeface="Segoe UI"/>
+              </a:rPr>
+              <a:t>costs</a:t>
+            </a:r>
+            <a:r>
+              <a:rPr lang="nl-NL" dirty="0">
+                <a:cs typeface="Segoe UI"/>
+              </a:rPr>
+              <a:t>:</a:t>
+            </a:r>
+            <a:r>
+              <a:rPr lang="en-US" dirty="0">
+                <a:latin typeface="Century Gothic"/>
+                <a:cs typeface="Segoe UI"/>
+              </a:rPr>
+              <a:t>​</a:t>
+            </a:r>
+          </a:p>
+          <a:p>
+            <a:r>
+              <a:rPr lang="nl-NL" dirty="0">
+                <a:cs typeface="Segoe UI"/>
+              </a:rPr>
+              <a:t>€ 56.370</a:t>
+            </a:r>
+          </a:p>
+        </p:txBody>
+      </p:sp>
+    </p:spTree>
+    <p:extLst>
+      <p:ext uri="{BB962C8B-B14F-4D97-AF65-F5344CB8AC3E}">
+        <p14:creationId xmlns:p14="http://schemas.microsoft.com/office/powerpoint/2010/main" val="3667981630"/>
+      </p:ext>
+    </p:extLst>
+  </p:cSld>
+  <p:clrMapOvr>
+    <a:masterClrMapping/>
+  </p:clrMapOvr>
+  <p:timing>
+    <p:tnLst>
+      <p:par>
+        <p:cTn id="1" dur="indefinite" restart="never" nodeType="tmRoot"/>
+      </p:par>
+    </p:tnLst>
+  </p:timing>
+</p:sld>
+</file>
+
+<file path=ppt/slides/slide14.xml><?xml version="1.0" encoding="utf-8"?>
+<p:sld xmlns:a="http://schemas.openxmlformats.org/drawingml/2006/main" xmlns:r="http://schemas.openxmlformats.org/officeDocument/2006/relationships" xmlns:p="http://schemas.openxmlformats.org/presentationml/2006/main">
+  <p:cSld>
+    <p:spTree>
+      <p:nvGrpSpPr>
+        <p:cNvPr id="1" name=""/>
+        <p:cNvGrpSpPr/>
+        <p:nvPr/>
+      </p:nvGrpSpPr>
+      <p:grpSpPr>
+        <a:xfrm>
+          <a:off x="0" y="0"/>
+          <a:ext cx="0" cy="0"/>
+          <a:chOff x="0" y="0"/>
+          <a:chExt cx="0" cy="0"/>
+        </a:xfrm>
+      </p:grpSpPr>
+      <p:sp>
+        <p:nvSpPr>
+          <p:cNvPr id="2" name="Titel 1">
+            <a:extLst>
+              <a:ext uri="{FF2B5EF4-FFF2-40B4-BE49-F238E27FC236}">
+                <a16:creationId xmlns:a16="http://schemas.microsoft.com/office/drawing/2014/main" xmlns="" id="{5337A996-074E-4709-9274-E26D068C8EF7}"/>
+              </a:ext>
+            </a:extLst>
+          </p:cNvPr>
+          <p:cNvSpPr>
+            <a:spLocks noGrp="1"/>
+          </p:cNvSpPr>
+          <p:nvPr>
+            <p:ph type="title"/>
+          </p:nvPr>
+        </p:nvSpPr>
+        <p:spPr/>
+        <p:txBody>
+          <a:bodyPr/>
+          <a:lstStyle/>
+          <a:p>
+            <a:r>
+              <a:rPr lang="nl-NL" err="1"/>
+              <a:t>Results</a:t>
+            </a:r>
+            <a:r>
+              <a:rPr lang="nl-NL"/>
+              <a:t> - </a:t>
+            </a:r>
+            <a:r>
+              <a:rPr lang="nl-NL" err="1"/>
+              <a:t>Simulated</a:t>
+            </a:r>
+            <a:r>
+              <a:rPr lang="nl-NL"/>
+              <a:t> </a:t>
+            </a:r>
+            <a:r>
+              <a:rPr lang="nl-NL" err="1"/>
+              <a:t>Annealing</a:t>
+            </a:r>
+          </a:p>
+        </p:txBody>
+      </p:sp>
+      <p:sp>
+        <p:nvSpPr>
+          <p:cNvPr id="3" name="Tijdelijke aanduiding voor inhoud 2"/>
+          <p:cNvSpPr>
+            <a:spLocks noGrp="1"/>
+          </p:cNvSpPr>
+          <p:nvPr>
+            <p:ph idx="1"/>
+          </p:nvPr>
+        </p:nvSpPr>
+        <p:spPr>
+          <a:xfrm>
+            <a:off x="8362950" y="2251697"/>
+            <a:ext cx="3560762" cy="3777622"/>
+          </a:xfrm>
+        </p:spPr>
+        <p:txBody>
+          <a:bodyPr/>
+          <a:lstStyle/>
+          <a:p>
+            <a:pPr marL="0" indent="0">
+              <a:buNone/>
+            </a:pPr>
+            <a:r>
+              <a:rPr lang="nl-NL" dirty="0" err="1">
+                <a:cs typeface="Segoe UI"/>
+              </a:rPr>
+              <a:t>Lowerbound</a:t>
+            </a:r>
+            <a:r>
+              <a:rPr lang="nl-NL" dirty="0">
+                <a:cs typeface="Segoe UI"/>
+              </a:rPr>
+              <a:t>:</a:t>
+            </a:r>
+            <a:r>
+              <a:rPr lang="en-US" dirty="0">
+                <a:cs typeface="Segoe UI"/>
+              </a:rPr>
+              <a:t>​</a:t>
+            </a:r>
+          </a:p>
+          <a:p>
+            <a:pPr marL="0" indent="0">
+              <a:buNone/>
+            </a:pPr>
+            <a:r>
+              <a:rPr lang="nl-NL" dirty="0">
+                <a:cs typeface="Segoe UI"/>
+              </a:rPr>
+              <a:t>€ 53.188</a:t>
+            </a:r>
+            <a:endParaRPr lang="en-US" dirty="0">
+              <a:cs typeface="Segoe UI"/>
+            </a:endParaRPr>
+          </a:p>
+          <a:p>
+            <a:endParaRPr lang="en-US" dirty="0">
+              <a:cs typeface="Segoe UI"/>
+            </a:endParaRPr>
+          </a:p>
+          <a:p>
+            <a:pPr marL="0" indent="0">
+              <a:buNone/>
+            </a:pPr>
+            <a:r>
+              <a:rPr lang="nl-NL" dirty="0" err="1">
+                <a:cs typeface="Segoe UI"/>
+              </a:rPr>
+              <a:t>Upperbound</a:t>
+            </a:r>
+            <a:r>
+              <a:rPr lang="nl-NL" dirty="0">
+                <a:cs typeface="Segoe UI"/>
+              </a:rPr>
+              <a:t>:</a:t>
+            </a:r>
+            <a:r>
+              <a:rPr lang="en-US" dirty="0">
+                <a:cs typeface="Segoe UI"/>
+              </a:rPr>
+              <a:t>​</a:t>
+            </a:r>
+          </a:p>
+          <a:p>
+            <a:pPr marL="0" indent="0">
+              <a:buNone/>
+            </a:pPr>
+            <a:r>
+              <a:rPr lang="nl-NL" dirty="0">
+                <a:cs typeface="Segoe UI"/>
+              </a:rPr>
+              <a:t>€ </a:t>
+            </a:r>
+            <a:r>
+              <a:rPr lang="nl-NL" dirty="0" smtClean="0">
+                <a:cs typeface="Segoe UI"/>
+              </a:rPr>
+              <a:t>103.030</a:t>
+            </a:r>
+            <a:endParaRPr lang="nl-NL" dirty="0">
+              <a:cs typeface="Segoe UI"/>
+            </a:endParaRPr>
+          </a:p>
+        </p:txBody>
+      </p:sp>
+      <p:pic>
+        <p:nvPicPr>
+          <p:cNvPr id="1026" name="Picture 2" descr="simulated_10times.PNG"/>
+          <p:cNvPicPr>
+            <a:picLocks noChangeAspect="1" noChangeArrowheads="1"/>
+          </p:cNvPicPr>
+          <p:nvPr/>
+        </p:nvPicPr>
+        <p:blipFill>
+          <a:blip r:embed="rId2">
+            <a:extLst>
+              <a:ext uri="{28A0092B-C50C-407E-A947-70E740481C1C}">
+                <a14:useLocalDpi xmlns:a14="http://schemas.microsoft.com/office/drawing/2010/main" val="0"/>
+              </a:ext>
+            </a:extLst>
+          </a:blip>
+          <a:srcRect/>
+          <a:stretch>
+            <a:fillRect/>
+          </a:stretch>
+        </p:blipFill>
+        <p:spPr bwMode="auto">
+          <a:xfrm>
+            <a:off x="1790700" y="1195540"/>
+            <a:ext cx="5556250" cy="5547037"/>
+          </a:xfrm>
+          <a:prstGeom prst="rect">
+            <a:avLst/>
+          </a:prstGeom>
+          <a:noFill/>
+          <a:extLst>
+            <a:ext uri="{909E8E84-426E-40DD-AFC4-6F175D3DCCD1}">
+              <a14:hiddenFill xmlns:a14="http://schemas.microsoft.com/office/drawing/2010/main">
+                <a:solidFill>
+                  <a:srgbClr val="FFFFFF"/>
+                </a:solidFill>
+              </a14:hiddenFill>
+            </a:ext>
+          </a:extLst>
+        </p:spPr>
+      </p:pic>
+    </p:spTree>
+    <p:extLst>
+      <p:ext uri="{BB962C8B-B14F-4D97-AF65-F5344CB8AC3E}">
+        <p14:creationId xmlns:p14="http://schemas.microsoft.com/office/powerpoint/2010/main" val="2786059534"/>
+      </p:ext>
+    </p:extLst>
+  </p:cSld>
+  <p:clrMapOvr>
+    <a:masterClrMapping/>
+  </p:clrMapOvr>
+  <p:timing>
+    <p:tnLst>
+      <p:par>
+        <p:cTn id="1" dur="indefinite" restart="never" nodeType="tmRoot"/>
+      </p:par>
+    </p:tnLst>
+  </p:timing>
+</p:sld>
+</file>
+
+<file path=ppt/slides/slide15.xml><?xml version="1.0" encoding="utf-8"?>
+<p:sld xmlns:a="http://schemas.openxmlformats.org/drawingml/2006/main" xmlns:r="http://schemas.openxmlformats.org/officeDocument/2006/relationships" xmlns:p="http://schemas.openxmlformats.org/presentationml/2006/main">
+  <p:cSld>
+    <p:spTree>
+      <p:nvGrpSpPr>
+        <p:cNvPr id="1" name=""/>
+        <p:cNvGrpSpPr/>
+        <p:nvPr/>
+      </p:nvGrpSpPr>
+      <p:grpSpPr>
+        <a:xfrm>
+          <a:off x="0" y="0"/>
+          <a:ext cx="0" cy="0"/>
+          <a:chOff x="0" y="0"/>
+          <a:chExt cx="0" cy="0"/>
+        </a:xfrm>
+      </p:grpSpPr>
+      <p:sp>
+        <p:nvSpPr>
+          <p:cNvPr id="2" name="Titel 1">
+            <a:extLst>
+              <a:ext uri="{FF2B5EF4-FFF2-40B4-BE49-F238E27FC236}">
+                <a16:creationId xmlns:a16="http://schemas.microsoft.com/office/drawing/2014/main" xmlns="" id="{5337A996-074E-4709-9274-E26D068C8EF7}"/>
+              </a:ext>
+            </a:extLst>
+          </p:cNvPr>
+          <p:cNvSpPr>
+            <a:spLocks noGrp="1"/>
+          </p:cNvSpPr>
+          <p:nvPr>
+            <p:ph type="title"/>
+          </p:nvPr>
+        </p:nvSpPr>
+        <p:spPr/>
+        <p:txBody>
+          <a:bodyPr/>
+          <a:lstStyle/>
+          <a:p>
+            <a:r>
+              <a:rPr lang="nl-NL" err="1"/>
+              <a:t>Results</a:t>
+            </a:r>
+            <a:r>
+              <a:rPr lang="nl-NL"/>
+              <a:t> - K-Means</a:t>
+            </a:r>
+          </a:p>
+        </p:txBody>
+      </p:sp>
+      <p:pic>
+        <p:nvPicPr>
+          <p:cNvPr id="4" name="Afbeelding 4">
+            <a:extLst>
+              <a:ext uri="{FF2B5EF4-FFF2-40B4-BE49-F238E27FC236}">
+                <a16:creationId xmlns:a16="http://schemas.microsoft.com/office/drawing/2014/main" xmlns="" id="{E2ABE176-51E3-4B57-9384-4E50965B3A4F}"/>
+              </a:ext>
+            </a:extLst>
+          </p:cNvPr>
+          <p:cNvPicPr>
+            <a:picLocks noGrp="1" noChangeAspect="1"/>
+          </p:cNvPicPr>
+          <p:nvPr>
+            <p:ph idx="1"/>
+          </p:nvPr>
+        </p:nvPicPr>
+        <p:blipFill>
+          <a:blip r:embed="rId2"/>
+          <a:stretch>
+            <a:fillRect/>
+          </a:stretch>
+        </p:blipFill>
+        <p:spPr>
+          <a:xfrm>
+            <a:off x="1925974" y="1629508"/>
+            <a:ext cx="6115352" cy="4586514"/>
+          </a:xfrm>
+          <a:prstGeom prst="rect">
+            <a:avLst/>
+          </a:prstGeom>
+        </p:spPr>
+      </p:pic>
+      <p:sp>
+        <p:nvSpPr>
+          <p:cNvPr id="6" name="Tekstvak 5">
+            <a:extLst>
+              <a:ext uri="{FF2B5EF4-FFF2-40B4-BE49-F238E27FC236}">
+                <a16:creationId xmlns:a16="http://schemas.microsoft.com/office/drawing/2014/main" xmlns="" id="{A4D78363-19A6-49F1-A9B3-21E9BFDA57C1}"/>
+              </a:ext>
+            </a:extLst>
+          </p:cNvPr>
+          <p:cNvSpPr txBox="1"/>
+          <p:nvPr/>
+        </p:nvSpPr>
+        <p:spPr>
+          <a:xfrm>
+            <a:off x="8447314" y="1877367"/>
+            <a:ext cx="2743200" cy="2308324"/>
+          </a:xfrm>
+          <a:prstGeom prst="rect">
+            <a:avLst/>
+          </a:prstGeom>
+        </p:spPr>
+        <p:txBody>
+          <a:bodyPr rot="0" spcFirstLastPara="0" vertOverflow="overflow" horzOverflow="overflow" vert="horz" wrap="square" lIns="91440" tIns="45720" rIns="91440" bIns="45720" numCol="1" spcCol="0" rtlCol="0" fromWordArt="0" anchor="t" anchorCtr="0" forceAA="0" compatLnSpc="1">
+            <a:prstTxWarp prst="textNoShape">
+              <a:avLst/>
+            </a:prstTxWarp>
+            <a:spAutoFit/>
+          </a:bodyPr>
+          <a:lstStyle/>
+          <a:p>
+            <a:r>
+              <a:rPr lang="nl-NL" dirty="0" err="1"/>
+              <a:t>Updated</a:t>
+            </a:r>
+            <a:r>
+              <a:rPr lang="nl-NL" dirty="0"/>
+              <a:t> </a:t>
+            </a:r>
+            <a:r>
+              <a:rPr lang="nl-NL" dirty="0" err="1"/>
+              <a:t>lowerbound</a:t>
+            </a:r>
+            <a:r>
+              <a:rPr lang="nl-NL" dirty="0"/>
+              <a:t>:</a:t>
+            </a:r>
+          </a:p>
+          <a:p>
+            <a:r>
+              <a:rPr lang="nl-NL" dirty="0"/>
+              <a:t>€ 39.958</a:t>
+            </a:r>
+          </a:p>
+          <a:p>
+            <a:endParaRPr lang="nl-NL" dirty="0"/>
+          </a:p>
+          <a:p>
+            <a:r>
+              <a:rPr lang="nl-NL" dirty="0" err="1"/>
+              <a:t>Updated</a:t>
+            </a:r>
+            <a:r>
+              <a:rPr lang="nl-NL" dirty="0"/>
+              <a:t> </a:t>
+            </a:r>
+            <a:r>
+              <a:rPr lang="nl-NL" dirty="0" err="1"/>
+              <a:t>upperbound</a:t>
+            </a:r>
+            <a:r>
+              <a:rPr lang="nl-NL" dirty="0"/>
+              <a:t>:</a:t>
+            </a:r>
+          </a:p>
+          <a:p>
+            <a:r>
+              <a:rPr lang="nl-NL" dirty="0"/>
+              <a:t>€ 94.867</a:t>
+            </a:r>
+          </a:p>
+          <a:p>
+            <a:endParaRPr lang="nl-NL" dirty="0"/>
+          </a:p>
+          <a:p>
+            <a:r>
+              <a:rPr lang="nl-NL" dirty="0"/>
+              <a:t>Total </a:t>
+            </a:r>
+            <a:r>
+              <a:rPr lang="nl-NL" dirty="0" err="1"/>
+              <a:t>costs</a:t>
+            </a:r>
+            <a:r>
+              <a:rPr lang="nl-NL" dirty="0"/>
+              <a:t>:</a:t>
+            </a:r>
+          </a:p>
+          <a:p>
+            <a:r>
+              <a:rPr lang="nl-NL" dirty="0"/>
+              <a:t>€ 40.444</a:t>
+            </a:r>
+          </a:p>
+        </p:txBody>
+      </p:sp>
+    </p:spTree>
+    <p:extLst>
+      <p:ext uri="{BB962C8B-B14F-4D97-AF65-F5344CB8AC3E}">
+        <p14:creationId xmlns:p14="http://schemas.microsoft.com/office/powerpoint/2010/main" val="3589587555"/>
+      </p:ext>
+    </p:extLst>
+  </p:cSld>
+  <p:clrMapOvr>
+    <a:masterClrMapping/>
+  </p:clrMapOvr>
+  <p:timing>
+    <p:tnLst>
+      <p:par>
+        <p:cTn id="1" dur="indefinite" restart="never" nodeType="tmRoot"/>
+      </p:par>
+    </p:tnLst>
+  </p:timing>
+</p:sld>
+</file>
+
+<file path=ppt/slides/slide16.xml><?xml version="1.0" encoding="utf-8"?>
+<p:sld xmlns:a="http://schemas.openxmlformats.org/drawingml/2006/main" xmlns:r="http://schemas.openxmlformats.org/officeDocument/2006/relationships" xmlns:p="http://schemas.openxmlformats.org/presentationml/2006/main">
+  <p:cSld>
+    <p:spTree>
+      <p:nvGrpSpPr>
+        <p:cNvPr id="1" name=""/>
+        <p:cNvGrpSpPr/>
+        <p:nvPr/>
+      </p:nvGrpSpPr>
+      <p:grpSpPr>
+        <a:xfrm>
+          <a:off x="0" y="0"/>
+          <a:ext cx="0" cy="0"/>
+          <a:chOff x="0" y="0"/>
+          <a:chExt cx="0" cy="0"/>
+        </a:xfrm>
+      </p:grpSpPr>
+      <p:sp>
+        <p:nvSpPr>
+          <p:cNvPr id="2" name="Titel 1"/>
+          <p:cNvSpPr>
+            <a:spLocks noGrp="1"/>
+          </p:cNvSpPr>
+          <p:nvPr>
+            <p:ph type="title"/>
+          </p:nvPr>
+        </p:nvSpPr>
+        <p:spPr>
+          <a:xfrm>
+            <a:off x="1638301" y="624110"/>
+            <a:ext cx="9866312" cy="1280890"/>
+          </a:xfrm>
+        </p:spPr>
+        <p:txBody>
+          <a:bodyPr>
+            <a:normAutofit/>
+          </a:bodyPr>
+          <a:lstStyle/>
+          <a:p>
+            <a:r>
+              <a:rPr lang="en-US" sz="3100" dirty="0" smtClean="0"/>
+              <a:t>Results </a:t>
+            </a:r>
+            <a:r>
+              <a:rPr lang="en-US" sz="3100" dirty="0"/>
+              <a:t>– Hierarchical Agglomerative Clustering</a:t>
+            </a:r>
+            <a:endParaRPr lang="nl-NL" sz="3100" dirty="0"/>
+          </a:p>
+        </p:txBody>
+      </p:sp>
+      <p:sp>
+        <p:nvSpPr>
+          <p:cNvPr id="3" name="Tijdelijke aanduiding voor inhoud 2"/>
+          <p:cNvSpPr>
+            <a:spLocks noGrp="1"/>
+          </p:cNvSpPr>
+          <p:nvPr>
+            <p:ph idx="1"/>
+          </p:nvPr>
+        </p:nvSpPr>
+        <p:spPr>
+          <a:xfrm>
+            <a:off x="8991600" y="1885950"/>
+            <a:ext cx="3200400" cy="4025272"/>
+          </a:xfrm>
+        </p:spPr>
+        <p:txBody>
+          <a:bodyPr/>
+          <a:lstStyle/>
+          <a:p>
+            <a:pPr marL="0" indent="0">
+              <a:buNone/>
+            </a:pPr>
+            <a:r>
+              <a:rPr lang="nl-NL" dirty="0" err="1"/>
+              <a:t>Updated</a:t>
+            </a:r>
+            <a:r>
+              <a:rPr lang="nl-NL" dirty="0"/>
+              <a:t> </a:t>
+            </a:r>
+            <a:r>
+              <a:rPr lang="nl-NL" dirty="0" err="1"/>
+              <a:t>lowerbound</a:t>
+            </a:r>
+            <a:r>
+              <a:rPr lang="nl-NL" dirty="0"/>
+              <a:t>:</a:t>
+            </a:r>
+          </a:p>
+          <a:p>
+            <a:pPr marL="0" indent="0">
+              <a:buNone/>
+            </a:pPr>
+            <a:r>
+              <a:rPr lang="nl-NL" dirty="0"/>
+              <a:t>€ </a:t>
+            </a:r>
+            <a:r>
+              <a:rPr lang="nl-NL" dirty="0" smtClean="0"/>
+              <a:t>23.364</a:t>
+            </a:r>
+            <a:endParaRPr lang="nl-NL" dirty="0"/>
+          </a:p>
+          <a:p>
+            <a:endParaRPr lang="nl-NL" dirty="0"/>
+          </a:p>
+          <a:p>
+            <a:pPr marL="0" indent="0">
+              <a:buNone/>
+            </a:pPr>
+            <a:r>
+              <a:rPr lang="nl-NL" dirty="0" err="1"/>
+              <a:t>Updated</a:t>
+            </a:r>
+            <a:r>
+              <a:rPr lang="nl-NL" dirty="0"/>
+              <a:t> </a:t>
+            </a:r>
+            <a:r>
+              <a:rPr lang="nl-NL" dirty="0" err="1"/>
+              <a:t>upperbound</a:t>
+            </a:r>
+            <a:r>
+              <a:rPr lang="nl-NL" dirty="0"/>
+              <a:t>:</a:t>
+            </a:r>
+          </a:p>
+          <a:p>
+            <a:pPr marL="0" indent="0">
+              <a:buNone/>
+            </a:pPr>
+            <a:r>
+              <a:rPr lang="nl-NL" dirty="0"/>
+              <a:t>€ </a:t>
+            </a:r>
+            <a:r>
+              <a:rPr lang="nl-NL" dirty="0" smtClean="0"/>
+              <a:t>59976</a:t>
+            </a:r>
+            <a:endParaRPr lang="nl-NL" dirty="0"/>
+          </a:p>
+          <a:p>
+            <a:endParaRPr lang="nl-NL" dirty="0"/>
+          </a:p>
+          <a:p>
+            <a:pPr marL="0" indent="0">
+              <a:buNone/>
+            </a:pPr>
+            <a:r>
+              <a:rPr lang="nl-NL" dirty="0"/>
+              <a:t>Total </a:t>
+            </a:r>
+            <a:r>
+              <a:rPr lang="nl-NL" dirty="0" err="1"/>
+              <a:t>costs</a:t>
+            </a:r>
+            <a:r>
+              <a:rPr lang="nl-NL" dirty="0"/>
+              <a:t>:</a:t>
+            </a:r>
+          </a:p>
+          <a:p>
+            <a:pPr marL="0" indent="0">
+              <a:buNone/>
+            </a:pPr>
+            <a:r>
+              <a:rPr lang="nl-NL" dirty="0"/>
+              <a:t>€ </a:t>
+            </a:r>
+            <a:r>
+              <a:rPr lang="nl-NL" dirty="0" smtClean="0"/>
+              <a:t>23364</a:t>
+            </a:r>
+            <a:endParaRPr lang="nl-NL" dirty="0"/>
+          </a:p>
+        </p:txBody>
+      </p:sp>
+      <p:pic>
+        <p:nvPicPr>
+          <p:cNvPr id="2050" name="Picture 2" descr="Hierarchical_Agglomerative_Clustering_V2.png"/>
+          <p:cNvPicPr>
+            <a:picLocks noChangeAspect="1" noChangeArrowheads="1"/>
+          </p:cNvPicPr>
+          <p:nvPr/>
+        </p:nvPicPr>
+        <p:blipFill>
+          <a:blip r:embed="rId2">
+            <a:extLst>
+              <a:ext uri="{28A0092B-C50C-407E-A947-70E740481C1C}">
+                <a14:useLocalDpi xmlns:a14="http://schemas.microsoft.com/office/drawing/2010/main" val="0"/>
+              </a:ext>
+            </a:extLst>
+          </a:blip>
+          <a:srcRect/>
+          <a:stretch>
+            <a:fillRect/>
+          </a:stretch>
+        </p:blipFill>
+        <p:spPr bwMode="auto">
+          <a:xfrm>
+            <a:off x="1371601" y="1219201"/>
+            <a:ext cx="7620000" cy="5715000"/>
+          </a:xfrm>
+          <a:prstGeom prst="rect">
+            <a:avLst/>
+          </a:prstGeom>
+          <a:noFill/>
+          <a:extLst>
+            <a:ext uri="{909E8E84-426E-40DD-AFC4-6F175D3DCCD1}">
+              <a14:hiddenFill xmlns:a14="http://schemas.microsoft.com/office/drawing/2010/main">
+                <a:solidFill>
+                  <a:srgbClr val="FFFFFF"/>
+                </a:solidFill>
+              </a14:hiddenFill>
+            </a:ext>
+          </a:extLst>
+        </p:spPr>
+      </p:pic>
+    </p:spTree>
+    <p:extLst>
+      <p:ext uri="{BB962C8B-B14F-4D97-AF65-F5344CB8AC3E}">
+        <p14:creationId xmlns:p14="http://schemas.microsoft.com/office/powerpoint/2010/main" val="2094529884"/>
+      </p:ext>
+    </p:extLst>
+  </p:cSld>
+  <p:clrMapOvr>
+    <a:masterClrMapping/>
+  </p:clrMapOvr>
+  <p:timing>
+    <p:tnLst>
+      <p:par>
+        <p:cTn id="1" dur="indefinite" restart="never" nodeType="tmRoot"/>
+      </p:par>
+    </p:tnLst>
+  </p:timing>
+</p:sld>
+</file>
+
+<file path=ppt/slides/slide17.xml><?xml version="1.0" encoding="utf-8"?>
+<p:sld xmlns:a="http://schemas.openxmlformats.org/drawingml/2006/main" xmlns:r="http://schemas.openxmlformats.org/officeDocument/2006/relationships" xmlns:p="http://schemas.openxmlformats.org/presentationml/2006/main">
+  <p:cSld>
+    <p:spTree>
+      <p:nvGrpSpPr>
+        <p:cNvPr id="1" name=""/>
+        <p:cNvGrpSpPr/>
+        <p:nvPr/>
+      </p:nvGrpSpPr>
+      <p:grpSpPr>
+        <a:xfrm>
+          <a:off x="0" y="0"/>
+          <a:ext cx="0" cy="0"/>
+          <a:chOff x="0" y="0"/>
+          <a:chExt cx="0" cy="0"/>
+        </a:xfrm>
+      </p:grpSpPr>
+      <p:sp>
+        <p:nvSpPr>
+          <p:cNvPr id="2" name="Titel 1">
+            <a:extLst>
+              <a:ext uri="{FF2B5EF4-FFF2-40B4-BE49-F238E27FC236}">
+                <a16:creationId xmlns:a16="http://schemas.microsoft.com/office/drawing/2014/main" xmlns="" id="{C12DB86D-DE2A-4FAC-8EE3-F7D1DA0A7581}"/>
+              </a:ext>
+            </a:extLst>
+          </p:cNvPr>
+          <p:cNvSpPr>
+            <a:spLocks noGrp="1"/>
+          </p:cNvSpPr>
+          <p:nvPr>
+            <p:ph type="title"/>
+          </p:nvPr>
+        </p:nvSpPr>
+        <p:spPr/>
+        <p:txBody>
+          <a:bodyPr/>
+          <a:lstStyle/>
+          <a:p>
+            <a:r>
+              <a:rPr lang="nl-NL"/>
+              <a:t>Comparison</a:t>
+            </a:r>
+            <a:br>
+              <a:rPr lang="nl-NL"/>
+            </a:br>
+            <a:endParaRPr lang="nl-NL"/>
+          </a:p>
+        </p:txBody>
+      </p:sp>
+      <p:pic>
+        <p:nvPicPr>
+          <p:cNvPr id="4" name="Afbeelding 4" descr="Afbeelding met schermafbeelding&#10;&#10;Beschrijving is gegenereerd met zeer hoge betrouwbaarheid">
+            <a:extLst>
+              <a:ext uri="{FF2B5EF4-FFF2-40B4-BE49-F238E27FC236}">
+                <a16:creationId xmlns:a16="http://schemas.microsoft.com/office/drawing/2014/main" xmlns="" id="{5C64BE66-7D7F-4874-846D-A709512DECCD}"/>
+              </a:ext>
+            </a:extLst>
+          </p:cNvPr>
+          <p:cNvPicPr>
+            <a:picLocks noGrp="1" noChangeAspect="1"/>
+          </p:cNvPicPr>
+          <p:nvPr>
+            <p:ph idx="1"/>
+          </p:nvPr>
+        </p:nvPicPr>
+        <p:blipFill>
+          <a:blip r:embed="rId2"/>
+          <a:stretch>
+            <a:fillRect/>
+          </a:stretch>
+        </p:blipFill>
+        <p:spPr>
+          <a:xfrm>
+            <a:off x="3120735" y="1578244"/>
+            <a:ext cx="6328354" cy="4733350"/>
+          </a:xfrm>
+          <a:prstGeom prst="rect">
+            <a:avLst/>
+          </a:prstGeom>
+        </p:spPr>
+      </p:pic>
+    </p:spTree>
+    <p:extLst>
+      <p:ext uri="{BB962C8B-B14F-4D97-AF65-F5344CB8AC3E}">
+        <p14:creationId xmlns:p14="http://schemas.microsoft.com/office/powerpoint/2010/main" val="3239406521"/>
+      </p:ext>
+    </p:extLst>
+  </p:cSld>
+  <p:clrMapOvr>
+    <a:masterClrMapping/>
+  </p:clrMapOvr>
+  <p:timing>
+    <p:tnLst>
+      <p:par>
+        <p:cTn id="1" dur="indefinite" restart="never" nodeType="tmRoot"/>
+      </p:par>
+    </p:tnLst>
+  </p:timing>
+</p:sld>
+</file>
+
+<file path=ppt/slides/slide18.xml><?xml version="1.0" encoding="utf-8"?>
+<p:sld xmlns:a="http://schemas.openxmlformats.org/drawingml/2006/main" xmlns:r="http://schemas.openxmlformats.org/officeDocument/2006/relationships" xmlns:p="http://schemas.openxmlformats.org/presentationml/2006/main">
+  <p:cSld>
+    <p:spTree>
+      <p:nvGrpSpPr>
+        <p:cNvPr id="1" name=""/>
+        <p:cNvGrpSpPr/>
+        <p:nvPr/>
+      </p:nvGrpSpPr>
+      <p:grpSpPr>
+        <a:xfrm>
+          <a:off x="0" y="0"/>
+          <a:ext cx="0" cy="0"/>
+          <a:chOff x="0" y="0"/>
+          <a:chExt cx="0" cy="0"/>
+        </a:xfrm>
+      </p:grpSpPr>
+      <p:sp>
+        <p:nvSpPr>
+          <p:cNvPr id="2" name="Titel 1">
+            <a:extLst>
+              <a:ext uri="{FF2B5EF4-FFF2-40B4-BE49-F238E27FC236}">
+                <a16:creationId xmlns:a16="http://schemas.microsoft.com/office/drawing/2014/main" xmlns="" id="{81C56212-2D06-4563-A27A-2F81AD3C08F8}"/>
+              </a:ext>
+            </a:extLst>
+          </p:cNvPr>
+          <p:cNvSpPr>
+            <a:spLocks noGrp="1"/>
+          </p:cNvSpPr>
+          <p:nvPr>
+            <p:ph type="title"/>
+          </p:nvPr>
+        </p:nvSpPr>
+        <p:spPr/>
+        <p:txBody>
+          <a:bodyPr/>
+          <a:lstStyle/>
+          <a:p>
+            <a:r>
+              <a:rPr lang="nl-NL"/>
+              <a:t>Comparison</a:t>
+            </a:r>
+          </a:p>
+        </p:txBody>
+      </p:sp>
+      <p:sp>
+        <p:nvSpPr>
+          <p:cNvPr id="3" name="Tijdelijke aanduiding voor inhoud 2"/>
+          <p:cNvSpPr>
+            <a:spLocks noGrp="1"/>
+          </p:cNvSpPr>
+          <p:nvPr>
+            <p:ph idx="1"/>
+          </p:nvPr>
+        </p:nvSpPr>
+        <p:spPr/>
+        <p:txBody>
+          <a:bodyPr/>
+          <a:lstStyle/>
+          <a:p>
+            <a:endParaRPr lang="nl-NL"/>
+          </a:p>
+        </p:txBody>
+      </p:sp>
+      <p:pic>
+        <p:nvPicPr>
+          <p:cNvPr id="1027" name="Picture 3"/>
+          <p:cNvPicPr>
+            <a:picLocks noChangeAspect="1" noChangeArrowheads="1"/>
+          </p:cNvPicPr>
+          <p:nvPr/>
+        </p:nvPicPr>
+        <p:blipFill>
+          <a:blip r:embed="rId3">
+            <a:extLst>
+              <a:ext uri="{28A0092B-C50C-407E-A947-70E740481C1C}">
+                <a14:useLocalDpi xmlns:a14="http://schemas.microsoft.com/office/drawing/2010/main" val="0"/>
+              </a:ext>
+            </a:extLst>
+          </a:blip>
+          <a:srcRect/>
+          <a:stretch>
+            <a:fillRect/>
+          </a:stretch>
+        </p:blipFill>
+        <p:spPr bwMode="auto">
+          <a:xfrm>
+            <a:off x="628650" y="1328759"/>
+            <a:ext cx="11410950" cy="5719739"/>
+          </a:xfrm>
+          <a:prstGeom prst="rect">
+            <a:avLst/>
+          </a:prstGeom>
+          <a:noFill/>
+          <a:ln>
+            <a:noFill/>
+          </a:ln>
+          <a:extLst>
+            <a:ext uri="{909E8E84-426E-40DD-AFC4-6F175D3DCCD1}">
+              <a14:hiddenFill xmlns:a14="http://schemas.microsoft.com/office/drawing/2010/main">
+                <a:solidFill>
+                  <a:schemeClr val="accent1"/>
+                </a:solidFill>
+              </a14:hiddenFill>
+            </a:ext>
+            <a:ext uri="{91240B29-F687-4F45-9708-019B960494DF}">
+              <a14:hiddenLine xmlns:a14="http://schemas.microsoft.com/office/drawing/2010/main" w="9525">
+                <a:solidFill>
+                  <a:schemeClr val="tx1"/>
+                </a:solidFill>
+                <a:miter lim="800000"/>
+                <a:headEnd/>
+                <a:tailEnd/>
+              </a14:hiddenLine>
+            </a:ext>
+          </a:extLst>
+        </p:spPr>
+      </p:pic>
+    </p:spTree>
+    <p:extLst>
+      <p:ext uri="{BB962C8B-B14F-4D97-AF65-F5344CB8AC3E}">
+        <p14:creationId xmlns:p14="http://schemas.microsoft.com/office/powerpoint/2010/main" val="3165940883"/>
+      </p:ext>
+    </p:extLst>
+  </p:cSld>
+  <p:clrMapOvr>
+    <a:masterClrMapping/>
+  </p:clrMapOvr>
+  <p:timing>
+    <p:tnLst>
+      <p:par>
+        <p:cTn id="1" dur="indefinite" restart="never" nodeType="tmRoot"/>
+      </p:par>
+    </p:tnLst>
+  </p:timing>
+</p:sld>
+</file>
+
+<file path=ppt/slides/slide19.xml><?xml version="1.0" encoding="utf-8"?>
+<p:sld xmlns:a="http://schemas.openxmlformats.org/drawingml/2006/main" xmlns:r="http://schemas.openxmlformats.org/officeDocument/2006/relationships" xmlns:p="http://schemas.openxmlformats.org/presentationml/2006/main">
+  <p:cSld>
+    <p:spTree>
+      <p:nvGrpSpPr>
+        <p:cNvPr id="1" name=""/>
+        <p:cNvGrpSpPr/>
+        <p:nvPr/>
+      </p:nvGrpSpPr>
+      <p:grpSpPr>
+        <a:xfrm>
+          <a:off x="0" y="0"/>
+          <a:ext cx="0" cy="0"/>
+          <a:chOff x="0" y="0"/>
+          <a:chExt cx="0" cy="0"/>
+        </a:xfrm>
+      </p:grpSpPr>
+      <p:sp>
+        <p:nvSpPr>
+          <p:cNvPr id="2" name="Titel 1">
+            <a:extLst>
+              <a:ext uri="{FF2B5EF4-FFF2-40B4-BE49-F238E27FC236}">
+                <a16:creationId xmlns:a16="http://schemas.microsoft.com/office/drawing/2014/main" xmlns="" id="{81C56212-2D06-4563-A27A-2F81AD3C08F8}"/>
+              </a:ext>
+            </a:extLst>
+          </p:cNvPr>
+          <p:cNvSpPr>
+            <a:spLocks noGrp="1"/>
+          </p:cNvSpPr>
+          <p:nvPr>
+            <p:ph type="title"/>
+          </p:nvPr>
+        </p:nvSpPr>
+        <p:spPr/>
+        <p:txBody>
+          <a:bodyPr/>
+          <a:lstStyle/>
+          <a:p>
+            <a:r>
+              <a:rPr lang="nl-NL"/>
+              <a:t>Questions?</a:t>
+            </a:r>
+          </a:p>
+        </p:txBody>
+      </p:sp>
+      <p:sp>
+        <p:nvSpPr>
+          <p:cNvPr id="3" name="Tijdelijke aanduiding voor inhoud 2">
+            <a:extLst>
+              <a:ext uri="{FF2B5EF4-FFF2-40B4-BE49-F238E27FC236}">
+                <a16:creationId xmlns:a16="http://schemas.microsoft.com/office/drawing/2014/main" xmlns="" id="{FCAA3D2D-3FEC-4EB3-88D0-8A0E062EEEB9}"/>
+              </a:ext>
+            </a:extLst>
+          </p:cNvPr>
+          <p:cNvSpPr>
+            <a:spLocks noGrp="1"/>
+          </p:cNvSpPr>
+          <p:nvPr>
+            <p:ph idx="1"/>
+          </p:nvPr>
+        </p:nvSpPr>
+        <p:spPr/>
+        <p:txBody>
+          <a:bodyPr/>
+          <a:lstStyle/>
+          <a:p>
+            <a:endParaRPr lang="nl-NL"/>
+          </a:p>
+        </p:txBody>
+      </p:sp>
+    </p:spTree>
+    <p:extLst>
+      <p:ext uri="{BB962C8B-B14F-4D97-AF65-F5344CB8AC3E}">
+        <p14:creationId xmlns:p14="http://schemas.microsoft.com/office/powerpoint/2010/main" val="2175462976"/>
+      </p:ext>
+    </p:extLst>
+  </p:cSld>
+  <p:clrMapOvr>
+    <a:masterClrMapping/>
+  </p:clrMapOvr>
+  <p:timing>
+    <p:tnLst>
+      <p:par>
+        <p:cTn id="1" dur="indefinite" restart="never" nodeType="tmRoot"/>
+      </p:par>
+    </p:tnLst>
+  </p:timing>
+</p:sld>
+</file>
+
+<file path=ppt/slides/slide2.xml><?xml version="1.0" encoding="utf-8"?>
+<p:sld xmlns:a="http://schemas.openxmlformats.org/drawingml/2006/main" xmlns:r="http://schemas.openxmlformats.org/officeDocument/2006/relationships" xmlns:p="http://schemas.openxmlformats.org/presentationml/2006/main">
+  <p:cSld>
+    <p:spTree>
+      <p:nvGrpSpPr>
+        <p:cNvPr id="1" name=""/>
+        <p:cNvGrpSpPr/>
+        <p:nvPr/>
+      </p:nvGrpSpPr>
+      <p:grpSpPr>
+        <a:xfrm>
+          <a:off x="0" y="0"/>
+          <a:ext cx="0" cy="0"/>
+          <a:chOff x="0" y="0"/>
+          <a:chExt cx="0" cy="0"/>
+        </a:xfrm>
+      </p:grpSpPr>
+      <p:pic>
+        <p:nvPicPr>
+          <p:cNvPr id="4" name="Afbeelding 4" descr="Afbeelding met kaart, tekst&#10;&#10;Beschrijving is gegenereerd met hoge betrouwbaarheid">
+            <a:extLst>
+              <a:ext uri="{FF2B5EF4-FFF2-40B4-BE49-F238E27FC236}">
+                <a16:creationId xmlns:a16="http://schemas.microsoft.com/office/drawing/2014/main" xmlns="" id="{744104A2-F3EC-4446-ACD8-07972D3E5DAE}"/>
+              </a:ext>
+            </a:extLst>
+          </p:cNvPr>
+          <p:cNvPicPr>
+            <a:picLocks noChangeAspect="1"/>
+          </p:cNvPicPr>
+          <p:nvPr/>
+        </p:nvPicPr>
+        <p:blipFill>
+          <a:blip r:embed="rId2"/>
+          <a:stretch>
+            <a:fillRect/>
+          </a:stretch>
+        </p:blipFill>
+        <p:spPr>
+          <a:xfrm>
+            <a:off x="4999055" y="1160167"/>
+            <a:ext cx="7078225" cy="5311391"/>
+          </a:xfrm>
+          <a:prstGeom prst="rect">
+            <a:avLst/>
+          </a:prstGeom>
+        </p:spPr>
+      </p:pic>
+      <p:sp>
+        <p:nvSpPr>
+          <p:cNvPr id="2" name="Titel 1">
+            <a:extLst>
+              <a:ext uri="{FF2B5EF4-FFF2-40B4-BE49-F238E27FC236}">
+                <a16:creationId xmlns:a16="http://schemas.microsoft.com/office/drawing/2014/main" xmlns="" id="{7154CB1A-48F2-4D7C-8DB3-D70F5FA31935}"/>
+              </a:ext>
+            </a:extLst>
+          </p:cNvPr>
+          <p:cNvSpPr>
+            <a:spLocks noGrp="1"/>
+          </p:cNvSpPr>
+          <p:nvPr>
+            <p:ph type="title"/>
+          </p:nvPr>
+        </p:nvSpPr>
+        <p:spPr/>
+        <p:txBody>
+          <a:bodyPr/>
+          <a:lstStyle/>
+          <a:p>
+            <a:r>
+              <a:rPr lang="nl-NL" dirty="0" err="1"/>
+              <a:t>Introduction</a:t>
+            </a:r>
+            <a:endParaRPr lang="nl-NL" dirty="0">
+              <a:ea typeface="+mj-lt"/>
+              <a:cs typeface="+mj-lt"/>
+            </a:endParaRPr>
+          </a:p>
+        </p:txBody>
+      </p:sp>
+      <p:sp>
+        <p:nvSpPr>
+          <p:cNvPr id="3" name="Tijdelijke aanduiding voor inhoud 2">
+            <a:extLst>
+              <a:ext uri="{FF2B5EF4-FFF2-40B4-BE49-F238E27FC236}">
+                <a16:creationId xmlns:a16="http://schemas.microsoft.com/office/drawing/2014/main" xmlns="" id="{C1B2880A-7AED-4B51-BB52-B462DBB5D40E}"/>
+              </a:ext>
+            </a:extLst>
+          </p:cNvPr>
+          <p:cNvSpPr>
+            <a:spLocks noGrp="1"/>
+          </p:cNvSpPr>
+          <p:nvPr>
+            <p:ph idx="1"/>
+          </p:nvPr>
+        </p:nvSpPr>
+        <p:spPr>
+          <a:xfrm>
+            <a:off x="2589212" y="2133600"/>
+            <a:ext cx="3063816" cy="3777622"/>
+          </a:xfrm>
+        </p:spPr>
+        <p:txBody>
+          <a:bodyPr vert="horz" lIns="91440" tIns="45720" rIns="91440" bIns="45720" rtlCol="0" anchor="t">
+            <a:normAutofit/>
+          </a:bodyPr>
+          <a:lstStyle/>
+          <a:p>
+            <a:r>
+              <a:rPr lang="nl-NL"/>
+              <a:t>Wat is SmartGrid?</a:t>
+            </a:r>
+          </a:p>
+          <a:p>
+            <a:r>
+              <a:rPr lang="nl-NL"/>
+              <a:t>Het probleem</a:t>
+            </a:r>
+          </a:p>
+          <a:p>
+            <a:endParaRPr lang="nl-NL"/>
+          </a:p>
+          <a:p>
+            <a:pPr marL="0" indent="0">
+              <a:buNone/>
+            </a:pPr>
+            <a:endParaRPr lang="nl-NL"/>
+          </a:p>
+        </p:txBody>
+      </p:sp>
+    </p:spTree>
+    <p:extLst>
+      <p:ext uri="{BB962C8B-B14F-4D97-AF65-F5344CB8AC3E}">
+        <p14:creationId xmlns:p14="http://schemas.microsoft.com/office/powerpoint/2010/main" val="2073432293"/>
+      </p:ext>
+    </p:extLst>
+  </p:cSld>
+  <p:clrMapOvr>
+    <a:masterClrMapping/>
+  </p:clrMapOvr>
+  <p:timing>
+    <p:tnLst>
+      <p:par>
+        <p:cTn id="1" dur="indefinite" restart="never" nodeType="tmRoot"/>
+      </p:par>
+    </p:tnLst>
+  </p:timing>
+</p:sld>
+</file>
+
+<file path=ppt/slides/slide3.xml><?xml version="1.0" encoding="utf-8"?>
+<p:sld xmlns:a="http://schemas.openxmlformats.org/drawingml/2006/main" xmlns:r="http://schemas.openxmlformats.org/officeDocument/2006/relationships" xmlns:p="http://schemas.openxmlformats.org/presentationml/2006/main">
+  <p:cSld>
+    <p:spTree>
+      <p:nvGrpSpPr>
+        <p:cNvPr id="1" name=""/>
+        <p:cNvGrpSpPr/>
+        <p:nvPr/>
+      </p:nvGrpSpPr>
+      <p:grpSpPr>
+        <a:xfrm>
+          <a:off x="0" y="0"/>
+          <a:ext cx="0" cy="0"/>
+          <a:chOff x="0" y="0"/>
+          <a:chExt cx="0" cy="0"/>
+        </a:xfrm>
+      </p:grpSpPr>
+      <p:sp>
+        <p:nvSpPr>
+          <p:cNvPr id="2" name="Titel 1"/>
+          <p:cNvSpPr>
+            <a:spLocks noGrp="1"/>
+          </p:cNvSpPr>
+          <p:nvPr>
+            <p:ph type="title"/>
+          </p:nvPr>
+        </p:nvSpPr>
+        <p:spPr/>
+        <p:txBody>
+          <a:bodyPr/>
+          <a:lstStyle/>
+          <a:p>
+            <a:r>
+              <a:rPr lang="nl-NL" dirty="0" err="1"/>
+              <a:t>Introduction</a:t>
+            </a:r>
+            <a:endParaRPr lang="nl-NL" dirty="0"/>
+          </a:p>
+        </p:txBody>
+      </p:sp>
+      <p:sp>
+        <p:nvSpPr>
+          <p:cNvPr id="3" name="Tijdelijke aanduiding voor inhoud 2"/>
+          <p:cNvSpPr>
+            <a:spLocks noGrp="1"/>
+          </p:cNvSpPr>
+          <p:nvPr>
+            <p:ph idx="1"/>
+          </p:nvPr>
+        </p:nvSpPr>
+        <p:spPr>
+          <a:xfrm>
+            <a:off x="2589212" y="2133600"/>
+            <a:ext cx="3811588" cy="3777622"/>
+          </a:xfrm>
+        </p:spPr>
+        <p:txBody>
+          <a:bodyPr/>
+          <a:lstStyle/>
+          <a:p>
+            <a:r>
+              <a:rPr lang="en-US" dirty="0" smtClean="0"/>
+              <a:t>Constraints</a:t>
+            </a:r>
+          </a:p>
+          <a:p>
+            <a:pPr>
+              <a:buFontTx/>
+              <a:buChar char="-"/>
+            </a:pPr>
+            <a:r>
+              <a:rPr lang="en-US" dirty="0" err="1" smtClean="0"/>
+              <a:t>Verbind</a:t>
+            </a:r>
+            <a:r>
+              <a:rPr lang="en-US" dirty="0" smtClean="0"/>
+              <a:t> </a:t>
+            </a:r>
+            <a:r>
+              <a:rPr lang="en-US" dirty="0" err="1" smtClean="0"/>
+              <a:t>alle</a:t>
+            </a:r>
+            <a:r>
+              <a:rPr lang="en-US" dirty="0" smtClean="0"/>
+              <a:t> </a:t>
+            </a:r>
+            <a:r>
+              <a:rPr lang="en-US" dirty="0" err="1" smtClean="0"/>
+              <a:t>huizen</a:t>
+            </a:r>
+            <a:endParaRPr lang="en-US" dirty="0" smtClean="0"/>
+          </a:p>
+          <a:p>
+            <a:pPr>
+              <a:buFontTx/>
+              <a:buChar char="-"/>
+            </a:pPr>
+            <a:r>
+              <a:rPr lang="en-US" dirty="0"/>
+              <a:t> </a:t>
+            </a:r>
+            <a:r>
+              <a:rPr lang="en-US" dirty="0" err="1" smtClean="0"/>
+              <a:t>Bereken</a:t>
+            </a:r>
+            <a:r>
+              <a:rPr lang="en-US" dirty="0" smtClean="0"/>
+              <a:t> de </a:t>
+            </a:r>
+            <a:r>
+              <a:rPr lang="en-US" dirty="0" err="1" smtClean="0"/>
+              <a:t>kosten</a:t>
+            </a:r>
+            <a:endParaRPr lang="en-US" dirty="0" smtClean="0"/>
+          </a:p>
+          <a:p>
+            <a:pPr>
+              <a:buFontTx/>
+              <a:buChar char="-"/>
+            </a:pPr>
+            <a:r>
+              <a:rPr lang="en-US" dirty="0" err="1" smtClean="0"/>
+              <a:t>Batterijen</a:t>
+            </a:r>
+            <a:r>
+              <a:rPr lang="en-US" dirty="0" smtClean="0"/>
+              <a:t> </a:t>
+            </a:r>
+            <a:r>
+              <a:rPr lang="en-US" dirty="0" err="1" smtClean="0"/>
+              <a:t>mogen</a:t>
+            </a:r>
+            <a:r>
+              <a:rPr lang="en-US" dirty="0" smtClean="0"/>
+              <a:t> </a:t>
+            </a:r>
+            <a:r>
+              <a:rPr lang="en-US" dirty="0" err="1" smtClean="0"/>
+              <a:t>initieel</a:t>
+            </a:r>
+            <a:r>
+              <a:rPr lang="en-US" dirty="0" smtClean="0"/>
+              <a:t> </a:t>
+            </a:r>
+            <a:r>
+              <a:rPr lang="en-US" dirty="0" err="1" smtClean="0"/>
+              <a:t>niet</a:t>
+            </a:r>
+            <a:r>
+              <a:rPr lang="en-US" dirty="0" smtClean="0"/>
+              <a:t> </a:t>
+            </a:r>
+            <a:r>
+              <a:rPr lang="en-US" dirty="0" err="1" smtClean="0"/>
+              <a:t>worden</a:t>
+            </a:r>
+            <a:r>
+              <a:rPr lang="en-US" dirty="0" smtClean="0"/>
+              <a:t> </a:t>
+            </a:r>
+            <a:r>
+              <a:rPr lang="en-US" dirty="0" err="1" smtClean="0"/>
+              <a:t>verplaatst</a:t>
+            </a:r>
+            <a:r>
+              <a:rPr lang="en-US" dirty="0" smtClean="0"/>
+              <a:t> </a:t>
+            </a:r>
+            <a:endParaRPr lang="nl-NL" dirty="0"/>
+          </a:p>
+        </p:txBody>
+      </p:sp>
+      <p:sp>
+        <p:nvSpPr>
+          <p:cNvPr id="4" name="Tekstvak 3"/>
+          <p:cNvSpPr txBox="1"/>
+          <p:nvPr/>
+        </p:nvSpPr>
+        <p:spPr>
+          <a:xfrm>
+            <a:off x="7200900" y="1885950"/>
+            <a:ext cx="3695700" cy="923330"/>
+          </a:xfrm>
+          <a:prstGeom prst="rect">
+            <a:avLst/>
+          </a:prstGeom>
+          <a:noFill/>
+        </p:spPr>
+        <p:txBody>
+          <a:bodyPr wrap="square" rtlCol="0">
+            <a:spAutoFit/>
+          </a:bodyPr>
+          <a:lstStyle/>
+          <a:p>
+            <a:r>
+              <a:rPr lang="en-US" dirty="0" err="1" smtClean="0"/>
+              <a:t>Kosten</a:t>
+            </a:r>
+            <a:r>
+              <a:rPr lang="en-US" dirty="0" smtClean="0"/>
+              <a:t>:</a:t>
+            </a:r>
+          </a:p>
+          <a:p>
+            <a:r>
+              <a:rPr lang="en-US" dirty="0" err="1" smtClean="0"/>
+              <a:t>Batterij</a:t>
+            </a:r>
+            <a:r>
+              <a:rPr lang="en-US" dirty="0" smtClean="0"/>
+              <a:t>: €5.000</a:t>
+            </a:r>
+          </a:p>
+          <a:p>
+            <a:r>
+              <a:rPr lang="en-US" dirty="0" err="1" smtClean="0"/>
+              <a:t>Kabel</a:t>
+            </a:r>
+            <a:r>
+              <a:rPr lang="en-US" dirty="0" smtClean="0"/>
+              <a:t>: €9 per grid segment</a:t>
+            </a:r>
+            <a:endParaRPr lang="nl-NL" dirty="0"/>
+          </a:p>
+        </p:txBody>
+      </p:sp>
+    </p:spTree>
+    <p:extLst>
+      <p:ext uri="{BB962C8B-B14F-4D97-AF65-F5344CB8AC3E}">
+        <p14:creationId xmlns:p14="http://schemas.microsoft.com/office/powerpoint/2010/main" val="2551031624"/>
+      </p:ext>
+    </p:extLst>
+  </p:cSld>
+  <p:clrMapOvr>
+    <a:masterClrMapping/>
+  </p:clrMapOvr>
+</p:sld>
+</file>
+
+<file path=ppt/slides/slide4.xml><?xml version="1.0" encoding="utf-8"?>
+<p:sld xmlns:a="http://schemas.openxmlformats.org/drawingml/2006/main" xmlns:r="http://schemas.openxmlformats.org/officeDocument/2006/relationships" xmlns:p="http://schemas.openxmlformats.org/presentationml/2006/main">
+  <p:cSld>
+    <p:spTree>
+      <p:nvGrpSpPr>
+        <p:cNvPr id="1" name=""/>
+        <p:cNvGrpSpPr/>
+        <p:nvPr/>
+      </p:nvGrpSpPr>
+      <p:grpSpPr>
+        <a:xfrm>
+          <a:off x="0" y="0"/>
+          <a:ext cx="0" cy="0"/>
+          <a:chOff x="0" y="0"/>
+          <a:chExt cx="0" cy="0"/>
+        </a:xfrm>
+      </p:grpSpPr>
+      <p:sp>
+        <p:nvSpPr>
+          <p:cNvPr id="2" name="Titel 1">
+            <a:extLst>
+              <a:ext uri="{FF2B5EF4-FFF2-40B4-BE49-F238E27FC236}">
+                <a16:creationId xmlns:a16="http://schemas.microsoft.com/office/drawing/2014/main" xmlns="" id="{B65100A1-C365-40A7-A42F-4B5A9FD90ADA}"/>
+              </a:ext>
+            </a:extLst>
+          </p:cNvPr>
+          <p:cNvSpPr>
+            <a:spLocks noGrp="1"/>
+          </p:cNvSpPr>
+          <p:nvPr>
+            <p:ph type="title"/>
+          </p:nvPr>
+        </p:nvSpPr>
+        <p:spPr/>
+        <p:txBody>
+          <a:bodyPr/>
+          <a:lstStyle/>
+          <a:p>
+            <a:r>
+              <a:rPr lang="nl-NL" err="1"/>
+              <a:t>Statespace</a:t>
+            </a:r>
+            <a:endParaRPr lang="nl-NL" err="1">
+              <a:ea typeface="+mj-lt"/>
+              <a:cs typeface="+mj-lt"/>
+            </a:endParaRPr>
+          </a:p>
+        </p:txBody>
+      </p:sp>
+      <p:sp>
+        <p:nvSpPr>
+          <p:cNvPr id="3" name="Tijdelijke aanduiding voor inhoud 2">
+            <a:extLst>
+              <a:ext uri="{FF2B5EF4-FFF2-40B4-BE49-F238E27FC236}">
+                <a16:creationId xmlns:a16="http://schemas.microsoft.com/office/drawing/2014/main" xmlns="" id="{05C6F3D3-C738-43C0-8418-47F08F56C29D}"/>
+              </a:ext>
+            </a:extLst>
+          </p:cNvPr>
+          <p:cNvSpPr>
+            <a:spLocks noGrp="1"/>
+          </p:cNvSpPr>
+          <p:nvPr>
+            <p:ph idx="1"/>
+          </p:nvPr>
+        </p:nvSpPr>
+        <p:spPr>
+          <a:xfrm>
+            <a:off x="2589212" y="2035629"/>
+            <a:ext cx="8915400" cy="3777622"/>
+          </a:xfrm>
+        </p:spPr>
+        <p:txBody>
+          <a:bodyPr vert="horz" lIns="91440" tIns="45720" rIns="91440" bIns="45720" rtlCol="0" anchor="t">
+            <a:normAutofit/>
+          </a:bodyPr>
+          <a:lstStyle/>
+          <a:p>
+            <a:endParaRPr lang="nl-NL"/>
+          </a:p>
+          <a:p>
+            <a:endParaRPr lang="nl-NL"/>
+          </a:p>
+          <a:p>
+            <a:r>
+              <a:rPr lang="nl-NL" err="1"/>
+              <a:t>Lowerbound</a:t>
+            </a:r>
+            <a:r>
+              <a:rPr lang="nl-NL"/>
+              <a:t> kosten</a:t>
+            </a:r>
+          </a:p>
+          <a:p>
+            <a:pPr marL="0" indent="0">
+              <a:buNone/>
+            </a:pPr>
+            <a:r>
+              <a:rPr lang="nl-NL"/>
+              <a:t>5 * €5000 + 150 * (afstand tussen huis en dichtbij zijnde batterij) = €53.188</a:t>
+            </a:r>
+          </a:p>
+          <a:p>
+            <a:endParaRPr lang="nl-NL"/>
+          </a:p>
+          <a:p>
+            <a:pPr marL="0" indent="0">
+              <a:buNone/>
+            </a:pPr>
+            <a:r>
+              <a:rPr lang="nl-NL" err="1"/>
+              <a:t>Upperbound</a:t>
+            </a:r>
+            <a:r>
+              <a:rPr lang="nl-NL"/>
+              <a:t> kosten</a:t>
+            </a:r>
+          </a:p>
+          <a:p>
+            <a:pPr>
+              <a:buNone/>
+            </a:pPr>
+            <a:r>
+              <a:rPr lang="nl-NL"/>
+              <a:t>5 * €5000 + 150 * (afstand tussen huis en verste batterij) = €103.030</a:t>
+            </a:r>
+          </a:p>
+          <a:p>
+            <a:endParaRPr lang="nl-NL"/>
+          </a:p>
+          <a:p>
+            <a:r>
+              <a:rPr lang="nl-NL"/>
+              <a:t>Manhattan </a:t>
+            </a:r>
+            <a:r>
+              <a:rPr lang="nl-NL" err="1"/>
+              <a:t>Distance</a:t>
+            </a:r>
+          </a:p>
+          <a:p>
+            <a:pPr>
+              <a:buNone/>
+            </a:pPr>
+            <a:endParaRPr lang="nl-NL"/>
+          </a:p>
+        </p:txBody>
+      </p:sp>
+      <p:pic>
+        <p:nvPicPr>
+          <p:cNvPr id="8" name="Afbeelding 8" descr="Afbeelding met object&#10;&#10;Beschrijving is gegenereerd met hoge betrouwbaarheid">
+            <a:extLst>
+              <a:ext uri="{FF2B5EF4-FFF2-40B4-BE49-F238E27FC236}">
+                <a16:creationId xmlns:a16="http://schemas.microsoft.com/office/drawing/2014/main" xmlns="" id="{932B4111-7644-4BE8-A8A6-7B47628A9855}"/>
+              </a:ext>
+            </a:extLst>
+          </p:cNvPr>
+          <p:cNvPicPr>
+            <a:picLocks noChangeAspect="1"/>
+          </p:cNvPicPr>
+          <p:nvPr/>
+        </p:nvPicPr>
+        <p:blipFill>
+          <a:blip r:embed="rId2"/>
+          <a:stretch>
+            <a:fillRect/>
+          </a:stretch>
+        </p:blipFill>
+        <p:spPr>
+          <a:xfrm>
+            <a:off x="3254829" y="1443541"/>
+            <a:ext cx="5693228" cy="1227719"/>
+          </a:xfrm>
+          <a:prstGeom prst="rect">
+            <a:avLst/>
+          </a:prstGeom>
+        </p:spPr>
+      </p:pic>
+    </p:spTree>
+    <p:extLst>
+      <p:ext uri="{BB962C8B-B14F-4D97-AF65-F5344CB8AC3E}">
+        <p14:creationId xmlns:p14="http://schemas.microsoft.com/office/powerpoint/2010/main" val="2166740308"/>
+      </p:ext>
+    </p:extLst>
+  </p:cSld>
+  <p:clrMapOvr>
+    <a:masterClrMapping/>
+  </p:clrMapOvr>
+  <p:timing>
+    <p:tnLst>
+      <p:par>
+        <p:cTn id="1" dur="indefinite" restart="never" nodeType="tmRoot"/>
+      </p:par>
+    </p:tnLst>
+  </p:timing>
+</p:sld>
+</file>
+
+<file path=ppt/slides/slide5.xml><?xml version="1.0" encoding="utf-8"?>
+<p:sld xmlns:a="http://schemas.openxmlformats.org/drawingml/2006/main" xmlns:r="http://schemas.openxmlformats.org/officeDocument/2006/relationships" xmlns:p="http://schemas.openxmlformats.org/presentationml/2006/main">
+  <p:cSld>
+    <p:spTree>
+      <p:nvGrpSpPr>
+        <p:cNvPr id="1" name=""/>
+        <p:cNvGrpSpPr/>
+        <p:nvPr/>
+      </p:nvGrpSpPr>
+      <p:grpSpPr>
+        <a:xfrm>
+          <a:off x="0" y="0"/>
+          <a:ext cx="0" cy="0"/>
+          <a:chOff x="0" y="0"/>
+          <a:chExt cx="0" cy="0"/>
+        </a:xfrm>
+      </p:grpSpPr>
+      <p:sp>
+        <p:nvSpPr>
+          <p:cNvPr id="2" name="Titel 1">
+            <a:extLst>
+              <a:ext uri="{FF2B5EF4-FFF2-40B4-BE49-F238E27FC236}">
+                <a16:creationId xmlns:a16="http://schemas.microsoft.com/office/drawing/2014/main" xmlns="" id="{9CF66834-9D6D-4A52-8664-095792201C63}"/>
+              </a:ext>
+            </a:extLst>
+          </p:cNvPr>
+          <p:cNvSpPr>
+            <a:spLocks noGrp="1"/>
+          </p:cNvSpPr>
+          <p:nvPr>
+            <p:ph type="title"/>
+          </p:nvPr>
+        </p:nvSpPr>
+        <p:spPr/>
+        <p:txBody>
+          <a:bodyPr/>
+          <a:lstStyle/>
+          <a:p>
+            <a:r>
+              <a:rPr lang="nl-NL"/>
+              <a:t>Methodes</a:t>
+            </a:r>
+          </a:p>
+        </p:txBody>
+      </p:sp>
+      <p:sp>
+        <p:nvSpPr>
+          <p:cNvPr id="3" name="Tijdelijke aanduiding voor inhoud 2">
+            <a:extLst>
+              <a:ext uri="{FF2B5EF4-FFF2-40B4-BE49-F238E27FC236}">
+                <a16:creationId xmlns:a16="http://schemas.microsoft.com/office/drawing/2014/main" xmlns="" id="{21FC9782-7392-448C-877F-DFA5765C1A81}"/>
+              </a:ext>
+            </a:extLst>
+          </p:cNvPr>
+          <p:cNvSpPr>
+            <a:spLocks noGrp="1"/>
+          </p:cNvSpPr>
+          <p:nvPr>
+            <p:ph idx="1"/>
+          </p:nvPr>
+        </p:nvSpPr>
+        <p:spPr>
+          <a:xfrm>
+            <a:off x="2589212" y="2133600"/>
+            <a:ext cx="9303588" cy="4510867"/>
+          </a:xfrm>
+        </p:spPr>
+        <p:txBody>
+          <a:bodyPr vert="horz" lIns="91440" tIns="45720" rIns="91440" bIns="45720" rtlCol="0" anchor="t">
+            <a:normAutofit/>
+          </a:bodyPr>
+          <a:lstStyle/>
+          <a:p>
+            <a:r>
+              <a:rPr lang="nl-NL" dirty="0" err="1" smtClean="0"/>
+              <a:t>Greedy</a:t>
+            </a:r>
+            <a:r>
+              <a:rPr lang="nl-NL" dirty="0" smtClean="0"/>
+              <a:t> </a:t>
+            </a:r>
+            <a:r>
+              <a:rPr lang="nl-NL" dirty="0"/>
+              <a:t>+ </a:t>
+            </a:r>
+            <a:r>
+              <a:rPr lang="nl-NL" dirty="0" err="1" smtClean="0"/>
+              <a:t>sort</a:t>
+            </a:r>
+            <a:endParaRPr lang="nl-NL" dirty="0"/>
+          </a:p>
+          <a:p>
+            <a:endParaRPr lang="nl-NL" dirty="0"/>
+          </a:p>
+          <a:p>
+            <a:r>
+              <a:rPr lang="nl-NL" dirty="0" smtClean="0"/>
+              <a:t>Hill </a:t>
+            </a:r>
+            <a:r>
+              <a:rPr lang="nl-NL" dirty="0" err="1"/>
+              <a:t>Climber</a:t>
+            </a:r>
+            <a:endParaRPr lang="nl-NL" dirty="0"/>
+          </a:p>
+          <a:p>
+            <a:endParaRPr lang="nl-NL" dirty="0"/>
+          </a:p>
+          <a:p>
+            <a:r>
+              <a:rPr lang="nl-NL" dirty="0" err="1" smtClean="0"/>
+              <a:t>Simulated</a:t>
+            </a:r>
+            <a:r>
+              <a:rPr lang="nl-NL" dirty="0" smtClean="0"/>
+              <a:t> </a:t>
+            </a:r>
+            <a:r>
+              <a:rPr lang="nl-NL" dirty="0" err="1"/>
+              <a:t>Annealling</a:t>
+            </a:r>
+            <a:endParaRPr lang="nl-NL" dirty="0"/>
+          </a:p>
+          <a:p>
+            <a:endParaRPr lang="nl-NL" dirty="0"/>
+          </a:p>
+          <a:p>
+            <a:r>
+              <a:rPr lang="nl-NL" dirty="0" smtClean="0"/>
+              <a:t>K Means</a:t>
+            </a:r>
+          </a:p>
+          <a:p>
+            <a:endParaRPr lang="en-US" dirty="0"/>
+          </a:p>
+          <a:p>
+            <a:r>
+              <a:rPr lang="en-US" dirty="0" smtClean="0"/>
+              <a:t>Hierarchical </a:t>
+            </a:r>
+            <a:r>
+              <a:rPr lang="en-US" dirty="0"/>
+              <a:t>Agglomerative Clustering</a:t>
+            </a:r>
+            <a:endParaRPr lang="nl-NL" dirty="0"/>
+          </a:p>
+          <a:p>
+            <a:endParaRPr lang="nl-NL" dirty="0"/>
+          </a:p>
+        </p:txBody>
+      </p:sp>
+    </p:spTree>
+    <p:extLst>
+      <p:ext uri="{BB962C8B-B14F-4D97-AF65-F5344CB8AC3E}">
+        <p14:creationId xmlns:p14="http://schemas.microsoft.com/office/powerpoint/2010/main" val="141323830"/>
+      </p:ext>
+    </p:extLst>
+  </p:cSld>
+  <p:clrMapOvr>
+    <a:masterClrMapping/>
+  </p:clrMapOvr>
+  <p:timing>
+    <p:tnLst>
+      <p:par>
+        <p:cTn id="1" dur="indefinite" restart="never" nodeType="tmRoot"/>
+      </p:par>
+    </p:tnLst>
+  </p:timing>
+</p:sld>
+</file>
+
+<file path=ppt/slides/slide6.xml><?xml version="1.0" encoding="utf-8"?>
+<p:sld xmlns:a="http://schemas.openxmlformats.org/drawingml/2006/main" xmlns:r="http://schemas.openxmlformats.org/officeDocument/2006/relationships" xmlns:p="http://schemas.openxmlformats.org/presentationml/2006/main">
+  <p:cSld>
+    <p:spTree>
+      <p:nvGrpSpPr>
+        <p:cNvPr id="1" name=""/>
+        <p:cNvGrpSpPr/>
+        <p:nvPr/>
+      </p:nvGrpSpPr>
+      <p:grpSpPr>
+        <a:xfrm>
+          <a:off x="0" y="0"/>
+          <a:ext cx="0" cy="0"/>
+          <a:chOff x="0" y="0"/>
+          <a:chExt cx="0" cy="0"/>
+        </a:xfrm>
+      </p:grpSpPr>
+      <p:sp>
+        <p:nvSpPr>
+          <p:cNvPr id="2" name="Titel 1">
+            <a:extLst>
+              <a:ext uri="{FF2B5EF4-FFF2-40B4-BE49-F238E27FC236}">
+                <a16:creationId xmlns:a16="http://schemas.microsoft.com/office/drawing/2014/main" xmlns="" id="{F35DF6B5-B5E3-4B99-AE4B-AD924BF7CD83}"/>
+              </a:ext>
+            </a:extLst>
+          </p:cNvPr>
+          <p:cNvSpPr>
+            <a:spLocks noGrp="1"/>
+          </p:cNvSpPr>
+          <p:nvPr>
+            <p:ph type="title"/>
+          </p:nvPr>
+        </p:nvSpPr>
+        <p:spPr/>
+        <p:txBody>
+          <a:bodyPr/>
+          <a:lstStyle/>
+          <a:p>
+            <a:r>
+              <a:rPr lang="nl-NL"/>
+              <a:t>Greedy</a:t>
+            </a:r>
+          </a:p>
+        </p:txBody>
+      </p:sp>
+      <p:sp>
+        <p:nvSpPr>
+          <p:cNvPr id="3" name="Tijdelijke aanduiding voor inhoud 2">
+            <a:extLst>
+              <a:ext uri="{FF2B5EF4-FFF2-40B4-BE49-F238E27FC236}">
+                <a16:creationId xmlns:a16="http://schemas.microsoft.com/office/drawing/2014/main" xmlns="" id="{4EF0DB5F-D1EA-49EC-BAE7-E159686E804C}"/>
+              </a:ext>
+            </a:extLst>
+          </p:cNvPr>
+          <p:cNvSpPr>
+            <a:spLocks noGrp="1"/>
+          </p:cNvSpPr>
+          <p:nvPr>
+            <p:ph idx="1"/>
+          </p:nvPr>
+        </p:nvSpPr>
+        <p:spPr/>
+        <p:txBody>
+          <a:bodyPr vert="horz" lIns="91440" tIns="45720" rIns="91440" bIns="45720" rtlCol="0" anchor="t">
+            <a:normAutofit lnSpcReduction="10000"/>
+          </a:bodyPr>
+          <a:lstStyle/>
+          <a:p>
+            <a:r>
+              <a:rPr lang="nl-NL"/>
+              <a:t>Per huis een batterij kiezen op basis van een heuristiek en huis daaraan verbinden.</a:t>
+            </a:r>
+          </a:p>
+          <a:p>
+            <a:endParaRPr lang="nl-NL"/>
+          </a:p>
+          <a:p>
+            <a:r>
+              <a:rPr lang="nl-NL"/>
+              <a:t>Output</a:t>
+            </a:r>
+          </a:p>
+          <a:p>
+            <a:endParaRPr lang="nl-NL"/>
+          </a:p>
+          <a:p>
+            <a:r>
+              <a:rPr lang="nl-NL" err="1"/>
+              <a:t>Distance</a:t>
+            </a:r>
+          </a:p>
+          <a:p>
+            <a:endParaRPr lang="nl-NL"/>
+          </a:p>
+          <a:p>
+            <a:r>
+              <a:rPr lang="nl-NL"/>
+              <a:t>Priority</a:t>
+            </a:r>
+          </a:p>
+          <a:p>
+            <a:endParaRPr lang="nl-NL"/>
+          </a:p>
+          <a:p>
+            <a:r>
+              <a:rPr lang="nl-NL"/>
+              <a:t>Swap</a:t>
+            </a:r>
+          </a:p>
+        </p:txBody>
+      </p:sp>
+    </p:spTree>
+    <p:extLst>
+      <p:ext uri="{BB962C8B-B14F-4D97-AF65-F5344CB8AC3E}">
+        <p14:creationId xmlns:p14="http://schemas.microsoft.com/office/powerpoint/2010/main" val="2932678235"/>
+      </p:ext>
+    </p:extLst>
+  </p:cSld>
+  <p:clrMapOvr>
+    <a:masterClrMapping/>
+  </p:clrMapOvr>
+  <p:timing>
+    <p:tnLst>
+      <p:par>
+        <p:cTn id="1" dur="indefinite" restart="never" nodeType="tmRoot"/>
+      </p:par>
+    </p:tnLst>
+  </p:timing>
+</p:sld>
+</file>
+
+<file path=ppt/slides/slide7.xml><?xml version="1.0" encoding="utf-8"?>
+<p:sld xmlns:a="http://schemas.openxmlformats.org/drawingml/2006/main" xmlns:r="http://schemas.openxmlformats.org/officeDocument/2006/relationships" xmlns:p="http://schemas.openxmlformats.org/presentationml/2006/main">
+  <p:cSld>
+    <p:spTree>
+      <p:nvGrpSpPr>
+        <p:cNvPr id="1" name=""/>
+        <p:cNvGrpSpPr/>
+        <p:nvPr/>
+      </p:nvGrpSpPr>
+      <p:grpSpPr>
+        <a:xfrm>
+          <a:off x="0" y="0"/>
+          <a:ext cx="0" cy="0"/>
+          <a:chOff x="0" y="0"/>
+          <a:chExt cx="0" cy="0"/>
+        </a:xfrm>
+      </p:grpSpPr>
+      <p:sp>
+        <p:nvSpPr>
+          <p:cNvPr id="2" name="Titel 1">
+            <a:extLst>
+              <a:ext uri="{FF2B5EF4-FFF2-40B4-BE49-F238E27FC236}">
+                <a16:creationId xmlns:a16="http://schemas.microsoft.com/office/drawing/2014/main" xmlns="" id="{F35DF6B5-B5E3-4B99-AE4B-AD924BF7CD83}"/>
+              </a:ext>
+            </a:extLst>
+          </p:cNvPr>
+          <p:cNvSpPr>
+            <a:spLocks noGrp="1"/>
+          </p:cNvSpPr>
+          <p:nvPr>
+            <p:ph type="title"/>
+          </p:nvPr>
+        </p:nvSpPr>
+        <p:spPr/>
+        <p:txBody>
+          <a:bodyPr/>
+          <a:lstStyle/>
+          <a:p>
+            <a:r>
+              <a:rPr lang="nl-NL"/>
+              <a:t>Hill Climber</a:t>
+            </a:r>
+          </a:p>
+        </p:txBody>
+      </p:sp>
+      <p:sp>
+        <p:nvSpPr>
+          <p:cNvPr id="3" name="Tijdelijke aanduiding voor inhoud 2">
+            <a:extLst>
+              <a:ext uri="{FF2B5EF4-FFF2-40B4-BE49-F238E27FC236}">
+                <a16:creationId xmlns:a16="http://schemas.microsoft.com/office/drawing/2014/main" xmlns="" id="{4EF0DB5F-D1EA-49EC-BAE7-E159686E804C}"/>
+              </a:ext>
+            </a:extLst>
+          </p:cNvPr>
+          <p:cNvSpPr>
+            <a:spLocks noGrp="1"/>
+          </p:cNvSpPr>
+          <p:nvPr>
+            <p:ph idx="1"/>
+          </p:nvPr>
+        </p:nvSpPr>
+        <p:spPr/>
+        <p:txBody>
+          <a:bodyPr vert="horz" lIns="91440" tIns="45720" rIns="91440" bIns="45720" rtlCol="0" anchor="t">
+            <a:normAutofit/>
+          </a:bodyPr>
+          <a:lstStyle/>
+          <a:p>
+            <a:r>
+              <a:rPr lang="nl-NL"/>
+              <a:t>Hierbij wordt een wisseling uitgevoerd tussen twee locaties om een verbetering te realiseren.</a:t>
+            </a:r>
+          </a:p>
+          <a:p>
+            <a:endParaRPr lang="nl-NL"/>
+          </a:p>
+          <a:p>
+            <a:r>
+              <a:rPr lang="nl-NL"/>
+              <a:t>Random</a:t>
+            </a:r>
+          </a:p>
+          <a:p>
+            <a:endParaRPr lang="nl-NL"/>
+          </a:p>
+          <a:p>
+            <a:r>
+              <a:rPr lang="nl-NL"/>
+              <a:t>Lijst met mogelijke wisselingen</a:t>
+            </a:r>
+          </a:p>
+          <a:p>
+            <a:endParaRPr lang="nl-NL"/>
+          </a:p>
+          <a:p>
+            <a:r>
+              <a:rPr lang="nl-NL"/>
+              <a:t>Best </a:t>
+            </a:r>
+            <a:r>
+              <a:rPr lang="nl-NL" err="1"/>
+              <a:t>Choice</a:t>
+            </a:r>
+            <a:endParaRPr lang="nl-NL"/>
+          </a:p>
+        </p:txBody>
+      </p:sp>
+    </p:spTree>
+    <p:extLst>
+      <p:ext uri="{BB962C8B-B14F-4D97-AF65-F5344CB8AC3E}">
+        <p14:creationId xmlns:p14="http://schemas.microsoft.com/office/powerpoint/2010/main" val="2843711804"/>
+      </p:ext>
+    </p:extLst>
+  </p:cSld>
+  <p:clrMapOvr>
+    <a:masterClrMapping/>
+  </p:clrMapOvr>
+  <p:timing>
+    <p:tnLst>
+      <p:par>
+        <p:cTn id="1" dur="indefinite" restart="never" nodeType="tmRoot"/>
+      </p:par>
+    </p:tnLst>
+  </p:timing>
+</p:sld>
+</file>
+
+<file path=ppt/slides/slide8.xml><?xml version="1.0" encoding="utf-8"?>
+<p:sld xmlns:a="http://schemas.openxmlformats.org/drawingml/2006/main" xmlns:r="http://schemas.openxmlformats.org/officeDocument/2006/relationships" xmlns:p="http://schemas.openxmlformats.org/presentationml/2006/main">
+  <p:cSld>
+    <p:spTree>
+      <p:nvGrpSpPr>
+        <p:cNvPr id="1" name=""/>
+        <p:cNvGrpSpPr/>
+        <p:nvPr/>
+      </p:nvGrpSpPr>
+      <p:grpSpPr>
+        <a:xfrm>
+          <a:off x="0" y="0"/>
+          <a:ext cx="0" cy="0"/>
+          <a:chOff x="0" y="0"/>
+          <a:chExt cx="0" cy="0"/>
+        </a:xfrm>
+      </p:grpSpPr>
+      <p:sp>
+        <p:nvSpPr>
+          <p:cNvPr id="2" name="Titel 1">
+            <a:extLst>
+              <a:ext uri="{FF2B5EF4-FFF2-40B4-BE49-F238E27FC236}">
+                <a16:creationId xmlns:a16="http://schemas.microsoft.com/office/drawing/2014/main" xmlns="" id="{F35DF6B5-B5E3-4B99-AE4B-AD924BF7CD83}"/>
+              </a:ext>
+            </a:extLst>
+          </p:cNvPr>
+          <p:cNvSpPr>
+            <a:spLocks noGrp="1"/>
+          </p:cNvSpPr>
+          <p:nvPr>
+            <p:ph type="title"/>
+          </p:nvPr>
+        </p:nvSpPr>
+        <p:spPr/>
+        <p:txBody>
+          <a:bodyPr/>
+          <a:lstStyle/>
+          <a:p>
+            <a:r>
+              <a:rPr lang="nl-NL"/>
+              <a:t>Simulated Annealling</a:t>
+            </a:r>
+          </a:p>
+        </p:txBody>
+      </p:sp>
+      <p:sp>
+        <p:nvSpPr>
+          <p:cNvPr id="3" name="Tijdelijke aanduiding voor inhoud 2">
+            <a:extLst>
+              <a:ext uri="{FF2B5EF4-FFF2-40B4-BE49-F238E27FC236}">
+                <a16:creationId xmlns:a16="http://schemas.microsoft.com/office/drawing/2014/main" xmlns="" id="{4EF0DB5F-D1EA-49EC-BAE7-E159686E804C}"/>
+              </a:ext>
+            </a:extLst>
+          </p:cNvPr>
+          <p:cNvSpPr>
+            <a:spLocks noGrp="1"/>
+          </p:cNvSpPr>
+          <p:nvPr>
+            <p:ph idx="1"/>
+          </p:nvPr>
+        </p:nvSpPr>
+        <p:spPr/>
+        <p:txBody>
+          <a:bodyPr vert="horz" lIns="91440" tIns="45720" rIns="91440" bIns="45720" rtlCol="0" anchor="t">
+            <a:normAutofit/>
+          </a:bodyPr>
+          <a:lstStyle/>
+          <a:p>
+            <a:r>
+              <a:rPr lang="nl-NL"/>
+              <a:t>Hierbij wordt op basis van temperatuur wijzigingen doorgevoerd waarbij ook slechte wijzigingen worden geaccepteerd. </a:t>
+            </a:r>
+          </a:p>
+          <a:p>
+            <a:endParaRPr lang="nl-NL"/>
+          </a:p>
+          <a:p>
+            <a:r>
+              <a:rPr lang="nl-NL" err="1"/>
+              <a:t>Distance</a:t>
+            </a:r>
+          </a:p>
+        </p:txBody>
+      </p:sp>
+    </p:spTree>
+    <p:extLst>
+      <p:ext uri="{BB962C8B-B14F-4D97-AF65-F5344CB8AC3E}">
+        <p14:creationId xmlns:p14="http://schemas.microsoft.com/office/powerpoint/2010/main" val="140892491"/>
+      </p:ext>
+    </p:extLst>
+  </p:cSld>
+  <p:clrMapOvr>
+    <a:masterClrMapping/>
+  </p:clrMapOvr>
+  <p:timing>
+    <p:tnLst>
+      <p:par>
+        <p:cTn id="1" dur="indefinite" restart="never" nodeType="tmRoot"/>
+      </p:par>
+    </p:tnLst>
+  </p:timing>
+</p:sld>
+</file>
+
+<file path=ppt/slides/slide9.xml><?xml version="1.0" encoding="utf-8"?>
+<p:sld xmlns:a="http://schemas.openxmlformats.org/drawingml/2006/main" xmlns:r="http://schemas.openxmlformats.org/officeDocument/2006/relationships" xmlns:p="http://schemas.openxmlformats.org/presentationml/2006/main">
+  <p:cSld>
+    <p:spTree>
+      <p:nvGrpSpPr>
+        <p:cNvPr id="1" name=""/>
+        <p:cNvGrpSpPr/>
+        <p:nvPr/>
+      </p:nvGrpSpPr>
+      <p:grpSpPr>
+        <a:xfrm>
+          <a:off x="0" y="0"/>
+          <a:ext cx="0" cy="0"/>
+          <a:chOff x="0" y="0"/>
+          <a:chExt cx="0" cy="0"/>
+        </a:xfrm>
+      </p:grpSpPr>
+      <p:sp>
+        <p:nvSpPr>
+          <p:cNvPr id="2" name="Titel 1">
+            <a:extLst>
+              <a:ext uri="{FF2B5EF4-FFF2-40B4-BE49-F238E27FC236}">
+                <a16:creationId xmlns:a16="http://schemas.microsoft.com/office/drawing/2014/main" xmlns="" id="{F35DF6B5-B5E3-4B99-AE4B-AD924BF7CD83}"/>
+              </a:ext>
+            </a:extLst>
+          </p:cNvPr>
+          <p:cNvSpPr>
+            <a:spLocks noGrp="1"/>
+          </p:cNvSpPr>
+          <p:nvPr>
+            <p:ph type="title"/>
+          </p:nvPr>
+        </p:nvSpPr>
+        <p:spPr/>
+        <p:txBody>
+          <a:bodyPr/>
+          <a:lstStyle/>
+          <a:p>
+            <a:r>
+              <a:rPr lang="nl-NL"/>
+              <a:t>K-Means</a:t>
+            </a:r>
+          </a:p>
+        </p:txBody>
+      </p:sp>
+      <p:sp>
+        <p:nvSpPr>
+          <p:cNvPr id="3" name="Tijdelijke aanduiding voor inhoud 2">
+            <a:extLst>
+              <a:ext uri="{FF2B5EF4-FFF2-40B4-BE49-F238E27FC236}">
+                <a16:creationId xmlns:a16="http://schemas.microsoft.com/office/drawing/2014/main" xmlns="" id="{4EF0DB5F-D1EA-49EC-BAE7-E159686E804C}"/>
+              </a:ext>
+            </a:extLst>
+          </p:cNvPr>
+          <p:cNvSpPr>
+            <a:spLocks noGrp="1"/>
+          </p:cNvSpPr>
+          <p:nvPr>
+            <p:ph idx="1"/>
+          </p:nvPr>
+        </p:nvSpPr>
+        <p:spPr/>
+        <p:txBody>
+          <a:bodyPr vert="horz" lIns="91440" tIns="45720" rIns="91440" bIns="45720" rtlCol="0" anchor="t">
+            <a:normAutofit/>
+          </a:bodyPr>
+          <a:lstStyle/>
+          <a:p>
+            <a:r>
+              <a:rPr lang="nl-NL"/>
+              <a:t>Hierbij worden batterijen verplaatst op basis van de locaties van de verbonden huizen.</a:t>
+            </a:r>
+          </a:p>
+        </p:txBody>
+      </p:sp>
+      <p:pic>
+        <p:nvPicPr>
+          <p:cNvPr id="4" name="Afbeelding 3"/>
+          <p:cNvPicPr>
+            <a:picLocks noChangeAspect="1"/>
+          </p:cNvPicPr>
+          <p:nvPr/>
+        </p:nvPicPr>
+        <p:blipFill>
+          <a:blip r:embed="rId2">
+            <a:extLst>
+              <a:ext uri="{28A0092B-C50C-407E-A947-70E740481C1C}">
+                <a14:useLocalDpi xmlns:a14="http://schemas.microsoft.com/office/drawing/2010/main" val="0"/>
+              </a:ext>
+            </a:extLst>
+          </a:blip>
+          <a:stretch>
+            <a:fillRect/>
+          </a:stretch>
+        </p:blipFill>
+        <p:spPr>
+          <a:xfrm>
+            <a:off x="4667250" y="3086100"/>
+            <a:ext cx="2857500" cy="2857500"/>
+          </a:xfrm>
+          <a:prstGeom prst="rect">
+            <a:avLst/>
+          </a:prstGeom>
+        </p:spPr>
+      </p:pic>
+    </p:spTree>
+    <p:extLst>
+      <p:ext uri="{BB962C8B-B14F-4D97-AF65-F5344CB8AC3E}">
+        <p14:creationId xmlns:p14="http://schemas.microsoft.com/office/powerpoint/2010/main" val="3862078795"/>
+      </p:ext>
+    </p:extLst>
+  </p:cSld>
+  <p:clrMapOvr>
+    <a:masterClrMapping/>
+  </p:clrMapOvr>
+  <p:timing>
+    <p:tnLst>
+      <p:par>
+        <p:cTn id="1" dur="indefinite" restart="never" nodeType="tmRoot"/>
+      </p:par>
+    </p:tnLst>
+  </p:timing>
 </p:sld>
 </file>
 
@@ -11696,8 +12704,293 @@
   <a:extraClrSchemeLst/>
   <a:extLst>
     <a:ext uri="{05A4C25C-085E-4340-85A3-A5531E510DB2}">
-      <thm15:themeFamily xmlns="" xmlns:thm15="http://schemas.microsoft.com/office/thememl/2012/main" name="Wisp" id="{7CB32D59-10C0-40DD-B7BD-2E94284A981C}" vid="{24B1A44C-C006-48B2-A4D7-E5549B3D8CD4}"/>
+      <thm15:themeFamily xmlns:thm15="http://schemas.microsoft.com/office/thememl/2012/main" xmlns="" name="Wisp" id="{7CB32D59-10C0-40DD-B7BD-2E94284A981C}" vid="{24B1A44C-C006-48B2-A4D7-E5549B3D8CD4}"/>
     </a:ext>
   </a:extLst>
 </a:theme>
+</file>
+
+<file path=ppt/theme/theme2.xml><?xml version="1.0" encoding="utf-8"?>
+<a:theme xmlns:a="http://schemas.openxmlformats.org/drawingml/2006/main" name="Kantoorthema">
+  <a:themeElements>
+    <a:clrScheme name="Kantoor">
+      <a:dk1>
+        <a:sysClr val="windowText" lastClr="000000"/>
+      </a:dk1>
+      <a:lt1>
+        <a:sysClr val="window" lastClr="FFFFFF"/>
+      </a:lt1>
+      <a:dk2>
+        <a:srgbClr val="1F497D"/>
+      </a:dk2>
+      <a:lt2>
+        <a:srgbClr val="EEECE1"/>
+      </a:lt2>
+      <a:accent1>
+        <a:srgbClr val="4F81BD"/>
+      </a:accent1>
+      <a:accent2>
+        <a:srgbClr val="C0504D"/>
+      </a:accent2>
+      <a:accent3>
+        <a:srgbClr val="9BBB59"/>
+      </a:accent3>
+      <a:accent4>
+        <a:srgbClr val="8064A2"/>
+      </a:accent4>
+      <a:accent5>
+        <a:srgbClr val="4BACC6"/>
+      </a:accent5>
+      <a:accent6>
+        <a:srgbClr val="F79646"/>
+      </a:accent6>
+      <a:hlink>
+        <a:srgbClr val="0000FF"/>
+      </a:hlink>
+      <a:folHlink>
+        <a:srgbClr val="800080"/>
+      </a:folHlink>
+    </a:clrScheme>
+    <a:fontScheme name="Kantoor">
+      <a:majorFont>
+        <a:latin typeface="Calibri"/>
+        <a:ea typeface=""/>
+        <a:cs typeface=""/>
+        <a:font script="Jpan" typeface="ＭＳ Ｐゴシック"/>
+        <a:font script="Hang" typeface="맑은 고딕"/>
+        <a:font script="Hans" typeface="宋体"/>
+        <a:font script="Hant" typeface="新細明體"/>
+        <a:font script="Arab" typeface="Times New Roman"/>
+        <a:font script="Hebr" typeface="Times New Roman"/>
+        <a:font script="Thai" typeface="Angsana New"/>
+        <a:font script="Ethi" typeface="Nyala"/>
+        <a:font script="Beng" typeface="Vrinda"/>
+        <a:font script="Gujr" typeface="Shruti"/>
+        <a:font script="Khmr" typeface="MoolBoran"/>
+        <a:font script="Knda" typeface="Tunga"/>
+        <a:font script="Guru" typeface="Raavi"/>
+        <a:font script="Cans" typeface="Euphemia"/>
+        <a:font script="Cher" typeface="Plantagenet Cherokee"/>
+        <a:font script="Yiii" typeface="Microsoft Yi Baiti"/>
+        <a:font script="Tibt" typeface="Microsoft Himalaya"/>
+        <a:font script="Thaa" typeface="MV Boli"/>
+        <a:font script="Deva" typeface="Mangal"/>
+        <a:font script="Telu" typeface="Gautami"/>
+        <a:font script="Taml" typeface="Latha"/>
+        <a:font script="Syrc" typeface="Estrangelo Edessa"/>
+        <a:font script="Orya" typeface="Kalinga"/>
+        <a:font script="Mlym" typeface="Kartika"/>
+        <a:font script="Laoo" typeface="DokChampa"/>
+        <a:font script="Sinh" typeface="Iskoola Pota"/>
+        <a:font script="Mong" typeface="Mongolian Baiti"/>
+        <a:font script="Viet" typeface="Times New Roman"/>
+        <a:font script="Uigh" typeface="Microsoft Uighur"/>
+        <a:font script="Geor" typeface="Sylfaen"/>
+      </a:majorFont>
+      <a:minorFont>
+        <a:latin typeface="Calibri"/>
+        <a:ea typeface=""/>
+        <a:cs typeface=""/>
+        <a:font script="Jpan" typeface="ＭＳ Ｐゴシック"/>
+        <a:font script="Hang" typeface="맑은 고딕"/>
+        <a:font script="Hans" typeface="宋体"/>
+        <a:font script="Hant" typeface="新細明體"/>
+        <a:font script="Arab" typeface="Arial"/>
+        <a:font script="Hebr" typeface="Arial"/>
+        <a:font script="Thai" typeface="Cordia New"/>
+        <a:font script="Ethi" typeface="Nyala"/>
+        <a:font script="Beng" typeface="Vrinda"/>
+        <a:font script="Gujr" typeface="Shruti"/>
+        <a:font script="Khmr" typeface="DaunPenh"/>
+        <a:font script="Knda" typeface="Tunga"/>
+        <a:font script="Guru" typeface="Raavi"/>
+        <a:font script="Cans" typeface="Euphemia"/>
+        <a:font script="Cher" typeface="Plantagenet Cherokee"/>
+        <a:font script="Yiii" typeface="Microsoft Yi Baiti"/>
+        <a:font script="Tibt" typeface="Microsoft Himalaya"/>
+        <a:font script="Thaa" typeface="MV Boli"/>
+        <a:font script="Deva" typeface="Mangal"/>
+        <a:font script="Telu" typeface="Gautami"/>
+        <a:font script="Taml" typeface="Latha"/>
+        <a:font script="Syrc" typeface="Estrangelo Edessa"/>
+        <a:font script="Orya" typeface="Kalinga"/>
+        <a:font script="Mlym" typeface="Kartika"/>
+        <a:font script="Laoo" typeface="DokChampa"/>
+        <a:font script="Sinh" typeface="Iskoola Pota"/>
+        <a:font script="Mong" typeface="Mongolian Baiti"/>
+        <a:font script="Viet" typeface="Arial"/>
+        <a:font script="Uigh" typeface="Microsoft Uighur"/>
+        <a:font script="Geor" typeface="Sylfaen"/>
+      </a:minorFont>
+    </a:fontScheme>
+    <a:fmtScheme name="Kantoor">
+      <a:fillStyleLst>
+        <a:solidFill>
+          <a:schemeClr val="phClr"/>
+        </a:solidFill>
+        <a:gradFill rotWithShape="1">
+          <a:gsLst>
+            <a:gs pos="0">
+              <a:schemeClr val="phClr">
+                <a:tint val="50000"/>
+                <a:satMod val="300000"/>
+              </a:schemeClr>
+            </a:gs>
+            <a:gs pos="35000">
+              <a:schemeClr val="phClr">
+                <a:tint val="37000"/>
+                <a:satMod val="300000"/>
+              </a:schemeClr>
+            </a:gs>
+            <a:gs pos="100000">
+              <a:schemeClr val="phClr">
+                <a:tint val="15000"/>
+                <a:satMod val="350000"/>
+              </a:schemeClr>
+            </a:gs>
+          </a:gsLst>
+          <a:lin ang="16200000" scaled="1"/>
+        </a:gradFill>
+        <a:gradFill rotWithShape="1">
+          <a:gsLst>
+            <a:gs pos="0">
+              <a:schemeClr val="phClr">
+                <a:shade val="51000"/>
+                <a:satMod val="130000"/>
+              </a:schemeClr>
+            </a:gs>
+            <a:gs pos="80000">
+              <a:schemeClr val="phClr">
+                <a:shade val="93000"/>
+                <a:satMod val="130000"/>
+              </a:schemeClr>
+            </a:gs>
+            <a:gs pos="100000">
+              <a:schemeClr val="phClr">
+                <a:shade val="94000"/>
+                <a:satMod val="135000"/>
+              </a:schemeClr>
+            </a:gs>
+          </a:gsLst>
+          <a:lin ang="16200000" scaled="0"/>
+        </a:gradFill>
+      </a:fillStyleLst>
+      <a:lnStyleLst>
+        <a:ln w="9525" cap="flat" cmpd="sng" algn="ctr">
+          <a:solidFill>
+            <a:schemeClr val="phClr">
+              <a:shade val="95000"/>
+              <a:satMod val="105000"/>
+            </a:schemeClr>
+          </a:solidFill>
+          <a:prstDash val="solid"/>
+        </a:ln>
+        <a:ln w="25400" cap="flat" cmpd="sng" algn="ctr">
+          <a:solidFill>
+            <a:schemeClr val="phClr"/>
+          </a:solidFill>
+          <a:prstDash val="solid"/>
+        </a:ln>
+        <a:ln w="38100" cap="flat" cmpd="sng" algn="ctr">
+          <a:solidFill>
+            <a:schemeClr val="phClr"/>
+          </a:solidFill>
+          <a:prstDash val="solid"/>
+        </a:ln>
+      </a:lnStyleLst>
+      <a:effectStyleLst>
+        <a:effectStyle>
+          <a:effectLst>
+            <a:outerShdw blurRad="40000" dist="20000" dir="5400000" rotWithShape="0">
+              <a:srgbClr val="000000">
+                <a:alpha val="38000"/>
+              </a:srgbClr>
+            </a:outerShdw>
+          </a:effectLst>
+        </a:effectStyle>
+        <a:effectStyle>
+          <a:effectLst>
+            <a:outerShdw blurRad="40000" dist="23000" dir="5400000" rotWithShape="0">
+              <a:srgbClr val="000000">
+                <a:alpha val="35000"/>
+              </a:srgbClr>
+            </a:outerShdw>
+          </a:effectLst>
+        </a:effectStyle>
+        <a:effectStyle>
+          <a:effectLst>
+            <a:outerShdw blurRad="40000" dist="23000" dir="5400000" rotWithShape="0">
+              <a:srgbClr val="000000">
+                <a:alpha val="35000"/>
+              </a:srgbClr>
+            </a:outerShdw>
+          </a:effectLst>
+          <a:scene3d>
+            <a:camera prst="orthographicFront">
+              <a:rot lat="0" lon="0" rev="0"/>
+            </a:camera>
+            <a:lightRig rig="threePt" dir="t">
+              <a:rot lat="0" lon="0" rev="1200000"/>
+            </a:lightRig>
+          </a:scene3d>
+          <a:sp3d>
+            <a:bevelT w="63500" h="25400"/>
+          </a:sp3d>
+        </a:effectStyle>
+      </a:effectStyleLst>
+      <a:bgFillStyleLst>
+        <a:solidFill>
+          <a:schemeClr val="phClr"/>
+        </a:solidFill>
+        <a:gradFill rotWithShape="1">
+          <a:gsLst>
+            <a:gs pos="0">
+              <a:schemeClr val="phClr">
+                <a:tint val="40000"/>
+                <a:satMod val="350000"/>
+              </a:schemeClr>
+            </a:gs>
+            <a:gs pos="40000">
+              <a:schemeClr val="phClr">
+                <a:tint val="45000"/>
+                <a:shade val="99000"/>
+                <a:satMod val="350000"/>
+              </a:schemeClr>
+            </a:gs>
+            <a:gs pos="100000">
+              <a:schemeClr val="phClr">
+                <a:shade val="20000"/>
+                <a:satMod val="255000"/>
+              </a:schemeClr>
+            </a:gs>
+          </a:gsLst>
+          <a:path path="circle">
+            <a:fillToRect l="50000" t="-80000" r="50000" b="180000"/>
+          </a:path>
+        </a:gradFill>
+        <a:gradFill rotWithShape="1">
+          <a:gsLst>
+            <a:gs pos="0">
+              <a:schemeClr val="phClr">
+                <a:tint val="80000"/>
+                <a:satMod val="300000"/>
+              </a:schemeClr>
+            </a:gs>
+            <a:gs pos="100000">
+              <a:schemeClr val="phClr">
+                <a:shade val="30000"/>
+                <a:satMod val="200000"/>
+              </a:schemeClr>
+            </a:gs>
+          </a:gsLst>
+          <a:path path="circle">
+            <a:fillToRect l="50000" t="50000" r="50000" b="50000"/>
+          </a:path>
+        </a:gradFill>
+      </a:bgFillStyleLst>
+    </a:fmtScheme>
+  </a:themeElements>
+  <a:objectDefaults/>
+  <a:extraClrSchemeLst/>
+</a:theme>
 </file>
--- a/Final_V2.pptx
+++ b/Final_V2.pptx
@@ -127,7 +127,7 @@
   </p:defaultTextStyle>
   <p:extLst>
     <p:ext uri="{EFAFB233-063F-42B5-8137-9DF3F51BA10A}">
-      <p15:sldGuideLst xmlns:p15="http://schemas.microsoft.com/office/powerpoint/2012/main" xmlns=""/>
+      <p15:sldGuideLst xmlns="" xmlns:p15="http://schemas.microsoft.com/office/powerpoint/2012/main"/>
     </p:ext>
   </p:extLst>
 </p:presentation>
@@ -8172,10 +8172,10 @@
           <p:cNvPr id="5" name="Rectangle 7">
             <a:extLst>
               <a:ext uri="{FF2B5EF4-FFF2-40B4-BE49-F238E27FC236}">
-                <a16:creationId xmlns:a16="http://schemas.microsoft.com/office/drawing/2014/main" xmlns="" id="{57ABABA7-0420-4200-9B65-1C1967CE9373}"/>
+                <a16:creationId xmlns="" xmlns:a16="http://schemas.microsoft.com/office/drawing/2014/main" id="{57ABABA7-0420-4200-9B65-1C1967CE9373}"/>
               </a:ext>
               <a:ext uri="{C183D7F6-B498-43B3-948B-1728B52AA6E4}">
-                <adec:decorative xmlns:adec="http://schemas.microsoft.com/office/drawing/2017/decorative" xmlns="" val="1"/>
+                <adec:decorative xmlns="" xmlns:adec="http://schemas.microsoft.com/office/drawing/2017/decorative" val="1"/>
               </a:ext>
             </a:extLst>
           </p:cNvPr>
@@ -8185,7 +8185,7 @@
           <p:nvPr>
             <p:extLst>
               <p:ext uri="{386F3935-93C4-4BCD-93E2-E3B085C9AB24}">
-                <p16:designElem xmlns:p16="http://schemas.microsoft.com/office/powerpoint/2015/main" xmlns="" val="1"/>
+                <p16:designElem xmlns="" xmlns:p16="http://schemas.microsoft.com/office/powerpoint/2015/main" val="1"/>
               </p:ext>
             </p:extLst>
           </p:nvPr>
@@ -8223,7 +8223,7 @@
           <a:lstStyle/>
           <a:p>
             <a:pPr algn="ctr"/>
-            <a:endParaRPr lang="en-US"/>
+            <a:endParaRPr lang="en-US" dirty="0"/>
           </a:p>
         </p:txBody>
       </p:sp>
@@ -8232,10 +8232,10 @@
           <p:cNvPr id="6" name="Group 9">
             <a:extLst>
               <a:ext uri="{FF2B5EF4-FFF2-40B4-BE49-F238E27FC236}">
-                <a16:creationId xmlns:a16="http://schemas.microsoft.com/office/drawing/2014/main" xmlns="" id="{7A03E380-9CD1-4ABA-A763-9F9D252B8908}"/>
+                <a16:creationId xmlns="" xmlns:a16="http://schemas.microsoft.com/office/drawing/2014/main" id="{7A03E380-9CD1-4ABA-A763-9F9D252B8908}"/>
               </a:ext>
               <a:ext uri="{C183D7F6-B498-43B3-948B-1728B52AA6E4}">
-                <adec:decorative xmlns:adec="http://schemas.microsoft.com/office/drawing/2017/decorative" xmlns="" val="1"/>
+                <adec:decorative xmlns="" xmlns:adec="http://schemas.microsoft.com/office/drawing/2017/decorative" val="1"/>
               </a:ext>
             </a:extLst>
           </p:cNvPr>
@@ -8245,7 +8245,7 @@
           <p:nvPr>
             <p:extLst>
               <p:ext uri="{386F3935-93C4-4BCD-93E2-E3B085C9AB24}">
-                <p16:designElem xmlns:p16="http://schemas.microsoft.com/office/powerpoint/2015/main" xmlns="" val="1"/>
+                <p16:designElem xmlns="" xmlns:p16="http://schemas.microsoft.com/office/powerpoint/2015/main" val="1"/>
               </p:ext>
             </p:extLst>
           </p:nvPr>
@@ -8268,10 +8268,10 @@
             <p:cNvPr id="11" name="Freeform 11">
               <a:extLst>
                 <a:ext uri="{FF2B5EF4-FFF2-40B4-BE49-F238E27FC236}">
-                  <a16:creationId xmlns:a16="http://schemas.microsoft.com/office/drawing/2014/main" xmlns="" id="{66E01B84-4C2B-4DE5-90C8-9C4001A75B11}"/>
+                  <a16:creationId xmlns="" xmlns:a16="http://schemas.microsoft.com/office/drawing/2014/main" id="{66E01B84-4C2B-4DE5-90C8-9C4001A75B11}"/>
                 </a:ext>
                 <a:ext uri="{C183D7F6-B498-43B3-948B-1728B52AA6E4}">
-                  <adec:decorative xmlns:adec="http://schemas.microsoft.com/office/drawing/2017/decorative" xmlns="" val="1"/>
+                  <adec:decorative xmlns="" xmlns:adec="http://schemas.microsoft.com/office/drawing/2017/decorative" val="1"/>
                 </a:ext>
               </a:extLst>
             </p:cNvPr>
@@ -8279,7 +8279,7 @@
             <p:nvPr>
               <p:extLst>
                 <p:ext uri="{386F3935-93C4-4BCD-93E2-E3B085C9AB24}">
-                  <p16:designElem xmlns:p16="http://schemas.microsoft.com/office/powerpoint/2015/main" xmlns="" val="1"/>
+                  <p16:designElem xmlns="" xmlns:p16="http://schemas.microsoft.com/office/powerpoint/2015/main" val="1"/>
                 </p:ext>
               </p:extLst>
             </p:nvPr>
@@ -8340,10 +8340,10 @@
             <p:cNvPr id="7" name="Freeform 12">
               <a:extLst>
                 <a:ext uri="{FF2B5EF4-FFF2-40B4-BE49-F238E27FC236}">
-                  <a16:creationId xmlns:a16="http://schemas.microsoft.com/office/drawing/2014/main" xmlns="" id="{64CE5A7A-D5C5-4FE5-860C-0B5748FDEEDC}"/>
+                  <a16:creationId xmlns="" xmlns:a16="http://schemas.microsoft.com/office/drawing/2014/main" id="{64CE5A7A-D5C5-4FE5-860C-0B5748FDEEDC}"/>
                 </a:ext>
                 <a:ext uri="{C183D7F6-B498-43B3-948B-1728B52AA6E4}">
-                  <adec:decorative xmlns:adec="http://schemas.microsoft.com/office/drawing/2017/decorative" xmlns="" val="1"/>
+                  <adec:decorative xmlns="" xmlns:adec="http://schemas.microsoft.com/office/drawing/2017/decorative" val="1"/>
                 </a:ext>
               </a:extLst>
             </p:cNvPr>
@@ -8351,7 +8351,7 @@
             <p:nvPr>
               <p:extLst>
                 <p:ext uri="{386F3935-93C4-4BCD-93E2-E3B085C9AB24}">
-                  <p16:designElem xmlns:p16="http://schemas.microsoft.com/office/powerpoint/2015/main" xmlns="" val="1"/>
+                  <p16:designElem xmlns="" xmlns:p16="http://schemas.microsoft.com/office/powerpoint/2015/main" val="1"/>
                 </p:ext>
               </p:extLst>
             </p:nvPr>
@@ -8417,10 +8417,10 @@
             <p:cNvPr id="13" name="Freeform 13">
               <a:extLst>
                 <a:ext uri="{FF2B5EF4-FFF2-40B4-BE49-F238E27FC236}">
-                  <a16:creationId xmlns:a16="http://schemas.microsoft.com/office/drawing/2014/main" xmlns="" id="{016A7D2A-6EEA-47B8-A763-7D82E41B3CED}"/>
+                  <a16:creationId xmlns="" xmlns:a16="http://schemas.microsoft.com/office/drawing/2014/main" id="{016A7D2A-6EEA-47B8-A763-7D82E41B3CED}"/>
                 </a:ext>
                 <a:ext uri="{C183D7F6-B498-43B3-948B-1728B52AA6E4}">
-                  <adec:decorative xmlns:adec="http://schemas.microsoft.com/office/drawing/2017/decorative" xmlns="" val="1"/>
+                  <adec:decorative xmlns="" xmlns:adec="http://schemas.microsoft.com/office/drawing/2017/decorative" val="1"/>
                 </a:ext>
               </a:extLst>
             </p:cNvPr>
@@ -8428,7 +8428,7 @@
             <p:nvPr>
               <p:extLst>
                 <p:ext uri="{386F3935-93C4-4BCD-93E2-E3B085C9AB24}">
-                  <p16:designElem xmlns:p16="http://schemas.microsoft.com/office/powerpoint/2015/main" xmlns="" val="1"/>
+                  <p16:designElem xmlns="" xmlns:p16="http://schemas.microsoft.com/office/powerpoint/2015/main" val="1"/>
                 </p:ext>
               </p:extLst>
             </p:nvPr>
@@ -8499,10 +8499,10 @@
             <p:cNvPr id="14" name="Freeform 14">
               <a:extLst>
                 <a:ext uri="{FF2B5EF4-FFF2-40B4-BE49-F238E27FC236}">
-                  <a16:creationId xmlns:a16="http://schemas.microsoft.com/office/drawing/2014/main" xmlns="" id="{E758F6E7-6DEC-48D0-ACB1-E5E26B13E6C3}"/>
+                  <a16:creationId xmlns="" xmlns:a16="http://schemas.microsoft.com/office/drawing/2014/main" id="{E758F6E7-6DEC-48D0-ACB1-E5E26B13E6C3}"/>
                 </a:ext>
                 <a:ext uri="{C183D7F6-B498-43B3-948B-1728B52AA6E4}">
-                  <adec:decorative xmlns:adec="http://schemas.microsoft.com/office/drawing/2017/decorative" xmlns="" val="1"/>
+                  <adec:decorative xmlns="" xmlns:adec="http://schemas.microsoft.com/office/drawing/2017/decorative" val="1"/>
                 </a:ext>
               </a:extLst>
             </p:cNvPr>
@@ -8510,7 +8510,7 @@
             <p:nvPr>
               <p:extLst>
                 <p:ext uri="{386F3935-93C4-4BCD-93E2-E3B085C9AB24}">
-                  <p16:designElem xmlns:p16="http://schemas.microsoft.com/office/powerpoint/2015/main" xmlns="" val="1"/>
+                  <p16:designElem xmlns="" xmlns:p16="http://schemas.microsoft.com/office/powerpoint/2015/main" val="1"/>
                 </p:ext>
               </p:extLst>
             </p:nvPr>
@@ -8561,10 +8561,10 @@
             <p:cNvPr id="15" name="Freeform 15">
               <a:extLst>
                 <a:ext uri="{FF2B5EF4-FFF2-40B4-BE49-F238E27FC236}">
-                  <a16:creationId xmlns:a16="http://schemas.microsoft.com/office/drawing/2014/main" xmlns="" id="{B56657FF-C027-42E7-859B-902929B6FA1C}"/>
+                  <a16:creationId xmlns="" xmlns:a16="http://schemas.microsoft.com/office/drawing/2014/main" id="{B56657FF-C027-42E7-859B-902929B6FA1C}"/>
                 </a:ext>
                 <a:ext uri="{C183D7F6-B498-43B3-948B-1728B52AA6E4}">
-                  <adec:decorative xmlns:adec="http://schemas.microsoft.com/office/drawing/2017/decorative" xmlns="" val="1"/>
+                  <adec:decorative xmlns="" xmlns:adec="http://schemas.microsoft.com/office/drawing/2017/decorative" val="1"/>
                 </a:ext>
               </a:extLst>
             </p:cNvPr>
@@ -8572,7 +8572,7 @@
             <p:nvPr>
               <p:extLst>
                 <p:ext uri="{386F3935-93C4-4BCD-93E2-E3B085C9AB24}">
-                  <p16:designElem xmlns:p16="http://schemas.microsoft.com/office/powerpoint/2015/main" xmlns="" val="1"/>
+                  <p16:designElem xmlns="" xmlns:p16="http://schemas.microsoft.com/office/powerpoint/2015/main" val="1"/>
                 </p:ext>
               </p:extLst>
             </p:nvPr>
@@ -8658,10 +8658,10 @@
             <p:cNvPr id="16" name="Freeform 16">
               <a:extLst>
                 <a:ext uri="{FF2B5EF4-FFF2-40B4-BE49-F238E27FC236}">
-                  <a16:creationId xmlns:a16="http://schemas.microsoft.com/office/drawing/2014/main" xmlns="" id="{79047F2A-5978-46C6-B3A2-54AAC2136B15}"/>
+                  <a16:creationId xmlns="" xmlns:a16="http://schemas.microsoft.com/office/drawing/2014/main" id="{79047F2A-5978-46C6-B3A2-54AAC2136B15}"/>
                 </a:ext>
                 <a:ext uri="{C183D7F6-B498-43B3-948B-1728B52AA6E4}">
-                  <adec:decorative xmlns:adec="http://schemas.microsoft.com/office/drawing/2017/decorative" xmlns="" val="1"/>
+                  <adec:decorative xmlns="" xmlns:adec="http://schemas.microsoft.com/office/drawing/2017/decorative" val="1"/>
                 </a:ext>
               </a:extLst>
             </p:cNvPr>
@@ -8669,7 +8669,7 @@
             <p:nvPr>
               <p:extLst>
                 <p:ext uri="{386F3935-93C4-4BCD-93E2-E3B085C9AB24}">
-                  <p16:designElem xmlns:p16="http://schemas.microsoft.com/office/powerpoint/2015/main" xmlns="" val="1"/>
+                  <p16:designElem xmlns="" xmlns:p16="http://schemas.microsoft.com/office/powerpoint/2015/main" val="1"/>
                 </p:ext>
               </p:extLst>
             </p:nvPr>
@@ -8750,10 +8750,10 @@
             <p:cNvPr id="17" name="Freeform 17">
               <a:extLst>
                 <a:ext uri="{FF2B5EF4-FFF2-40B4-BE49-F238E27FC236}">
-                  <a16:creationId xmlns:a16="http://schemas.microsoft.com/office/drawing/2014/main" xmlns="" id="{F3BE8FD1-0A72-4640-AC7A-2E057273F87D}"/>
+                  <a16:creationId xmlns="" xmlns:a16="http://schemas.microsoft.com/office/drawing/2014/main" id="{F3BE8FD1-0A72-4640-AC7A-2E057273F87D}"/>
                 </a:ext>
                 <a:ext uri="{C183D7F6-B498-43B3-948B-1728B52AA6E4}">
-                  <adec:decorative xmlns:adec="http://schemas.microsoft.com/office/drawing/2017/decorative" xmlns="" val="1"/>
+                  <adec:decorative xmlns="" xmlns:adec="http://schemas.microsoft.com/office/drawing/2017/decorative" val="1"/>
                 </a:ext>
               </a:extLst>
             </p:cNvPr>
@@ -8761,7 +8761,7 @@
             <p:nvPr>
               <p:extLst>
                 <p:ext uri="{386F3935-93C4-4BCD-93E2-E3B085C9AB24}">
-                  <p16:designElem xmlns:p16="http://schemas.microsoft.com/office/powerpoint/2015/main" xmlns="" val="1"/>
+                  <p16:designElem xmlns="" xmlns:p16="http://schemas.microsoft.com/office/powerpoint/2015/main" val="1"/>
                 </p:ext>
               </p:extLst>
             </p:nvPr>
@@ -8822,10 +8822,10 @@
             <p:cNvPr id="18" name="Freeform 18">
               <a:extLst>
                 <a:ext uri="{FF2B5EF4-FFF2-40B4-BE49-F238E27FC236}">
-                  <a16:creationId xmlns:a16="http://schemas.microsoft.com/office/drawing/2014/main" xmlns="" id="{752FC782-A372-4D11-B20D-958955E5641F}"/>
+                  <a16:creationId xmlns="" xmlns:a16="http://schemas.microsoft.com/office/drawing/2014/main" id="{752FC782-A372-4D11-B20D-958955E5641F}"/>
                 </a:ext>
                 <a:ext uri="{C183D7F6-B498-43B3-948B-1728B52AA6E4}">
-                  <adec:decorative xmlns:adec="http://schemas.microsoft.com/office/drawing/2017/decorative" xmlns="" val="1"/>
+                  <adec:decorative xmlns="" xmlns:adec="http://schemas.microsoft.com/office/drawing/2017/decorative" val="1"/>
                 </a:ext>
               </a:extLst>
             </p:cNvPr>
@@ -8833,7 +8833,7 @@
             <p:nvPr>
               <p:extLst>
                 <p:ext uri="{386F3935-93C4-4BCD-93E2-E3B085C9AB24}">
-                  <p16:designElem xmlns:p16="http://schemas.microsoft.com/office/powerpoint/2015/main" xmlns="" val="1"/>
+                  <p16:designElem xmlns="" xmlns:p16="http://schemas.microsoft.com/office/powerpoint/2015/main" val="1"/>
                 </p:ext>
               </p:extLst>
             </p:nvPr>
@@ -8914,10 +8914,10 @@
             <p:cNvPr id="19" name="Freeform 19">
               <a:extLst>
                 <a:ext uri="{FF2B5EF4-FFF2-40B4-BE49-F238E27FC236}">
-                  <a16:creationId xmlns:a16="http://schemas.microsoft.com/office/drawing/2014/main" xmlns="" id="{AA00B2F1-BEE2-444A-8249-C8E3212CA1A8}"/>
+                  <a16:creationId xmlns="" xmlns:a16="http://schemas.microsoft.com/office/drawing/2014/main" id="{AA00B2F1-BEE2-444A-8249-C8E3212CA1A8}"/>
                 </a:ext>
                 <a:ext uri="{C183D7F6-B498-43B3-948B-1728B52AA6E4}">
-                  <adec:decorative xmlns:adec="http://schemas.microsoft.com/office/drawing/2017/decorative" xmlns="" val="1"/>
+                  <adec:decorative xmlns="" xmlns:adec="http://schemas.microsoft.com/office/drawing/2017/decorative" val="1"/>
                 </a:ext>
               </a:extLst>
             </p:cNvPr>
@@ -8925,7 +8925,7 @@
             <p:nvPr>
               <p:extLst>
                 <p:ext uri="{386F3935-93C4-4BCD-93E2-E3B085C9AB24}">
-                  <p16:designElem xmlns:p16="http://schemas.microsoft.com/office/powerpoint/2015/main" xmlns="" val="1"/>
+                  <p16:designElem xmlns="" xmlns:p16="http://schemas.microsoft.com/office/powerpoint/2015/main" val="1"/>
                 </p:ext>
               </p:extLst>
             </p:nvPr>
@@ -9041,10 +9041,10 @@
             <p:cNvPr id="20" name="Freeform 20">
               <a:extLst>
                 <a:ext uri="{FF2B5EF4-FFF2-40B4-BE49-F238E27FC236}">
-                  <a16:creationId xmlns:a16="http://schemas.microsoft.com/office/drawing/2014/main" xmlns="" id="{E7F5747E-514B-4CF7-B6B0-DAD714909789}"/>
+                  <a16:creationId xmlns="" xmlns:a16="http://schemas.microsoft.com/office/drawing/2014/main" id="{E7F5747E-514B-4CF7-B6B0-DAD714909789}"/>
                 </a:ext>
                 <a:ext uri="{C183D7F6-B498-43B3-948B-1728B52AA6E4}">
-                  <adec:decorative xmlns:adec="http://schemas.microsoft.com/office/drawing/2017/decorative" xmlns="" val="1"/>
+                  <adec:decorative xmlns="" xmlns:adec="http://schemas.microsoft.com/office/drawing/2017/decorative" val="1"/>
                 </a:ext>
               </a:extLst>
             </p:cNvPr>
@@ -9052,7 +9052,7 @@
             <p:nvPr>
               <p:extLst>
                 <p:ext uri="{386F3935-93C4-4BCD-93E2-E3B085C9AB24}">
-                  <p16:designElem xmlns:p16="http://schemas.microsoft.com/office/powerpoint/2015/main" xmlns="" val="1"/>
+                  <p16:designElem xmlns="" xmlns:p16="http://schemas.microsoft.com/office/powerpoint/2015/main" val="1"/>
                 </p:ext>
               </p:extLst>
             </p:nvPr>
@@ -9103,10 +9103,10 @@
             <p:cNvPr id="21" name="Freeform 21">
               <a:extLst>
                 <a:ext uri="{FF2B5EF4-FFF2-40B4-BE49-F238E27FC236}">
-                  <a16:creationId xmlns:a16="http://schemas.microsoft.com/office/drawing/2014/main" xmlns="" id="{931614BB-1593-40ED-8113-2BD11870556B}"/>
+                  <a16:creationId xmlns="" xmlns:a16="http://schemas.microsoft.com/office/drawing/2014/main" id="{931614BB-1593-40ED-8113-2BD11870556B}"/>
                 </a:ext>
                 <a:ext uri="{C183D7F6-B498-43B3-948B-1728B52AA6E4}">
-                  <adec:decorative xmlns:adec="http://schemas.microsoft.com/office/drawing/2017/decorative" xmlns="" val="1"/>
+                  <adec:decorative xmlns="" xmlns:adec="http://schemas.microsoft.com/office/drawing/2017/decorative" val="1"/>
                 </a:ext>
               </a:extLst>
             </p:cNvPr>
@@ -9114,7 +9114,7 @@
             <p:nvPr>
               <p:extLst>
                 <p:ext uri="{386F3935-93C4-4BCD-93E2-E3B085C9AB24}">
-                  <p16:designElem xmlns:p16="http://schemas.microsoft.com/office/powerpoint/2015/main" xmlns="" val="1"/>
+                  <p16:designElem xmlns="" xmlns:p16="http://schemas.microsoft.com/office/powerpoint/2015/main" val="1"/>
                 </p:ext>
               </p:extLst>
             </p:nvPr>
@@ -9175,10 +9175,10 @@
             <p:cNvPr id="22" name="Freeform 22">
               <a:extLst>
                 <a:ext uri="{FF2B5EF4-FFF2-40B4-BE49-F238E27FC236}">
-                  <a16:creationId xmlns:a16="http://schemas.microsoft.com/office/drawing/2014/main" xmlns="" id="{2691871F-F15C-4E19-BC9C-78E5748D744E}"/>
+                  <a16:creationId xmlns="" xmlns:a16="http://schemas.microsoft.com/office/drawing/2014/main" id="{2691871F-F15C-4E19-BC9C-78E5748D744E}"/>
                 </a:ext>
                 <a:ext uri="{C183D7F6-B498-43B3-948B-1728B52AA6E4}">
-                  <adec:decorative xmlns:adec="http://schemas.microsoft.com/office/drawing/2017/decorative" xmlns="" val="1"/>
+                  <adec:decorative xmlns="" xmlns:adec="http://schemas.microsoft.com/office/drawing/2017/decorative" val="1"/>
                 </a:ext>
               </a:extLst>
             </p:cNvPr>
@@ -9186,7 +9186,7 @@
             <p:nvPr>
               <p:extLst>
                 <p:ext uri="{386F3935-93C4-4BCD-93E2-E3B085C9AB24}">
-                  <p16:designElem xmlns:p16="http://schemas.microsoft.com/office/powerpoint/2015/main" xmlns="" val="1"/>
+                  <p16:designElem xmlns="" xmlns:p16="http://schemas.microsoft.com/office/powerpoint/2015/main" val="1"/>
                 </p:ext>
               </p:extLst>
             </p:nvPr>
@@ -9277,7 +9277,7 @@
           <a:p>
             <a:pPr algn="r"/>
             <a:r>
-              <a:rPr lang="de-DE" sz="6600" err="1">
+              <a:rPr lang="de-DE" sz="6600" dirty="0" err="1">
                 <a:solidFill>
                   <a:schemeClr val="tx2">
                     <a:lumMod val="75000"/>
@@ -9286,6 +9286,13 @@
               </a:rPr>
               <a:t>SmartGrid</a:t>
             </a:r>
+            <a:endParaRPr lang="de-DE" sz="6600" err="1">
+              <a:solidFill>
+                <a:schemeClr val="tx2">
+                  <a:lumMod val="75000"/>
+                </a:schemeClr>
+              </a:solidFill>
+            </a:endParaRPr>
           </a:p>
         </p:txBody>
       </p:sp>
@@ -9329,10 +9336,10 @@
           <p:cNvPr id="24" name="Rectangle 23">
             <a:extLst>
               <a:ext uri="{FF2B5EF4-FFF2-40B4-BE49-F238E27FC236}">
-                <a16:creationId xmlns:a16="http://schemas.microsoft.com/office/drawing/2014/main" xmlns="" id="{A317EBE3-FF86-4DA1-BC9A-331F7F2144E9}"/>
+                <a16:creationId xmlns="" xmlns:a16="http://schemas.microsoft.com/office/drawing/2014/main" id="{A317EBE3-FF86-4DA1-BC9A-331F7F2144E9}"/>
               </a:ext>
               <a:ext uri="{C183D7F6-B498-43B3-948B-1728B52AA6E4}">
-                <adec:decorative xmlns:adec="http://schemas.microsoft.com/office/drawing/2017/decorative" xmlns="" val="1"/>
+                <adec:decorative xmlns="" xmlns:adec="http://schemas.microsoft.com/office/drawing/2017/decorative" val="1"/>
               </a:ext>
             </a:extLst>
           </p:cNvPr>
@@ -9342,7 +9349,7 @@
           <p:nvPr>
             <p:extLst>
               <p:ext uri="{386F3935-93C4-4BCD-93E2-E3B085C9AB24}">
-                <p16:designElem xmlns:p16="http://schemas.microsoft.com/office/powerpoint/2015/main" xmlns="" val="1"/>
+                <p16:designElem xmlns="" xmlns:p16="http://schemas.microsoft.com/office/powerpoint/2015/main" val="1"/>
               </p:ext>
             </p:extLst>
           </p:nvPr>
@@ -9383,10 +9390,10 @@
           <p:cNvPr id="9" name="Straight Connector 25">
             <a:extLst>
               <a:ext uri="{FF2B5EF4-FFF2-40B4-BE49-F238E27FC236}">
-                <a16:creationId xmlns:a16="http://schemas.microsoft.com/office/drawing/2014/main" xmlns="" id="{34D43EC1-35FA-4FC3-8526-F655CEB09D9C}"/>
+                <a16:creationId xmlns="" xmlns:a16="http://schemas.microsoft.com/office/drawing/2014/main" id="{34D43EC1-35FA-4FC3-8526-F655CEB09D9C}"/>
               </a:ext>
               <a:ext uri="{C183D7F6-B498-43B3-948B-1728B52AA6E4}">
-                <adec:decorative xmlns:adec="http://schemas.microsoft.com/office/drawing/2017/decorative" xmlns="" val="1"/>
+                <adec:decorative xmlns="" xmlns:adec="http://schemas.microsoft.com/office/drawing/2017/decorative" val="1"/>
               </a:ext>
             </a:extLst>
           </p:cNvPr>
@@ -9396,7 +9403,7 @@
           <p:nvPr>
             <p:extLst>
               <p:ext uri="{386F3935-93C4-4BCD-93E2-E3B085C9AB24}">
-                <p16:designElem xmlns:p16="http://schemas.microsoft.com/office/powerpoint/2015/main" xmlns="" val="1"/>
+                <p16:designElem xmlns="" xmlns:p16="http://schemas.microsoft.com/office/powerpoint/2015/main" val="1"/>
               </p:ext>
             </p:extLst>
           </p:nvPr>
@@ -9511,19 +9518,19 @@
           <a:p>
             <a:r>
               <a:rPr lang="en-US" dirty="0" smtClean="0"/>
-              <a:t>150 </a:t>
+              <a:t>Elk huis een </a:t>
             </a:r>
             <a:r>
               <a:rPr lang="en-US" dirty="0" err="1" smtClean="0"/>
-              <a:t>huizen</a:t>
+              <a:t>eigen</a:t>
             </a:r>
             <a:r>
               <a:rPr lang="en-US" dirty="0" smtClean="0"/>
-              <a:t> vs 150 </a:t>
+              <a:t> </a:t>
             </a:r>
             <a:r>
               <a:rPr lang="en-US" dirty="0" err="1" smtClean="0"/>
-              <a:t>batterijen</a:t>
+              <a:t>batterij</a:t>
             </a:r>
             <a:endParaRPr lang="en-US" dirty="0" smtClean="0"/>
           </a:p>
@@ -9635,7 +9642,7 @@
           <p:cNvPr id="2" name="Titel 1">
             <a:extLst>
               <a:ext uri="{FF2B5EF4-FFF2-40B4-BE49-F238E27FC236}">
-                <a16:creationId xmlns:a16="http://schemas.microsoft.com/office/drawing/2014/main" xmlns="" id="{81C56212-2D06-4563-A27A-2F81AD3C08F8}"/>
+                <a16:creationId xmlns="" xmlns:a16="http://schemas.microsoft.com/office/drawing/2014/main" id="{81C56212-2D06-4563-A27A-2F81AD3C08F8}"/>
               </a:ext>
             </a:extLst>
           </p:cNvPr>
@@ -9663,7 +9670,7 @@
           <p:cNvPr id="3" name="Tijdelijke aanduiding voor inhoud 2">
             <a:extLst>
               <a:ext uri="{FF2B5EF4-FFF2-40B4-BE49-F238E27FC236}">
-                <a16:creationId xmlns:a16="http://schemas.microsoft.com/office/drawing/2014/main" xmlns="" id="{FCAA3D2D-3FEC-4EB3-88D0-8A0E062EEEB9}"/>
+                <a16:creationId xmlns="" xmlns:a16="http://schemas.microsoft.com/office/drawing/2014/main" id="{FCAA3D2D-3FEC-4EB3-88D0-8A0E062EEEB9}"/>
               </a:ext>
             </a:extLst>
           </p:cNvPr>
@@ -9682,36 +9689,52 @@
           <a:lstStyle/>
           <a:p>
             <a:r>
-              <a:rPr lang="nl-NL"/>
-              <a:t>Results – Greedy</a:t>
-            </a:r>
-          </a:p>
-          <a:p>
-            <a:endParaRPr lang="nl-NL"/>
-          </a:p>
-          <a:p>
-            <a:r>
-              <a:rPr lang="nl-NL"/>
-              <a:t>Results – Hill Climber</a:t>
-            </a:r>
-          </a:p>
-          <a:p>
-            <a:endParaRPr lang="nl-NL"/>
-          </a:p>
-          <a:p>
-            <a:r>
-              <a:rPr lang="nl-NL"/>
-              <a:t>Results – Simulated Annealing</a:t>
-            </a:r>
-          </a:p>
-          <a:p>
-            <a:endParaRPr lang="nl-NL"/>
-          </a:p>
-          <a:p>
-            <a:r>
-              <a:rPr lang="nl-NL"/>
-              <a:t>Results – K-means</a:t>
-            </a:r>
+              <a:rPr lang="nl-NL" dirty="0" err="1" smtClean="0"/>
+              <a:t>Greedy</a:t>
+            </a:r>
+            <a:endParaRPr lang="nl-NL" dirty="0"/>
+          </a:p>
+          <a:p>
+            <a:endParaRPr lang="nl-NL" dirty="0"/>
+          </a:p>
+          <a:p>
+            <a:r>
+              <a:rPr lang="nl-NL" dirty="0" smtClean="0"/>
+              <a:t>Hill </a:t>
+            </a:r>
+            <a:r>
+              <a:rPr lang="nl-NL" dirty="0" err="1"/>
+              <a:t>Climber</a:t>
+            </a:r>
+            <a:endParaRPr lang="nl-NL" dirty="0"/>
+          </a:p>
+          <a:p>
+            <a:endParaRPr lang="nl-NL" dirty="0"/>
+          </a:p>
+          <a:p>
+            <a:r>
+              <a:rPr lang="nl-NL" dirty="0" err="1" smtClean="0"/>
+              <a:t>Simulated</a:t>
+            </a:r>
+            <a:r>
+              <a:rPr lang="nl-NL" dirty="0" smtClean="0"/>
+              <a:t> </a:t>
+            </a:r>
+            <a:r>
+              <a:rPr lang="nl-NL" dirty="0" err="1"/>
+              <a:t>Annealing</a:t>
+            </a:r>
+            <a:endParaRPr lang="nl-NL" dirty="0"/>
+          </a:p>
+          <a:p>
+            <a:endParaRPr lang="nl-NL" dirty="0"/>
+          </a:p>
+          <a:p>
+            <a:r>
+              <a:rPr lang="nl-NL" dirty="0" smtClean="0"/>
+              <a:t>K-means</a:t>
+            </a:r>
+            <a:endParaRPr lang="nl-NL" dirty="0"/>
           </a:p>
         </p:txBody>
       </p:sp>
@@ -9757,7 +9780,7 @@
           <p:cNvPr id="2" name="Titel 1">
             <a:extLst>
               <a:ext uri="{FF2B5EF4-FFF2-40B4-BE49-F238E27FC236}">
-                <a16:creationId xmlns:a16="http://schemas.microsoft.com/office/drawing/2014/main" xmlns="" id="{5337A996-074E-4709-9274-E26D068C8EF7}"/>
+                <a16:creationId xmlns="" xmlns:a16="http://schemas.microsoft.com/office/drawing/2014/main" id="{5337A996-074E-4709-9274-E26D068C8EF7}"/>
               </a:ext>
             </a:extLst>
           </p:cNvPr>
@@ -9793,7 +9816,7 @@
           <p:cNvPr id="4" name="Afbeelding 4">
             <a:extLst>
               <a:ext uri="{FF2B5EF4-FFF2-40B4-BE49-F238E27FC236}">
-                <a16:creationId xmlns:a16="http://schemas.microsoft.com/office/drawing/2014/main" xmlns="" id="{54760032-D035-4747-AF14-AE8EC1DE3EF2}"/>
+                <a16:creationId xmlns="" xmlns:a16="http://schemas.microsoft.com/office/drawing/2014/main" id="{54760032-D035-4747-AF14-AE8EC1DE3EF2}"/>
               </a:ext>
             </a:extLst>
           </p:cNvPr>
@@ -9825,7 +9848,7 @@
           <p:cNvPr id="5" name="Tekstvak 4">
             <a:extLst>
               <a:ext uri="{FF2B5EF4-FFF2-40B4-BE49-F238E27FC236}">
-                <a16:creationId xmlns:a16="http://schemas.microsoft.com/office/drawing/2014/main" xmlns="" id="{F0247C35-EBE3-48D1-90D0-1971BBFDE13F}"/>
+                <a16:creationId xmlns="" xmlns:a16="http://schemas.microsoft.com/office/drawing/2014/main" id="{F0247C35-EBE3-48D1-90D0-1971BBFDE13F}"/>
               </a:ext>
             </a:extLst>
           </p:cNvPr>
@@ -9986,7 +10009,7 @@
           <p:cNvPr id="2" name="Titel 1">
             <a:extLst>
               <a:ext uri="{FF2B5EF4-FFF2-40B4-BE49-F238E27FC236}">
-                <a16:creationId xmlns:a16="http://schemas.microsoft.com/office/drawing/2014/main" xmlns="" id="{5337A996-074E-4709-9274-E26D068C8EF7}"/>
+                <a16:creationId xmlns="" xmlns:a16="http://schemas.microsoft.com/office/drawing/2014/main" id="{5337A996-074E-4709-9274-E26D068C8EF7}"/>
               </a:ext>
             </a:extLst>
           </p:cNvPr>
@@ -10026,7 +10049,7 @@
           <p:cNvPr id="4" name="Afbeelding 4">
             <a:extLst>
               <a:ext uri="{FF2B5EF4-FFF2-40B4-BE49-F238E27FC236}">
-                <a16:creationId xmlns:a16="http://schemas.microsoft.com/office/drawing/2014/main" xmlns="" id="{43455314-FF6D-47CB-9FAD-3D99638D905D}"/>
+                <a16:creationId xmlns="" xmlns:a16="http://schemas.microsoft.com/office/drawing/2014/main" id="{43455314-FF6D-47CB-9FAD-3D99638D905D}"/>
               </a:ext>
             </a:extLst>
           </p:cNvPr>
@@ -10058,7 +10081,7 @@
           <p:cNvPr id="5" name="Tekstvak 4">
             <a:extLst>
               <a:ext uri="{FF2B5EF4-FFF2-40B4-BE49-F238E27FC236}">
-                <a16:creationId xmlns:a16="http://schemas.microsoft.com/office/drawing/2014/main" xmlns="" id="{E3FE3C8F-5D86-4A0B-9E0E-B46B020972D7}"/>
+                <a16:creationId xmlns="" xmlns:a16="http://schemas.microsoft.com/office/drawing/2014/main" id="{E3FE3C8F-5D86-4A0B-9E0E-B46B020972D7}"/>
               </a:ext>
             </a:extLst>
           </p:cNvPr>
@@ -10243,7 +10266,7 @@
           <p:cNvPr id="2" name="Titel 1">
             <a:extLst>
               <a:ext uri="{FF2B5EF4-FFF2-40B4-BE49-F238E27FC236}">
-                <a16:creationId xmlns:a16="http://schemas.microsoft.com/office/drawing/2014/main" xmlns="" id="{5337A996-074E-4709-9274-E26D068C8EF7}"/>
+                <a16:creationId xmlns="" xmlns:a16="http://schemas.microsoft.com/office/drawing/2014/main" id="{5337A996-074E-4709-9274-E26D068C8EF7}"/>
               </a:ext>
             </a:extLst>
           </p:cNvPr>
@@ -10471,7 +10494,7 @@
           <p:cNvPr id="2" name="Titel 1">
             <a:extLst>
               <a:ext uri="{FF2B5EF4-FFF2-40B4-BE49-F238E27FC236}">
-                <a16:creationId xmlns:a16="http://schemas.microsoft.com/office/drawing/2014/main" xmlns="" id="{5337A996-074E-4709-9274-E26D068C8EF7}"/>
+                <a16:creationId xmlns="" xmlns:a16="http://schemas.microsoft.com/office/drawing/2014/main" id="{5337A996-074E-4709-9274-E26D068C8EF7}"/>
               </a:ext>
             </a:extLst>
           </p:cNvPr>
@@ -10503,7 +10526,7 @@
           <p:cNvPr id="4" name="Afbeelding 4">
             <a:extLst>
               <a:ext uri="{FF2B5EF4-FFF2-40B4-BE49-F238E27FC236}">
-                <a16:creationId xmlns:a16="http://schemas.microsoft.com/office/drawing/2014/main" xmlns="" id="{E2ABE176-51E3-4B57-9384-4E50965B3A4F}"/>
+                <a16:creationId xmlns="" xmlns:a16="http://schemas.microsoft.com/office/drawing/2014/main" id="{E2ABE176-51E3-4B57-9384-4E50965B3A4F}"/>
               </a:ext>
             </a:extLst>
           </p:cNvPr>
@@ -10535,7 +10558,7 @@
           <p:cNvPr id="6" name="Tekstvak 5">
             <a:extLst>
               <a:ext uri="{FF2B5EF4-FFF2-40B4-BE49-F238E27FC236}">
-                <a16:creationId xmlns:a16="http://schemas.microsoft.com/office/drawing/2014/main" xmlns="" id="{A4D78363-19A6-49F1-A9B3-21E9BFDA57C1}"/>
+                <a16:creationId xmlns="" xmlns:a16="http://schemas.microsoft.com/office/drawing/2014/main" id="{A4D78363-19A6-49F1-A9B3-21E9BFDA57C1}"/>
               </a:ext>
             </a:extLst>
           </p:cNvPr>
@@ -10917,7 +10940,7 @@
           <p:cNvPr id="2" name="Titel 1">
             <a:extLst>
               <a:ext uri="{FF2B5EF4-FFF2-40B4-BE49-F238E27FC236}">
-                <a16:creationId xmlns:a16="http://schemas.microsoft.com/office/drawing/2014/main" xmlns="" id="{C12DB86D-DE2A-4FAC-8EE3-F7D1DA0A7581}"/>
+                <a16:creationId xmlns="" xmlns:a16="http://schemas.microsoft.com/office/drawing/2014/main" id="{C12DB86D-DE2A-4FAC-8EE3-F7D1DA0A7581}"/>
               </a:ext>
             </a:extLst>
           </p:cNvPr>
@@ -10934,46 +10957,59 @@
           <a:lstStyle/>
           <a:p>
             <a:r>
-              <a:rPr lang="nl-NL"/>
+              <a:rPr lang="nl-NL" dirty="0" err="1"/>
               <a:t>Comparison</a:t>
             </a:r>
+            <a:r>
+              <a:rPr lang="nl-NL" dirty="0"/>
+              <a:t/>
+            </a:r>
             <a:br>
-              <a:rPr lang="nl-NL"/>
+              <a:rPr lang="nl-NL" dirty="0"/>
             </a:br>
-            <a:endParaRPr lang="nl-NL"/>
+            <a:endParaRPr lang="nl-NL" dirty="0"/>
           </a:p>
         </p:txBody>
       </p:sp>
       <p:pic>
         <p:nvPicPr>
-          <p:cNvPr id="4" name="Afbeelding 4" descr="Afbeelding met schermafbeelding&#10;&#10;Beschrijving is gegenereerd met zeer hoge betrouwbaarheid">
+          <p:cNvPr id="1026" name="Picture 2" descr="https://github.com/broekm006/SmartGrid/raw/master/resultaten/visualisaties/greedy%20comparison.png"/>
+          <p:cNvPicPr>
+            <a:picLocks noChangeAspect="1" noChangeArrowheads="1"/>
+          </p:cNvPicPr>
+          <p:nvPr/>
+        </p:nvPicPr>
+        <p:blipFill>
+          <a:blip r:embed="rId2">
             <a:extLst>
-              <a:ext uri="{FF2B5EF4-FFF2-40B4-BE49-F238E27FC236}">
-                <a16:creationId xmlns:a16="http://schemas.microsoft.com/office/drawing/2014/main" xmlns="" id="{5C64BE66-7D7F-4874-846D-A709512DECCD}"/>
+              <a:ext uri="{28A0092B-C50C-407E-A947-70E740481C1C}">
+                <a14:useLocalDpi xmlns:a14="http://schemas.microsoft.com/office/drawing/2010/main" val="0"/>
               </a:ext>
             </a:extLst>
-          </p:cNvPr>
-          <p:cNvPicPr>
-            <a:picLocks noGrp="1" noChangeAspect="1"/>
-          </p:cNvPicPr>
-          <p:nvPr>
-            <p:ph idx="1"/>
-          </p:nvPr>
-        </p:nvPicPr>
-        <p:blipFill>
-          <a:blip r:embed="rId2"/>
+          </a:blip>
+          <a:srcRect/>
           <a:stretch>
             <a:fillRect/>
           </a:stretch>
         </p:blipFill>
-        <p:spPr>
+        <p:spPr bwMode="auto">
           <a:xfrm>
-            <a:off x="3120735" y="1578244"/>
-            <a:ext cx="6328354" cy="4733350"/>
+            <a:off x="3355974" y="1601899"/>
+            <a:ext cx="6096000" cy="4572000"/>
           </a:xfrm>
           <a:prstGeom prst="rect">
             <a:avLst/>
           </a:prstGeom>
+          <a:noFill/>
+          <a:extLst>
+            <a:ext uri="{909E8E84-426E-40DD-AFC4-6F175D3DCCD1}">
+              <a14:hiddenFill xmlns:a14="http://schemas.microsoft.com/office/drawing/2010/main">
+                <a:solidFill>
+                  <a:srgbClr val="FFFFFF"/>
+                </a:solidFill>
+              </a14:hiddenFill>
+            </a:ext>
+          </a:extLst>
         </p:spPr>
       </p:pic>
     </p:spTree>
@@ -11018,7 +11054,7 @@
           <p:cNvPr id="2" name="Titel 1">
             <a:extLst>
               <a:ext uri="{FF2B5EF4-FFF2-40B4-BE49-F238E27FC236}">
-                <a16:creationId xmlns:a16="http://schemas.microsoft.com/office/drawing/2014/main" xmlns="" id="{81C56212-2D06-4563-A27A-2F81AD3C08F8}"/>
+                <a16:creationId xmlns="" xmlns:a16="http://schemas.microsoft.com/office/drawing/2014/main" id="{81C56212-2D06-4563-A27A-2F81AD3C08F8}"/>
               </a:ext>
             </a:extLst>
           </p:cNvPr>
@@ -11114,6 +11150,66 @@
           </a:extLst>
         </p:spPr>
       </p:pic>
+      <p:sp>
+        <p:nvSpPr>
+          <p:cNvPr id="4" name="Tekstvak 3"/>
+          <p:cNvSpPr txBox="1"/>
+          <p:nvPr/>
+        </p:nvSpPr>
+        <p:spPr>
+          <a:xfrm>
+            <a:off x="10828348" y="4011097"/>
+            <a:ext cx="1285929" cy="307777"/>
+          </a:xfrm>
+          <a:prstGeom prst="rect">
+            <a:avLst/>
+          </a:prstGeom>
+          <a:noFill/>
+        </p:spPr>
+        <p:txBody>
+          <a:bodyPr wrap="none" rtlCol="0">
+            <a:spAutoFit/>
+          </a:bodyPr>
+          <a:lstStyle/>
+          <a:p>
+            <a:r>
+              <a:rPr lang="en-US" sz="1400" dirty="0" err="1" smtClean="0"/>
+              <a:t>Lowerbound</a:t>
+            </a:r>
+            <a:endParaRPr lang="nl-NL" sz="1400" dirty="0"/>
+          </a:p>
+        </p:txBody>
+      </p:sp>
+      <p:sp>
+        <p:nvSpPr>
+          <p:cNvPr id="6" name="Tekstvak 5"/>
+          <p:cNvSpPr txBox="1"/>
+          <p:nvPr/>
+        </p:nvSpPr>
+        <p:spPr>
+          <a:xfrm>
+            <a:off x="10817127" y="2058490"/>
+            <a:ext cx="1297150" cy="307777"/>
+          </a:xfrm>
+          <a:prstGeom prst="rect">
+            <a:avLst/>
+          </a:prstGeom>
+          <a:noFill/>
+        </p:spPr>
+        <p:txBody>
+          <a:bodyPr wrap="none" rtlCol="0">
+            <a:spAutoFit/>
+          </a:bodyPr>
+          <a:lstStyle/>
+          <a:p>
+            <a:r>
+              <a:rPr lang="en-US" sz="1400" dirty="0" err="1" smtClean="0"/>
+              <a:t>Upperbound</a:t>
+            </a:r>
+            <a:endParaRPr lang="nl-NL" sz="1400" dirty="0"/>
+          </a:p>
+        </p:txBody>
+      </p:sp>
     </p:spTree>
     <p:extLst>
       <p:ext uri="{BB962C8B-B14F-4D97-AF65-F5344CB8AC3E}">
@@ -11156,7 +11252,7 @@
           <p:cNvPr id="2" name="Titel 1">
             <a:extLst>
               <a:ext uri="{FF2B5EF4-FFF2-40B4-BE49-F238E27FC236}">
-                <a16:creationId xmlns:a16="http://schemas.microsoft.com/office/drawing/2014/main" xmlns="" id="{81C56212-2D06-4563-A27A-2F81AD3C08F8}"/>
+                <a16:creationId xmlns="" xmlns:a16="http://schemas.microsoft.com/office/drawing/2014/main" id="{81C56212-2D06-4563-A27A-2F81AD3C08F8}"/>
               </a:ext>
             </a:extLst>
           </p:cNvPr>
@@ -11184,7 +11280,7 @@
           <p:cNvPr id="3" name="Tijdelijke aanduiding voor inhoud 2">
             <a:extLst>
               <a:ext uri="{FF2B5EF4-FFF2-40B4-BE49-F238E27FC236}">
-                <a16:creationId xmlns:a16="http://schemas.microsoft.com/office/drawing/2014/main" xmlns="" id="{FCAA3D2D-3FEC-4EB3-88D0-8A0E062EEEB9}"/>
+                <a16:creationId xmlns="" xmlns:a16="http://schemas.microsoft.com/office/drawing/2014/main" id="{FCAA3D2D-3FEC-4EB3-88D0-8A0E062EEEB9}"/>
               </a:ext>
             </a:extLst>
           </p:cNvPr>
@@ -11246,7 +11342,7 @@
           <p:cNvPr id="4" name="Afbeelding 4" descr="Afbeelding met kaart, tekst&#10;&#10;Beschrijving is gegenereerd met hoge betrouwbaarheid">
             <a:extLst>
               <a:ext uri="{FF2B5EF4-FFF2-40B4-BE49-F238E27FC236}">
-                <a16:creationId xmlns:a16="http://schemas.microsoft.com/office/drawing/2014/main" xmlns="" id="{744104A2-F3EC-4446-ACD8-07972D3E5DAE}"/>
+                <a16:creationId xmlns="" xmlns:a16="http://schemas.microsoft.com/office/drawing/2014/main" id="{744104A2-F3EC-4446-ACD8-07972D3E5DAE}"/>
               </a:ext>
             </a:extLst>
           </p:cNvPr>
@@ -11276,7 +11372,7 @@
           <p:cNvPr id="2" name="Titel 1">
             <a:extLst>
               <a:ext uri="{FF2B5EF4-FFF2-40B4-BE49-F238E27FC236}">
-                <a16:creationId xmlns:a16="http://schemas.microsoft.com/office/drawing/2014/main" xmlns="" id="{7154CB1A-48F2-4D7C-8DB3-D70F5FA31935}"/>
+                <a16:creationId xmlns="" xmlns:a16="http://schemas.microsoft.com/office/drawing/2014/main" id="{7154CB1A-48F2-4D7C-8DB3-D70F5FA31935}"/>
               </a:ext>
             </a:extLst>
           </p:cNvPr>
@@ -11308,7 +11404,7 @@
           <p:cNvPr id="3" name="Tijdelijke aanduiding voor inhoud 2">
             <a:extLst>
               <a:ext uri="{FF2B5EF4-FFF2-40B4-BE49-F238E27FC236}">
-                <a16:creationId xmlns:a16="http://schemas.microsoft.com/office/drawing/2014/main" xmlns="" id="{C1B2880A-7AED-4B51-BB52-B462DBB5D40E}"/>
+                <a16:creationId xmlns="" xmlns:a16="http://schemas.microsoft.com/office/drawing/2014/main" id="{C1B2880A-7AED-4B51-BB52-B462DBB5D40E}"/>
               </a:ext>
             </a:extLst>
           </p:cNvPr>
@@ -11321,8 +11417,8 @@
         </p:nvSpPr>
         <p:spPr>
           <a:xfrm>
-            <a:off x="2589212" y="2133600"/>
-            <a:ext cx="3063816" cy="3777622"/>
+            <a:off x="2567947" y="3111796"/>
+            <a:ext cx="3063816" cy="1970567"/>
           </a:xfrm>
         </p:spPr>
         <p:txBody>
@@ -11332,24 +11428,36 @@
           <a:lstStyle/>
           <a:p>
             <a:r>
-              <a:rPr lang="nl-NL"/>
-              <a:t>Wat is SmartGrid?</a:t>
-            </a:r>
-          </a:p>
-          <a:p>
-            <a:r>
-              <a:rPr lang="nl-NL"/>
-              <a:t>Het probleem</a:t>
-            </a:r>
-          </a:p>
-          <a:p>
-            <a:endParaRPr lang="nl-NL"/>
+              <a:rPr lang="nl-NL" dirty="0"/>
+              <a:t>Wat is </a:t>
+            </a:r>
+            <a:r>
+              <a:rPr lang="nl-NL" dirty="0" err="1"/>
+              <a:t>SmartGrid</a:t>
+            </a:r>
+            <a:r>
+              <a:rPr lang="nl-NL" dirty="0" smtClean="0"/>
+              <a:t>?</a:t>
+            </a:r>
+          </a:p>
+          <a:p>
+            <a:endParaRPr lang="nl-NL" dirty="0"/>
+          </a:p>
+          <a:p>
+            <a:r>
+              <a:rPr lang="nl-NL" dirty="0" smtClean="0"/>
+              <a:t>De case</a:t>
+            </a:r>
+            <a:endParaRPr lang="nl-NL" dirty="0"/>
+          </a:p>
+          <a:p>
+            <a:endParaRPr lang="nl-NL" dirty="0"/>
           </a:p>
           <a:p>
             <a:pPr marL="0" indent="0">
               <a:buNone/>
             </a:pPr>
-            <a:endParaRPr lang="nl-NL"/>
+            <a:endParaRPr lang="nl-NL" dirty="0"/>
           </a:p>
         </p:txBody>
       </p:sp>
@@ -11425,8 +11533,8 @@
         </p:nvSpPr>
         <p:spPr>
           <a:xfrm>
-            <a:off x="2589212" y="2133600"/>
-            <a:ext cx="3811588" cy="3777622"/>
+            <a:off x="2589211" y="2133600"/>
+            <a:ext cx="5324070" cy="3777622"/>
           </a:xfrm>
         </p:spPr>
         <p:txBody>
@@ -11434,16 +11542,6 @@
           <a:lstStyle/>
           <a:p>
             <a:r>
-              <a:rPr lang="en-US" dirty="0" smtClean="0"/>
-              <a:t>Constraints</a:t>
-            </a:r>
-          </a:p>
-          <a:p>
-            <a:pPr>
-              <a:buFontTx/>
-              <a:buChar char="-"/>
-            </a:pPr>
-            <a:r>
               <a:rPr lang="en-US" dirty="0" err="1" smtClean="0"/>
               <a:t>Verbind</a:t>
             </a:r>
@@ -11463,20 +11561,58 @@
               <a:rPr lang="en-US" dirty="0" err="1" smtClean="0"/>
               <a:t>huizen</a:t>
             </a:r>
-            <a:endParaRPr lang="en-US" dirty="0" smtClean="0"/>
-          </a:p>
-          <a:p>
-            <a:pPr>
-              <a:buFontTx/>
-              <a:buChar char="-"/>
-            </a:pPr>
-            <a:r>
-              <a:rPr lang="en-US" dirty="0"/>
+            <a:r>
+              <a:rPr lang="en-US" dirty="0" smtClean="0"/>
               <a:t> </a:t>
             </a:r>
             <a:r>
               <a:rPr lang="en-US" dirty="0" err="1" smtClean="0"/>
-              <a:t>Bereken</a:t>
+              <a:t>aan</a:t>
+            </a:r>
+            <a:r>
+              <a:rPr lang="en-US" dirty="0" smtClean="0"/>
+              <a:t> een </a:t>
+            </a:r>
+            <a:r>
+              <a:rPr lang="en-US" dirty="0" err="1" smtClean="0"/>
+              <a:t>batterij</a:t>
+            </a:r>
+            <a:r>
+              <a:rPr lang="en-US" dirty="0" smtClean="0"/>
+              <a:t>. (</a:t>
+            </a:r>
+            <a:r>
+              <a:rPr lang="en-US" dirty="0" err="1" smtClean="0"/>
+              <a:t>zonder</a:t>
+            </a:r>
+            <a:r>
+              <a:rPr lang="en-US" dirty="0" smtClean="0"/>
+              <a:t> de maximum </a:t>
+            </a:r>
+            <a:r>
+              <a:rPr lang="en-US" dirty="0" err="1" smtClean="0"/>
+              <a:t>te</a:t>
+            </a:r>
+            <a:r>
+              <a:rPr lang="en-US" dirty="0" smtClean="0"/>
+              <a:t> </a:t>
+            </a:r>
+            <a:r>
+              <a:rPr lang="en-US" dirty="0" err="1" smtClean="0"/>
+              <a:t>overschrijden</a:t>
+            </a:r>
+            <a:r>
+              <a:rPr lang="en-US" dirty="0" smtClean="0"/>
+              <a:t>)</a:t>
+            </a:r>
+          </a:p>
+          <a:p>
+            <a:endParaRPr lang="en-US" dirty="0"/>
+          </a:p>
+          <a:p>
+            <a:r>
+              <a:rPr lang="en-US" dirty="0" err="1" smtClean="0"/>
+              <a:t>Optimaliseer</a:t>
             </a:r>
             <a:r>
               <a:rPr lang="en-US" dirty="0" smtClean="0"/>
@@ -11484,18 +11620,15 @@
             </a:r>
             <a:r>
               <a:rPr lang="en-US" dirty="0" err="1" smtClean="0"/>
-              <a:t>kosten</a:t>
-            </a:r>
-            <a:endParaRPr lang="en-US" dirty="0" smtClean="0"/>
-          </a:p>
-          <a:p>
-            <a:pPr>
-              <a:buFontTx/>
-              <a:buChar char="-"/>
-            </a:pPr>
+              <a:t>configuratie</a:t>
+            </a:r>
+            <a:r>
+              <a:rPr lang="en-US" dirty="0" smtClean="0"/>
+              <a:t> van de </a:t>
+            </a:r>
             <a:r>
               <a:rPr lang="en-US" dirty="0" err="1" smtClean="0"/>
-              <a:t>Batterijen</a:t>
+              <a:t>huizen</a:t>
             </a:r>
             <a:r>
               <a:rPr lang="en-US" dirty="0" smtClean="0"/>
@@ -11503,7 +11636,7 @@
             </a:r>
             <a:r>
               <a:rPr lang="en-US" dirty="0" err="1" smtClean="0"/>
-              <a:t>mogen</a:t>
+              <a:t>en</a:t>
             </a:r>
             <a:r>
               <a:rPr lang="en-US" dirty="0" smtClean="0"/>
@@ -11511,7 +11644,52 @@
             </a:r>
             <a:r>
               <a:rPr lang="en-US" dirty="0" err="1" smtClean="0"/>
-              <a:t>initieel</a:t>
+              <a:t>bereken</a:t>
+            </a:r>
+            <a:r>
+              <a:rPr lang="en-US" dirty="0" smtClean="0"/>
+              <a:t> de </a:t>
+            </a:r>
+            <a:r>
+              <a:rPr lang="en-US" dirty="0" err="1" smtClean="0"/>
+              <a:t>kosten</a:t>
+            </a:r>
+            <a:r>
+              <a:rPr lang="en-US" dirty="0" smtClean="0"/>
+              <a:t>.</a:t>
+            </a:r>
+          </a:p>
+          <a:p>
+            <a:endParaRPr lang="en-US" dirty="0" smtClean="0"/>
+          </a:p>
+          <a:p>
+            <a:r>
+              <a:rPr lang="en-US" dirty="0" err="1" smtClean="0"/>
+              <a:t>Verbeter</a:t>
+            </a:r>
+            <a:r>
+              <a:rPr lang="en-US" dirty="0" smtClean="0"/>
+              <a:t> de </a:t>
+            </a:r>
+            <a:r>
+              <a:rPr lang="en-US" dirty="0" err="1" smtClean="0"/>
+              <a:t>configuratie</a:t>
+            </a:r>
+            <a:r>
+              <a:rPr lang="en-US" dirty="0" smtClean="0"/>
+              <a:t> door de </a:t>
+            </a:r>
+            <a:r>
+              <a:rPr lang="en-US" dirty="0" err="1" smtClean="0"/>
+              <a:t>batterijen</a:t>
+            </a:r>
+            <a:r>
+              <a:rPr lang="en-US" dirty="0" smtClean="0"/>
+              <a:t> op de </a:t>
+            </a:r>
+            <a:r>
+              <a:rPr lang="en-US" dirty="0" err="1" smtClean="0"/>
+              <a:t>optimale</a:t>
             </a:r>
             <a:r>
               <a:rPr lang="en-US" dirty="0" smtClean="0"/>
@@ -11519,7 +11697,7 @@
             </a:r>
             <a:r>
               <a:rPr lang="en-US" dirty="0" err="1" smtClean="0"/>
-              <a:t>niet</a:t>
+              <a:t>locatie</a:t>
             </a:r>
             <a:r>
               <a:rPr lang="en-US" dirty="0" smtClean="0"/>
@@ -11527,7 +11705,7 @@
             </a:r>
             <a:r>
               <a:rPr lang="en-US" dirty="0" err="1" smtClean="0"/>
-              <a:t>worden</a:t>
+              <a:t>te</a:t>
             </a:r>
             <a:r>
               <a:rPr lang="en-US" dirty="0" smtClean="0"/>
@@ -11535,13 +11713,9 @@
             </a:r>
             <a:r>
               <a:rPr lang="en-US" dirty="0" err="1" smtClean="0"/>
-              <a:t>verplaatst</a:t>
-            </a:r>
-            <a:r>
-              <a:rPr lang="en-US" dirty="0" smtClean="0"/>
-              <a:t> </a:t>
-            </a:r>
-            <a:endParaRPr lang="nl-NL" dirty="0"/>
+              <a:t>plaatsen</a:t>
+            </a:r>
+            <a:endParaRPr lang="en-US" dirty="0" smtClean="0"/>
           </a:p>
         </p:txBody>
       </p:sp>
@@ -11553,8 +11727,8 @@
         </p:nvSpPr>
         <p:spPr>
           <a:xfrm>
-            <a:off x="7200900" y="1885950"/>
-            <a:ext cx="3695700" cy="923330"/>
+            <a:off x="7913281" y="2672754"/>
+            <a:ext cx="3695700" cy="1477328"/>
           </a:xfrm>
           <a:prstGeom prst="rect">
             <a:avLst/>
@@ -11577,14 +11751,24 @@
             </a:r>
           </a:p>
           <a:p>
+            <a:endParaRPr lang="en-US" dirty="0" smtClean="0"/>
+          </a:p>
+          <a:p>
             <a:r>
               <a:rPr lang="en-US" dirty="0" err="1" smtClean="0"/>
               <a:t>Batterij</a:t>
             </a:r>
             <a:r>
               <a:rPr lang="en-US" dirty="0" smtClean="0"/>
-              <a:t>: €5.000</a:t>
-            </a:r>
+              <a:t>: €</a:t>
+            </a:r>
+            <a:r>
+              <a:rPr lang="en-US" dirty="0" smtClean="0"/>
+              <a:t>5.000</a:t>
+            </a:r>
+          </a:p>
+          <a:p>
+            <a:endParaRPr lang="en-US" dirty="0" smtClean="0"/>
           </a:p>
           <a:p>
             <a:r>
@@ -11609,6 +11793,13 @@
   <p:clrMapOvr>
     <a:masterClrMapping/>
   </p:clrMapOvr>
+  <p:timing>
+    <p:tnLst>
+      <p:par>
+        <p:cTn id="1" dur="indefinite" restart="never" nodeType="tmRoot"/>
+      </p:par>
+    </p:tnLst>
+  </p:timing>
 </p:sld>
 </file>
 
@@ -11634,7 +11825,7 @@
           <p:cNvPr id="2" name="Titel 1">
             <a:extLst>
               <a:ext uri="{FF2B5EF4-FFF2-40B4-BE49-F238E27FC236}">
-                <a16:creationId xmlns:a16="http://schemas.microsoft.com/office/drawing/2014/main" xmlns="" id="{B65100A1-C365-40A7-A42F-4B5A9FD90ADA}"/>
+                <a16:creationId xmlns="" xmlns:a16="http://schemas.microsoft.com/office/drawing/2014/main" id="{B65100A1-C365-40A7-A42F-4B5A9FD90ADA}"/>
               </a:ext>
             </a:extLst>
           </p:cNvPr>
@@ -11666,7 +11857,7 @@
           <p:cNvPr id="3" name="Tijdelijke aanduiding voor inhoud 2">
             <a:extLst>
               <a:ext uri="{FF2B5EF4-FFF2-40B4-BE49-F238E27FC236}">
-                <a16:creationId xmlns:a16="http://schemas.microsoft.com/office/drawing/2014/main" xmlns="" id="{05C6F3D3-C738-43C0-8418-47F08F56C29D}"/>
+                <a16:creationId xmlns="" xmlns:a16="http://schemas.microsoft.com/office/drawing/2014/main" id="{05C6F3D3-C738-43C0-8418-47F08F56C29D}"/>
               </a:ext>
             </a:extLst>
           </p:cNvPr>
@@ -11764,7 +11955,7 @@
           <p:cNvPr id="8" name="Afbeelding 8" descr="Afbeelding met object&#10;&#10;Beschrijving is gegenereerd met hoge betrouwbaarheid">
             <a:extLst>
               <a:ext uri="{FF2B5EF4-FFF2-40B4-BE49-F238E27FC236}">
-                <a16:creationId xmlns:a16="http://schemas.microsoft.com/office/drawing/2014/main" xmlns="" id="{932B4111-7644-4BE8-A8A6-7B47628A9855}"/>
+                <a16:creationId xmlns="" xmlns:a16="http://schemas.microsoft.com/office/drawing/2014/main" id="{932B4111-7644-4BE8-A8A6-7B47628A9855}"/>
               </a:ext>
             </a:extLst>
           </p:cNvPr>
@@ -11831,7 +12022,7 @@
           <p:cNvPr id="2" name="Titel 1">
             <a:extLst>
               <a:ext uri="{FF2B5EF4-FFF2-40B4-BE49-F238E27FC236}">
-                <a16:creationId xmlns:a16="http://schemas.microsoft.com/office/drawing/2014/main" xmlns="" id="{9CF66834-9D6D-4A52-8664-095792201C63}"/>
+                <a16:creationId xmlns="" xmlns:a16="http://schemas.microsoft.com/office/drawing/2014/main" id="{9CF66834-9D6D-4A52-8664-095792201C63}"/>
               </a:ext>
             </a:extLst>
           </p:cNvPr>
@@ -11859,7 +12050,7 @@
           <p:cNvPr id="3" name="Tijdelijke aanduiding voor inhoud 2">
             <a:extLst>
               <a:ext uri="{FF2B5EF4-FFF2-40B4-BE49-F238E27FC236}">
-                <a16:creationId xmlns:a16="http://schemas.microsoft.com/office/drawing/2014/main" xmlns="" id="{21FC9782-7392-448C-877F-DFA5765C1A81}"/>
+                <a16:creationId xmlns="" xmlns:a16="http://schemas.microsoft.com/office/drawing/2014/main" id="{21FC9782-7392-448C-877F-DFA5765C1A81}"/>
               </a:ext>
             </a:extLst>
           </p:cNvPr>
@@ -11886,19 +12077,7 @@
               <a:rPr lang="nl-NL" dirty="0" err="1" smtClean="0"/>
               <a:t>Greedy</a:t>
             </a:r>
-            <a:r>
-              <a:rPr lang="nl-NL" dirty="0" smtClean="0"/>
-              <a:t> </a:t>
-            </a:r>
-            <a:r>
-              <a:rPr lang="nl-NL" dirty="0"/>
-              <a:t>+ </a:t>
-            </a:r>
-            <a:r>
-              <a:rPr lang="nl-NL" dirty="0" err="1" smtClean="0"/>
-              <a:t>sort</a:t>
-            </a:r>
-            <a:endParaRPr lang="nl-NL" dirty="0"/>
+            <a:endParaRPr lang="nl-NL" dirty="0" smtClean="0"/>
           </a:p>
           <a:p>
             <a:endParaRPr lang="nl-NL" dirty="0"/>
@@ -12002,7 +12181,7 @@
           <p:cNvPr id="2" name="Titel 1">
             <a:extLst>
               <a:ext uri="{FF2B5EF4-FFF2-40B4-BE49-F238E27FC236}">
-                <a16:creationId xmlns:a16="http://schemas.microsoft.com/office/drawing/2014/main" xmlns="" id="{F35DF6B5-B5E3-4B99-AE4B-AD924BF7CD83}"/>
+                <a16:creationId xmlns="" xmlns:a16="http://schemas.microsoft.com/office/drawing/2014/main" id="{F35DF6B5-B5E3-4B99-AE4B-AD924BF7CD83}"/>
               </a:ext>
             </a:extLst>
           </p:cNvPr>
@@ -12030,7 +12209,7 @@
           <p:cNvPr id="3" name="Tijdelijke aanduiding voor inhoud 2">
             <a:extLst>
               <a:ext uri="{FF2B5EF4-FFF2-40B4-BE49-F238E27FC236}">
-                <a16:creationId xmlns:a16="http://schemas.microsoft.com/office/drawing/2014/main" xmlns="" id="{4EF0DB5F-D1EA-49EC-BAE7-E159686E804C}"/>
+                <a16:creationId xmlns="" xmlns:a16="http://schemas.microsoft.com/office/drawing/2014/main" id="{4EF0DB5F-D1EA-49EC-BAE7-E159686E804C}"/>
               </a:ext>
             </a:extLst>
           </p:cNvPr>
@@ -12133,7 +12312,7 @@
           <p:cNvPr id="2" name="Titel 1">
             <a:extLst>
               <a:ext uri="{FF2B5EF4-FFF2-40B4-BE49-F238E27FC236}">
-                <a16:creationId xmlns:a16="http://schemas.microsoft.com/office/drawing/2014/main" xmlns="" id="{F35DF6B5-B5E3-4B99-AE4B-AD924BF7CD83}"/>
+                <a16:creationId xmlns="" xmlns:a16="http://schemas.microsoft.com/office/drawing/2014/main" id="{F35DF6B5-B5E3-4B99-AE4B-AD924BF7CD83}"/>
               </a:ext>
             </a:extLst>
           </p:cNvPr>
@@ -12161,7 +12340,7 @@
           <p:cNvPr id="3" name="Tijdelijke aanduiding voor inhoud 2">
             <a:extLst>
               <a:ext uri="{FF2B5EF4-FFF2-40B4-BE49-F238E27FC236}">
-                <a16:creationId xmlns:a16="http://schemas.microsoft.com/office/drawing/2014/main" xmlns="" id="{4EF0DB5F-D1EA-49EC-BAE7-E159686E804C}"/>
+                <a16:creationId xmlns="" xmlns:a16="http://schemas.microsoft.com/office/drawing/2014/main" id="{4EF0DB5F-D1EA-49EC-BAE7-E159686E804C}"/>
               </a:ext>
             </a:extLst>
           </p:cNvPr>
@@ -12180,41 +12359,45 @@
           <a:lstStyle/>
           <a:p>
             <a:r>
-              <a:rPr lang="nl-NL"/>
-              <a:t>Hierbij wordt een wisseling uitgevoerd tussen twee locaties om een verbetering te realiseren.</a:t>
-            </a:r>
-          </a:p>
-          <a:p>
-            <a:endParaRPr lang="nl-NL"/>
-          </a:p>
-          <a:p>
-            <a:r>
-              <a:rPr lang="nl-NL"/>
+              <a:rPr lang="nl-NL" dirty="0" smtClean="0"/>
+              <a:t>2 huizen worden met elkaar vergeleken om een </a:t>
+            </a:r>
+            <a:r>
+              <a:rPr lang="nl-NL" dirty="0"/>
+              <a:t>verbetering te realiseren.</a:t>
+            </a:r>
+          </a:p>
+          <a:p>
+            <a:endParaRPr lang="nl-NL" dirty="0"/>
+          </a:p>
+          <a:p>
+            <a:r>
+              <a:rPr lang="nl-NL" dirty="0"/>
               <a:t>Random</a:t>
             </a:r>
           </a:p>
           <a:p>
-            <a:endParaRPr lang="nl-NL"/>
-          </a:p>
-          <a:p>
-            <a:r>
-              <a:rPr lang="nl-NL"/>
+            <a:endParaRPr lang="nl-NL" dirty="0"/>
+          </a:p>
+          <a:p>
+            <a:r>
+              <a:rPr lang="nl-NL" dirty="0"/>
               <a:t>Lijst met mogelijke wisselingen</a:t>
             </a:r>
           </a:p>
           <a:p>
-            <a:endParaRPr lang="nl-NL"/>
-          </a:p>
-          <a:p>
-            <a:r>
-              <a:rPr lang="nl-NL"/>
+            <a:endParaRPr lang="nl-NL" dirty="0"/>
+          </a:p>
+          <a:p>
+            <a:r>
+              <a:rPr lang="nl-NL" dirty="0"/>
               <a:t>Best </a:t>
             </a:r>
             <a:r>
-              <a:rPr lang="nl-NL" err="1"/>
+              <a:rPr lang="nl-NL" dirty="0" err="1"/>
               <a:t>Choice</a:t>
             </a:r>
-            <a:endParaRPr lang="nl-NL"/>
+            <a:endParaRPr lang="nl-NL" dirty="0"/>
           </a:p>
         </p:txBody>
       </p:sp>
@@ -12260,7 +12443,7 @@
           <p:cNvPr id="2" name="Titel 1">
             <a:extLst>
               <a:ext uri="{FF2B5EF4-FFF2-40B4-BE49-F238E27FC236}">
-                <a16:creationId xmlns:a16="http://schemas.microsoft.com/office/drawing/2014/main" xmlns="" id="{F35DF6B5-B5E3-4B99-AE4B-AD924BF7CD83}"/>
+                <a16:creationId xmlns="" xmlns:a16="http://schemas.microsoft.com/office/drawing/2014/main" id="{F35DF6B5-B5E3-4B99-AE4B-AD924BF7CD83}"/>
               </a:ext>
             </a:extLst>
           </p:cNvPr>
@@ -12288,7 +12471,7 @@
           <p:cNvPr id="3" name="Tijdelijke aanduiding voor inhoud 2">
             <a:extLst>
               <a:ext uri="{FF2B5EF4-FFF2-40B4-BE49-F238E27FC236}">
-                <a16:creationId xmlns:a16="http://schemas.microsoft.com/office/drawing/2014/main" xmlns="" id="{4EF0DB5F-D1EA-49EC-BAE7-E159686E804C}"/>
+                <a16:creationId xmlns="" xmlns:a16="http://schemas.microsoft.com/office/drawing/2014/main" id="{4EF0DB5F-D1EA-49EC-BAE7-E159686E804C}"/>
               </a:ext>
             </a:extLst>
           </p:cNvPr>
@@ -12307,18 +12490,39 @@
           <a:lstStyle/>
           <a:p>
             <a:r>
-              <a:rPr lang="nl-NL"/>
-              <a:t>Hierbij wordt op basis van temperatuur wijzigingen doorgevoerd waarbij ook slechte wijzigingen worden geaccepteerd. </a:t>
-            </a:r>
-          </a:p>
-          <a:p>
-            <a:endParaRPr lang="nl-NL"/>
-          </a:p>
-          <a:p>
-            <a:r>
-              <a:rPr lang="nl-NL" err="1"/>
+              <a:rPr lang="nl-NL" dirty="0" smtClean="0"/>
+              <a:t>2 huizen worden  vergeleken en op basis </a:t>
+            </a:r>
+            <a:r>
+              <a:rPr lang="nl-NL" dirty="0"/>
+              <a:t>van temperatuur </a:t>
+            </a:r>
+            <a:r>
+              <a:rPr lang="nl-NL" dirty="0" smtClean="0"/>
+              <a:t> zullen wijzigingen worden doorgevoerd </a:t>
+            </a:r>
+            <a:r>
+              <a:rPr lang="nl-NL" dirty="0"/>
+              <a:t>waarbij ook slechte wijzigingen </a:t>
+            </a:r>
+            <a:r>
+              <a:rPr lang="nl-NL" dirty="0" smtClean="0"/>
+              <a:t> mogelijk kunnen worden </a:t>
+            </a:r>
+            <a:r>
+              <a:rPr lang="nl-NL" dirty="0"/>
+              <a:t>geaccepteerd. </a:t>
+            </a:r>
+          </a:p>
+          <a:p>
+            <a:endParaRPr lang="nl-NL" dirty="0"/>
+          </a:p>
+          <a:p>
+            <a:r>
+              <a:rPr lang="nl-NL" dirty="0" err="1"/>
               <a:t>Distance</a:t>
             </a:r>
+            <a:endParaRPr lang="nl-NL" dirty="0"/>
           </a:p>
         </p:txBody>
       </p:sp>
@@ -12364,7 +12568,7 @@
           <p:cNvPr id="2" name="Titel 1">
             <a:extLst>
               <a:ext uri="{FF2B5EF4-FFF2-40B4-BE49-F238E27FC236}">
-                <a16:creationId xmlns:a16="http://schemas.microsoft.com/office/drawing/2014/main" xmlns="" id="{F35DF6B5-B5E3-4B99-AE4B-AD924BF7CD83}"/>
+                <a16:creationId xmlns="" xmlns:a16="http://schemas.microsoft.com/office/drawing/2014/main" id="{F35DF6B5-B5E3-4B99-AE4B-AD924BF7CD83}"/>
               </a:ext>
             </a:extLst>
           </p:cNvPr>
@@ -12392,7 +12596,7 @@
           <p:cNvPr id="3" name="Tijdelijke aanduiding voor inhoud 2">
             <a:extLst>
               <a:ext uri="{FF2B5EF4-FFF2-40B4-BE49-F238E27FC236}">
-                <a16:creationId xmlns:a16="http://schemas.microsoft.com/office/drawing/2014/main" xmlns="" id="{4EF0DB5F-D1EA-49EC-BAE7-E159686E804C}"/>
+                <a16:creationId xmlns="" xmlns:a16="http://schemas.microsoft.com/office/drawing/2014/main" id="{4EF0DB5F-D1EA-49EC-BAE7-E159686E804C}"/>
               </a:ext>
             </a:extLst>
           </p:cNvPr>
@@ -12411,9 +12615,43 @@
           <a:lstStyle/>
           <a:p>
             <a:r>
-              <a:rPr lang="nl-NL"/>
-              <a:t>Hierbij worden batterijen verplaatst op basis van de locaties van de verbonden huizen.</a:t>
-            </a:r>
+              <a:rPr lang="nl-NL" dirty="0" smtClean="0"/>
+              <a:t>Batterijen worden verplaatst om de kabelkosten te verminderen.</a:t>
+            </a:r>
+          </a:p>
+          <a:p>
+            <a:endParaRPr lang="en-US" dirty="0"/>
+          </a:p>
+          <a:p>
+            <a:r>
+              <a:rPr lang="nl-NL" dirty="0" smtClean="0"/>
+              <a:t>Gebaseerd op </a:t>
+            </a:r>
+            <a:r>
+              <a:rPr lang="nl-NL" dirty="0" err="1" smtClean="0"/>
+              <a:t>Gre</a:t>
+            </a:r>
+            <a:r>
+              <a:rPr lang="en-US" dirty="0" err="1" smtClean="0"/>
+              <a:t>edy</a:t>
+            </a:r>
+            <a:endParaRPr lang="en-US" dirty="0" smtClean="0"/>
+          </a:p>
+          <a:p>
+            <a:endParaRPr lang="en-US" dirty="0"/>
+          </a:p>
+          <a:p>
+            <a:r>
+              <a:rPr lang="en-US" dirty="0" smtClean="0"/>
+              <a:t>Random</a:t>
+            </a:r>
+            <a:endParaRPr lang="en-US" dirty="0" smtClean="0"/>
+          </a:p>
+          <a:p>
+            <a:endParaRPr lang="en-US" dirty="0"/>
+          </a:p>
+          <a:p>
+            <a:endParaRPr lang="nl-NL" dirty="0"/>
           </a:p>
         </p:txBody>
       </p:sp>
@@ -12439,7 +12677,7 @@
         </p:blipFill>
         <p:spPr>
           <a:xfrm>
-            <a:off x="4667250" y="3086100"/>
+            <a:off x="6410990" y="3160528"/>
             <a:ext cx="2857500" cy="2857500"/>
           </a:xfrm>
           <a:prstGeom prst="rect">
@@ -12704,7 +12942,7 @@
   <a:extraClrSchemeLst/>
   <a:extLst>
     <a:ext uri="{05A4C25C-085E-4340-85A3-A5531E510DB2}">
-      <thm15:themeFamily xmlns:thm15="http://schemas.microsoft.com/office/thememl/2012/main" xmlns="" name="Wisp" id="{7CB32D59-10C0-40DD-B7BD-2E94284A981C}" vid="{24B1A44C-C006-48B2-A4D7-E5549B3D8CD4}"/>
+      <thm15:themeFamily xmlns="" xmlns:thm15="http://schemas.microsoft.com/office/thememl/2012/main" name="Wisp" id="{7CB32D59-10C0-40DD-B7BD-2E94284A981C}" vid="{24B1A44C-C006-48B2-A4D7-E5549B3D8CD4}"/>
     </a:ext>
   </a:extLst>
 </a:theme>

--- a/Final_V2.pptx
+++ b/Final_V2.pptx
@@ -127,7 +127,7 @@
   </p:defaultTextStyle>
   <p:extLst>
     <p:ext uri="{EFAFB233-063F-42B5-8137-9DF3F51BA10A}">
-      <p15:sldGuideLst xmlns="" xmlns:p15="http://schemas.microsoft.com/office/powerpoint/2012/main"/>
+      <p15:sldGuideLst xmlns:p15="http://schemas.microsoft.com/office/powerpoint/2012/main" xmlns=""/>
     </p:ext>
   </p:extLst>
 </p:presentation>
@@ -8172,10 +8172,10 @@
           <p:cNvPr id="5" name="Rectangle 7">
             <a:extLst>
               <a:ext uri="{FF2B5EF4-FFF2-40B4-BE49-F238E27FC236}">
-                <a16:creationId xmlns="" xmlns:a16="http://schemas.microsoft.com/office/drawing/2014/main" id="{57ABABA7-0420-4200-9B65-1C1967CE9373}"/>
+                <a16:creationId xmlns:a16="http://schemas.microsoft.com/office/drawing/2014/main" xmlns="" id="{57ABABA7-0420-4200-9B65-1C1967CE9373}"/>
               </a:ext>
               <a:ext uri="{C183D7F6-B498-43B3-948B-1728B52AA6E4}">
-                <adec:decorative xmlns="" xmlns:adec="http://schemas.microsoft.com/office/drawing/2017/decorative" val="1"/>
+                <adec:decorative xmlns:adec="http://schemas.microsoft.com/office/drawing/2017/decorative" xmlns="" val="1"/>
               </a:ext>
             </a:extLst>
           </p:cNvPr>
@@ -8185,7 +8185,7 @@
           <p:nvPr>
             <p:extLst>
               <p:ext uri="{386F3935-93C4-4BCD-93E2-E3B085C9AB24}">
-                <p16:designElem xmlns="" xmlns:p16="http://schemas.microsoft.com/office/powerpoint/2015/main" val="1"/>
+                <p16:designElem xmlns:p16="http://schemas.microsoft.com/office/powerpoint/2015/main" xmlns="" val="1"/>
               </p:ext>
             </p:extLst>
           </p:nvPr>
@@ -8232,10 +8232,10 @@
           <p:cNvPr id="6" name="Group 9">
             <a:extLst>
               <a:ext uri="{FF2B5EF4-FFF2-40B4-BE49-F238E27FC236}">
-                <a16:creationId xmlns="" xmlns:a16="http://schemas.microsoft.com/office/drawing/2014/main" id="{7A03E380-9CD1-4ABA-A763-9F9D252B8908}"/>
+                <a16:creationId xmlns:a16="http://schemas.microsoft.com/office/drawing/2014/main" xmlns="" id="{7A03E380-9CD1-4ABA-A763-9F9D252B8908}"/>
               </a:ext>
               <a:ext uri="{C183D7F6-B498-43B3-948B-1728B52AA6E4}">
-                <adec:decorative xmlns="" xmlns:adec="http://schemas.microsoft.com/office/drawing/2017/decorative" val="1"/>
+                <adec:decorative xmlns:adec="http://schemas.microsoft.com/office/drawing/2017/decorative" xmlns="" val="1"/>
               </a:ext>
             </a:extLst>
           </p:cNvPr>
@@ -8245,7 +8245,7 @@
           <p:nvPr>
             <p:extLst>
               <p:ext uri="{386F3935-93C4-4BCD-93E2-E3B085C9AB24}">
-                <p16:designElem xmlns="" xmlns:p16="http://schemas.microsoft.com/office/powerpoint/2015/main" val="1"/>
+                <p16:designElem xmlns:p16="http://schemas.microsoft.com/office/powerpoint/2015/main" xmlns="" val="1"/>
               </p:ext>
             </p:extLst>
           </p:nvPr>
@@ -8268,10 +8268,10 @@
             <p:cNvPr id="11" name="Freeform 11">
               <a:extLst>
                 <a:ext uri="{FF2B5EF4-FFF2-40B4-BE49-F238E27FC236}">
-                  <a16:creationId xmlns="" xmlns:a16="http://schemas.microsoft.com/office/drawing/2014/main" id="{66E01B84-4C2B-4DE5-90C8-9C4001A75B11}"/>
+                  <a16:creationId xmlns:a16="http://schemas.microsoft.com/office/drawing/2014/main" xmlns="" id="{66E01B84-4C2B-4DE5-90C8-9C4001A75B11}"/>
                 </a:ext>
                 <a:ext uri="{C183D7F6-B498-43B3-948B-1728B52AA6E4}">
-                  <adec:decorative xmlns="" xmlns:adec="http://schemas.microsoft.com/office/drawing/2017/decorative" val="1"/>
+                  <adec:decorative xmlns:adec="http://schemas.microsoft.com/office/drawing/2017/decorative" xmlns="" val="1"/>
                 </a:ext>
               </a:extLst>
             </p:cNvPr>
@@ -8279,7 +8279,7 @@
             <p:nvPr>
               <p:extLst>
                 <p:ext uri="{386F3935-93C4-4BCD-93E2-E3B085C9AB24}">
-                  <p16:designElem xmlns="" xmlns:p16="http://schemas.microsoft.com/office/powerpoint/2015/main" val="1"/>
+                  <p16:designElem xmlns:p16="http://schemas.microsoft.com/office/powerpoint/2015/main" xmlns="" val="1"/>
                 </p:ext>
               </p:extLst>
             </p:nvPr>
@@ -8340,10 +8340,10 @@
             <p:cNvPr id="7" name="Freeform 12">
               <a:extLst>
                 <a:ext uri="{FF2B5EF4-FFF2-40B4-BE49-F238E27FC236}">
-                  <a16:creationId xmlns="" xmlns:a16="http://schemas.microsoft.com/office/drawing/2014/main" id="{64CE5A7A-D5C5-4FE5-860C-0B5748FDEEDC}"/>
+                  <a16:creationId xmlns:a16="http://schemas.microsoft.com/office/drawing/2014/main" xmlns="" id="{64CE5A7A-D5C5-4FE5-860C-0B5748FDEEDC}"/>
                 </a:ext>
                 <a:ext uri="{C183D7F6-B498-43B3-948B-1728B52AA6E4}">
-                  <adec:decorative xmlns="" xmlns:adec="http://schemas.microsoft.com/office/drawing/2017/decorative" val="1"/>
+                  <adec:decorative xmlns:adec="http://schemas.microsoft.com/office/drawing/2017/decorative" xmlns="" val="1"/>
                 </a:ext>
               </a:extLst>
             </p:cNvPr>
@@ -8351,7 +8351,7 @@
             <p:nvPr>
               <p:extLst>
                 <p:ext uri="{386F3935-93C4-4BCD-93E2-E3B085C9AB24}">
-                  <p16:designElem xmlns="" xmlns:p16="http://schemas.microsoft.com/office/powerpoint/2015/main" val="1"/>
+                  <p16:designElem xmlns:p16="http://schemas.microsoft.com/office/powerpoint/2015/main" xmlns="" val="1"/>
                 </p:ext>
               </p:extLst>
             </p:nvPr>
@@ -8417,10 +8417,10 @@
             <p:cNvPr id="13" name="Freeform 13">
               <a:extLst>
                 <a:ext uri="{FF2B5EF4-FFF2-40B4-BE49-F238E27FC236}">
-                  <a16:creationId xmlns="" xmlns:a16="http://schemas.microsoft.com/office/drawing/2014/main" id="{016A7D2A-6EEA-47B8-A763-7D82E41B3CED}"/>
+                  <a16:creationId xmlns:a16="http://schemas.microsoft.com/office/drawing/2014/main" xmlns="" id="{016A7D2A-6EEA-47B8-A763-7D82E41B3CED}"/>
                 </a:ext>
                 <a:ext uri="{C183D7F6-B498-43B3-948B-1728B52AA6E4}">
-                  <adec:decorative xmlns="" xmlns:adec="http://schemas.microsoft.com/office/drawing/2017/decorative" val="1"/>
+                  <adec:decorative xmlns:adec="http://schemas.microsoft.com/office/drawing/2017/decorative" xmlns="" val="1"/>
                 </a:ext>
               </a:extLst>
             </p:cNvPr>
@@ -8428,7 +8428,7 @@
             <p:nvPr>
               <p:extLst>
                 <p:ext uri="{386F3935-93C4-4BCD-93E2-E3B085C9AB24}">
-                  <p16:designElem xmlns="" xmlns:p16="http://schemas.microsoft.com/office/powerpoint/2015/main" val="1"/>
+                  <p16:designElem xmlns:p16="http://schemas.microsoft.com/office/powerpoint/2015/main" xmlns="" val="1"/>
                 </p:ext>
               </p:extLst>
             </p:nvPr>
@@ -8499,10 +8499,10 @@
             <p:cNvPr id="14" name="Freeform 14">
               <a:extLst>
                 <a:ext uri="{FF2B5EF4-FFF2-40B4-BE49-F238E27FC236}">
-                  <a16:creationId xmlns="" xmlns:a16="http://schemas.microsoft.com/office/drawing/2014/main" id="{E758F6E7-6DEC-48D0-ACB1-E5E26B13E6C3}"/>
+                  <a16:creationId xmlns:a16="http://schemas.microsoft.com/office/drawing/2014/main" xmlns="" id="{E758F6E7-6DEC-48D0-ACB1-E5E26B13E6C3}"/>
                 </a:ext>
                 <a:ext uri="{C183D7F6-B498-43B3-948B-1728B52AA6E4}">
-                  <adec:decorative xmlns="" xmlns:adec="http://schemas.microsoft.com/office/drawing/2017/decorative" val="1"/>
+                  <adec:decorative xmlns:adec="http://schemas.microsoft.com/office/drawing/2017/decorative" xmlns="" val="1"/>
                 </a:ext>
               </a:extLst>
             </p:cNvPr>
@@ -8510,7 +8510,7 @@
             <p:nvPr>
               <p:extLst>
                 <p:ext uri="{386F3935-93C4-4BCD-93E2-E3B085C9AB24}">
-                  <p16:designElem xmlns="" xmlns:p16="http://schemas.microsoft.com/office/powerpoint/2015/main" val="1"/>
+                  <p16:designElem xmlns:p16="http://schemas.microsoft.com/office/powerpoint/2015/main" xmlns="" val="1"/>
                 </p:ext>
               </p:extLst>
             </p:nvPr>
@@ -8561,10 +8561,10 @@
             <p:cNvPr id="15" name="Freeform 15">
               <a:extLst>
                 <a:ext uri="{FF2B5EF4-FFF2-40B4-BE49-F238E27FC236}">
-                  <a16:creationId xmlns="" xmlns:a16="http://schemas.microsoft.com/office/drawing/2014/main" id="{B56657FF-C027-42E7-859B-902929B6FA1C}"/>
+                  <a16:creationId xmlns:a16="http://schemas.microsoft.com/office/drawing/2014/main" xmlns="" id="{B56657FF-C027-42E7-859B-902929B6FA1C}"/>
                 </a:ext>
                 <a:ext uri="{C183D7F6-B498-43B3-948B-1728B52AA6E4}">
-                  <adec:decorative xmlns="" xmlns:adec="http://schemas.microsoft.com/office/drawing/2017/decorative" val="1"/>
+                  <adec:decorative xmlns:adec="http://schemas.microsoft.com/office/drawing/2017/decorative" xmlns="" val="1"/>
                 </a:ext>
               </a:extLst>
             </p:cNvPr>
@@ -8572,7 +8572,7 @@
             <p:nvPr>
               <p:extLst>
                 <p:ext uri="{386F3935-93C4-4BCD-93E2-E3B085C9AB24}">
-                  <p16:designElem xmlns="" xmlns:p16="http://schemas.microsoft.com/office/powerpoint/2015/main" val="1"/>
+                  <p16:designElem xmlns:p16="http://schemas.microsoft.com/office/powerpoint/2015/main" xmlns="" val="1"/>
                 </p:ext>
               </p:extLst>
             </p:nvPr>
@@ -8658,10 +8658,10 @@
             <p:cNvPr id="16" name="Freeform 16">
               <a:extLst>
                 <a:ext uri="{FF2B5EF4-FFF2-40B4-BE49-F238E27FC236}">
-                  <a16:creationId xmlns="" xmlns:a16="http://schemas.microsoft.com/office/drawing/2014/main" id="{79047F2A-5978-46C6-B3A2-54AAC2136B15}"/>
+                  <a16:creationId xmlns:a16="http://schemas.microsoft.com/office/drawing/2014/main" xmlns="" id="{79047F2A-5978-46C6-B3A2-54AAC2136B15}"/>
                 </a:ext>
                 <a:ext uri="{C183D7F6-B498-43B3-948B-1728B52AA6E4}">
-                  <adec:decorative xmlns="" xmlns:adec="http://schemas.microsoft.com/office/drawing/2017/decorative" val="1"/>
+                  <adec:decorative xmlns:adec="http://schemas.microsoft.com/office/drawing/2017/decorative" xmlns="" val="1"/>
                 </a:ext>
               </a:extLst>
             </p:cNvPr>
@@ -8669,7 +8669,7 @@
             <p:nvPr>
               <p:extLst>
                 <p:ext uri="{386F3935-93C4-4BCD-93E2-E3B085C9AB24}">
-                  <p16:designElem xmlns="" xmlns:p16="http://schemas.microsoft.com/office/powerpoint/2015/main" val="1"/>
+                  <p16:designElem xmlns:p16="http://schemas.microsoft.com/office/powerpoint/2015/main" xmlns="" val="1"/>
                 </p:ext>
               </p:extLst>
             </p:nvPr>
@@ -8750,10 +8750,10 @@
             <p:cNvPr id="17" name="Freeform 17">
               <a:extLst>
                 <a:ext uri="{FF2B5EF4-FFF2-40B4-BE49-F238E27FC236}">
-                  <a16:creationId xmlns="" xmlns:a16="http://schemas.microsoft.com/office/drawing/2014/main" id="{F3BE8FD1-0A72-4640-AC7A-2E057273F87D}"/>
+                  <a16:creationId xmlns:a16="http://schemas.microsoft.com/office/drawing/2014/main" xmlns="" id="{F3BE8FD1-0A72-4640-AC7A-2E057273F87D}"/>
                 </a:ext>
                 <a:ext uri="{C183D7F6-B498-43B3-948B-1728B52AA6E4}">
-                  <adec:decorative xmlns="" xmlns:adec="http://schemas.microsoft.com/office/drawing/2017/decorative" val="1"/>
+                  <adec:decorative xmlns:adec="http://schemas.microsoft.com/office/drawing/2017/decorative" xmlns="" val="1"/>
                 </a:ext>
               </a:extLst>
             </p:cNvPr>
@@ -8761,7 +8761,7 @@
             <p:nvPr>
               <p:extLst>
                 <p:ext uri="{386F3935-93C4-4BCD-93E2-E3B085C9AB24}">
-                  <p16:designElem xmlns="" xmlns:p16="http://schemas.microsoft.com/office/powerpoint/2015/main" val="1"/>
+                  <p16:designElem xmlns:p16="http://schemas.microsoft.com/office/powerpoint/2015/main" xmlns="" val="1"/>
                 </p:ext>
               </p:extLst>
             </p:nvPr>
@@ -8822,10 +8822,10 @@
             <p:cNvPr id="18" name="Freeform 18">
               <a:extLst>
                 <a:ext uri="{FF2B5EF4-FFF2-40B4-BE49-F238E27FC236}">
-                  <a16:creationId xmlns="" xmlns:a16="http://schemas.microsoft.com/office/drawing/2014/main" id="{752FC782-A372-4D11-B20D-958955E5641F}"/>
+                  <a16:creationId xmlns:a16="http://schemas.microsoft.com/office/drawing/2014/main" xmlns="" id="{752FC782-A372-4D11-B20D-958955E5641F}"/>
                 </a:ext>
                 <a:ext uri="{C183D7F6-B498-43B3-948B-1728B52AA6E4}">
-                  <adec:decorative xmlns="" xmlns:adec="http://schemas.microsoft.com/office/drawing/2017/decorative" val="1"/>
+                  <adec:decorative xmlns:adec="http://schemas.microsoft.com/office/drawing/2017/decorative" xmlns="" val="1"/>
                 </a:ext>
               </a:extLst>
             </p:cNvPr>
@@ -8833,7 +8833,7 @@
             <p:nvPr>
               <p:extLst>
                 <p:ext uri="{386F3935-93C4-4BCD-93E2-E3B085C9AB24}">
-                  <p16:designElem xmlns="" xmlns:p16="http://schemas.microsoft.com/office/powerpoint/2015/main" val="1"/>
+                  <p16:designElem xmlns:p16="http://schemas.microsoft.com/office/powerpoint/2015/main" xmlns="" val="1"/>
                 </p:ext>
               </p:extLst>
             </p:nvPr>
@@ -8914,10 +8914,10 @@
             <p:cNvPr id="19" name="Freeform 19">
               <a:extLst>
                 <a:ext uri="{FF2B5EF4-FFF2-40B4-BE49-F238E27FC236}">
-                  <a16:creationId xmlns="" xmlns:a16="http://schemas.microsoft.com/office/drawing/2014/main" id="{AA00B2F1-BEE2-444A-8249-C8E3212CA1A8}"/>
+                  <a16:creationId xmlns:a16="http://schemas.microsoft.com/office/drawing/2014/main" xmlns="" id="{AA00B2F1-BEE2-444A-8249-C8E3212CA1A8}"/>
                 </a:ext>
                 <a:ext uri="{C183D7F6-B498-43B3-948B-1728B52AA6E4}">
-                  <adec:decorative xmlns="" xmlns:adec="http://schemas.microsoft.com/office/drawing/2017/decorative" val="1"/>
+                  <adec:decorative xmlns:adec="http://schemas.microsoft.com/office/drawing/2017/decorative" xmlns="" val="1"/>
                 </a:ext>
               </a:extLst>
             </p:cNvPr>
@@ -8925,7 +8925,7 @@
             <p:nvPr>
               <p:extLst>
                 <p:ext uri="{386F3935-93C4-4BCD-93E2-E3B085C9AB24}">
-                  <p16:designElem xmlns="" xmlns:p16="http://schemas.microsoft.com/office/powerpoint/2015/main" val="1"/>
+                  <p16:designElem xmlns:p16="http://schemas.microsoft.com/office/powerpoint/2015/main" xmlns="" val="1"/>
                 </p:ext>
               </p:extLst>
             </p:nvPr>
@@ -9041,10 +9041,10 @@
             <p:cNvPr id="20" name="Freeform 20">
               <a:extLst>
                 <a:ext uri="{FF2B5EF4-FFF2-40B4-BE49-F238E27FC236}">
-                  <a16:creationId xmlns="" xmlns:a16="http://schemas.microsoft.com/office/drawing/2014/main" id="{E7F5747E-514B-4CF7-B6B0-DAD714909789}"/>
+                  <a16:creationId xmlns:a16="http://schemas.microsoft.com/office/drawing/2014/main" xmlns="" id="{E7F5747E-514B-4CF7-B6B0-DAD714909789}"/>
                 </a:ext>
                 <a:ext uri="{C183D7F6-B498-43B3-948B-1728B52AA6E4}">
-                  <adec:decorative xmlns="" xmlns:adec="http://schemas.microsoft.com/office/drawing/2017/decorative" val="1"/>
+                  <adec:decorative xmlns:adec="http://schemas.microsoft.com/office/drawing/2017/decorative" xmlns="" val="1"/>
                 </a:ext>
               </a:extLst>
             </p:cNvPr>
@@ -9052,7 +9052,7 @@
             <p:nvPr>
               <p:extLst>
                 <p:ext uri="{386F3935-93C4-4BCD-93E2-E3B085C9AB24}">
-                  <p16:designElem xmlns="" xmlns:p16="http://schemas.microsoft.com/office/powerpoint/2015/main" val="1"/>
+                  <p16:designElem xmlns:p16="http://schemas.microsoft.com/office/powerpoint/2015/main" xmlns="" val="1"/>
                 </p:ext>
               </p:extLst>
             </p:nvPr>
@@ -9103,10 +9103,10 @@
             <p:cNvPr id="21" name="Freeform 21">
               <a:extLst>
                 <a:ext uri="{FF2B5EF4-FFF2-40B4-BE49-F238E27FC236}">
-                  <a16:creationId xmlns="" xmlns:a16="http://schemas.microsoft.com/office/drawing/2014/main" id="{931614BB-1593-40ED-8113-2BD11870556B}"/>
+                  <a16:creationId xmlns:a16="http://schemas.microsoft.com/office/drawing/2014/main" xmlns="" id="{931614BB-1593-40ED-8113-2BD11870556B}"/>
                 </a:ext>
                 <a:ext uri="{C183D7F6-B498-43B3-948B-1728B52AA6E4}">
-                  <adec:decorative xmlns="" xmlns:adec="http://schemas.microsoft.com/office/drawing/2017/decorative" val="1"/>
+                  <adec:decorative xmlns:adec="http://schemas.microsoft.com/office/drawing/2017/decorative" xmlns="" val="1"/>
                 </a:ext>
               </a:extLst>
             </p:cNvPr>
@@ -9114,7 +9114,7 @@
             <p:nvPr>
               <p:extLst>
                 <p:ext uri="{386F3935-93C4-4BCD-93E2-E3B085C9AB24}">
-                  <p16:designElem xmlns="" xmlns:p16="http://schemas.microsoft.com/office/powerpoint/2015/main" val="1"/>
+                  <p16:designElem xmlns:p16="http://schemas.microsoft.com/office/powerpoint/2015/main" xmlns="" val="1"/>
                 </p:ext>
               </p:extLst>
             </p:nvPr>
@@ -9175,10 +9175,10 @@
             <p:cNvPr id="22" name="Freeform 22">
               <a:extLst>
                 <a:ext uri="{FF2B5EF4-FFF2-40B4-BE49-F238E27FC236}">
-                  <a16:creationId xmlns="" xmlns:a16="http://schemas.microsoft.com/office/drawing/2014/main" id="{2691871F-F15C-4E19-BC9C-78E5748D744E}"/>
+                  <a16:creationId xmlns:a16="http://schemas.microsoft.com/office/drawing/2014/main" xmlns="" id="{2691871F-F15C-4E19-BC9C-78E5748D744E}"/>
                 </a:ext>
                 <a:ext uri="{C183D7F6-B498-43B3-948B-1728B52AA6E4}">
-                  <adec:decorative xmlns="" xmlns:adec="http://schemas.microsoft.com/office/drawing/2017/decorative" val="1"/>
+                  <adec:decorative xmlns:adec="http://schemas.microsoft.com/office/drawing/2017/decorative" xmlns="" val="1"/>
                 </a:ext>
               </a:extLst>
             </p:cNvPr>
@@ -9186,7 +9186,7 @@
             <p:nvPr>
               <p:extLst>
                 <p:ext uri="{386F3935-93C4-4BCD-93E2-E3B085C9AB24}">
-                  <p16:designElem xmlns="" xmlns:p16="http://schemas.microsoft.com/office/powerpoint/2015/main" val="1"/>
+                  <p16:designElem xmlns:p16="http://schemas.microsoft.com/office/powerpoint/2015/main" xmlns="" val="1"/>
                 </p:ext>
               </p:extLst>
             </p:nvPr>
@@ -9336,10 +9336,10 @@
           <p:cNvPr id="24" name="Rectangle 23">
             <a:extLst>
               <a:ext uri="{FF2B5EF4-FFF2-40B4-BE49-F238E27FC236}">
-                <a16:creationId xmlns="" xmlns:a16="http://schemas.microsoft.com/office/drawing/2014/main" id="{A317EBE3-FF86-4DA1-BC9A-331F7F2144E9}"/>
+                <a16:creationId xmlns:a16="http://schemas.microsoft.com/office/drawing/2014/main" xmlns="" id="{A317EBE3-FF86-4DA1-BC9A-331F7F2144E9}"/>
               </a:ext>
               <a:ext uri="{C183D7F6-B498-43B3-948B-1728B52AA6E4}">
-                <adec:decorative xmlns="" xmlns:adec="http://schemas.microsoft.com/office/drawing/2017/decorative" val="1"/>
+                <adec:decorative xmlns:adec="http://schemas.microsoft.com/office/drawing/2017/decorative" xmlns="" val="1"/>
               </a:ext>
             </a:extLst>
           </p:cNvPr>
@@ -9349,7 +9349,7 @@
           <p:nvPr>
             <p:extLst>
               <p:ext uri="{386F3935-93C4-4BCD-93E2-E3B085C9AB24}">
-                <p16:designElem xmlns="" xmlns:p16="http://schemas.microsoft.com/office/powerpoint/2015/main" val="1"/>
+                <p16:designElem xmlns:p16="http://schemas.microsoft.com/office/powerpoint/2015/main" xmlns="" val="1"/>
               </p:ext>
             </p:extLst>
           </p:nvPr>
@@ -9390,10 +9390,10 @@
           <p:cNvPr id="9" name="Straight Connector 25">
             <a:extLst>
               <a:ext uri="{FF2B5EF4-FFF2-40B4-BE49-F238E27FC236}">
-                <a16:creationId xmlns="" xmlns:a16="http://schemas.microsoft.com/office/drawing/2014/main" id="{34D43EC1-35FA-4FC3-8526-F655CEB09D9C}"/>
+                <a16:creationId xmlns:a16="http://schemas.microsoft.com/office/drawing/2014/main" xmlns="" id="{34D43EC1-35FA-4FC3-8526-F655CEB09D9C}"/>
               </a:ext>
               <a:ext uri="{C183D7F6-B498-43B3-948B-1728B52AA6E4}">
-                <adec:decorative xmlns="" xmlns:adec="http://schemas.microsoft.com/office/drawing/2017/decorative" val="1"/>
+                <adec:decorative xmlns:adec="http://schemas.microsoft.com/office/drawing/2017/decorative" xmlns="" val="1"/>
               </a:ext>
             </a:extLst>
           </p:cNvPr>
@@ -9403,7 +9403,7 @@
           <p:nvPr>
             <p:extLst>
               <p:ext uri="{386F3935-93C4-4BCD-93E2-E3B085C9AB24}">
-                <p16:designElem xmlns="" xmlns:p16="http://schemas.microsoft.com/office/powerpoint/2015/main" val="1"/>
+                <p16:designElem xmlns:p16="http://schemas.microsoft.com/office/powerpoint/2015/main" xmlns="" val="1"/>
               </p:ext>
             </p:extLst>
           </p:nvPr>
@@ -9642,7 +9642,7 @@
           <p:cNvPr id="2" name="Titel 1">
             <a:extLst>
               <a:ext uri="{FF2B5EF4-FFF2-40B4-BE49-F238E27FC236}">
-                <a16:creationId xmlns="" xmlns:a16="http://schemas.microsoft.com/office/drawing/2014/main" id="{81C56212-2D06-4563-A27A-2F81AD3C08F8}"/>
+                <a16:creationId xmlns:a16="http://schemas.microsoft.com/office/drawing/2014/main" xmlns="" id="{81C56212-2D06-4563-A27A-2F81AD3C08F8}"/>
               </a:ext>
             </a:extLst>
           </p:cNvPr>
@@ -9670,7 +9670,7 @@
           <p:cNvPr id="3" name="Tijdelijke aanduiding voor inhoud 2">
             <a:extLst>
               <a:ext uri="{FF2B5EF4-FFF2-40B4-BE49-F238E27FC236}">
-                <a16:creationId xmlns="" xmlns:a16="http://schemas.microsoft.com/office/drawing/2014/main" id="{FCAA3D2D-3FEC-4EB3-88D0-8A0E062EEEB9}"/>
+                <a16:creationId xmlns:a16="http://schemas.microsoft.com/office/drawing/2014/main" xmlns="" id="{FCAA3D2D-3FEC-4EB3-88D0-8A0E062EEEB9}"/>
               </a:ext>
             </a:extLst>
           </p:cNvPr>
@@ -9734,6 +9734,21 @@
               <a:rPr lang="nl-NL" dirty="0" smtClean="0"/>
               <a:t>K-means</a:t>
             </a:r>
+          </a:p>
+          <a:p>
+            <a:endParaRPr lang="en-US" dirty="0"/>
+          </a:p>
+          <a:p>
+            <a:r>
+              <a:rPr lang="en-US" dirty="0"/>
+              <a:t>Hierarchical Agglomerative Clustering</a:t>
+            </a:r>
+            <a:endParaRPr lang="nl-NL" dirty="0" smtClean="0"/>
+          </a:p>
+          <a:p>
+            <a:endParaRPr lang="en-US" dirty="0"/>
+          </a:p>
+          <a:p>
             <a:endParaRPr lang="nl-NL" dirty="0"/>
           </a:p>
         </p:txBody>
@@ -9780,7 +9795,7 @@
           <p:cNvPr id="2" name="Titel 1">
             <a:extLst>
               <a:ext uri="{FF2B5EF4-FFF2-40B4-BE49-F238E27FC236}">
-                <a16:creationId xmlns="" xmlns:a16="http://schemas.microsoft.com/office/drawing/2014/main" id="{5337A996-074E-4709-9274-E26D068C8EF7}"/>
+                <a16:creationId xmlns:a16="http://schemas.microsoft.com/office/drawing/2014/main" xmlns="" id="{5337A996-074E-4709-9274-E26D068C8EF7}"/>
               </a:ext>
             </a:extLst>
           </p:cNvPr>
@@ -9816,7 +9831,7 @@
           <p:cNvPr id="4" name="Afbeelding 4">
             <a:extLst>
               <a:ext uri="{FF2B5EF4-FFF2-40B4-BE49-F238E27FC236}">
-                <a16:creationId xmlns="" xmlns:a16="http://schemas.microsoft.com/office/drawing/2014/main" id="{54760032-D035-4747-AF14-AE8EC1DE3EF2}"/>
+                <a16:creationId xmlns:a16="http://schemas.microsoft.com/office/drawing/2014/main" xmlns="" id="{54760032-D035-4747-AF14-AE8EC1DE3EF2}"/>
               </a:ext>
             </a:extLst>
           </p:cNvPr>
@@ -9848,7 +9863,7 @@
           <p:cNvPr id="5" name="Tekstvak 4">
             <a:extLst>
               <a:ext uri="{FF2B5EF4-FFF2-40B4-BE49-F238E27FC236}">
-                <a16:creationId xmlns="" xmlns:a16="http://schemas.microsoft.com/office/drawing/2014/main" id="{F0247C35-EBE3-48D1-90D0-1971BBFDE13F}"/>
+                <a16:creationId xmlns:a16="http://schemas.microsoft.com/office/drawing/2014/main" xmlns="" id="{F0247C35-EBE3-48D1-90D0-1971BBFDE13F}"/>
               </a:ext>
             </a:extLst>
           </p:cNvPr>
@@ -10009,7 +10024,7 @@
           <p:cNvPr id="2" name="Titel 1">
             <a:extLst>
               <a:ext uri="{FF2B5EF4-FFF2-40B4-BE49-F238E27FC236}">
-                <a16:creationId xmlns="" xmlns:a16="http://schemas.microsoft.com/office/drawing/2014/main" id="{5337A996-074E-4709-9274-E26D068C8EF7}"/>
+                <a16:creationId xmlns:a16="http://schemas.microsoft.com/office/drawing/2014/main" xmlns="" id="{5337A996-074E-4709-9274-E26D068C8EF7}"/>
               </a:ext>
             </a:extLst>
           </p:cNvPr>
@@ -10049,7 +10064,7 @@
           <p:cNvPr id="4" name="Afbeelding 4">
             <a:extLst>
               <a:ext uri="{FF2B5EF4-FFF2-40B4-BE49-F238E27FC236}">
-                <a16:creationId xmlns="" xmlns:a16="http://schemas.microsoft.com/office/drawing/2014/main" id="{43455314-FF6D-47CB-9FAD-3D99638D905D}"/>
+                <a16:creationId xmlns:a16="http://schemas.microsoft.com/office/drawing/2014/main" xmlns="" id="{43455314-FF6D-47CB-9FAD-3D99638D905D}"/>
               </a:ext>
             </a:extLst>
           </p:cNvPr>
@@ -10081,7 +10096,7 @@
           <p:cNvPr id="5" name="Tekstvak 4">
             <a:extLst>
               <a:ext uri="{FF2B5EF4-FFF2-40B4-BE49-F238E27FC236}">
-                <a16:creationId xmlns="" xmlns:a16="http://schemas.microsoft.com/office/drawing/2014/main" id="{E3FE3C8F-5D86-4A0B-9E0E-B46B020972D7}"/>
+                <a16:creationId xmlns:a16="http://schemas.microsoft.com/office/drawing/2014/main" xmlns="" id="{E3FE3C8F-5D86-4A0B-9E0E-B46B020972D7}"/>
               </a:ext>
             </a:extLst>
           </p:cNvPr>
@@ -10266,7 +10281,7 @@
           <p:cNvPr id="2" name="Titel 1">
             <a:extLst>
               <a:ext uri="{FF2B5EF4-FFF2-40B4-BE49-F238E27FC236}">
-                <a16:creationId xmlns="" xmlns:a16="http://schemas.microsoft.com/office/drawing/2014/main" id="{5337A996-074E-4709-9274-E26D068C8EF7}"/>
+                <a16:creationId xmlns:a16="http://schemas.microsoft.com/office/drawing/2014/main" xmlns="" id="{5337A996-074E-4709-9274-E26D068C8EF7}"/>
               </a:ext>
             </a:extLst>
           </p:cNvPr>
@@ -10494,7 +10509,7 @@
           <p:cNvPr id="2" name="Titel 1">
             <a:extLst>
               <a:ext uri="{FF2B5EF4-FFF2-40B4-BE49-F238E27FC236}">
-                <a16:creationId xmlns="" xmlns:a16="http://schemas.microsoft.com/office/drawing/2014/main" id="{5337A996-074E-4709-9274-E26D068C8EF7}"/>
+                <a16:creationId xmlns:a16="http://schemas.microsoft.com/office/drawing/2014/main" xmlns="" id="{5337A996-074E-4709-9274-E26D068C8EF7}"/>
               </a:ext>
             </a:extLst>
           </p:cNvPr>
@@ -10526,7 +10541,7 @@
           <p:cNvPr id="4" name="Afbeelding 4">
             <a:extLst>
               <a:ext uri="{FF2B5EF4-FFF2-40B4-BE49-F238E27FC236}">
-                <a16:creationId xmlns="" xmlns:a16="http://schemas.microsoft.com/office/drawing/2014/main" id="{E2ABE176-51E3-4B57-9384-4E50965B3A4F}"/>
+                <a16:creationId xmlns:a16="http://schemas.microsoft.com/office/drawing/2014/main" xmlns="" id="{E2ABE176-51E3-4B57-9384-4E50965B3A4F}"/>
               </a:ext>
             </a:extLst>
           </p:cNvPr>
@@ -10558,7 +10573,7 @@
           <p:cNvPr id="6" name="Tekstvak 5">
             <a:extLst>
               <a:ext uri="{FF2B5EF4-FFF2-40B4-BE49-F238E27FC236}">
-                <a16:creationId xmlns="" xmlns:a16="http://schemas.microsoft.com/office/drawing/2014/main" id="{A4D78363-19A6-49F1-A9B3-21E9BFDA57C1}"/>
+                <a16:creationId xmlns:a16="http://schemas.microsoft.com/office/drawing/2014/main" xmlns="" id="{A4D78363-19A6-49F1-A9B3-21E9BFDA57C1}"/>
               </a:ext>
             </a:extLst>
           </p:cNvPr>
@@ -10940,7 +10955,7 @@
           <p:cNvPr id="2" name="Titel 1">
             <a:extLst>
               <a:ext uri="{FF2B5EF4-FFF2-40B4-BE49-F238E27FC236}">
-                <a16:creationId xmlns="" xmlns:a16="http://schemas.microsoft.com/office/drawing/2014/main" id="{C12DB86D-DE2A-4FAC-8EE3-F7D1DA0A7581}"/>
+                <a16:creationId xmlns:a16="http://schemas.microsoft.com/office/drawing/2014/main" xmlns="" id="{C12DB86D-DE2A-4FAC-8EE3-F7D1DA0A7581}"/>
               </a:ext>
             </a:extLst>
           </p:cNvPr>
@@ -11054,7 +11069,7 @@
           <p:cNvPr id="2" name="Titel 1">
             <a:extLst>
               <a:ext uri="{FF2B5EF4-FFF2-40B4-BE49-F238E27FC236}">
-                <a16:creationId xmlns="" xmlns:a16="http://schemas.microsoft.com/office/drawing/2014/main" id="{81C56212-2D06-4563-A27A-2F81AD3C08F8}"/>
+                <a16:creationId xmlns:a16="http://schemas.microsoft.com/office/drawing/2014/main" xmlns="" id="{81C56212-2D06-4563-A27A-2F81AD3C08F8}"/>
               </a:ext>
             </a:extLst>
           </p:cNvPr>
@@ -11252,7 +11267,7 @@
           <p:cNvPr id="2" name="Titel 1">
             <a:extLst>
               <a:ext uri="{FF2B5EF4-FFF2-40B4-BE49-F238E27FC236}">
-                <a16:creationId xmlns="" xmlns:a16="http://schemas.microsoft.com/office/drawing/2014/main" id="{81C56212-2D06-4563-A27A-2F81AD3C08F8}"/>
+                <a16:creationId xmlns:a16="http://schemas.microsoft.com/office/drawing/2014/main" xmlns="" id="{81C56212-2D06-4563-A27A-2F81AD3C08F8}"/>
               </a:ext>
             </a:extLst>
           </p:cNvPr>
@@ -11280,7 +11295,7 @@
           <p:cNvPr id="3" name="Tijdelijke aanduiding voor inhoud 2">
             <a:extLst>
               <a:ext uri="{FF2B5EF4-FFF2-40B4-BE49-F238E27FC236}">
-                <a16:creationId xmlns="" xmlns:a16="http://schemas.microsoft.com/office/drawing/2014/main" id="{FCAA3D2D-3FEC-4EB3-88D0-8A0E062EEEB9}"/>
+                <a16:creationId xmlns:a16="http://schemas.microsoft.com/office/drawing/2014/main" xmlns="" id="{FCAA3D2D-3FEC-4EB3-88D0-8A0E062EEEB9}"/>
               </a:ext>
             </a:extLst>
           </p:cNvPr>
@@ -11342,7 +11357,7 @@
           <p:cNvPr id="4" name="Afbeelding 4" descr="Afbeelding met kaart, tekst&#10;&#10;Beschrijving is gegenereerd met hoge betrouwbaarheid">
             <a:extLst>
               <a:ext uri="{FF2B5EF4-FFF2-40B4-BE49-F238E27FC236}">
-                <a16:creationId xmlns="" xmlns:a16="http://schemas.microsoft.com/office/drawing/2014/main" id="{744104A2-F3EC-4446-ACD8-07972D3E5DAE}"/>
+                <a16:creationId xmlns:a16="http://schemas.microsoft.com/office/drawing/2014/main" xmlns="" id="{744104A2-F3EC-4446-ACD8-07972D3E5DAE}"/>
               </a:ext>
             </a:extLst>
           </p:cNvPr>
@@ -11372,7 +11387,7 @@
           <p:cNvPr id="2" name="Titel 1">
             <a:extLst>
               <a:ext uri="{FF2B5EF4-FFF2-40B4-BE49-F238E27FC236}">
-                <a16:creationId xmlns="" xmlns:a16="http://schemas.microsoft.com/office/drawing/2014/main" id="{7154CB1A-48F2-4D7C-8DB3-D70F5FA31935}"/>
+                <a16:creationId xmlns:a16="http://schemas.microsoft.com/office/drawing/2014/main" xmlns="" id="{7154CB1A-48F2-4D7C-8DB3-D70F5FA31935}"/>
               </a:ext>
             </a:extLst>
           </p:cNvPr>
@@ -11404,7 +11419,7 @@
           <p:cNvPr id="3" name="Tijdelijke aanduiding voor inhoud 2">
             <a:extLst>
               <a:ext uri="{FF2B5EF4-FFF2-40B4-BE49-F238E27FC236}">
-                <a16:creationId xmlns="" xmlns:a16="http://schemas.microsoft.com/office/drawing/2014/main" id="{C1B2880A-7AED-4B51-BB52-B462DBB5D40E}"/>
+                <a16:creationId xmlns:a16="http://schemas.microsoft.com/office/drawing/2014/main" xmlns="" id="{C1B2880A-7AED-4B51-BB52-B462DBB5D40E}"/>
               </a:ext>
             </a:extLst>
           </p:cNvPr>
@@ -11760,11 +11775,7 @@
             </a:r>
             <a:r>
               <a:rPr lang="en-US" dirty="0" smtClean="0"/>
-              <a:t>: €</a:t>
-            </a:r>
-            <a:r>
-              <a:rPr lang="en-US" dirty="0" smtClean="0"/>
-              <a:t>5.000</a:t>
+              <a:t>: €5.000</a:t>
             </a:r>
           </a:p>
           <a:p>
@@ -11825,7 +11836,7 @@
           <p:cNvPr id="2" name="Titel 1">
             <a:extLst>
               <a:ext uri="{FF2B5EF4-FFF2-40B4-BE49-F238E27FC236}">
-                <a16:creationId xmlns="" xmlns:a16="http://schemas.microsoft.com/office/drawing/2014/main" id="{B65100A1-C365-40A7-A42F-4B5A9FD90ADA}"/>
+                <a16:creationId xmlns:a16="http://schemas.microsoft.com/office/drawing/2014/main" xmlns="" id="{B65100A1-C365-40A7-A42F-4B5A9FD90ADA}"/>
               </a:ext>
             </a:extLst>
           </p:cNvPr>
@@ -11857,7 +11868,7 @@
           <p:cNvPr id="3" name="Tijdelijke aanduiding voor inhoud 2">
             <a:extLst>
               <a:ext uri="{FF2B5EF4-FFF2-40B4-BE49-F238E27FC236}">
-                <a16:creationId xmlns="" xmlns:a16="http://schemas.microsoft.com/office/drawing/2014/main" id="{05C6F3D3-C738-43C0-8418-47F08F56C29D}"/>
+                <a16:creationId xmlns:a16="http://schemas.microsoft.com/office/drawing/2014/main" xmlns="" id="{05C6F3D3-C738-43C0-8418-47F08F56C29D}"/>
               </a:ext>
             </a:extLst>
           </p:cNvPr>
@@ -11955,7 +11966,7 @@
           <p:cNvPr id="8" name="Afbeelding 8" descr="Afbeelding met object&#10;&#10;Beschrijving is gegenereerd met hoge betrouwbaarheid">
             <a:extLst>
               <a:ext uri="{FF2B5EF4-FFF2-40B4-BE49-F238E27FC236}">
-                <a16:creationId xmlns="" xmlns:a16="http://schemas.microsoft.com/office/drawing/2014/main" id="{932B4111-7644-4BE8-A8A6-7B47628A9855}"/>
+                <a16:creationId xmlns:a16="http://schemas.microsoft.com/office/drawing/2014/main" xmlns="" id="{932B4111-7644-4BE8-A8A6-7B47628A9855}"/>
               </a:ext>
             </a:extLst>
           </p:cNvPr>
@@ -12022,7 +12033,7 @@
           <p:cNvPr id="2" name="Titel 1">
             <a:extLst>
               <a:ext uri="{FF2B5EF4-FFF2-40B4-BE49-F238E27FC236}">
-                <a16:creationId xmlns="" xmlns:a16="http://schemas.microsoft.com/office/drawing/2014/main" id="{9CF66834-9D6D-4A52-8664-095792201C63}"/>
+                <a16:creationId xmlns:a16="http://schemas.microsoft.com/office/drawing/2014/main" xmlns="" id="{9CF66834-9D6D-4A52-8664-095792201C63}"/>
               </a:ext>
             </a:extLst>
           </p:cNvPr>
@@ -12050,7 +12061,7 @@
           <p:cNvPr id="3" name="Tijdelijke aanduiding voor inhoud 2">
             <a:extLst>
               <a:ext uri="{FF2B5EF4-FFF2-40B4-BE49-F238E27FC236}">
-                <a16:creationId xmlns="" xmlns:a16="http://schemas.microsoft.com/office/drawing/2014/main" id="{21FC9782-7392-448C-877F-DFA5765C1A81}"/>
+                <a16:creationId xmlns:a16="http://schemas.microsoft.com/office/drawing/2014/main" xmlns="" id="{21FC9782-7392-448C-877F-DFA5765C1A81}"/>
               </a:ext>
             </a:extLst>
           </p:cNvPr>
@@ -12181,7 +12192,7 @@
           <p:cNvPr id="2" name="Titel 1">
             <a:extLst>
               <a:ext uri="{FF2B5EF4-FFF2-40B4-BE49-F238E27FC236}">
-                <a16:creationId xmlns="" xmlns:a16="http://schemas.microsoft.com/office/drawing/2014/main" id="{F35DF6B5-B5E3-4B99-AE4B-AD924BF7CD83}"/>
+                <a16:creationId xmlns:a16="http://schemas.microsoft.com/office/drawing/2014/main" xmlns="" id="{F35DF6B5-B5E3-4B99-AE4B-AD924BF7CD83}"/>
               </a:ext>
             </a:extLst>
           </p:cNvPr>
@@ -12209,7 +12220,7 @@
           <p:cNvPr id="3" name="Tijdelijke aanduiding voor inhoud 2">
             <a:extLst>
               <a:ext uri="{FF2B5EF4-FFF2-40B4-BE49-F238E27FC236}">
-                <a16:creationId xmlns="" xmlns:a16="http://schemas.microsoft.com/office/drawing/2014/main" id="{4EF0DB5F-D1EA-49EC-BAE7-E159686E804C}"/>
+                <a16:creationId xmlns:a16="http://schemas.microsoft.com/office/drawing/2014/main" xmlns="" id="{4EF0DB5F-D1EA-49EC-BAE7-E159686E804C}"/>
               </a:ext>
             </a:extLst>
           </p:cNvPr>
@@ -12312,7 +12323,7 @@
           <p:cNvPr id="2" name="Titel 1">
             <a:extLst>
               <a:ext uri="{FF2B5EF4-FFF2-40B4-BE49-F238E27FC236}">
-                <a16:creationId xmlns="" xmlns:a16="http://schemas.microsoft.com/office/drawing/2014/main" id="{F35DF6B5-B5E3-4B99-AE4B-AD924BF7CD83}"/>
+                <a16:creationId xmlns:a16="http://schemas.microsoft.com/office/drawing/2014/main" xmlns="" id="{F35DF6B5-B5E3-4B99-AE4B-AD924BF7CD83}"/>
               </a:ext>
             </a:extLst>
           </p:cNvPr>
@@ -12340,7 +12351,7 @@
           <p:cNvPr id="3" name="Tijdelijke aanduiding voor inhoud 2">
             <a:extLst>
               <a:ext uri="{FF2B5EF4-FFF2-40B4-BE49-F238E27FC236}">
-                <a16:creationId xmlns="" xmlns:a16="http://schemas.microsoft.com/office/drawing/2014/main" id="{4EF0DB5F-D1EA-49EC-BAE7-E159686E804C}"/>
+                <a16:creationId xmlns:a16="http://schemas.microsoft.com/office/drawing/2014/main" xmlns="" id="{4EF0DB5F-D1EA-49EC-BAE7-E159686E804C}"/>
               </a:ext>
             </a:extLst>
           </p:cNvPr>
@@ -12443,7 +12454,7 @@
           <p:cNvPr id="2" name="Titel 1">
             <a:extLst>
               <a:ext uri="{FF2B5EF4-FFF2-40B4-BE49-F238E27FC236}">
-                <a16:creationId xmlns="" xmlns:a16="http://schemas.microsoft.com/office/drawing/2014/main" id="{F35DF6B5-B5E3-4B99-AE4B-AD924BF7CD83}"/>
+                <a16:creationId xmlns:a16="http://schemas.microsoft.com/office/drawing/2014/main" xmlns="" id="{F35DF6B5-B5E3-4B99-AE4B-AD924BF7CD83}"/>
               </a:ext>
             </a:extLst>
           </p:cNvPr>
@@ -12471,7 +12482,7 @@
           <p:cNvPr id="3" name="Tijdelijke aanduiding voor inhoud 2">
             <a:extLst>
               <a:ext uri="{FF2B5EF4-FFF2-40B4-BE49-F238E27FC236}">
-                <a16:creationId xmlns="" xmlns:a16="http://schemas.microsoft.com/office/drawing/2014/main" id="{4EF0DB5F-D1EA-49EC-BAE7-E159686E804C}"/>
+                <a16:creationId xmlns:a16="http://schemas.microsoft.com/office/drawing/2014/main" xmlns="" id="{4EF0DB5F-D1EA-49EC-BAE7-E159686E804C}"/>
               </a:ext>
             </a:extLst>
           </p:cNvPr>
@@ -12568,7 +12579,7 @@
           <p:cNvPr id="2" name="Titel 1">
             <a:extLst>
               <a:ext uri="{FF2B5EF4-FFF2-40B4-BE49-F238E27FC236}">
-                <a16:creationId xmlns="" xmlns:a16="http://schemas.microsoft.com/office/drawing/2014/main" id="{F35DF6B5-B5E3-4B99-AE4B-AD924BF7CD83}"/>
+                <a16:creationId xmlns:a16="http://schemas.microsoft.com/office/drawing/2014/main" xmlns="" id="{F35DF6B5-B5E3-4B99-AE4B-AD924BF7CD83}"/>
               </a:ext>
             </a:extLst>
           </p:cNvPr>
@@ -12596,7 +12607,7 @@
           <p:cNvPr id="3" name="Tijdelijke aanduiding voor inhoud 2">
             <a:extLst>
               <a:ext uri="{FF2B5EF4-FFF2-40B4-BE49-F238E27FC236}">
-                <a16:creationId xmlns="" xmlns:a16="http://schemas.microsoft.com/office/drawing/2014/main" id="{4EF0DB5F-D1EA-49EC-BAE7-E159686E804C}"/>
+                <a16:creationId xmlns:a16="http://schemas.microsoft.com/office/drawing/2014/main" xmlns="" id="{4EF0DB5F-D1EA-49EC-BAE7-E159686E804C}"/>
               </a:ext>
             </a:extLst>
           </p:cNvPr>
@@ -12645,7 +12656,6 @@
               <a:rPr lang="en-US" dirty="0" smtClean="0"/>
               <a:t>Random</a:t>
             </a:r>
-            <a:endParaRPr lang="en-US" dirty="0" smtClean="0"/>
           </a:p>
           <a:p>
             <a:endParaRPr lang="en-US" dirty="0"/>
@@ -12942,7 +12952,7 @@
   <a:extraClrSchemeLst/>
   <a:extLst>
     <a:ext uri="{05A4C25C-085E-4340-85A3-A5531E510DB2}">
-      <thm15:themeFamily xmlns="" xmlns:thm15="http://schemas.microsoft.com/office/thememl/2012/main" name="Wisp" id="{7CB32D59-10C0-40DD-B7BD-2E94284A981C}" vid="{24B1A44C-C006-48B2-A4D7-E5549B3D8CD4}"/>
+      <thm15:themeFamily xmlns:thm15="http://schemas.microsoft.com/office/thememl/2012/main" xmlns="" name="Wisp" id="{7CB32D59-10C0-40DD-B7BD-2E94284A981C}" vid="{24B1A44C-C006-48B2-A4D7-E5549B3D8CD4}"/>
     </a:ext>
   </a:extLst>
 </a:theme>

--- a/Final_V2.pptx
+++ b/Final_V2.pptx
@@ -5,7 +5,7 @@
     <p:sldMasterId id="2147483660" r:id="rId1"/>
   </p:sldMasterIdLst>
   <p:notesMasterIdLst>
-    <p:notesMasterId r:id="rId21"/>
+    <p:notesMasterId r:id="rId22"/>
   </p:notesMasterIdLst>
   <p:sldIdLst>
     <p:sldId id="256" r:id="rId2"/>
@@ -26,7 +26,8 @@
     <p:sldId id="275" r:id="rId17"/>
     <p:sldId id="274" r:id="rId18"/>
     <p:sldId id="261" r:id="rId19"/>
-    <p:sldId id="262" r:id="rId20"/>
+    <p:sldId id="279" r:id="rId20"/>
+    <p:sldId id="262" r:id="rId21"/>
   </p:sldIdLst>
   <p:sldSz cx="12192000" cy="6858000"/>
   <p:notesSz cx="6858000" cy="9144000"/>
@@ -127,7 +128,18 @@
   </p:defaultTextStyle>
   <p:extLst>
     <p:ext uri="{EFAFB233-063F-42B5-8137-9DF3F51BA10A}">
-      <p15:sldGuideLst xmlns:p15="http://schemas.microsoft.com/office/powerpoint/2012/main" xmlns=""/>
+      <p15:sldGuideLst xmlns:p15="http://schemas.microsoft.com/office/powerpoint/2012/main">
+        <p15:guide id="1" orient="horz" pos="2160">
+          <p15:clr>
+            <a:srgbClr val="A4A3A4"/>
+          </p15:clr>
+        </p15:guide>
+        <p15:guide id="2" pos="3840">
+          <p15:clr>
+            <a:srgbClr val="A4A3A4"/>
+          </p15:clr>
+        </p15:guide>
+      </p15:sldGuideLst>
     </p:ext>
   </p:extLst>
 </p:presentation>
@@ -289,38 +301,37 @@
           <a:p>
             <a:pPr lvl="0"/>
             <a:r>
-              <a:rPr lang="nl-NL" smtClean="0"/>
+              <a:rPr lang="nl-NL"/>
               <a:t>Klik om de modelstijlen te bewerken</a:t>
             </a:r>
           </a:p>
           <a:p>
             <a:pPr lvl="1"/>
             <a:r>
-              <a:rPr lang="nl-NL" smtClean="0"/>
+              <a:rPr lang="nl-NL"/>
               <a:t>Tweede niveau</a:t>
             </a:r>
           </a:p>
           <a:p>
             <a:pPr lvl="2"/>
             <a:r>
-              <a:rPr lang="nl-NL" smtClean="0"/>
+              <a:rPr lang="nl-NL"/>
               <a:t>Derde niveau</a:t>
             </a:r>
           </a:p>
           <a:p>
             <a:pPr lvl="3"/>
             <a:r>
-              <a:rPr lang="nl-NL" smtClean="0"/>
+              <a:rPr lang="nl-NL"/>
               <a:t>Vierde niveau</a:t>
             </a:r>
           </a:p>
           <a:p>
             <a:pPr lvl="4"/>
             <a:r>
-              <a:rPr lang="nl-NL" smtClean="0"/>
+              <a:rPr lang="nl-NL"/>
               <a:t>Vijfde niveau</a:t>
             </a:r>
-            <a:endParaRPr lang="nl-NL"/>
           </a:p>
         </p:txBody>
       </p:sp>
@@ -8172,10 +8183,10 @@
           <p:cNvPr id="5" name="Rectangle 7">
             <a:extLst>
               <a:ext uri="{FF2B5EF4-FFF2-40B4-BE49-F238E27FC236}">
-                <a16:creationId xmlns:a16="http://schemas.microsoft.com/office/drawing/2014/main" xmlns="" id="{57ABABA7-0420-4200-9B65-1C1967CE9373}"/>
+                <a16:creationId xmlns:a16="http://schemas.microsoft.com/office/drawing/2014/main" id="{57ABABA7-0420-4200-9B65-1C1967CE9373}"/>
               </a:ext>
               <a:ext uri="{C183D7F6-B498-43B3-948B-1728B52AA6E4}">
-                <adec:decorative xmlns:adec="http://schemas.microsoft.com/office/drawing/2017/decorative" xmlns="" val="1"/>
+                <adec:decorative xmlns:adec="http://schemas.microsoft.com/office/drawing/2017/decorative" val="1"/>
               </a:ext>
             </a:extLst>
           </p:cNvPr>
@@ -8185,7 +8196,7 @@
           <p:nvPr>
             <p:extLst>
               <p:ext uri="{386F3935-93C4-4BCD-93E2-E3B085C9AB24}">
-                <p16:designElem xmlns:p16="http://schemas.microsoft.com/office/powerpoint/2015/main" xmlns="" val="1"/>
+                <p16:designElem xmlns:p16="http://schemas.microsoft.com/office/powerpoint/2015/main" val="1"/>
               </p:ext>
             </p:extLst>
           </p:nvPr>
@@ -8232,10 +8243,10 @@
           <p:cNvPr id="6" name="Group 9">
             <a:extLst>
               <a:ext uri="{FF2B5EF4-FFF2-40B4-BE49-F238E27FC236}">
-                <a16:creationId xmlns:a16="http://schemas.microsoft.com/office/drawing/2014/main" xmlns="" id="{7A03E380-9CD1-4ABA-A763-9F9D252B8908}"/>
+                <a16:creationId xmlns:a16="http://schemas.microsoft.com/office/drawing/2014/main" id="{7A03E380-9CD1-4ABA-A763-9F9D252B8908}"/>
               </a:ext>
               <a:ext uri="{C183D7F6-B498-43B3-948B-1728B52AA6E4}">
-                <adec:decorative xmlns:adec="http://schemas.microsoft.com/office/drawing/2017/decorative" xmlns="" val="1"/>
+                <adec:decorative xmlns:adec="http://schemas.microsoft.com/office/drawing/2017/decorative" val="1"/>
               </a:ext>
             </a:extLst>
           </p:cNvPr>
@@ -8245,7 +8256,7 @@
           <p:nvPr>
             <p:extLst>
               <p:ext uri="{386F3935-93C4-4BCD-93E2-E3B085C9AB24}">
-                <p16:designElem xmlns:p16="http://schemas.microsoft.com/office/powerpoint/2015/main" xmlns="" val="1"/>
+                <p16:designElem xmlns:p16="http://schemas.microsoft.com/office/powerpoint/2015/main" val="1"/>
               </p:ext>
             </p:extLst>
           </p:nvPr>
@@ -8268,10 +8279,10 @@
             <p:cNvPr id="11" name="Freeform 11">
               <a:extLst>
                 <a:ext uri="{FF2B5EF4-FFF2-40B4-BE49-F238E27FC236}">
-                  <a16:creationId xmlns:a16="http://schemas.microsoft.com/office/drawing/2014/main" xmlns="" id="{66E01B84-4C2B-4DE5-90C8-9C4001A75B11}"/>
+                  <a16:creationId xmlns:a16="http://schemas.microsoft.com/office/drawing/2014/main" id="{66E01B84-4C2B-4DE5-90C8-9C4001A75B11}"/>
                 </a:ext>
                 <a:ext uri="{C183D7F6-B498-43B3-948B-1728B52AA6E4}">
-                  <adec:decorative xmlns:adec="http://schemas.microsoft.com/office/drawing/2017/decorative" xmlns="" val="1"/>
+                  <adec:decorative xmlns:adec="http://schemas.microsoft.com/office/drawing/2017/decorative" val="1"/>
                 </a:ext>
               </a:extLst>
             </p:cNvPr>
@@ -8279,7 +8290,7 @@
             <p:nvPr>
               <p:extLst>
                 <p:ext uri="{386F3935-93C4-4BCD-93E2-E3B085C9AB24}">
-                  <p16:designElem xmlns:p16="http://schemas.microsoft.com/office/powerpoint/2015/main" xmlns="" val="1"/>
+                  <p16:designElem xmlns:p16="http://schemas.microsoft.com/office/powerpoint/2015/main" val="1"/>
                 </p:ext>
               </p:extLst>
             </p:nvPr>
@@ -8340,10 +8351,10 @@
             <p:cNvPr id="7" name="Freeform 12">
               <a:extLst>
                 <a:ext uri="{FF2B5EF4-FFF2-40B4-BE49-F238E27FC236}">
-                  <a16:creationId xmlns:a16="http://schemas.microsoft.com/office/drawing/2014/main" xmlns="" id="{64CE5A7A-D5C5-4FE5-860C-0B5748FDEEDC}"/>
+                  <a16:creationId xmlns:a16="http://schemas.microsoft.com/office/drawing/2014/main" id="{64CE5A7A-D5C5-4FE5-860C-0B5748FDEEDC}"/>
                 </a:ext>
                 <a:ext uri="{C183D7F6-B498-43B3-948B-1728B52AA6E4}">
-                  <adec:decorative xmlns:adec="http://schemas.microsoft.com/office/drawing/2017/decorative" xmlns="" val="1"/>
+                  <adec:decorative xmlns:adec="http://schemas.microsoft.com/office/drawing/2017/decorative" val="1"/>
                 </a:ext>
               </a:extLst>
             </p:cNvPr>
@@ -8351,7 +8362,7 @@
             <p:nvPr>
               <p:extLst>
                 <p:ext uri="{386F3935-93C4-4BCD-93E2-E3B085C9AB24}">
-                  <p16:designElem xmlns:p16="http://schemas.microsoft.com/office/powerpoint/2015/main" xmlns="" val="1"/>
+                  <p16:designElem xmlns:p16="http://schemas.microsoft.com/office/powerpoint/2015/main" val="1"/>
                 </p:ext>
               </p:extLst>
             </p:nvPr>
@@ -8417,10 +8428,10 @@
             <p:cNvPr id="13" name="Freeform 13">
               <a:extLst>
                 <a:ext uri="{FF2B5EF4-FFF2-40B4-BE49-F238E27FC236}">
-                  <a16:creationId xmlns:a16="http://schemas.microsoft.com/office/drawing/2014/main" xmlns="" id="{016A7D2A-6EEA-47B8-A763-7D82E41B3CED}"/>
+                  <a16:creationId xmlns:a16="http://schemas.microsoft.com/office/drawing/2014/main" id="{016A7D2A-6EEA-47B8-A763-7D82E41B3CED}"/>
                 </a:ext>
                 <a:ext uri="{C183D7F6-B498-43B3-948B-1728B52AA6E4}">
-                  <adec:decorative xmlns:adec="http://schemas.microsoft.com/office/drawing/2017/decorative" xmlns="" val="1"/>
+                  <adec:decorative xmlns:adec="http://schemas.microsoft.com/office/drawing/2017/decorative" val="1"/>
                 </a:ext>
               </a:extLst>
             </p:cNvPr>
@@ -8428,7 +8439,7 @@
             <p:nvPr>
               <p:extLst>
                 <p:ext uri="{386F3935-93C4-4BCD-93E2-E3B085C9AB24}">
-                  <p16:designElem xmlns:p16="http://schemas.microsoft.com/office/powerpoint/2015/main" xmlns="" val="1"/>
+                  <p16:designElem xmlns:p16="http://schemas.microsoft.com/office/powerpoint/2015/main" val="1"/>
                 </p:ext>
               </p:extLst>
             </p:nvPr>
@@ -8499,10 +8510,10 @@
             <p:cNvPr id="14" name="Freeform 14">
               <a:extLst>
                 <a:ext uri="{FF2B5EF4-FFF2-40B4-BE49-F238E27FC236}">
-                  <a16:creationId xmlns:a16="http://schemas.microsoft.com/office/drawing/2014/main" xmlns="" id="{E758F6E7-6DEC-48D0-ACB1-E5E26B13E6C3}"/>
+                  <a16:creationId xmlns:a16="http://schemas.microsoft.com/office/drawing/2014/main" id="{E758F6E7-6DEC-48D0-ACB1-E5E26B13E6C3}"/>
                 </a:ext>
                 <a:ext uri="{C183D7F6-B498-43B3-948B-1728B52AA6E4}">
-                  <adec:decorative xmlns:adec="http://schemas.microsoft.com/office/drawing/2017/decorative" xmlns="" val="1"/>
+                  <adec:decorative xmlns:adec="http://schemas.microsoft.com/office/drawing/2017/decorative" val="1"/>
                 </a:ext>
               </a:extLst>
             </p:cNvPr>
@@ -8510,7 +8521,7 @@
             <p:nvPr>
               <p:extLst>
                 <p:ext uri="{386F3935-93C4-4BCD-93E2-E3B085C9AB24}">
-                  <p16:designElem xmlns:p16="http://schemas.microsoft.com/office/powerpoint/2015/main" xmlns="" val="1"/>
+                  <p16:designElem xmlns:p16="http://schemas.microsoft.com/office/powerpoint/2015/main" val="1"/>
                 </p:ext>
               </p:extLst>
             </p:nvPr>
@@ -8561,10 +8572,10 @@
             <p:cNvPr id="15" name="Freeform 15">
               <a:extLst>
                 <a:ext uri="{FF2B5EF4-FFF2-40B4-BE49-F238E27FC236}">
-                  <a16:creationId xmlns:a16="http://schemas.microsoft.com/office/drawing/2014/main" xmlns="" id="{B56657FF-C027-42E7-859B-902929B6FA1C}"/>
+                  <a16:creationId xmlns:a16="http://schemas.microsoft.com/office/drawing/2014/main" id="{B56657FF-C027-42E7-859B-902929B6FA1C}"/>
                 </a:ext>
                 <a:ext uri="{C183D7F6-B498-43B3-948B-1728B52AA6E4}">
-                  <adec:decorative xmlns:adec="http://schemas.microsoft.com/office/drawing/2017/decorative" xmlns="" val="1"/>
+                  <adec:decorative xmlns:adec="http://schemas.microsoft.com/office/drawing/2017/decorative" val="1"/>
                 </a:ext>
               </a:extLst>
             </p:cNvPr>
@@ -8572,7 +8583,7 @@
             <p:nvPr>
               <p:extLst>
                 <p:ext uri="{386F3935-93C4-4BCD-93E2-E3B085C9AB24}">
-                  <p16:designElem xmlns:p16="http://schemas.microsoft.com/office/powerpoint/2015/main" xmlns="" val="1"/>
+                  <p16:designElem xmlns:p16="http://schemas.microsoft.com/office/powerpoint/2015/main" val="1"/>
                 </p:ext>
               </p:extLst>
             </p:nvPr>
@@ -8658,10 +8669,10 @@
             <p:cNvPr id="16" name="Freeform 16">
               <a:extLst>
                 <a:ext uri="{FF2B5EF4-FFF2-40B4-BE49-F238E27FC236}">
-                  <a16:creationId xmlns:a16="http://schemas.microsoft.com/office/drawing/2014/main" xmlns="" id="{79047F2A-5978-46C6-B3A2-54AAC2136B15}"/>
+                  <a16:creationId xmlns:a16="http://schemas.microsoft.com/office/drawing/2014/main" id="{79047F2A-5978-46C6-B3A2-54AAC2136B15}"/>
                 </a:ext>
                 <a:ext uri="{C183D7F6-B498-43B3-948B-1728B52AA6E4}">
-                  <adec:decorative xmlns:adec="http://schemas.microsoft.com/office/drawing/2017/decorative" xmlns="" val="1"/>
+                  <adec:decorative xmlns:adec="http://schemas.microsoft.com/office/drawing/2017/decorative" val="1"/>
                 </a:ext>
               </a:extLst>
             </p:cNvPr>
@@ -8669,7 +8680,7 @@
             <p:nvPr>
               <p:extLst>
                 <p:ext uri="{386F3935-93C4-4BCD-93E2-E3B085C9AB24}">
-                  <p16:designElem xmlns:p16="http://schemas.microsoft.com/office/powerpoint/2015/main" xmlns="" val="1"/>
+                  <p16:designElem xmlns:p16="http://schemas.microsoft.com/office/powerpoint/2015/main" val="1"/>
                 </p:ext>
               </p:extLst>
             </p:nvPr>
@@ -8750,10 +8761,10 @@
             <p:cNvPr id="17" name="Freeform 17">
               <a:extLst>
                 <a:ext uri="{FF2B5EF4-FFF2-40B4-BE49-F238E27FC236}">
-                  <a16:creationId xmlns:a16="http://schemas.microsoft.com/office/drawing/2014/main" xmlns="" id="{F3BE8FD1-0A72-4640-AC7A-2E057273F87D}"/>
+                  <a16:creationId xmlns:a16="http://schemas.microsoft.com/office/drawing/2014/main" id="{F3BE8FD1-0A72-4640-AC7A-2E057273F87D}"/>
                 </a:ext>
                 <a:ext uri="{C183D7F6-B498-43B3-948B-1728B52AA6E4}">
-                  <adec:decorative xmlns:adec="http://schemas.microsoft.com/office/drawing/2017/decorative" xmlns="" val="1"/>
+                  <adec:decorative xmlns:adec="http://schemas.microsoft.com/office/drawing/2017/decorative" val="1"/>
                 </a:ext>
               </a:extLst>
             </p:cNvPr>
@@ -8761,7 +8772,7 @@
             <p:nvPr>
               <p:extLst>
                 <p:ext uri="{386F3935-93C4-4BCD-93E2-E3B085C9AB24}">
-                  <p16:designElem xmlns:p16="http://schemas.microsoft.com/office/powerpoint/2015/main" xmlns="" val="1"/>
+                  <p16:designElem xmlns:p16="http://schemas.microsoft.com/office/powerpoint/2015/main" val="1"/>
                 </p:ext>
               </p:extLst>
             </p:nvPr>
@@ -8822,10 +8833,10 @@
             <p:cNvPr id="18" name="Freeform 18">
               <a:extLst>
                 <a:ext uri="{FF2B5EF4-FFF2-40B4-BE49-F238E27FC236}">
-                  <a16:creationId xmlns:a16="http://schemas.microsoft.com/office/drawing/2014/main" xmlns="" id="{752FC782-A372-4D11-B20D-958955E5641F}"/>
+                  <a16:creationId xmlns:a16="http://schemas.microsoft.com/office/drawing/2014/main" id="{752FC782-A372-4D11-B20D-958955E5641F}"/>
                 </a:ext>
                 <a:ext uri="{C183D7F6-B498-43B3-948B-1728B52AA6E4}">
-                  <adec:decorative xmlns:adec="http://schemas.microsoft.com/office/drawing/2017/decorative" xmlns="" val="1"/>
+                  <adec:decorative xmlns:adec="http://schemas.microsoft.com/office/drawing/2017/decorative" val="1"/>
                 </a:ext>
               </a:extLst>
             </p:cNvPr>
@@ -8833,7 +8844,7 @@
             <p:nvPr>
               <p:extLst>
                 <p:ext uri="{386F3935-93C4-4BCD-93E2-E3B085C9AB24}">
-                  <p16:designElem xmlns:p16="http://schemas.microsoft.com/office/powerpoint/2015/main" xmlns="" val="1"/>
+                  <p16:designElem xmlns:p16="http://schemas.microsoft.com/office/powerpoint/2015/main" val="1"/>
                 </p:ext>
               </p:extLst>
             </p:nvPr>
@@ -8914,10 +8925,10 @@
             <p:cNvPr id="19" name="Freeform 19">
               <a:extLst>
                 <a:ext uri="{FF2B5EF4-FFF2-40B4-BE49-F238E27FC236}">
-                  <a16:creationId xmlns:a16="http://schemas.microsoft.com/office/drawing/2014/main" xmlns="" id="{AA00B2F1-BEE2-444A-8249-C8E3212CA1A8}"/>
+                  <a16:creationId xmlns:a16="http://schemas.microsoft.com/office/drawing/2014/main" id="{AA00B2F1-BEE2-444A-8249-C8E3212CA1A8}"/>
                 </a:ext>
                 <a:ext uri="{C183D7F6-B498-43B3-948B-1728B52AA6E4}">
-                  <adec:decorative xmlns:adec="http://schemas.microsoft.com/office/drawing/2017/decorative" xmlns="" val="1"/>
+                  <adec:decorative xmlns:adec="http://schemas.microsoft.com/office/drawing/2017/decorative" val="1"/>
                 </a:ext>
               </a:extLst>
             </p:cNvPr>
@@ -8925,7 +8936,7 @@
             <p:nvPr>
               <p:extLst>
                 <p:ext uri="{386F3935-93C4-4BCD-93E2-E3B085C9AB24}">
-                  <p16:designElem xmlns:p16="http://schemas.microsoft.com/office/powerpoint/2015/main" xmlns="" val="1"/>
+                  <p16:designElem xmlns:p16="http://schemas.microsoft.com/office/powerpoint/2015/main" val="1"/>
                 </p:ext>
               </p:extLst>
             </p:nvPr>
@@ -9041,10 +9052,10 @@
             <p:cNvPr id="20" name="Freeform 20">
               <a:extLst>
                 <a:ext uri="{FF2B5EF4-FFF2-40B4-BE49-F238E27FC236}">
-                  <a16:creationId xmlns:a16="http://schemas.microsoft.com/office/drawing/2014/main" xmlns="" id="{E7F5747E-514B-4CF7-B6B0-DAD714909789}"/>
+                  <a16:creationId xmlns:a16="http://schemas.microsoft.com/office/drawing/2014/main" id="{E7F5747E-514B-4CF7-B6B0-DAD714909789}"/>
                 </a:ext>
                 <a:ext uri="{C183D7F6-B498-43B3-948B-1728B52AA6E4}">
-                  <adec:decorative xmlns:adec="http://schemas.microsoft.com/office/drawing/2017/decorative" xmlns="" val="1"/>
+                  <adec:decorative xmlns:adec="http://schemas.microsoft.com/office/drawing/2017/decorative" val="1"/>
                 </a:ext>
               </a:extLst>
             </p:cNvPr>
@@ -9052,7 +9063,7 @@
             <p:nvPr>
               <p:extLst>
                 <p:ext uri="{386F3935-93C4-4BCD-93E2-E3B085C9AB24}">
-                  <p16:designElem xmlns:p16="http://schemas.microsoft.com/office/powerpoint/2015/main" xmlns="" val="1"/>
+                  <p16:designElem xmlns:p16="http://schemas.microsoft.com/office/powerpoint/2015/main" val="1"/>
                 </p:ext>
               </p:extLst>
             </p:nvPr>
@@ -9103,10 +9114,10 @@
             <p:cNvPr id="21" name="Freeform 21">
               <a:extLst>
                 <a:ext uri="{FF2B5EF4-FFF2-40B4-BE49-F238E27FC236}">
-                  <a16:creationId xmlns:a16="http://schemas.microsoft.com/office/drawing/2014/main" xmlns="" id="{931614BB-1593-40ED-8113-2BD11870556B}"/>
+                  <a16:creationId xmlns:a16="http://schemas.microsoft.com/office/drawing/2014/main" id="{931614BB-1593-40ED-8113-2BD11870556B}"/>
                 </a:ext>
                 <a:ext uri="{C183D7F6-B498-43B3-948B-1728B52AA6E4}">
-                  <adec:decorative xmlns:adec="http://schemas.microsoft.com/office/drawing/2017/decorative" xmlns="" val="1"/>
+                  <adec:decorative xmlns:adec="http://schemas.microsoft.com/office/drawing/2017/decorative" val="1"/>
                 </a:ext>
               </a:extLst>
             </p:cNvPr>
@@ -9114,7 +9125,7 @@
             <p:nvPr>
               <p:extLst>
                 <p:ext uri="{386F3935-93C4-4BCD-93E2-E3B085C9AB24}">
-                  <p16:designElem xmlns:p16="http://schemas.microsoft.com/office/powerpoint/2015/main" xmlns="" val="1"/>
+                  <p16:designElem xmlns:p16="http://schemas.microsoft.com/office/powerpoint/2015/main" val="1"/>
                 </p:ext>
               </p:extLst>
             </p:nvPr>
@@ -9175,10 +9186,10 @@
             <p:cNvPr id="22" name="Freeform 22">
               <a:extLst>
                 <a:ext uri="{FF2B5EF4-FFF2-40B4-BE49-F238E27FC236}">
-                  <a16:creationId xmlns:a16="http://schemas.microsoft.com/office/drawing/2014/main" xmlns="" id="{2691871F-F15C-4E19-BC9C-78E5748D744E}"/>
+                  <a16:creationId xmlns:a16="http://schemas.microsoft.com/office/drawing/2014/main" id="{2691871F-F15C-4E19-BC9C-78E5748D744E}"/>
                 </a:ext>
                 <a:ext uri="{C183D7F6-B498-43B3-948B-1728B52AA6E4}">
-                  <adec:decorative xmlns:adec="http://schemas.microsoft.com/office/drawing/2017/decorative" xmlns="" val="1"/>
+                  <adec:decorative xmlns:adec="http://schemas.microsoft.com/office/drawing/2017/decorative" val="1"/>
                 </a:ext>
               </a:extLst>
             </p:cNvPr>
@@ -9186,7 +9197,7 @@
             <p:nvPr>
               <p:extLst>
                 <p:ext uri="{386F3935-93C4-4BCD-93E2-E3B085C9AB24}">
-                  <p16:designElem xmlns:p16="http://schemas.microsoft.com/office/powerpoint/2015/main" xmlns="" val="1"/>
+                  <p16:designElem xmlns:p16="http://schemas.microsoft.com/office/powerpoint/2015/main" val="1"/>
                 </p:ext>
               </p:extLst>
             </p:nvPr>
@@ -9336,10 +9347,10 @@
           <p:cNvPr id="24" name="Rectangle 23">
             <a:extLst>
               <a:ext uri="{FF2B5EF4-FFF2-40B4-BE49-F238E27FC236}">
-                <a16:creationId xmlns:a16="http://schemas.microsoft.com/office/drawing/2014/main" xmlns="" id="{A317EBE3-FF86-4DA1-BC9A-331F7F2144E9}"/>
+                <a16:creationId xmlns:a16="http://schemas.microsoft.com/office/drawing/2014/main" id="{A317EBE3-FF86-4DA1-BC9A-331F7F2144E9}"/>
               </a:ext>
               <a:ext uri="{C183D7F6-B498-43B3-948B-1728B52AA6E4}">
-                <adec:decorative xmlns:adec="http://schemas.microsoft.com/office/drawing/2017/decorative" xmlns="" val="1"/>
+                <adec:decorative xmlns:adec="http://schemas.microsoft.com/office/drawing/2017/decorative" val="1"/>
               </a:ext>
             </a:extLst>
           </p:cNvPr>
@@ -9349,7 +9360,7 @@
           <p:nvPr>
             <p:extLst>
               <p:ext uri="{386F3935-93C4-4BCD-93E2-E3B085C9AB24}">
-                <p16:designElem xmlns:p16="http://schemas.microsoft.com/office/powerpoint/2015/main" xmlns="" val="1"/>
+                <p16:designElem xmlns:p16="http://schemas.microsoft.com/office/powerpoint/2015/main" val="1"/>
               </p:ext>
             </p:extLst>
           </p:nvPr>
@@ -9390,10 +9401,10 @@
           <p:cNvPr id="9" name="Straight Connector 25">
             <a:extLst>
               <a:ext uri="{FF2B5EF4-FFF2-40B4-BE49-F238E27FC236}">
-                <a16:creationId xmlns:a16="http://schemas.microsoft.com/office/drawing/2014/main" xmlns="" id="{34D43EC1-35FA-4FC3-8526-F655CEB09D9C}"/>
+                <a16:creationId xmlns:a16="http://schemas.microsoft.com/office/drawing/2014/main" id="{34D43EC1-35FA-4FC3-8526-F655CEB09D9C}"/>
               </a:ext>
               <a:ext uri="{C183D7F6-B498-43B3-948B-1728B52AA6E4}">
-                <adec:decorative xmlns:adec="http://schemas.microsoft.com/office/drawing/2017/decorative" xmlns="" val="1"/>
+                <adec:decorative xmlns:adec="http://schemas.microsoft.com/office/drawing/2017/decorative" val="1"/>
               </a:ext>
             </a:extLst>
           </p:cNvPr>
@@ -9403,7 +9414,7 @@
           <p:nvPr>
             <p:extLst>
               <p:ext uri="{386F3935-93C4-4BCD-93E2-E3B085C9AB24}">
-                <p16:designElem xmlns:p16="http://schemas.microsoft.com/office/powerpoint/2015/main" xmlns="" val="1"/>
+                <p16:designElem xmlns:p16="http://schemas.microsoft.com/office/powerpoint/2015/main" val="1"/>
               </p:ext>
             </p:extLst>
           </p:nvPr>
@@ -9447,13 +9458,6 @@
   <p:clrMapOvr>
     <a:masterClrMapping/>
   </p:clrMapOvr>
-  <p:timing>
-    <p:tnLst>
-      <p:par>
-        <p:cTn id="1" dur="indefinite" restart="never" nodeType="tmRoot"/>
-      </p:par>
-    </p:tnLst>
-  </p:timing>
 </p:sld>
 </file>
 
@@ -9490,12 +9494,8 @@
           <a:lstStyle/>
           <a:p>
             <a:r>
-              <a:rPr lang="en-US" dirty="0" smtClean="0"/>
-              <a:t>Hierarchical </a:t>
-            </a:r>
-            <a:r>
               <a:rPr lang="en-US" dirty="0"/>
-              <a:t>Agglomerative Clustering</a:t>
+              <a:t>Hierarchical Agglomerative Clustering</a:t>
             </a:r>
             <a:endParaRPr lang="nl-NL" dirty="0"/>
           </a:p>
@@ -9517,29 +9517,29 @@
           <a:lstStyle/>
           <a:p>
             <a:r>
-              <a:rPr lang="en-US" dirty="0" smtClean="0"/>
+              <a:rPr lang="en-US" dirty="0"/>
               <a:t>Elk huis een </a:t>
             </a:r>
             <a:r>
-              <a:rPr lang="en-US" dirty="0" err="1" smtClean="0"/>
+              <a:rPr lang="en-US" dirty="0" err="1"/>
               <a:t>eigen</a:t>
             </a:r>
             <a:r>
-              <a:rPr lang="en-US" dirty="0" smtClean="0"/>
+              <a:rPr lang="en-US" dirty="0"/>
               <a:t> </a:t>
             </a:r>
             <a:r>
-              <a:rPr lang="en-US" dirty="0" err="1" smtClean="0"/>
+              <a:rPr lang="en-US" dirty="0" err="1"/>
               <a:t>batterij</a:t>
             </a:r>
-            <a:endParaRPr lang="en-US" dirty="0" smtClean="0"/>
-          </a:p>
-          <a:p>
             <a:endParaRPr lang="en-US" dirty="0"/>
           </a:p>
           <a:p>
-            <a:r>
-              <a:rPr lang="en-US" dirty="0" smtClean="0"/>
+            <a:endParaRPr lang="en-US" dirty="0"/>
+          </a:p>
+          <a:p>
+            <a:r>
+              <a:rPr lang="en-US" dirty="0"/>
               <a:t>Merge</a:t>
             </a:r>
             <a:endParaRPr lang="nl-NL" dirty="0"/>
@@ -9610,13 +9610,6 @@
   <p:clrMapOvr>
     <a:masterClrMapping/>
   </p:clrMapOvr>
-  <p:timing>
-    <p:tnLst>
-      <p:par>
-        <p:cTn id="1" dur="indefinite" restart="never" nodeType="tmRoot"/>
-      </p:par>
-    </p:tnLst>
-  </p:timing>
 </p:sld>
 </file>
 
@@ -9642,7 +9635,7 @@
           <p:cNvPr id="2" name="Titel 1">
             <a:extLst>
               <a:ext uri="{FF2B5EF4-FFF2-40B4-BE49-F238E27FC236}">
-                <a16:creationId xmlns:a16="http://schemas.microsoft.com/office/drawing/2014/main" xmlns="" id="{81C56212-2D06-4563-A27A-2F81AD3C08F8}"/>
+                <a16:creationId xmlns:a16="http://schemas.microsoft.com/office/drawing/2014/main" id="{81C56212-2D06-4563-A27A-2F81AD3C08F8}"/>
               </a:ext>
             </a:extLst>
           </p:cNvPr>
@@ -9670,7 +9663,7 @@
           <p:cNvPr id="3" name="Tijdelijke aanduiding voor inhoud 2">
             <a:extLst>
               <a:ext uri="{FF2B5EF4-FFF2-40B4-BE49-F238E27FC236}">
-                <a16:creationId xmlns:a16="http://schemas.microsoft.com/office/drawing/2014/main" xmlns="" id="{FCAA3D2D-3FEC-4EB3-88D0-8A0E062EEEB9}"/>
+                <a16:creationId xmlns:a16="http://schemas.microsoft.com/office/drawing/2014/main" id="{FCAA3D2D-3FEC-4EB3-88D0-8A0E062EEEB9}"/>
               </a:ext>
             </a:extLst>
           </p:cNvPr>
@@ -9689,7 +9682,7 @@
           <a:lstStyle/>
           <a:p>
             <a:r>
-              <a:rPr lang="nl-NL" dirty="0" err="1" smtClean="0"/>
+              <a:rPr lang="nl-NL" dirty="0" err="1"/>
               <a:t>Greedy</a:t>
             </a:r>
             <a:endParaRPr lang="nl-NL" dirty="0"/>
@@ -9699,7 +9692,7 @@
           </a:p>
           <a:p>
             <a:r>
-              <a:rPr lang="nl-NL" dirty="0" smtClean="0"/>
+              <a:rPr lang="nl-NL" dirty="0"/>
               <a:t>Hill </a:t>
             </a:r>
             <a:r>
@@ -9713,11 +9706,11 @@
           </a:p>
           <a:p>
             <a:r>
-              <a:rPr lang="nl-NL" dirty="0" err="1" smtClean="0"/>
+              <a:rPr lang="nl-NL" dirty="0" err="1"/>
               <a:t>Simulated</a:t>
             </a:r>
             <a:r>
-              <a:rPr lang="nl-NL" dirty="0" smtClean="0"/>
+              <a:rPr lang="nl-NL" dirty="0"/>
               <a:t> </a:t>
             </a:r>
             <a:r>
@@ -9731,7 +9724,7 @@
           </a:p>
           <a:p>
             <a:r>
-              <a:rPr lang="nl-NL" dirty="0" smtClean="0"/>
+              <a:rPr lang="nl-NL" dirty="0"/>
               <a:t>K-means</a:t>
             </a:r>
           </a:p>
@@ -9743,7 +9736,7 @@
               <a:rPr lang="en-US" dirty="0"/>
               <a:t>Hierarchical Agglomerative Clustering</a:t>
             </a:r>
-            <a:endParaRPr lang="nl-NL" dirty="0" smtClean="0"/>
+            <a:endParaRPr lang="nl-NL" dirty="0"/>
           </a:p>
           <a:p>
             <a:endParaRPr lang="en-US" dirty="0"/>
@@ -9763,13 +9756,6 @@
   <p:clrMapOvr>
     <a:masterClrMapping/>
   </p:clrMapOvr>
-  <p:timing>
-    <p:tnLst>
-      <p:par>
-        <p:cTn id="1" dur="indefinite" restart="never" nodeType="tmRoot"/>
-      </p:par>
-    </p:tnLst>
-  </p:timing>
 </p:sld>
 </file>
 
@@ -9795,7 +9781,7 @@
           <p:cNvPr id="2" name="Titel 1">
             <a:extLst>
               <a:ext uri="{FF2B5EF4-FFF2-40B4-BE49-F238E27FC236}">
-                <a16:creationId xmlns:a16="http://schemas.microsoft.com/office/drawing/2014/main" xmlns="" id="{5337A996-074E-4709-9274-E26D068C8EF7}"/>
+                <a16:creationId xmlns:a16="http://schemas.microsoft.com/office/drawing/2014/main" id="{5337A996-074E-4709-9274-E26D068C8EF7}"/>
               </a:ext>
             </a:extLst>
           </p:cNvPr>
@@ -9831,7 +9817,7 @@
           <p:cNvPr id="4" name="Afbeelding 4">
             <a:extLst>
               <a:ext uri="{FF2B5EF4-FFF2-40B4-BE49-F238E27FC236}">
-                <a16:creationId xmlns:a16="http://schemas.microsoft.com/office/drawing/2014/main" xmlns="" id="{54760032-D035-4747-AF14-AE8EC1DE3EF2}"/>
+                <a16:creationId xmlns:a16="http://schemas.microsoft.com/office/drawing/2014/main" id="{54760032-D035-4747-AF14-AE8EC1DE3EF2}"/>
               </a:ext>
             </a:extLst>
           </p:cNvPr>
@@ -9863,7 +9849,7 @@
           <p:cNvPr id="5" name="Tekstvak 4">
             <a:extLst>
               <a:ext uri="{FF2B5EF4-FFF2-40B4-BE49-F238E27FC236}">
-                <a16:creationId xmlns:a16="http://schemas.microsoft.com/office/drawing/2014/main" xmlns="" id="{F0247C35-EBE3-48D1-90D0-1971BBFDE13F}"/>
+                <a16:creationId xmlns:a16="http://schemas.microsoft.com/office/drawing/2014/main" id="{F0247C35-EBE3-48D1-90D0-1971BBFDE13F}"/>
               </a:ext>
             </a:extLst>
           </p:cNvPr>
@@ -9992,13 +9978,6 @@
   <p:clrMapOvr>
     <a:masterClrMapping/>
   </p:clrMapOvr>
-  <p:timing>
-    <p:tnLst>
-      <p:par>
-        <p:cTn id="1" dur="indefinite" restart="never" nodeType="tmRoot"/>
-      </p:par>
-    </p:tnLst>
-  </p:timing>
 </p:sld>
 </file>
 
@@ -10024,7 +10003,7 @@
           <p:cNvPr id="2" name="Titel 1">
             <a:extLst>
               <a:ext uri="{FF2B5EF4-FFF2-40B4-BE49-F238E27FC236}">
-                <a16:creationId xmlns:a16="http://schemas.microsoft.com/office/drawing/2014/main" xmlns="" id="{5337A996-074E-4709-9274-E26D068C8EF7}"/>
+                <a16:creationId xmlns:a16="http://schemas.microsoft.com/office/drawing/2014/main" id="{5337A996-074E-4709-9274-E26D068C8EF7}"/>
               </a:ext>
             </a:extLst>
           </p:cNvPr>
@@ -10064,7 +10043,7 @@
           <p:cNvPr id="4" name="Afbeelding 4">
             <a:extLst>
               <a:ext uri="{FF2B5EF4-FFF2-40B4-BE49-F238E27FC236}">
-                <a16:creationId xmlns:a16="http://schemas.microsoft.com/office/drawing/2014/main" xmlns="" id="{43455314-FF6D-47CB-9FAD-3D99638D905D}"/>
+                <a16:creationId xmlns:a16="http://schemas.microsoft.com/office/drawing/2014/main" id="{43455314-FF6D-47CB-9FAD-3D99638D905D}"/>
               </a:ext>
             </a:extLst>
           </p:cNvPr>
@@ -10096,7 +10075,7 @@
           <p:cNvPr id="5" name="Tekstvak 4">
             <a:extLst>
               <a:ext uri="{FF2B5EF4-FFF2-40B4-BE49-F238E27FC236}">
-                <a16:creationId xmlns:a16="http://schemas.microsoft.com/office/drawing/2014/main" xmlns="" id="{E3FE3C8F-5D86-4A0B-9E0E-B46B020972D7}"/>
+                <a16:creationId xmlns:a16="http://schemas.microsoft.com/office/drawing/2014/main" id="{E3FE3C8F-5D86-4A0B-9E0E-B46B020972D7}"/>
               </a:ext>
             </a:extLst>
           </p:cNvPr>
@@ -10249,13 +10228,6 @@
   <p:clrMapOvr>
     <a:masterClrMapping/>
   </p:clrMapOvr>
-  <p:timing>
-    <p:tnLst>
-      <p:par>
-        <p:cTn id="1" dur="indefinite" restart="never" nodeType="tmRoot"/>
-      </p:par>
-    </p:tnLst>
-  </p:timing>
 </p:sld>
 </file>
 
@@ -10281,7 +10253,7 @@
           <p:cNvPr id="2" name="Titel 1">
             <a:extLst>
               <a:ext uri="{FF2B5EF4-FFF2-40B4-BE49-F238E27FC236}">
-                <a16:creationId xmlns:a16="http://schemas.microsoft.com/office/drawing/2014/main" xmlns="" id="{5337A996-074E-4709-9274-E26D068C8EF7}"/>
+                <a16:creationId xmlns:a16="http://schemas.microsoft.com/office/drawing/2014/main" id="{5337A996-074E-4709-9274-E26D068C8EF7}"/>
               </a:ext>
             </a:extLst>
           </p:cNvPr>
@@ -10412,17 +10384,8 @@
               <a:rPr lang="nl-NL" dirty="0">
                 <a:cs typeface="Segoe UI"/>
               </a:rPr>
-              <a:t>€ </a:t>
-            </a:r>
-            <a:r>
-              <a:rPr lang="nl-NL" dirty="0" smtClean="0">
-                <a:cs typeface="Segoe UI"/>
-              </a:rPr>
-              <a:t>103.030</a:t>
-            </a:r>
-            <a:endParaRPr lang="nl-NL" dirty="0">
-              <a:cs typeface="Segoe UI"/>
-            </a:endParaRPr>
+              <a:t>€ 103.030</a:t>
+            </a:r>
           </a:p>
         </p:txBody>
       </p:sp>
@@ -10477,13 +10440,6 @@
   <p:clrMapOvr>
     <a:masterClrMapping/>
   </p:clrMapOvr>
-  <p:timing>
-    <p:tnLst>
-      <p:par>
-        <p:cTn id="1" dur="indefinite" restart="never" nodeType="tmRoot"/>
-      </p:par>
-    </p:tnLst>
-  </p:timing>
 </p:sld>
 </file>
 
@@ -10509,7 +10465,7 @@
           <p:cNvPr id="2" name="Titel 1">
             <a:extLst>
               <a:ext uri="{FF2B5EF4-FFF2-40B4-BE49-F238E27FC236}">
-                <a16:creationId xmlns:a16="http://schemas.microsoft.com/office/drawing/2014/main" xmlns="" id="{5337A996-074E-4709-9274-E26D068C8EF7}"/>
+                <a16:creationId xmlns:a16="http://schemas.microsoft.com/office/drawing/2014/main" id="{5337A996-074E-4709-9274-E26D068C8EF7}"/>
               </a:ext>
             </a:extLst>
           </p:cNvPr>
@@ -10541,7 +10497,7 @@
           <p:cNvPr id="4" name="Afbeelding 4">
             <a:extLst>
               <a:ext uri="{FF2B5EF4-FFF2-40B4-BE49-F238E27FC236}">
-                <a16:creationId xmlns:a16="http://schemas.microsoft.com/office/drawing/2014/main" xmlns="" id="{E2ABE176-51E3-4B57-9384-4E50965B3A4F}"/>
+                <a16:creationId xmlns:a16="http://schemas.microsoft.com/office/drawing/2014/main" id="{E2ABE176-51E3-4B57-9384-4E50965B3A4F}"/>
               </a:ext>
             </a:extLst>
           </p:cNvPr>
@@ -10573,7 +10529,7 @@
           <p:cNvPr id="6" name="Tekstvak 5">
             <a:extLst>
               <a:ext uri="{FF2B5EF4-FFF2-40B4-BE49-F238E27FC236}">
-                <a16:creationId xmlns:a16="http://schemas.microsoft.com/office/drawing/2014/main" xmlns="" id="{A4D78363-19A6-49F1-A9B3-21E9BFDA57C1}"/>
+                <a16:creationId xmlns:a16="http://schemas.microsoft.com/office/drawing/2014/main" id="{A4D78363-19A6-49F1-A9B3-21E9BFDA57C1}"/>
               </a:ext>
             </a:extLst>
           </p:cNvPr>
@@ -10683,13 +10639,6 @@
   <p:clrMapOvr>
     <a:masterClrMapping/>
   </p:clrMapOvr>
-  <p:timing>
-    <p:tnLst>
-      <p:par>
-        <p:cTn id="1" dur="indefinite" restart="never" nodeType="tmRoot"/>
-      </p:par>
-    </p:tnLst>
-  </p:timing>
 </p:sld>
 </file>
 
@@ -10733,12 +10682,8 @@
           <a:lstStyle/>
           <a:p>
             <a:r>
-              <a:rPr lang="en-US" sz="3100" dirty="0" smtClean="0"/>
-              <a:t>Results </a:t>
-            </a:r>
-            <a:r>
               <a:rPr lang="en-US" sz="3100" dirty="0"/>
-              <a:t>– Hierarchical Agglomerative Clustering</a:t>
+              <a:t>Results – Hierarchical Agglomerative Clustering</a:t>
             </a:r>
             <a:endParaRPr lang="nl-NL" sz="3100" dirty="0"/>
           </a:p>
@@ -10790,13 +10735,8 @@
             </a:pPr>
             <a:r>
               <a:rPr lang="nl-NL" dirty="0"/>
-              <a:t>€ </a:t>
-            </a:r>
-            <a:r>
-              <a:rPr lang="nl-NL" dirty="0" smtClean="0"/>
-              <a:t>23.364</a:t>
-            </a:r>
-            <a:endParaRPr lang="nl-NL" dirty="0"/>
+              <a:t>€ 23.364</a:t>
+            </a:r>
           </a:p>
           <a:p>
             <a:endParaRPr lang="nl-NL" dirty="0"/>
@@ -10828,13 +10768,8 @@
             </a:pPr>
             <a:r>
               <a:rPr lang="nl-NL" dirty="0"/>
-              <a:t>€ </a:t>
-            </a:r>
-            <a:r>
-              <a:rPr lang="nl-NL" dirty="0" smtClean="0"/>
-              <a:t>59976</a:t>
-            </a:r>
-            <a:endParaRPr lang="nl-NL" dirty="0"/>
+              <a:t>€ 59976</a:t>
+            </a:r>
           </a:p>
           <a:p>
             <a:endParaRPr lang="nl-NL" dirty="0"/>
@@ -10862,13 +10797,8 @@
             </a:pPr>
             <a:r>
               <a:rPr lang="nl-NL" dirty="0"/>
-              <a:t>€ </a:t>
-            </a:r>
-            <a:r>
-              <a:rPr lang="nl-NL" dirty="0" smtClean="0"/>
-              <a:t>23364</a:t>
-            </a:r>
-            <a:endParaRPr lang="nl-NL" dirty="0"/>
+              <a:t>€ 23364</a:t>
+            </a:r>
           </a:p>
         </p:txBody>
       </p:sp>
@@ -10923,13 +10853,6 @@
   <p:clrMapOvr>
     <a:masterClrMapping/>
   </p:clrMapOvr>
-  <p:timing>
-    <p:tnLst>
-      <p:par>
-        <p:cTn id="1" dur="indefinite" restart="never" nodeType="tmRoot"/>
-      </p:par>
-    </p:tnLst>
-  </p:timing>
 </p:sld>
 </file>
 
@@ -10955,7 +10878,7 @@
           <p:cNvPr id="2" name="Titel 1">
             <a:extLst>
               <a:ext uri="{FF2B5EF4-FFF2-40B4-BE49-F238E27FC236}">
-                <a16:creationId xmlns:a16="http://schemas.microsoft.com/office/drawing/2014/main" xmlns="" id="{C12DB86D-DE2A-4FAC-8EE3-F7D1DA0A7581}"/>
+                <a16:creationId xmlns:a16="http://schemas.microsoft.com/office/drawing/2014/main" id="{C12DB86D-DE2A-4FAC-8EE3-F7D1DA0A7581}"/>
               </a:ext>
             </a:extLst>
           </p:cNvPr>
@@ -10974,10 +10897,6 @@
             <a:r>
               <a:rPr lang="nl-NL" dirty="0" err="1"/>
               <a:t>Comparison</a:t>
-            </a:r>
-            <a:r>
-              <a:rPr lang="nl-NL" dirty="0"/>
-              <a:t/>
             </a:r>
             <a:br>
               <a:rPr lang="nl-NL" dirty="0"/>
@@ -11037,13 +10956,6 @@
   <p:clrMapOvr>
     <a:masterClrMapping/>
   </p:clrMapOvr>
-  <p:timing>
-    <p:tnLst>
-      <p:par>
-        <p:cTn id="1" dur="indefinite" restart="never" nodeType="tmRoot"/>
-      </p:par>
-    </p:tnLst>
-  </p:timing>
 </p:sld>
 </file>
 
@@ -11069,7 +10981,7 @@
           <p:cNvPr id="2" name="Titel 1">
             <a:extLst>
               <a:ext uri="{FF2B5EF4-FFF2-40B4-BE49-F238E27FC236}">
-                <a16:creationId xmlns:a16="http://schemas.microsoft.com/office/drawing/2014/main" xmlns="" id="{81C56212-2D06-4563-A27A-2F81AD3C08F8}"/>
+                <a16:creationId xmlns:a16="http://schemas.microsoft.com/office/drawing/2014/main" id="{81C56212-2D06-4563-A27A-2F81AD3C08F8}"/>
               </a:ext>
             </a:extLst>
           </p:cNvPr>
@@ -11188,7 +11100,7 @@
           <a:lstStyle/>
           <a:p>
             <a:r>
-              <a:rPr lang="en-US" sz="1400" dirty="0" err="1" smtClean="0"/>
+              <a:rPr lang="en-US" sz="1400" dirty="0" err="1"/>
               <a:t>Lowerbound</a:t>
             </a:r>
             <a:endParaRPr lang="nl-NL" sz="1400" dirty="0"/>
@@ -11218,7 +11130,7 @@
           <a:lstStyle/>
           <a:p>
             <a:r>
-              <a:rPr lang="en-US" sz="1400" dirty="0" err="1" smtClean="0"/>
+              <a:rPr lang="en-US" sz="1400" dirty="0" err="1"/>
               <a:t>Upperbound</a:t>
             </a:r>
             <a:endParaRPr lang="nl-NL" sz="1400" dirty="0"/>
@@ -11235,13 +11147,6 @@
   <p:clrMapOvr>
     <a:masterClrMapping/>
   </p:clrMapOvr>
-  <p:timing>
-    <p:tnLst>
-      <p:par>
-        <p:cTn id="1" dur="indefinite" restart="never" nodeType="tmRoot"/>
-      </p:par>
-    </p:tnLst>
-  </p:timing>
 </p:sld>
 </file>
 
@@ -11267,7 +11172,7 @@
           <p:cNvPr id="2" name="Titel 1">
             <a:extLst>
               <a:ext uri="{FF2B5EF4-FFF2-40B4-BE49-F238E27FC236}">
-                <a16:creationId xmlns:a16="http://schemas.microsoft.com/office/drawing/2014/main" xmlns="" id="{81C56212-2D06-4563-A27A-2F81AD3C08F8}"/>
+                <a16:creationId xmlns:a16="http://schemas.microsoft.com/office/drawing/2014/main" id="{73C30929-4566-4AFE-BE73-6D35A447232D}"/>
               </a:ext>
             </a:extLst>
           </p:cNvPr>
@@ -11278,60 +11183,1741 @@
             <p:ph type="title"/>
           </p:nvPr>
         </p:nvSpPr>
-        <p:spPr/>
+        <p:spPr>
+          <a:xfrm>
+            <a:off x="1794897" y="624110"/>
+            <a:ext cx="9712998" cy="1280890"/>
+          </a:xfrm>
+        </p:spPr>
         <p:txBody>
-          <a:bodyPr/>
+          <a:bodyPr>
+            <a:normAutofit/>
+          </a:bodyPr>
           <a:lstStyle/>
           <a:p>
             <a:r>
-              <a:rPr lang="nl-NL"/>
-              <a:t>Questions?</a:t>
+              <a:rPr lang="nl-NL" dirty="0" err="1"/>
+              <a:t>Upper</a:t>
+            </a:r>
+            <a:r>
+              <a:rPr lang="nl-NL" dirty="0"/>
+              <a:t> &amp; </a:t>
+            </a:r>
+            <a:r>
+              <a:rPr lang="nl-NL" dirty="0" err="1"/>
+              <a:t>Lowerbound</a:t>
+            </a:r>
+            <a:r>
+              <a:rPr lang="nl-NL" dirty="0"/>
+              <a:t> (Wijk 1)</a:t>
             </a:r>
           </a:p>
         </p:txBody>
       </p:sp>
-      <p:sp>
-        <p:nvSpPr>
-          <p:cNvPr id="3" name="Tijdelijke aanduiding voor inhoud 2">
+      <p:graphicFrame>
+        <p:nvGraphicFramePr>
+          <p:cNvPr id="4" name="Tijdelijke aanduiding voor inhoud 3">
             <a:extLst>
               <a:ext uri="{FF2B5EF4-FFF2-40B4-BE49-F238E27FC236}">
-                <a16:creationId xmlns:a16="http://schemas.microsoft.com/office/drawing/2014/main" xmlns="" id="{FCAA3D2D-3FEC-4EB3-88D0-8A0E062EEEB9}"/>
+                <a16:creationId xmlns:a16="http://schemas.microsoft.com/office/drawing/2014/main" id="{79472ED2-02E7-4456-BA95-EA0A1586F0EF}"/>
               </a:ext>
             </a:extLst>
           </p:cNvPr>
-          <p:cNvSpPr>
-            <a:spLocks noGrp="1"/>
-          </p:cNvSpPr>
+          <p:cNvGraphicFramePr>
+            <a:graphicFrameLocks noGrp="1"/>
+          </p:cNvGraphicFramePr>
           <p:nvPr>
             <p:ph idx="1"/>
           </p:nvPr>
-        </p:nvSpPr>
-        <p:spPr/>
+        </p:nvGraphicFramePr>
+        <p:xfrm>
+          <a:off x="1794897" y="1806205"/>
+          <a:ext cx="7314379" cy="1396392"/>
+        </p:xfrm>
+        <a:graphic>
+          <a:graphicData uri="http://schemas.openxmlformats.org/drawingml/2006/table">
+            <a:tbl>
+              <a:tblPr firstRow="1" firstCol="1" bandRow="1">
+                <a:tableStyleId>{2A488322-F2BA-4B5B-9748-0D474271808F}</a:tableStyleId>
+              </a:tblPr>
+              <a:tblGrid>
+                <a:gridCol w="1462626">
+                  <a:extLst>
+                    <a:ext uri="{9D8B030D-6E8A-4147-A177-3AD203B41FA5}">
+                      <a16:colId xmlns:a16="http://schemas.microsoft.com/office/drawing/2014/main" val="3680339574"/>
+                    </a:ext>
+                  </a:extLst>
+                </a:gridCol>
+                <a:gridCol w="1911132">
+                  <a:extLst>
+                    <a:ext uri="{9D8B030D-6E8A-4147-A177-3AD203B41FA5}">
+                      <a16:colId xmlns:a16="http://schemas.microsoft.com/office/drawing/2014/main" val="3839829552"/>
+                    </a:ext>
+                  </a:extLst>
+                </a:gridCol>
+                <a:gridCol w="1914246">
+                  <a:extLst>
+                    <a:ext uri="{9D8B030D-6E8A-4147-A177-3AD203B41FA5}">
+                      <a16:colId xmlns:a16="http://schemas.microsoft.com/office/drawing/2014/main" val="2441312454"/>
+                    </a:ext>
+                  </a:extLst>
+                </a:gridCol>
+                <a:gridCol w="2026375">
+                  <a:extLst>
+                    <a:ext uri="{9D8B030D-6E8A-4147-A177-3AD203B41FA5}">
+                      <a16:colId xmlns:a16="http://schemas.microsoft.com/office/drawing/2014/main" val="2034120623"/>
+                    </a:ext>
+                  </a:extLst>
+                </a:gridCol>
+              </a:tblGrid>
+              <a:tr h="320223">
+                <a:tc>
+                  <a:txBody>
+                    <a:bodyPr/>
+                    <a:lstStyle/>
+                    <a:p>
+                      <a:pPr algn="l" fontAlgn="t">
+                        <a:lnSpc>
+                          <a:spcPct val="107000"/>
+                        </a:lnSpc>
+                        <a:spcBef>
+                          <a:spcPts val="0"/>
+                        </a:spcBef>
+                        <a:spcAft>
+                          <a:spcPts val="0"/>
+                        </a:spcAft>
+                      </a:pPr>
+                      <a:endParaRPr lang="nl-NL" sz="2000" b="0" i="0" u="none" strike="noStrike" dirty="0">
+                        <a:effectLst/>
+                        <a:latin typeface="Arial" panose="020B0604020202020204" pitchFamily="34" charset="0"/>
+                      </a:endParaRPr>
+                    </a:p>
+                  </a:txBody>
+                  <a:tcPr marL="165328" marR="165328" marT="22962" marB="0"/>
+                </a:tc>
+                <a:tc>
+                  <a:txBody>
+                    <a:bodyPr/>
+                    <a:lstStyle/>
+                    <a:p>
+                      <a:pPr algn="l" fontAlgn="t">
+                        <a:lnSpc>
+                          <a:spcPct val="107000"/>
+                        </a:lnSpc>
+                        <a:spcBef>
+                          <a:spcPts val="0"/>
+                        </a:spcBef>
+                        <a:spcAft>
+                          <a:spcPts val="0"/>
+                        </a:spcAft>
+                      </a:pPr>
+                      <a:r>
+                        <a:rPr lang="nl-NL" sz="2000" u="none" strike="noStrike" dirty="0" err="1">
+                          <a:effectLst/>
+                        </a:rPr>
+                        <a:t>Lowerbound</a:t>
+                      </a:r>
+                      <a:endParaRPr lang="nl-NL" sz="2000" b="0" i="0" u="none" strike="noStrike" dirty="0">
+                        <a:effectLst/>
+                        <a:latin typeface="Arial" panose="020B0604020202020204" pitchFamily="34" charset="0"/>
+                      </a:endParaRPr>
+                    </a:p>
+                  </a:txBody>
+                  <a:tcPr marL="165328" marR="165328" marT="22962" marB="0"/>
+                </a:tc>
+                <a:tc>
+                  <a:txBody>
+                    <a:bodyPr/>
+                    <a:lstStyle/>
+                    <a:p>
+                      <a:pPr algn="l" fontAlgn="t">
+                        <a:lnSpc>
+                          <a:spcPct val="107000"/>
+                        </a:lnSpc>
+                        <a:spcBef>
+                          <a:spcPts val="0"/>
+                        </a:spcBef>
+                        <a:spcAft>
+                          <a:spcPts val="0"/>
+                        </a:spcAft>
+                      </a:pPr>
+                      <a:r>
+                        <a:rPr lang="nl-NL" sz="2000" u="none" strike="noStrike" dirty="0" err="1">
+                          <a:effectLst/>
+                        </a:rPr>
+                        <a:t>Upperbound</a:t>
+                      </a:r>
+                      <a:endParaRPr lang="nl-NL" sz="2000" b="0" i="0" u="none" strike="noStrike" dirty="0">
+                        <a:effectLst/>
+                        <a:latin typeface="Arial" panose="020B0604020202020204" pitchFamily="34" charset="0"/>
+                      </a:endParaRPr>
+                    </a:p>
+                  </a:txBody>
+                  <a:tcPr marL="165328" marR="165328" marT="22962" marB="0"/>
+                </a:tc>
+                <a:tc>
+                  <a:txBody>
+                    <a:bodyPr/>
+                    <a:lstStyle/>
+                    <a:p>
+                      <a:pPr algn="l" fontAlgn="t">
+                        <a:lnSpc>
+                          <a:spcPct val="107000"/>
+                        </a:lnSpc>
+                        <a:spcBef>
+                          <a:spcPts val="0"/>
+                        </a:spcBef>
+                        <a:spcAft>
+                          <a:spcPts val="0"/>
+                        </a:spcAft>
+                      </a:pPr>
+                      <a:r>
+                        <a:rPr lang="nl-NL" sz="2000" u="none" strike="noStrike" dirty="0">
+                          <a:effectLst/>
+                        </a:rPr>
+                        <a:t>Totale kosten</a:t>
+                      </a:r>
+                      <a:endParaRPr lang="nl-NL" sz="2000" b="0" i="0" u="none" strike="noStrike" dirty="0">
+                        <a:effectLst/>
+                        <a:latin typeface="Arial" panose="020B0604020202020204" pitchFamily="34" charset="0"/>
+                      </a:endParaRPr>
+                    </a:p>
+                  </a:txBody>
+                  <a:tcPr marL="165328" marR="165328" marT="22962" marB="0"/>
+                </a:tc>
+                <a:extLst>
+                  <a:ext uri="{0D108BD9-81ED-4DB2-BD59-A6C34878D82A}">
+                    <a16:rowId xmlns:a16="http://schemas.microsoft.com/office/drawing/2014/main" val="865451461"/>
+                  </a:ext>
+                </a:extLst>
+              </a:tr>
+              <a:tr h="320223">
+                <a:tc>
+                  <a:txBody>
+                    <a:bodyPr/>
+                    <a:lstStyle/>
+                    <a:p>
+                      <a:pPr algn="l" fontAlgn="t">
+                        <a:lnSpc>
+                          <a:spcPct val="107000"/>
+                        </a:lnSpc>
+                        <a:spcBef>
+                          <a:spcPts val="0"/>
+                        </a:spcBef>
+                        <a:spcAft>
+                          <a:spcPts val="0"/>
+                        </a:spcAft>
+                      </a:pPr>
+                      <a:r>
+                        <a:rPr lang="nl-NL" sz="2000" u="none" strike="noStrike">
+                          <a:effectLst/>
+                        </a:rPr>
+                        <a:t>Greedy</a:t>
+                      </a:r>
+                      <a:endParaRPr lang="nl-NL" sz="2000" b="0" i="0" u="none" strike="noStrike">
+                        <a:effectLst/>
+                        <a:latin typeface="Arial" panose="020B0604020202020204" pitchFamily="34" charset="0"/>
+                      </a:endParaRPr>
+                    </a:p>
+                  </a:txBody>
+                  <a:tcPr marL="165328" marR="165328" marT="22962" marB="0"/>
+                </a:tc>
+                <a:tc>
+                  <a:txBody>
+                    <a:bodyPr/>
+                    <a:lstStyle/>
+                    <a:p>
+                      <a:pPr algn="l" fontAlgn="t">
+                        <a:lnSpc>
+                          <a:spcPct val="107000"/>
+                        </a:lnSpc>
+                        <a:spcBef>
+                          <a:spcPts val="0"/>
+                        </a:spcBef>
+                        <a:spcAft>
+                          <a:spcPts val="0"/>
+                        </a:spcAft>
+                      </a:pPr>
+                      <a:r>
+                        <a:rPr lang="nl-NL" sz="2000" u="none" strike="noStrike">
+                          <a:effectLst/>
+                        </a:rPr>
+                        <a:t>53 188</a:t>
+                      </a:r>
+                      <a:endParaRPr lang="nl-NL" sz="2000" b="0" i="0" u="none" strike="noStrike">
+                        <a:effectLst/>
+                        <a:latin typeface="Arial" panose="020B0604020202020204" pitchFamily="34" charset="0"/>
+                      </a:endParaRPr>
+                    </a:p>
+                  </a:txBody>
+                  <a:tcPr marL="165328" marR="165328" marT="22962" marB="0"/>
+                </a:tc>
+                <a:tc>
+                  <a:txBody>
+                    <a:bodyPr/>
+                    <a:lstStyle/>
+                    <a:p>
+                      <a:pPr algn="l" fontAlgn="t">
+                        <a:lnSpc>
+                          <a:spcPct val="107000"/>
+                        </a:lnSpc>
+                        <a:spcBef>
+                          <a:spcPts val="0"/>
+                        </a:spcBef>
+                        <a:spcAft>
+                          <a:spcPts val="0"/>
+                        </a:spcAft>
+                      </a:pPr>
+                      <a:r>
+                        <a:rPr lang="nl-NL" sz="2000" u="none" strike="noStrike">
+                          <a:effectLst/>
+                        </a:rPr>
+                        <a:t>103 030</a:t>
+                      </a:r>
+                      <a:endParaRPr lang="nl-NL" sz="2000" b="0" i="0" u="none" strike="noStrike">
+                        <a:effectLst/>
+                        <a:latin typeface="Arial" panose="020B0604020202020204" pitchFamily="34" charset="0"/>
+                      </a:endParaRPr>
+                    </a:p>
+                  </a:txBody>
+                  <a:tcPr marL="165328" marR="165328" marT="22962" marB="0"/>
+                </a:tc>
+                <a:tc>
+                  <a:txBody>
+                    <a:bodyPr/>
+                    <a:lstStyle/>
+                    <a:p>
+                      <a:pPr algn="l" fontAlgn="t">
+                        <a:lnSpc>
+                          <a:spcPct val="107000"/>
+                        </a:lnSpc>
+                        <a:spcBef>
+                          <a:spcPts val="0"/>
+                        </a:spcBef>
+                        <a:spcAft>
+                          <a:spcPts val="0"/>
+                        </a:spcAft>
+                      </a:pPr>
+                      <a:r>
+                        <a:rPr lang="nl-NL" sz="2000" u="none" strike="noStrike" dirty="0">
+                          <a:effectLst/>
+                        </a:rPr>
+                        <a:t>59 722</a:t>
+                      </a:r>
+                      <a:endParaRPr lang="nl-NL" sz="2000" b="0" i="0" u="none" strike="noStrike" dirty="0">
+                        <a:effectLst/>
+                        <a:latin typeface="Arial" panose="020B0604020202020204" pitchFamily="34" charset="0"/>
+                      </a:endParaRPr>
+                    </a:p>
+                  </a:txBody>
+                  <a:tcPr marL="165328" marR="165328" marT="22962" marB="0"/>
+                </a:tc>
+                <a:extLst>
+                  <a:ext uri="{0D108BD9-81ED-4DB2-BD59-A6C34878D82A}">
+                    <a16:rowId xmlns:a16="http://schemas.microsoft.com/office/drawing/2014/main" val="888071665"/>
+                  </a:ext>
+                </a:extLst>
+              </a:tr>
+              <a:tr h="320223">
+                <a:tc>
+                  <a:txBody>
+                    <a:bodyPr/>
+                    <a:lstStyle/>
+                    <a:p>
+                      <a:pPr algn="l" fontAlgn="t">
+                        <a:lnSpc>
+                          <a:spcPct val="107000"/>
+                        </a:lnSpc>
+                        <a:spcBef>
+                          <a:spcPts val="0"/>
+                        </a:spcBef>
+                        <a:spcAft>
+                          <a:spcPts val="0"/>
+                        </a:spcAft>
+                      </a:pPr>
+                      <a:r>
+                        <a:rPr lang="nl-NL" sz="2000" u="none" strike="noStrike">
+                          <a:effectLst/>
+                        </a:rPr>
+                        <a:t>K-means</a:t>
+                      </a:r>
+                      <a:endParaRPr lang="nl-NL" sz="2000" b="0" i="0" u="none" strike="noStrike">
+                        <a:effectLst/>
+                        <a:latin typeface="Arial" panose="020B0604020202020204" pitchFamily="34" charset="0"/>
+                      </a:endParaRPr>
+                    </a:p>
+                  </a:txBody>
+                  <a:tcPr marL="165328" marR="165328" marT="22962" marB="0"/>
+                </a:tc>
+                <a:tc>
+                  <a:txBody>
+                    <a:bodyPr/>
+                    <a:lstStyle/>
+                    <a:p>
+                      <a:pPr algn="l" fontAlgn="t">
+                        <a:lnSpc>
+                          <a:spcPct val="107000"/>
+                        </a:lnSpc>
+                        <a:spcBef>
+                          <a:spcPts val="0"/>
+                        </a:spcBef>
+                        <a:spcAft>
+                          <a:spcPts val="0"/>
+                        </a:spcAft>
+                      </a:pPr>
+                      <a:r>
+                        <a:rPr lang="nl-NL" sz="2000" u="none" strike="noStrike">
+                          <a:effectLst/>
+                        </a:rPr>
+                        <a:t>40 606</a:t>
+                      </a:r>
+                      <a:endParaRPr lang="nl-NL" sz="2000" b="0" i="0" u="none" strike="noStrike">
+                        <a:effectLst/>
+                        <a:latin typeface="Arial" panose="020B0604020202020204" pitchFamily="34" charset="0"/>
+                      </a:endParaRPr>
+                    </a:p>
+                  </a:txBody>
+                  <a:tcPr marL="165328" marR="165328" marT="22962" marB="0"/>
+                </a:tc>
+                <a:tc>
+                  <a:txBody>
+                    <a:bodyPr/>
+                    <a:lstStyle/>
+                    <a:p>
+                      <a:pPr algn="l" fontAlgn="t">
+                        <a:lnSpc>
+                          <a:spcPct val="107000"/>
+                        </a:lnSpc>
+                        <a:spcBef>
+                          <a:spcPts val="0"/>
+                        </a:spcBef>
+                        <a:spcAft>
+                          <a:spcPts val="0"/>
+                        </a:spcAft>
+                      </a:pPr>
+                      <a:r>
+                        <a:rPr lang="nl-NL" sz="2000" u="none" strike="noStrike">
+                          <a:effectLst/>
+                        </a:rPr>
+                        <a:t>90 394</a:t>
+                      </a:r>
+                      <a:endParaRPr lang="nl-NL" sz="2000" b="0" i="0" u="none" strike="noStrike">
+                        <a:effectLst/>
+                        <a:latin typeface="Arial" panose="020B0604020202020204" pitchFamily="34" charset="0"/>
+                      </a:endParaRPr>
+                    </a:p>
+                  </a:txBody>
+                  <a:tcPr marL="165328" marR="165328" marT="22962" marB="0"/>
+                </a:tc>
+                <a:tc>
+                  <a:txBody>
+                    <a:bodyPr/>
+                    <a:lstStyle/>
+                    <a:p>
+                      <a:pPr algn="l" fontAlgn="t">
+                        <a:lnSpc>
+                          <a:spcPct val="107000"/>
+                        </a:lnSpc>
+                        <a:spcBef>
+                          <a:spcPts val="0"/>
+                        </a:spcBef>
+                        <a:spcAft>
+                          <a:spcPts val="0"/>
+                        </a:spcAft>
+                      </a:pPr>
+                      <a:r>
+                        <a:rPr lang="nl-NL" sz="2000" u="none" strike="noStrike" dirty="0">
+                          <a:effectLst/>
+                        </a:rPr>
+                        <a:t>42 730</a:t>
+                      </a:r>
+                      <a:endParaRPr lang="nl-NL" sz="2000" b="0" i="0" u="none" strike="noStrike" dirty="0">
+                        <a:effectLst/>
+                        <a:latin typeface="Arial" panose="020B0604020202020204" pitchFamily="34" charset="0"/>
+                      </a:endParaRPr>
+                    </a:p>
+                  </a:txBody>
+                  <a:tcPr marL="165328" marR="165328" marT="22962" marB="0"/>
+                </a:tc>
+                <a:extLst>
+                  <a:ext uri="{0D108BD9-81ED-4DB2-BD59-A6C34878D82A}">
+                    <a16:rowId xmlns:a16="http://schemas.microsoft.com/office/drawing/2014/main" val="4098292308"/>
+                  </a:ext>
+                </a:extLst>
+              </a:tr>
+              <a:tr h="320223">
+                <a:tc>
+                  <a:txBody>
+                    <a:bodyPr/>
+                    <a:lstStyle/>
+                    <a:p>
+                      <a:pPr algn="l" fontAlgn="t">
+                        <a:lnSpc>
+                          <a:spcPct val="107000"/>
+                        </a:lnSpc>
+                        <a:spcBef>
+                          <a:spcPts val="0"/>
+                        </a:spcBef>
+                        <a:spcAft>
+                          <a:spcPts val="0"/>
+                        </a:spcAft>
+                      </a:pPr>
+                      <a:r>
+                        <a:rPr lang="nl-NL" sz="2000" u="none" strike="noStrike">
+                          <a:effectLst/>
+                        </a:rPr>
+                        <a:t>HAC</a:t>
+                      </a:r>
+                      <a:endParaRPr lang="nl-NL" sz="2000" b="0" i="0" u="none" strike="noStrike">
+                        <a:effectLst/>
+                        <a:latin typeface="Arial" panose="020B0604020202020204" pitchFamily="34" charset="0"/>
+                      </a:endParaRPr>
+                    </a:p>
+                  </a:txBody>
+                  <a:tcPr marL="165328" marR="165328" marT="22962" marB="0"/>
+                </a:tc>
+                <a:tc>
+                  <a:txBody>
+                    <a:bodyPr/>
+                    <a:lstStyle/>
+                    <a:p>
+                      <a:pPr algn="l" fontAlgn="t">
+                        <a:lnSpc>
+                          <a:spcPct val="107000"/>
+                        </a:lnSpc>
+                        <a:spcBef>
+                          <a:spcPts val="0"/>
+                        </a:spcBef>
+                        <a:spcAft>
+                          <a:spcPts val="0"/>
+                        </a:spcAft>
+                      </a:pPr>
+                      <a:r>
+                        <a:rPr lang="nl-NL" sz="2000" u="none" strike="noStrike">
+                          <a:effectLst/>
+                        </a:rPr>
+                        <a:t>23 364</a:t>
+                      </a:r>
+                      <a:endParaRPr lang="nl-NL" sz="2000" b="0" i="0" u="none" strike="noStrike">
+                        <a:effectLst/>
+                        <a:latin typeface="Arial" panose="020B0604020202020204" pitchFamily="34" charset="0"/>
+                      </a:endParaRPr>
+                    </a:p>
+                  </a:txBody>
+                  <a:tcPr marL="165328" marR="165328" marT="22962" marB="0"/>
+                </a:tc>
+                <a:tc>
+                  <a:txBody>
+                    <a:bodyPr/>
+                    <a:lstStyle/>
+                    <a:p>
+                      <a:pPr algn="l" fontAlgn="t">
+                        <a:lnSpc>
+                          <a:spcPct val="107000"/>
+                        </a:lnSpc>
+                        <a:spcBef>
+                          <a:spcPts val="0"/>
+                        </a:spcBef>
+                        <a:spcAft>
+                          <a:spcPts val="0"/>
+                        </a:spcAft>
+                      </a:pPr>
+                      <a:r>
+                        <a:rPr lang="nl-NL" sz="2000" u="none" strike="noStrike">
+                          <a:effectLst/>
+                        </a:rPr>
+                        <a:t>59 976</a:t>
+                      </a:r>
+                      <a:endParaRPr lang="nl-NL" sz="2000" b="0" i="0" u="none" strike="noStrike">
+                        <a:effectLst/>
+                        <a:latin typeface="Arial" panose="020B0604020202020204" pitchFamily="34" charset="0"/>
+                      </a:endParaRPr>
+                    </a:p>
+                  </a:txBody>
+                  <a:tcPr marL="165328" marR="165328" marT="22962" marB="0"/>
+                </a:tc>
+                <a:tc>
+                  <a:txBody>
+                    <a:bodyPr/>
+                    <a:lstStyle/>
+                    <a:p>
+                      <a:pPr algn="l" fontAlgn="t">
+                        <a:lnSpc>
+                          <a:spcPct val="107000"/>
+                        </a:lnSpc>
+                        <a:spcBef>
+                          <a:spcPts val="0"/>
+                        </a:spcBef>
+                        <a:spcAft>
+                          <a:spcPts val="0"/>
+                        </a:spcAft>
+                      </a:pPr>
+                      <a:r>
+                        <a:rPr lang="nl-NL" sz="2000" u="none" strike="noStrike" dirty="0">
+                          <a:effectLst/>
+                        </a:rPr>
+                        <a:t>23 364</a:t>
+                      </a:r>
+                      <a:endParaRPr lang="nl-NL" sz="2000" b="0" i="0" u="none" strike="noStrike" dirty="0">
+                        <a:effectLst/>
+                        <a:latin typeface="Arial" panose="020B0604020202020204" pitchFamily="34" charset="0"/>
+                      </a:endParaRPr>
+                    </a:p>
+                  </a:txBody>
+                  <a:tcPr marL="165328" marR="165328" marT="22962" marB="0"/>
+                </a:tc>
+                <a:extLst>
+                  <a:ext uri="{0D108BD9-81ED-4DB2-BD59-A6C34878D82A}">
+                    <a16:rowId xmlns:a16="http://schemas.microsoft.com/office/drawing/2014/main" val="3304878207"/>
+                  </a:ext>
+                </a:extLst>
+              </a:tr>
+            </a:tbl>
+          </a:graphicData>
+        </a:graphic>
+      </p:graphicFrame>
+      <p:graphicFrame>
+        <p:nvGraphicFramePr>
+          <p:cNvPr id="5" name="Tabel 4">
+            <a:extLst>
+              <a:ext uri="{FF2B5EF4-FFF2-40B4-BE49-F238E27FC236}">
+                <a16:creationId xmlns:a16="http://schemas.microsoft.com/office/drawing/2014/main" id="{37CA6023-9628-45FC-ACAC-7713483E9906}"/>
+              </a:ext>
+            </a:extLst>
+          </p:cNvPr>
+          <p:cNvGraphicFramePr>
+            <a:graphicFrameLocks noGrp="1"/>
+          </p:cNvGraphicFramePr>
+          <p:nvPr/>
+        </p:nvGraphicFramePr>
+        <p:xfrm>
+          <a:off x="1794896" y="3655404"/>
+          <a:ext cx="9548294" cy="2477262"/>
+        </p:xfrm>
+        <a:graphic>
+          <a:graphicData uri="http://schemas.openxmlformats.org/drawingml/2006/table">
+            <a:tbl>
+              <a:tblPr firstRow="1" firstCol="1" bandRow="1">
+                <a:tableStyleId>{2A488322-F2BA-4B5B-9748-0D474271808F}</a:tableStyleId>
+              </a:tblPr>
+              <a:tblGrid>
+                <a:gridCol w="2386563">
+                  <a:extLst>
+                    <a:ext uri="{9D8B030D-6E8A-4147-A177-3AD203B41FA5}">
+                      <a16:colId xmlns:a16="http://schemas.microsoft.com/office/drawing/2014/main" val="3802749690"/>
+                    </a:ext>
+                  </a:extLst>
+                </a:gridCol>
+                <a:gridCol w="2386563">
+                  <a:extLst>
+                    <a:ext uri="{9D8B030D-6E8A-4147-A177-3AD203B41FA5}">
+                      <a16:colId xmlns:a16="http://schemas.microsoft.com/office/drawing/2014/main" val="1679841015"/>
+                    </a:ext>
+                  </a:extLst>
+                </a:gridCol>
+                <a:gridCol w="2387584">
+                  <a:extLst>
+                    <a:ext uri="{9D8B030D-6E8A-4147-A177-3AD203B41FA5}">
+                      <a16:colId xmlns:a16="http://schemas.microsoft.com/office/drawing/2014/main" val="3975249192"/>
+                    </a:ext>
+                  </a:extLst>
+                </a:gridCol>
+                <a:gridCol w="2387584">
+                  <a:extLst>
+                    <a:ext uri="{9D8B030D-6E8A-4147-A177-3AD203B41FA5}">
+                      <a16:colId xmlns:a16="http://schemas.microsoft.com/office/drawing/2014/main" val="3777327271"/>
+                    </a:ext>
+                  </a:extLst>
+                </a:gridCol>
+              </a:tblGrid>
+              <a:tr h="240078">
+                <a:tc>
+                  <a:txBody>
+                    <a:bodyPr/>
+                    <a:lstStyle/>
+                    <a:p>
+                      <a:pPr algn="l">
+                        <a:lnSpc>
+                          <a:spcPct val="107000"/>
+                        </a:lnSpc>
+                        <a:spcAft>
+                          <a:spcPts val="0"/>
+                        </a:spcAft>
+                      </a:pPr>
+                      <a:endParaRPr lang="nl-NL" sz="2000" dirty="0">
+                        <a:effectLst/>
+                        <a:latin typeface="Calibri" panose="020F0502020204030204" pitchFamily="34" charset="0"/>
+                        <a:ea typeface="Calibri" panose="020F0502020204030204" pitchFamily="34" charset="0"/>
+                        <a:cs typeface="Times New Roman" panose="02020603050405020304" pitchFamily="18" charset="0"/>
+                      </a:endParaRPr>
+                    </a:p>
+                  </a:txBody>
+                  <a:tcPr marL="68580" marR="68580" marT="0" marB="0"/>
+                </a:tc>
+                <a:tc>
+                  <a:txBody>
+                    <a:bodyPr/>
+                    <a:lstStyle/>
+                    <a:p>
+                      <a:pPr algn="l">
+                        <a:lnSpc>
+                          <a:spcPct val="107000"/>
+                        </a:lnSpc>
+                        <a:spcAft>
+                          <a:spcPts val="0"/>
+                        </a:spcAft>
+                      </a:pPr>
+                      <a:r>
+                        <a:rPr lang="nl-NL" sz="2000">
+                          <a:effectLst/>
+                        </a:rPr>
+                        <a:t>Max capacity</a:t>
+                      </a:r>
+                      <a:endParaRPr lang="nl-NL" sz="2000">
+                        <a:effectLst/>
+                        <a:latin typeface="Calibri" panose="020F0502020204030204" pitchFamily="34" charset="0"/>
+                        <a:ea typeface="Calibri" panose="020F0502020204030204" pitchFamily="34" charset="0"/>
+                        <a:cs typeface="Times New Roman" panose="02020603050405020304" pitchFamily="18" charset="0"/>
+                      </a:endParaRPr>
+                    </a:p>
+                  </a:txBody>
+                  <a:tcPr marL="68580" marR="68580" marT="0" marB="0"/>
+                </a:tc>
+                <a:tc>
+                  <a:txBody>
+                    <a:bodyPr/>
+                    <a:lstStyle/>
+                    <a:p>
+                      <a:pPr algn="l">
+                        <a:lnSpc>
+                          <a:spcPct val="107000"/>
+                        </a:lnSpc>
+                        <a:spcAft>
+                          <a:spcPts val="0"/>
+                        </a:spcAft>
+                      </a:pPr>
+                      <a:r>
+                        <a:rPr lang="nl-NL" sz="2000">
+                          <a:effectLst/>
+                        </a:rPr>
+                        <a:t>Current usage</a:t>
+                      </a:r>
+                      <a:endParaRPr lang="nl-NL" sz="2000">
+                        <a:effectLst/>
+                        <a:latin typeface="Calibri" panose="020F0502020204030204" pitchFamily="34" charset="0"/>
+                        <a:ea typeface="Calibri" panose="020F0502020204030204" pitchFamily="34" charset="0"/>
+                        <a:cs typeface="Times New Roman" panose="02020603050405020304" pitchFamily="18" charset="0"/>
+                      </a:endParaRPr>
+                    </a:p>
+                  </a:txBody>
+                  <a:tcPr marL="68580" marR="68580" marT="0" marB="0"/>
+                </a:tc>
+                <a:tc>
+                  <a:txBody>
+                    <a:bodyPr/>
+                    <a:lstStyle/>
+                    <a:p>
+                      <a:pPr algn="l">
+                        <a:lnSpc>
+                          <a:spcPct val="107000"/>
+                        </a:lnSpc>
+                        <a:spcAft>
+                          <a:spcPts val="0"/>
+                        </a:spcAft>
+                      </a:pPr>
+                      <a:r>
+                        <a:rPr lang="nl-NL" sz="2000" dirty="0" err="1">
+                          <a:effectLst/>
+                        </a:rPr>
+                        <a:t>Available</a:t>
+                      </a:r>
+                      <a:r>
+                        <a:rPr lang="nl-NL" sz="2000" dirty="0">
+                          <a:effectLst/>
+                        </a:rPr>
+                        <a:t> </a:t>
+                      </a:r>
+                      <a:r>
+                        <a:rPr lang="nl-NL" sz="2000" dirty="0" err="1">
+                          <a:effectLst/>
+                        </a:rPr>
+                        <a:t>space</a:t>
+                      </a:r>
+                      <a:endParaRPr lang="nl-NL" sz="2000" dirty="0">
+                        <a:effectLst/>
+                        <a:latin typeface="Calibri" panose="020F0502020204030204" pitchFamily="34" charset="0"/>
+                        <a:ea typeface="Calibri" panose="020F0502020204030204" pitchFamily="34" charset="0"/>
+                        <a:cs typeface="Times New Roman" panose="02020603050405020304" pitchFamily="18" charset="0"/>
+                      </a:endParaRPr>
+                    </a:p>
+                  </a:txBody>
+                  <a:tcPr marL="68580" marR="68580" marT="0" marB="0"/>
+                </a:tc>
+                <a:extLst>
+                  <a:ext uri="{0D108BD9-81ED-4DB2-BD59-A6C34878D82A}">
+                    <a16:rowId xmlns:a16="http://schemas.microsoft.com/office/drawing/2014/main" val="4220542179"/>
+                  </a:ext>
+                </a:extLst>
+              </a:tr>
+              <a:tr h="240257">
+                <a:tc>
+                  <a:txBody>
+                    <a:bodyPr/>
+                    <a:lstStyle/>
+                    <a:p>
+                      <a:pPr algn="l">
+                        <a:lnSpc>
+                          <a:spcPct val="107000"/>
+                        </a:lnSpc>
+                        <a:spcAft>
+                          <a:spcPts val="0"/>
+                        </a:spcAft>
+                      </a:pPr>
+                      <a:r>
+                        <a:rPr lang="nl-NL" sz="2000">
+                          <a:effectLst/>
+                        </a:rPr>
+                        <a:t>Batterij 0</a:t>
+                      </a:r>
+                      <a:endParaRPr lang="nl-NL" sz="2000">
+                        <a:effectLst/>
+                        <a:latin typeface="Calibri" panose="020F0502020204030204" pitchFamily="34" charset="0"/>
+                        <a:ea typeface="Calibri" panose="020F0502020204030204" pitchFamily="34" charset="0"/>
+                        <a:cs typeface="Times New Roman" panose="02020603050405020304" pitchFamily="18" charset="0"/>
+                      </a:endParaRPr>
+                    </a:p>
+                  </a:txBody>
+                  <a:tcPr marL="68580" marR="68580" marT="0" marB="0"/>
+                </a:tc>
+                <a:tc>
+                  <a:txBody>
+                    <a:bodyPr/>
+                    <a:lstStyle/>
+                    <a:p>
+                      <a:pPr algn="l">
+                        <a:lnSpc>
+                          <a:spcPct val="107000"/>
+                        </a:lnSpc>
+                        <a:spcAft>
+                          <a:spcPts val="0"/>
+                        </a:spcAft>
+                      </a:pPr>
+                      <a:r>
+                        <a:rPr lang="nl-NL" sz="2000">
+                          <a:effectLst/>
+                        </a:rPr>
+                        <a:t>900</a:t>
+                      </a:r>
+                      <a:endParaRPr lang="nl-NL" sz="2000">
+                        <a:effectLst/>
+                        <a:latin typeface="Calibri" panose="020F0502020204030204" pitchFamily="34" charset="0"/>
+                        <a:ea typeface="Calibri" panose="020F0502020204030204" pitchFamily="34" charset="0"/>
+                        <a:cs typeface="Times New Roman" panose="02020603050405020304" pitchFamily="18" charset="0"/>
+                      </a:endParaRPr>
+                    </a:p>
+                  </a:txBody>
+                  <a:tcPr marL="68580" marR="68580" marT="0" marB="0"/>
+                </a:tc>
+                <a:tc>
+                  <a:txBody>
+                    <a:bodyPr/>
+                    <a:lstStyle/>
+                    <a:p>
+                      <a:pPr algn="l">
+                        <a:lnSpc>
+                          <a:spcPct val="107000"/>
+                        </a:lnSpc>
+                        <a:spcAft>
+                          <a:spcPts val="0"/>
+                        </a:spcAft>
+                      </a:pPr>
+                      <a:r>
+                        <a:rPr lang="nl-NL" sz="2000">
+                          <a:effectLst/>
+                        </a:rPr>
+                        <a:t>635,6</a:t>
+                      </a:r>
+                      <a:endParaRPr lang="nl-NL" sz="2000">
+                        <a:effectLst/>
+                        <a:latin typeface="Calibri" panose="020F0502020204030204" pitchFamily="34" charset="0"/>
+                        <a:ea typeface="Calibri" panose="020F0502020204030204" pitchFamily="34" charset="0"/>
+                        <a:cs typeface="Times New Roman" panose="02020603050405020304" pitchFamily="18" charset="0"/>
+                      </a:endParaRPr>
+                    </a:p>
+                  </a:txBody>
+                  <a:tcPr marL="68580" marR="68580" marT="0" marB="0"/>
+                </a:tc>
+                <a:tc>
+                  <a:txBody>
+                    <a:bodyPr/>
+                    <a:lstStyle/>
+                    <a:p>
+                      <a:pPr algn="l">
+                        <a:lnSpc>
+                          <a:spcPct val="107000"/>
+                        </a:lnSpc>
+                        <a:spcAft>
+                          <a:spcPts val="0"/>
+                        </a:spcAft>
+                      </a:pPr>
+                      <a:r>
+                        <a:rPr lang="nl-NL" sz="2000" dirty="0">
+                          <a:effectLst/>
+                        </a:rPr>
+                        <a:t>264,4</a:t>
+                      </a:r>
+                      <a:endParaRPr lang="nl-NL" sz="2000" dirty="0">
+                        <a:effectLst/>
+                        <a:latin typeface="Calibri" panose="020F0502020204030204" pitchFamily="34" charset="0"/>
+                        <a:ea typeface="Calibri" panose="020F0502020204030204" pitchFamily="34" charset="0"/>
+                        <a:cs typeface="Times New Roman" panose="02020603050405020304" pitchFamily="18" charset="0"/>
+                      </a:endParaRPr>
+                    </a:p>
+                  </a:txBody>
+                  <a:tcPr marL="68580" marR="68580" marT="0" marB="0"/>
+                </a:tc>
+                <a:extLst>
+                  <a:ext uri="{0D108BD9-81ED-4DB2-BD59-A6C34878D82A}">
+                    <a16:rowId xmlns:a16="http://schemas.microsoft.com/office/drawing/2014/main" val="2213316836"/>
+                  </a:ext>
+                </a:extLst>
+              </a:tr>
+              <a:tr h="240257">
+                <a:tc>
+                  <a:txBody>
+                    <a:bodyPr/>
+                    <a:lstStyle/>
+                    <a:p>
+                      <a:pPr algn="l">
+                        <a:lnSpc>
+                          <a:spcPct val="107000"/>
+                        </a:lnSpc>
+                        <a:spcAft>
+                          <a:spcPts val="0"/>
+                        </a:spcAft>
+                      </a:pPr>
+                      <a:r>
+                        <a:rPr lang="nl-NL" sz="2000">
+                          <a:effectLst/>
+                        </a:rPr>
+                        <a:t>Batterij 1</a:t>
+                      </a:r>
+                      <a:endParaRPr lang="nl-NL" sz="2000">
+                        <a:effectLst/>
+                        <a:latin typeface="Calibri" panose="020F0502020204030204" pitchFamily="34" charset="0"/>
+                        <a:ea typeface="Calibri" panose="020F0502020204030204" pitchFamily="34" charset="0"/>
+                        <a:cs typeface="Times New Roman" panose="02020603050405020304" pitchFamily="18" charset="0"/>
+                      </a:endParaRPr>
+                    </a:p>
+                  </a:txBody>
+                  <a:tcPr marL="68580" marR="68580" marT="0" marB="0"/>
+                </a:tc>
+                <a:tc>
+                  <a:txBody>
+                    <a:bodyPr/>
+                    <a:lstStyle/>
+                    <a:p>
+                      <a:pPr algn="l">
+                        <a:lnSpc>
+                          <a:spcPct val="107000"/>
+                        </a:lnSpc>
+                        <a:spcAft>
+                          <a:spcPts val="0"/>
+                        </a:spcAft>
+                      </a:pPr>
+                      <a:r>
+                        <a:rPr lang="nl-NL" sz="2000">
+                          <a:effectLst/>
+                        </a:rPr>
+                        <a:t>1800</a:t>
+                      </a:r>
+                      <a:endParaRPr lang="nl-NL" sz="2000">
+                        <a:effectLst/>
+                        <a:latin typeface="Calibri" panose="020F0502020204030204" pitchFamily="34" charset="0"/>
+                        <a:ea typeface="Calibri" panose="020F0502020204030204" pitchFamily="34" charset="0"/>
+                        <a:cs typeface="Times New Roman" panose="02020603050405020304" pitchFamily="18" charset="0"/>
+                      </a:endParaRPr>
+                    </a:p>
+                  </a:txBody>
+                  <a:tcPr marL="68580" marR="68580" marT="0" marB="0"/>
+                </a:tc>
+                <a:tc>
+                  <a:txBody>
+                    <a:bodyPr/>
+                    <a:lstStyle/>
+                    <a:p>
+                      <a:pPr algn="l">
+                        <a:lnSpc>
+                          <a:spcPct val="107000"/>
+                        </a:lnSpc>
+                        <a:spcAft>
+                          <a:spcPts val="0"/>
+                        </a:spcAft>
+                      </a:pPr>
+                      <a:r>
+                        <a:rPr lang="nl-NL" sz="2000">
+                          <a:effectLst/>
+                        </a:rPr>
+                        <a:t>1216,8</a:t>
+                      </a:r>
+                      <a:endParaRPr lang="nl-NL" sz="2000">
+                        <a:effectLst/>
+                        <a:latin typeface="Calibri" panose="020F0502020204030204" pitchFamily="34" charset="0"/>
+                        <a:ea typeface="Calibri" panose="020F0502020204030204" pitchFamily="34" charset="0"/>
+                        <a:cs typeface="Times New Roman" panose="02020603050405020304" pitchFamily="18" charset="0"/>
+                      </a:endParaRPr>
+                    </a:p>
+                  </a:txBody>
+                  <a:tcPr marL="68580" marR="68580" marT="0" marB="0"/>
+                </a:tc>
+                <a:tc>
+                  <a:txBody>
+                    <a:bodyPr/>
+                    <a:lstStyle/>
+                    <a:p>
+                      <a:pPr algn="l">
+                        <a:lnSpc>
+                          <a:spcPct val="107000"/>
+                        </a:lnSpc>
+                        <a:spcAft>
+                          <a:spcPts val="0"/>
+                        </a:spcAft>
+                      </a:pPr>
+                      <a:r>
+                        <a:rPr lang="nl-NL" sz="2000" dirty="0">
+                          <a:effectLst/>
+                        </a:rPr>
+                        <a:t>583,2</a:t>
+                      </a:r>
+                      <a:endParaRPr lang="nl-NL" sz="2000" dirty="0">
+                        <a:effectLst/>
+                        <a:latin typeface="Calibri" panose="020F0502020204030204" pitchFamily="34" charset="0"/>
+                        <a:ea typeface="Calibri" panose="020F0502020204030204" pitchFamily="34" charset="0"/>
+                        <a:cs typeface="Times New Roman" panose="02020603050405020304" pitchFamily="18" charset="0"/>
+                      </a:endParaRPr>
+                    </a:p>
+                  </a:txBody>
+                  <a:tcPr marL="68580" marR="68580" marT="0" marB="0"/>
+                </a:tc>
+                <a:extLst>
+                  <a:ext uri="{0D108BD9-81ED-4DB2-BD59-A6C34878D82A}">
+                    <a16:rowId xmlns:a16="http://schemas.microsoft.com/office/drawing/2014/main" val="3293602434"/>
+                  </a:ext>
+                </a:extLst>
+              </a:tr>
+              <a:tr h="240257">
+                <a:tc>
+                  <a:txBody>
+                    <a:bodyPr/>
+                    <a:lstStyle/>
+                    <a:p>
+                      <a:pPr algn="l">
+                        <a:lnSpc>
+                          <a:spcPct val="107000"/>
+                        </a:lnSpc>
+                        <a:spcAft>
+                          <a:spcPts val="0"/>
+                        </a:spcAft>
+                      </a:pPr>
+                      <a:r>
+                        <a:rPr lang="nl-NL" sz="2000">
+                          <a:effectLst/>
+                        </a:rPr>
+                        <a:t>Batterij 2</a:t>
+                      </a:r>
+                      <a:endParaRPr lang="nl-NL" sz="2000">
+                        <a:effectLst/>
+                        <a:latin typeface="Calibri" panose="020F0502020204030204" pitchFamily="34" charset="0"/>
+                        <a:ea typeface="Calibri" panose="020F0502020204030204" pitchFamily="34" charset="0"/>
+                        <a:cs typeface="Times New Roman" panose="02020603050405020304" pitchFamily="18" charset="0"/>
+                      </a:endParaRPr>
+                    </a:p>
+                  </a:txBody>
+                  <a:tcPr marL="68580" marR="68580" marT="0" marB="0"/>
+                </a:tc>
+                <a:tc>
+                  <a:txBody>
+                    <a:bodyPr/>
+                    <a:lstStyle/>
+                    <a:p>
+                      <a:pPr algn="l">
+                        <a:lnSpc>
+                          <a:spcPct val="107000"/>
+                        </a:lnSpc>
+                        <a:spcAft>
+                          <a:spcPts val="0"/>
+                        </a:spcAft>
+                      </a:pPr>
+                      <a:r>
+                        <a:rPr lang="nl-NL" sz="2000">
+                          <a:effectLst/>
+                        </a:rPr>
+                        <a:t>900</a:t>
+                      </a:r>
+                      <a:endParaRPr lang="nl-NL" sz="2000">
+                        <a:effectLst/>
+                        <a:latin typeface="Calibri" panose="020F0502020204030204" pitchFamily="34" charset="0"/>
+                        <a:ea typeface="Calibri" panose="020F0502020204030204" pitchFamily="34" charset="0"/>
+                        <a:cs typeface="Times New Roman" panose="02020603050405020304" pitchFamily="18" charset="0"/>
+                      </a:endParaRPr>
+                    </a:p>
+                  </a:txBody>
+                  <a:tcPr marL="68580" marR="68580" marT="0" marB="0"/>
+                </a:tc>
+                <a:tc>
+                  <a:txBody>
+                    <a:bodyPr/>
+                    <a:lstStyle/>
+                    <a:p>
+                      <a:pPr algn="l">
+                        <a:lnSpc>
+                          <a:spcPct val="107000"/>
+                        </a:lnSpc>
+                        <a:spcAft>
+                          <a:spcPts val="0"/>
+                        </a:spcAft>
+                      </a:pPr>
+                      <a:r>
+                        <a:rPr lang="nl-NL" sz="2000">
+                          <a:effectLst/>
+                        </a:rPr>
+                        <a:t>795,2</a:t>
+                      </a:r>
+                      <a:endParaRPr lang="nl-NL" sz="2000">
+                        <a:effectLst/>
+                        <a:latin typeface="Calibri" panose="020F0502020204030204" pitchFamily="34" charset="0"/>
+                        <a:ea typeface="Calibri" panose="020F0502020204030204" pitchFamily="34" charset="0"/>
+                        <a:cs typeface="Times New Roman" panose="02020603050405020304" pitchFamily="18" charset="0"/>
+                      </a:endParaRPr>
+                    </a:p>
+                  </a:txBody>
+                  <a:tcPr marL="68580" marR="68580" marT="0" marB="0"/>
+                </a:tc>
+                <a:tc>
+                  <a:txBody>
+                    <a:bodyPr/>
+                    <a:lstStyle/>
+                    <a:p>
+                      <a:pPr algn="l">
+                        <a:lnSpc>
+                          <a:spcPct val="107000"/>
+                        </a:lnSpc>
+                        <a:spcAft>
+                          <a:spcPts val="0"/>
+                        </a:spcAft>
+                      </a:pPr>
+                      <a:r>
+                        <a:rPr lang="nl-NL" sz="2000" dirty="0">
+                          <a:effectLst/>
+                        </a:rPr>
+                        <a:t>104,8</a:t>
+                      </a:r>
+                      <a:endParaRPr lang="nl-NL" sz="2000" dirty="0">
+                        <a:effectLst/>
+                        <a:latin typeface="Calibri" panose="020F0502020204030204" pitchFamily="34" charset="0"/>
+                        <a:ea typeface="Calibri" panose="020F0502020204030204" pitchFamily="34" charset="0"/>
+                        <a:cs typeface="Times New Roman" panose="02020603050405020304" pitchFamily="18" charset="0"/>
+                      </a:endParaRPr>
+                    </a:p>
+                  </a:txBody>
+                  <a:tcPr marL="68580" marR="68580" marT="0" marB="0"/>
+                </a:tc>
+                <a:extLst>
+                  <a:ext uri="{0D108BD9-81ED-4DB2-BD59-A6C34878D82A}">
+                    <a16:rowId xmlns:a16="http://schemas.microsoft.com/office/drawing/2014/main" val="2287710828"/>
+                  </a:ext>
+                </a:extLst>
+              </a:tr>
+              <a:tr h="240257">
+                <a:tc>
+                  <a:txBody>
+                    <a:bodyPr/>
+                    <a:lstStyle/>
+                    <a:p>
+                      <a:pPr algn="l">
+                        <a:lnSpc>
+                          <a:spcPct val="107000"/>
+                        </a:lnSpc>
+                        <a:spcAft>
+                          <a:spcPts val="0"/>
+                        </a:spcAft>
+                      </a:pPr>
+                      <a:r>
+                        <a:rPr lang="nl-NL" sz="2000">
+                          <a:effectLst/>
+                        </a:rPr>
+                        <a:t>Batterij 3</a:t>
+                      </a:r>
+                      <a:endParaRPr lang="nl-NL" sz="2000">
+                        <a:effectLst/>
+                        <a:latin typeface="Calibri" panose="020F0502020204030204" pitchFamily="34" charset="0"/>
+                        <a:ea typeface="Calibri" panose="020F0502020204030204" pitchFamily="34" charset="0"/>
+                        <a:cs typeface="Times New Roman" panose="02020603050405020304" pitchFamily="18" charset="0"/>
+                      </a:endParaRPr>
+                    </a:p>
+                  </a:txBody>
+                  <a:tcPr marL="68580" marR="68580" marT="0" marB="0"/>
+                </a:tc>
+                <a:tc>
+                  <a:txBody>
+                    <a:bodyPr/>
+                    <a:lstStyle/>
+                    <a:p>
+                      <a:pPr algn="l">
+                        <a:lnSpc>
+                          <a:spcPct val="107000"/>
+                        </a:lnSpc>
+                        <a:spcAft>
+                          <a:spcPts val="0"/>
+                        </a:spcAft>
+                      </a:pPr>
+                      <a:r>
+                        <a:rPr lang="nl-NL" sz="2000">
+                          <a:effectLst/>
+                        </a:rPr>
+                        <a:t>900</a:t>
+                      </a:r>
+                      <a:endParaRPr lang="nl-NL" sz="2000">
+                        <a:effectLst/>
+                        <a:latin typeface="Calibri" panose="020F0502020204030204" pitchFamily="34" charset="0"/>
+                        <a:ea typeface="Calibri" panose="020F0502020204030204" pitchFamily="34" charset="0"/>
+                        <a:cs typeface="Times New Roman" panose="02020603050405020304" pitchFamily="18" charset="0"/>
+                      </a:endParaRPr>
+                    </a:p>
+                  </a:txBody>
+                  <a:tcPr marL="68580" marR="68580" marT="0" marB="0"/>
+                </a:tc>
+                <a:tc>
+                  <a:txBody>
+                    <a:bodyPr/>
+                    <a:lstStyle/>
+                    <a:p>
+                      <a:pPr algn="l">
+                        <a:lnSpc>
+                          <a:spcPct val="107000"/>
+                        </a:lnSpc>
+                        <a:spcAft>
+                          <a:spcPts val="0"/>
+                        </a:spcAft>
+                      </a:pPr>
+                      <a:r>
+                        <a:rPr lang="nl-NL" sz="2000">
+                          <a:effectLst/>
+                        </a:rPr>
+                        <a:t>819,8</a:t>
+                      </a:r>
+                      <a:endParaRPr lang="nl-NL" sz="2000">
+                        <a:effectLst/>
+                        <a:latin typeface="Calibri" panose="020F0502020204030204" pitchFamily="34" charset="0"/>
+                        <a:ea typeface="Calibri" panose="020F0502020204030204" pitchFamily="34" charset="0"/>
+                        <a:cs typeface="Times New Roman" panose="02020603050405020304" pitchFamily="18" charset="0"/>
+                      </a:endParaRPr>
+                    </a:p>
+                  </a:txBody>
+                  <a:tcPr marL="68580" marR="68580" marT="0" marB="0"/>
+                </a:tc>
+                <a:tc>
+                  <a:txBody>
+                    <a:bodyPr/>
+                    <a:lstStyle/>
+                    <a:p>
+                      <a:pPr algn="l">
+                        <a:lnSpc>
+                          <a:spcPct val="107000"/>
+                        </a:lnSpc>
+                        <a:spcAft>
+                          <a:spcPts val="0"/>
+                        </a:spcAft>
+                      </a:pPr>
+                      <a:r>
+                        <a:rPr lang="nl-NL" sz="2000" dirty="0">
+                          <a:solidFill>
+                            <a:srgbClr val="FF0000"/>
+                          </a:solidFill>
+                          <a:effectLst/>
+                        </a:rPr>
+                        <a:t>80,8</a:t>
+                      </a:r>
+                      <a:endParaRPr lang="nl-NL" sz="2000" dirty="0">
+                        <a:solidFill>
+                          <a:srgbClr val="FF0000"/>
+                        </a:solidFill>
+                        <a:effectLst/>
+                        <a:latin typeface="Calibri" panose="020F0502020204030204" pitchFamily="34" charset="0"/>
+                        <a:ea typeface="Calibri" panose="020F0502020204030204" pitchFamily="34" charset="0"/>
+                        <a:cs typeface="Times New Roman" panose="02020603050405020304" pitchFamily="18" charset="0"/>
+                      </a:endParaRPr>
+                    </a:p>
+                  </a:txBody>
+                  <a:tcPr marL="68580" marR="68580" marT="0" marB="0"/>
+                </a:tc>
+                <a:extLst>
+                  <a:ext uri="{0D108BD9-81ED-4DB2-BD59-A6C34878D82A}">
+                    <a16:rowId xmlns:a16="http://schemas.microsoft.com/office/drawing/2014/main" val="4060046098"/>
+                  </a:ext>
+                </a:extLst>
+              </a:tr>
+              <a:tr h="240257">
+                <a:tc>
+                  <a:txBody>
+                    <a:bodyPr/>
+                    <a:lstStyle/>
+                    <a:p>
+                      <a:pPr algn="l">
+                        <a:lnSpc>
+                          <a:spcPct val="107000"/>
+                        </a:lnSpc>
+                        <a:spcAft>
+                          <a:spcPts val="0"/>
+                        </a:spcAft>
+                      </a:pPr>
+                      <a:r>
+                        <a:rPr lang="nl-NL" sz="2000">
+                          <a:effectLst/>
+                        </a:rPr>
+                        <a:t>Batterij 4</a:t>
+                      </a:r>
+                      <a:endParaRPr lang="nl-NL" sz="2000">
+                        <a:effectLst/>
+                        <a:latin typeface="Calibri" panose="020F0502020204030204" pitchFamily="34" charset="0"/>
+                        <a:ea typeface="Calibri" panose="020F0502020204030204" pitchFamily="34" charset="0"/>
+                        <a:cs typeface="Times New Roman" panose="02020603050405020304" pitchFamily="18" charset="0"/>
+                      </a:endParaRPr>
+                    </a:p>
+                  </a:txBody>
+                  <a:tcPr marL="68580" marR="68580" marT="0" marB="0"/>
+                </a:tc>
+                <a:tc>
+                  <a:txBody>
+                    <a:bodyPr/>
+                    <a:lstStyle/>
+                    <a:p>
+                      <a:pPr algn="l">
+                        <a:lnSpc>
+                          <a:spcPct val="107000"/>
+                        </a:lnSpc>
+                        <a:spcAft>
+                          <a:spcPts val="0"/>
+                        </a:spcAft>
+                      </a:pPr>
+                      <a:r>
+                        <a:rPr lang="nl-NL" sz="2000">
+                          <a:effectLst/>
+                        </a:rPr>
+                        <a:t>1800</a:t>
+                      </a:r>
+                      <a:endParaRPr lang="nl-NL" sz="2000">
+                        <a:effectLst/>
+                        <a:latin typeface="Calibri" panose="020F0502020204030204" pitchFamily="34" charset="0"/>
+                        <a:ea typeface="Calibri" panose="020F0502020204030204" pitchFamily="34" charset="0"/>
+                        <a:cs typeface="Times New Roman" panose="02020603050405020304" pitchFamily="18" charset="0"/>
+                      </a:endParaRPr>
+                    </a:p>
+                  </a:txBody>
+                  <a:tcPr marL="68580" marR="68580" marT="0" marB="0"/>
+                </a:tc>
+                <a:tc>
+                  <a:txBody>
+                    <a:bodyPr/>
+                    <a:lstStyle/>
+                    <a:p>
+                      <a:pPr algn="l">
+                        <a:lnSpc>
+                          <a:spcPct val="107000"/>
+                        </a:lnSpc>
+                        <a:spcAft>
+                          <a:spcPts val="0"/>
+                        </a:spcAft>
+                      </a:pPr>
+                      <a:r>
+                        <a:rPr lang="nl-NL" sz="2000">
+                          <a:effectLst/>
+                        </a:rPr>
+                        <a:t>1298,9</a:t>
+                      </a:r>
+                      <a:endParaRPr lang="nl-NL" sz="2000">
+                        <a:effectLst/>
+                        <a:latin typeface="Calibri" panose="020F0502020204030204" pitchFamily="34" charset="0"/>
+                        <a:ea typeface="Calibri" panose="020F0502020204030204" pitchFamily="34" charset="0"/>
+                        <a:cs typeface="Times New Roman" panose="02020603050405020304" pitchFamily="18" charset="0"/>
+                      </a:endParaRPr>
+                    </a:p>
+                  </a:txBody>
+                  <a:tcPr marL="68580" marR="68580" marT="0" marB="0"/>
+                </a:tc>
+                <a:tc>
+                  <a:txBody>
+                    <a:bodyPr/>
+                    <a:lstStyle/>
+                    <a:p>
+                      <a:pPr algn="l">
+                        <a:lnSpc>
+                          <a:spcPct val="107000"/>
+                        </a:lnSpc>
+                        <a:spcAft>
+                          <a:spcPts val="0"/>
+                        </a:spcAft>
+                      </a:pPr>
+                      <a:r>
+                        <a:rPr lang="nl-NL" sz="2000" dirty="0">
+                          <a:effectLst/>
+                        </a:rPr>
+                        <a:t>501,1</a:t>
+                      </a:r>
+                      <a:endParaRPr lang="nl-NL" sz="2000" dirty="0">
+                        <a:effectLst/>
+                        <a:latin typeface="Calibri" panose="020F0502020204030204" pitchFamily="34" charset="0"/>
+                        <a:ea typeface="Calibri" panose="020F0502020204030204" pitchFamily="34" charset="0"/>
+                        <a:cs typeface="Times New Roman" panose="02020603050405020304" pitchFamily="18" charset="0"/>
+                      </a:endParaRPr>
+                    </a:p>
+                  </a:txBody>
+                  <a:tcPr marL="68580" marR="68580" marT="0" marB="0"/>
+                </a:tc>
+                <a:extLst>
+                  <a:ext uri="{0D108BD9-81ED-4DB2-BD59-A6C34878D82A}">
+                    <a16:rowId xmlns:a16="http://schemas.microsoft.com/office/drawing/2014/main" val="196070283"/>
+                  </a:ext>
+                </a:extLst>
+              </a:tr>
+              <a:tr h="240257">
+                <a:tc>
+                  <a:txBody>
+                    <a:bodyPr/>
+                    <a:lstStyle/>
+                    <a:p>
+                      <a:pPr algn="l">
+                        <a:lnSpc>
+                          <a:spcPct val="107000"/>
+                        </a:lnSpc>
+                        <a:spcAft>
+                          <a:spcPts val="0"/>
+                        </a:spcAft>
+                      </a:pPr>
+                      <a:r>
+                        <a:rPr lang="nl-NL" sz="2000">
+                          <a:effectLst/>
+                        </a:rPr>
+                        <a:t>Batterij 5</a:t>
+                      </a:r>
+                      <a:endParaRPr lang="nl-NL" sz="2000">
+                        <a:effectLst/>
+                        <a:latin typeface="Calibri" panose="020F0502020204030204" pitchFamily="34" charset="0"/>
+                        <a:ea typeface="Calibri" panose="020F0502020204030204" pitchFamily="34" charset="0"/>
+                        <a:cs typeface="Times New Roman" panose="02020603050405020304" pitchFamily="18" charset="0"/>
+                      </a:endParaRPr>
+                    </a:p>
+                  </a:txBody>
+                  <a:tcPr marL="68580" marR="68580" marT="0" marB="0"/>
+                </a:tc>
+                <a:tc>
+                  <a:txBody>
+                    <a:bodyPr/>
+                    <a:lstStyle/>
+                    <a:p>
+                      <a:pPr algn="l">
+                        <a:lnSpc>
+                          <a:spcPct val="107000"/>
+                        </a:lnSpc>
+                        <a:spcAft>
+                          <a:spcPts val="0"/>
+                        </a:spcAft>
+                      </a:pPr>
+                      <a:r>
+                        <a:rPr lang="nl-NL" sz="2000">
+                          <a:effectLst/>
+                        </a:rPr>
+                        <a:t>1800</a:t>
+                      </a:r>
+                      <a:endParaRPr lang="nl-NL" sz="2000">
+                        <a:effectLst/>
+                        <a:latin typeface="Calibri" panose="020F0502020204030204" pitchFamily="34" charset="0"/>
+                        <a:ea typeface="Calibri" panose="020F0502020204030204" pitchFamily="34" charset="0"/>
+                        <a:cs typeface="Times New Roman" panose="02020603050405020304" pitchFamily="18" charset="0"/>
+                      </a:endParaRPr>
+                    </a:p>
+                  </a:txBody>
+                  <a:tcPr marL="68580" marR="68580" marT="0" marB="0"/>
+                </a:tc>
+                <a:tc>
+                  <a:txBody>
+                    <a:bodyPr/>
+                    <a:lstStyle/>
+                    <a:p>
+                      <a:pPr algn="l">
+                        <a:lnSpc>
+                          <a:spcPct val="107000"/>
+                        </a:lnSpc>
+                        <a:spcAft>
+                          <a:spcPts val="0"/>
+                        </a:spcAft>
+                      </a:pPr>
+                      <a:r>
+                        <a:rPr lang="nl-NL" sz="2000">
+                          <a:effectLst/>
+                        </a:rPr>
+                        <a:t>1135,5</a:t>
+                      </a:r>
+                      <a:endParaRPr lang="nl-NL" sz="2000">
+                        <a:effectLst/>
+                        <a:latin typeface="Calibri" panose="020F0502020204030204" pitchFamily="34" charset="0"/>
+                        <a:ea typeface="Calibri" panose="020F0502020204030204" pitchFamily="34" charset="0"/>
+                        <a:cs typeface="Times New Roman" panose="02020603050405020304" pitchFamily="18" charset="0"/>
+                      </a:endParaRPr>
+                    </a:p>
+                  </a:txBody>
+                  <a:tcPr marL="68580" marR="68580" marT="0" marB="0"/>
+                </a:tc>
+                <a:tc>
+                  <a:txBody>
+                    <a:bodyPr/>
+                    <a:lstStyle/>
+                    <a:p>
+                      <a:pPr algn="l">
+                        <a:lnSpc>
+                          <a:spcPct val="107000"/>
+                        </a:lnSpc>
+                        <a:spcAft>
+                          <a:spcPts val="0"/>
+                        </a:spcAft>
+                      </a:pPr>
+                      <a:r>
+                        <a:rPr lang="nl-NL" sz="2000" dirty="0">
+                          <a:effectLst/>
+                        </a:rPr>
+                        <a:t>664,5</a:t>
+                      </a:r>
+                      <a:endParaRPr lang="nl-NL" sz="2000" dirty="0">
+                        <a:effectLst/>
+                        <a:latin typeface="Calibri" panose="020F0502020204030204" pitchFamily="34" charset="0"/>
+                        <a:ea typeface="Calibri" panose="020F0502020204030204" pitchFamily="34" charset="0"/>
+                        <a:cs typeface="Times New Roman" panose="02020603050405020304" pitchFamily="18" charset="0"/>
+                      </a:endParaRPr>
+                    </a:p>
+                  </a:txBody>
+                  <a:tcPr marL="68580" marR="68580" marT="0" marB="0"/>
+                </a:tc>
+                <a:extLst>
+                  <a:ext uri="{0D108BD9-81ED-4DB2-BD59-A6C34878D82A}">
+                    <a16:rowId xmlns:a16="http://schemas.microsoft.com/office/drawing/2014/main" val="3535696391"/>
+                  </a:ext>
+                </a:extLst>
+              </a:tr>
+              <a:tr h="240257">
+                <a:tc>
+                  <a:txBody>
+                    <a:bodyPr/>
+                    <a:lstStyle/>
+                    <a:p>
+                      <a:pPr algn="l">
+                        <a:lnSpc>
+                          <a:spcPct val="107000"/>
+                        </a:lnSpc>
+                        <a:spcAft>
+                          <a:spcPts val="0"/>
+                        </a:spcAft>
+                      </a:pPr>
+                      <a:r>
+                        <a:rPr lang="nl-NL" sz="2000" dirty="0">
+                          <a:effectLst/>
+                        </a:rPr>
+                        <a:t>Batterij 6</a:t>
+                      </a:r>
+                      <a:endParaRPr lang="nl-NL" sz="2000" dirty="0">
+                        <a:effectLst/>
+                        <a:latin typeface="Calibri" panose="020F0502020204030204" pitchFamily="34" charset="0"/>
+                        <a:ea typeface="Calibri" panose="020F0502020204030204" pitchFamily="34" charset="0"/>
+                        <a:cs typeface="Times New Roman" panose="02020603050405020304" pitchFamily="18" charset="0"/>
+                      </a:endParaRPr>
+                    </a:p>
+                  </a:txBody>
+                  <a:tcPr marL="68580" marR="68580" marT="0" marB="0"/>
+                </a:tc>
+                <a:tc>
+                  <a:txBody>
+                    <a:bodyPr/>
+                    <a:lstStyle/>
+                    <a:p>
+                      <a:pPr algn="l">
+                        <a:lnSpc>
+                          <a:spcPct val="107000"/>
+                        </a:lnSpc>
+                        <a:spcAft>
+                          <a:spcPts val="0"/>
+                        </a:spcAft>
+                      </a:pPr>
+                      <a:r>
+                        <a:rPr lang="nl-NL" sz="2000">
+                          <a:effectLst/>
+                        </a:rPr>
+                        <a:t>900</a:t>
+                      </a:r>
+                      <a:endParaRPr lang="nl-NL" sz="2000">
+                        <a:effectLst/>
+                        <a:latin typeface="Calibri" panose="020F0502020204030204" pitchFamily="34" charset="0"/>
+                        <a:ea typeface="Calibri" panose="020F0502020204030204" pitchFamily="34" charset="0"/>
+                        <a:cs typeface="Times New Roman" panose="02020603050405020304" pitchFamily="18" charset="0"/>
+                      </a:endParaRPr>
+                    </a:p>
+                  </a:txBody>
+                  <a:tcPr marL="68580" marR="68580" marT="0" marB="0"/>
+                </a:tc>
+                <a:tc>
+                  <a:txBody>
+                    <a:bodyPr/>
+                    <a:lstStyle/>
+                    <a:p>
+                      <a:pPr algn="l">
+                        <a:lnSpc>
+                          <a:spcPct val="107000"/>
+                        </a:lnSpc>
+                        <a:spcAft>
+                          <a:spcPts val="0"/>
+                        </a:spcAft>
+                      </a:pPr>
+                      <a:r>
+                        <a:rPr lang="nl-NL" sz="2000">
+                          <a:effectLst/>
+                        </a:rPr>
+                        <a:t>423,7</a:t>
+                      </a:r>
+                      <a:endParaRPr lang="nl-NL" sz="2000">
+                        <a:effectLst/>
+                        <a:latin typeface="Calibri" panose="020F0502020204030204" pitchFamily="34" charset="0"/>
+                        <a:ea typeface="Calibri" panose="020F0502020204030204" pitchFamily="34" charset="0"/>
+                        <a:cs typeface="Times New Roman" panose="02020603050405020304" pitchFamily="18" charset="0"/>
+                      </a:endParaRPr>
+                    </a:p>
+                  </a:txBody>
+                  <a:tcPr marL="68580" marR="68580" marT="0" marB="0"/>
+                </a:tc>
+                <a:tc>
+                  <a:txBody>
+                    <a:bodyPr/>
+                    <a:lstStyle/>
+                    <a:p>
+                      <a:pPr algn="l">
+                        <a:lnSpc>
+                          <a:spcPct val="107000"/>
+                        </a:lnSpc>
+                        <a:spcAft>
+                          <a:spcPts val="0"/>
+                        </a:spcAft>
+                      </a:pPr>
+                      <a:r>
+                        <a:rPr lang="nl-NL" sz="2000" dirty="0">
+                          <a:effectLst/>
+                        </a:rPr>
+                        <a:t>476,3</a:t>
+                      </a:r>
+                      <a:endParaRPr lang="nl-NL" sz="2000" dirty="0">
+                        <a:effectLst/>
+                        <a:latin typeface="Calibri" panose="020F0502020204030204" pitchFamily="34" charset="0"/>
+                        <a:ea typeface="Calibri" panose="020F0502020204030204" pitchFamily="34" charset="0"/>
+                        <a:cs typeface="Times New Roman" panose="02020603050405020304" pitchFamily="18" charset="0"/>
+                      </a:endParaRPr>
+                    </a:p>
+                  </a:txBody>
+                  <a:tcPr marL="68580" marR="68580" marT="0" marB="0"/>
+                </a:tc>
+                <a:extLst>
+                  <a:ext uri="{0D108BD9-81ED-4DB2-BD59-A6C34878D82A}">
+                    <a16:rowId xmlns:a16="http://schemas.microsoft.com/office/drawing/2014/main" val="4074167832"/>
+                  </a:ext>
+                </a:extLst>
+              </a:tr>
+            </a:tbl>
+          </a:graphicData>
+        </a:graphic>
+      </p:graphicFrame>
+      <p:sp>
+        <p:nvSpPr>
+          <p:cNvPr id="6" name="Tekstvak 5">
+            <a:extLst>
+              <a:ext uri="{FF2B5EF4-FFF2-40B4-BE49-F238E27FC236}">
+                <a16:creationId xmlns:a16="http://schemas.microsoft.com/office/drawing/2014/main" id="{10D1692C-B1A9-4796-BC73-93B2EF0B0FBF}"/>
+              </a:ext>
+            </a:extLst>
+          </p:cNvPr>
+          <p:cNvSpPr txBox="1"/>
+          <p:nvPr/>
+        </p:nvSpPr>
+        <p:spPr>
+          <a:xfrm>
+            <a:off x="9452717" y="1767610"/>
+            <a:ext cx="1809450" cy="1200329"/>
+          </a:xfrm>
+          <a:prstGeom prst="rect">
+            <a:avLst/>
+          </a:prstGeom>
+          <a:noFill/>
+          <a:ln>
+            <a:solidFill>
+              <a:schemeClr val="accent6">
+                <a:lumMod val="75000"/>
+              </a:schemeClr>
+            </a:solidFill>
+          </a:ln>
+        </p:spPr>
         <p:txBody>
-          <a:bodyPr/>
+          <a:bodyPr wrap="square" rtlCol="0">
+            <a:spAutoFit/>
+          </a:bodyPr>
           <a:lstStyle/>
           <a:p>
-            <a:endParaRPr lang="nl-NL"/>
+            <a:r>
+              <a:rPr lang="nl-NL" b="1" dirty="0"/>
+              <a:t>Grootste huis</a:t>
+            </a:r>
+            <a:endParaRPr lang="nl-NL" dirty="0"/>
+          </a:p>
+          <a:p>
+            <a:pPr marL="285750" indent="-285750">
+              <a:buFont typeface="Wingdings" panose="05000000000000000000" pitchFamily="2" charset="2"/>
+              <a:buChar char="§"/>
+            </a:pPr>
+            <a:r>
+              <a:rPr lang="nl-NL" dirty="0"/>
+              <a:t>ID: 132</a:t>
+            </a:r>
+          </a:p>
+          <a:p>
+            <a:pPr marL="285750" indent="-285750">
+              <a:buFont typeface="Wingdings" panose="05000000000000000000" pitchFamily="2" charset="2"/>
+              <a:buChar char="§"/>
+            </a:pPr>
+            <a:r>
+              <a:rPr lang="nl-NL" dirty="0" err="1"/>
+              <a:t>Amp</a:t>
+            </a:r>
+            <a:r>
+              <a:rPr lang="nl-NL" dirty="0"/>
+              <a:t>: </a:t>
+            </a:r>
+            <a:r>
+              <a:rPr lang="nl-NL" dirty="0">
+                <a:solidFill>
+                  <a:srgbClr val="FF0000"/>
+                </a:solidFill>
+              </a:rPr>
+              <a:t>76,2</a:t>
+            </a:r>
+          </a:p>
+          <a:p>
+            <a:endParaRPr lang="nl-NL" dirty="0"/>
           </a:p>
         </p:txBody>
       </p:sp>
     </p:spTree>
     <p:extLst>
       <p:ext uri="{BB962C8B-B14F-4D97-AF65-F5344CB8AC3E}">
-        <p14:creationId xmlns:p14="http://schemas.microsoft.com/office/powerpoint/2010/main" val="2175462976"/>
+        <p14:creationId xmlns:p14="http://schemas.microsoft.com/office/powerpoint/2010/main" val="170775084"/>
       </p:ext>
     </p:extLst>
   </p:cSld>
   <p:clrMapOvr>
     <a:masterClrMapping/>
   </p:clrMapOvr>
-  <p:timing>
-    <p:tnLst>
-      <p:par>
-        <p:cTn id="1" dur="indefinite" restart="never" nodeType="tmRoot"/>
-      </p:par>
-    </p:tnLst>
-  </p:timing>
 </p:sld>
 </file>
 
@@ -11357,7 +12943,7 @@
           <p:cNvPr id="4" name="Afbeelding 4" descr="Afbeelding met kaart, tekst&#10;&#10;Beschrijving is gegenereerd met hoge betrouwbaarheid">
             <a:extLst>
               <a:ext uri="{FF2B5EF4-FFF2-40B4-BE49-F238E27FC236}">
-                <a16:creationId xmlns:a16="http://schemas.microsoft.com/office/drawing/2014/main" xmlns="" id="{744104A2-F3EC-4446-ACD8-07972D3E5DAE}"/>
+                <a16:creationId xmlns:a16="http://schemas.microsoft.com/office/drawing/2014/main" id="{744104A2-F3EC-4446-ACD8-07972D3E5DAE}"/>
               </a:ext>
             </a:extLst>
           </p:cNvPr>
@@ -11387,7 +12973,7 @@
           <p:cNvPr id="2" name="Titel 1">
             <a:extLst>
               <a:ext uri="{FF2B5EF4-FFF2-40B4-BE49-F238E27FC236}">
-                <a16:creationId xmlns:a16="http://schemas.microsoft.com/office/drawing/2014/main" xmlns="" id="{7154CB1A-48F2-4D7C-8DB3-D70F5FA31935}"/>
+                <a16:creationId xmlns:a16="http://schemas.microsoft.com/office/drawing/2014/main" id="{7154CB1A-48F2-4D7C-8DB3-D70F5FA31935}"/>
               </a:ext>
             </a:extLst>
           </p:cNvPr>
@@ -11419,7 +13005,7 @@
           <p:cNvPr id="3" name="Tijdelijke aanduiding voor inhoud 2">
             <a:extLst>
               <a:ext uri="{FF2B5EF4-FFF2-40B4-BE49-F238E27FC236}">
-                <a16:creationId xmlns:a16="http://schemas.microsoft.com/office/drawing/2014/main" xmlns="" id="{C1B2880A-7AED-4B51-BB52-B462DBB5D40E}"/>
+                <a16:creationId xmlns:a16="http://schemas.microsoft.com/office/drawing/2014/main" id="{C1B2880A-7AED-4B51-BB52-B462DBB5D40E}"/>
               </a:ext>
             </a:extLst>
           </p:cNvPr>
@@ -11451,7 +13037,7 @@
               <a:t>SmartGrid</a:t>
             </a:r>
             <a:r>
-              <a:rPr lang="nl-NL" dirty="0" smtClean="0"/>
+              <a:rPr lang="nl-NL" dirty="0"/>
               <a:t>?</a:t>
             </a:r>
           </a:p>
@@ -11460,10 +13046,9 @@
           </a:p>
           <a:p>
             <a:r>
-              <a:rPr lang="nl-NL" dirty="0" smtClean="0"/>
+              <a:rPr lang="nl-NL" dirty="0"/>
               <a:t>De case</a:t>
             </a:r>
-            <a:endParaRPr lang="nl-NL" dirty="0"/>
           </a:p>
           <a:p>
             <a:endParaRPr lang="nl-NL" dirty="0"/>
@@ -11486,13 +13071,89 @@
   <p:clrMapOvr>
     <a:masterClrMapping/>
   </p:clrMapOvr>
-  <p:timing>
-    <p:tnLst>
-      <p:par>
-        <p:cTn id="1" dur="indefinite" restart="never" nodeType="tmRoot"/>
-      </p:par>
-    </p:tnLst>
-  </p:timing>
+</p:sld>
+</file>
+
+<file path=ppt/slides/slide20.xml><?xml version="1.0" encoding="utf-8"?>
+<p:sld xmlns:a="http://schemas.openxmlformats.org/drawingml/2006/main" xmlns:r="http://schemas.openxmlformats.org/officeDocument/2006/relationships" xmlns:p="http://schemas.openxmlformats.org/presentationml/2006/main">
+  <p:cSld>
+    <p:spTree>
+      <p:nvGrpSpPr>
+        <p:cNvPr id="1" name=""/>
+        <p:cNvGrpSpPr/>
+        <p:nvPr/>
+      </p:nvGrpSpPr>
+      <p:grpSpPr>
+        <a:xfrm>
+          <a:off x="0" y="0"/>
+          <a:ext cx="0" cy="0"/>
+          <a:chOff x="0" y="0"/>
+          <a:chExt cx="0" cy="0"/>
+        </a:xfrm>
+      </p:grpSpPr>
+      <p:sp>
+        <p:nvSpPr>
+          <p:cNvPr id="2" name="Titel 1">
+            <a:extLst>
+              <a:ext uri="{FF2B5EF4-FFF2-40B4-BE49-F238E27FC236}">
+                <a16:creationId xmlns:a16="http://schemas.microsoft.com/office/drawing/2014/main" id="{81C56212-2D06-4563-A27A-2F81AD3C08F8}"/>
+              </a:ext>
+            </a:extLst>
+          </p:cNvPr>
+          <p:cNvSpPr>
+            <a:spLocks noGrp="1"/>
+          </p:cNvSpPr>
+          <p:nvPr>
+            <p:ph type="title"/>
+          </p:nvPr>
+        </p:nvSpPr>
+        <p:spPr/>
+        <p:txBody>
+          <a:bodyPr/>
+          <a:lstStyle/>
+          <a:p>
+            <a:r>
+              <a:rPr lang="nl-NL"/>
+              <a:t>Questions?</a:t>
+            </a:r>
+          </a:p>
+        </p:txBody>
+      </p:sp>
+      <p:sp>
+        <p:nvSpPr>
+          <p:cNvPr id="3" name="Tijdelijke aanduiding voor inhoud 2">
+            <a:extLst>
+              <a:ext uri="{FF2B5EF4-FFF2-40B4-BE49-F238E27FC236}">
+                <a16:creationId xmlns:a16="http://schemas.microsoft.com/office/drawing/2014/main" id="{FCAA3D2D-3FEC-4EB3-88D0-8A0E062EEEB9}"/>
+              </a:ext>
+            </a:extLst>
+          </p:cNvPr>
+          <p:cNvSpPr>
+            <a:spLocks noGrp="1"/>
+          </p:cNvSpPr>
+          <p:nvPr>
+            <p:ph idx="1"/>
+          </p:nvPr>
+        </p:nvSpPr>
+        <p:spPr/>
+        <p:txBody>
+          <a:bodyPr/>
+          <a:lstStyle/>
+          <a:p>
+            <a:endParaRPr lang="nl-NL"/>
+          </a:p>
+        </p:txBody>
+      </p:sp>
+    </p:spTree>
+    <p:extLst>
+      <p:ext uri="{BB962C8B-B14F-4D97-AF65-F5344CB8AC3E}">
+        <p14:creationId xmlns:p14="http://schemas.microsoft.com/office/powerpoint/2010/main" val="2175462976"/>
+      </p:ext>
+    </p:extLst>
+  </p:cSld>
+  <p:clrMapOvr>
+    <a:masterClrMapping/>
+  </p:clrMapOvr>
 </p:sld>
 </file>
 
@@ -11557,67 +13218,67 @@
           <a:lstStyle/>
           <a:p>
             <a:r>
-              <a:rPr lang="en-US" dirty="0" err="1" smtClean="0"/>
+              <a:rPr lang="en-US" dirty="0" err="1"/>
               <a:t>Verbind</a:t>
             </a:r>
             <a:r>
-              <a:rPr lang="en-US" dirty="0" smtClean="0"/>
+              <a:rPr lang="en-US" dirty="0"/>
               <a:t> </a:t>
             </a:r>
             <a:r>
-              <a:rPr lang="en-US" dirty="0" err="1" smtClean="0"/>
+              <a:rPr lang="en-US" dirty="0" err="1"/>
               <a:t>alle</a:t>
             </a:r>
             <a:r>
-              <a:rPr lang="en-US" dirty="0" smtClean="0"/>
+              <a:rPr lang="en-US" dirty="0"/>
               <a:t> </a:t>
             </a:r>
             <a:r>
-              <a:rPr lang="en-US" dirty="0" err="1" smtClean="0"/>
+              <a:rPr lang="en-US" dirty="0" err="1"/>
               <a:t>huizen</a:t>
             </a:r>
             <a:r>
-              <a:rPr lang="en-US" dirty="0" smtClean="0"/>
+              <a:rPr lang="en-US" dirty="0"/>
               <a:t> </a:t>
             </a:r>
             <a:r>
-              <a:rPr lang="en-US" dirty="0" err="1" smtClean="0"/>
+              <a:rPr lang="en-US" dirty="0" err="1"/>
               <a:t>aan</a:t>
             </a:r>
             <a:r>
-              <a:rPr lang="en-US" dirty="0" smtClean="0"/>
+              <a:rPr lang="en-US" dirty="0"/>
               <a:t> een </a:t>
             </a:r>
             <a:r>
-              <a:rPr lang="en-US" dirty="0" err="1" smtClean="0"/>
+              <a:rPr lang="en-US" dirty="0" err="1"/>
               <a:t>batterij</a:t>
             </a:r>
             <a:r>
-              <a:rPr lang="en-US" dirty="0" smtClean="0"/>
+              <a:rPr lang="en-US" dirty="0"/>
               <a:t>. (</a:t>
             </a:r>
             <a:r>
-              <a:rPr lang="en-US" dirty="0" err="1" smtClean="0"/>
+              <a:rPr lang="en-US" dirty="0" err="1"/>
               <a:t>zonder</a:t>
             </a:r>
             <a:r>
-              <a:rPr lang="en-US" dirty="0" smtClean="0"/>
+              <a:rPr lang="en-US" dirty="0"/>
               <a:t> de maximum </a:t>
             </a:r>
             <a:r>
-              <a:rPr lang="en-US" dirty="0" err="1" smtClean="0"/>
+              <a:rPr lang="en-US" dirty="0" err="1"/>
               <a:t>te</a:t>
             </a:r>
             <a:r>
-              <a:rPr lang="en-US" dirty="0" smtClean="0"/>
+              <a:rPr lang="en-US" dirty="0"/>
               <a:t> </a:t>
             </a:r>
             <a:r>
-              <a:rPr lang="en-US" dirty="0" err="1" smtClean="0"/>
+              <a:rPr lang="en-US" dirty="0" err="1"/>
               <a:t>overschrijden</a:t>
             </a:r>
             <a:r>
-              <a:rPr lang="en-US" dirty="0" smtClean="0"/>
+              <a:rPr lang="en-US" dirty="0"/>
               <a:t>)</a:t>
             </a:r>
           </a:p>
@@ -11626,111 +13287,111 @@
           </a:p>
           <a:p>
             <a:r>
-              <a:rPr lang="en-US" dirty="0" err="1" smtClean="0"/>
+              <a:rPr lang="en-US" dirty="0" err="1"/>
               <a:t>Optimaliseer</a:t>
             </a:r>
             <a:r>
-              <a:rPr lang="en-US" dirty="0" smtClean="0"/>
+              <a:rPr lang="en-US" dirty="0"/>
               <a:t> de </a:t>
             </a:r>
             <a:r>
-              <a:rPr lang="en-US" dirty="0" err="1" smtClean="0"/>
+              <a:rPr lang="en-US" dirty="0" err="1"/>
               <a:t>configuratie</a:t>
             </a:r>
             <a:r>
-              <a:rPr lang="en-US" dirty="0" smtClean="0"/>
+              <a:rPr lang="en-US" dirty="0"/>
               <a:t> van de </a:t>
             </a:r>
             <a:r>
-              <a:rPr lang="en-US" dirty="0" err="1" smtClean="0"/>
+              <a:rPr lang="en-US" dirty="0" err="1"/>
               <a:t>huizen</a:t>
             </a:r>
             <a:r>
-              <a:rPr lang="en-US" dirty="0" smtClean="0"/>
+              <a:rPr lang="en-US" dirty="0"/>
               <a:t> </a:t>
             </a:r>
             <a:r>
-              <a:rPr lang="en-US" dirty="0" err="1" smtClean="0"/>
+              <a:rPr lang="en-US" dirty="0" err="1"/>
               <a:t>en</a:t>
             </a:r>
             <a:r>
-              <a:rPr lang="en-US" dirty="0" smtClean="0"/>
+              <a:rPr lang="en-US" dirty="0"/>
               <a:t> </a:t>
             </a:r>
             <a:r>
-              <a:rPr lang="en-US" dirty="0" err="1" smtClean="0"/>
+              <a:rPr lang="en-US" dirty="0" err="1"/>
               <a:t>bereken</a:t>
             </a:r>
             <a:r>
-              <a:rPr lang="en-US" dirty="0" smtClean="0"/>
+              <a:rPr lang="en-US" dirty="0"/>
               <a:t> de </a:t>
             </a:r>
             <a:r>
-              <a:rPr lang="en-US" dirty="0" err="1" smtClean="0"/>
+              <a:rPr lang="en-US" dirty="0" err="1"/>
               <a:t>kosten</a:t>
             </a:r>
             <a:r>
-              <a:rPr lang="en-US" dirty="0" smtClean="0"/>
+              <a:rPr lang="en-US" dirty="0"/>
               <a:t>.</a:t>
             </a:r>
           </a:p>
           <a:p>
-            <a:endParaRPr lang="en-US" dirty="0" smtClean="0"/>
-          </a:p>
-          <a:p>
-            <a:r>
-              <a:rPr lang="en-US" dirty="0" err="1" smtClean="0"/>
+            <a:endParaRPr lang="en-US" dirty="0"/>
+          </a:p>
+          <a:p>
+            <a:r>
+              <a:rPr lang="en-US" dirty="0" err="1"/>
               <a:t>Verbeter</a:t>
             </a:r>
             <a:r>
-              <a:rPr lang="en-US" dirty="0" smtClean="0"/>
+              <a:rPr lang="en-US" dirty="0"/>
               <a:t> de </a:t>
             </a:r>
             <a:r>
-              <a:rPr lang="en-US" dirty="0" err="1" smtClean="0"/>
+              <a:rPr lang="en-US" dirty="0" err="1"/>
               <a:t>configuratie</a:t>
             </a:r>
             <a:r>
-              <a:rPr lang="en-US" dirty="0" smtClean="0"/>
+              <a:rPr lang="en-US" dirty="0"/>
               <a:t> door de </a:t>
             </a:r>
             <a:r>
-              <a:rPr lang="en-US" dirty="0" err="1" smtClean="0"/>
+              <a:rPr lang="en-US" dirty="0" err="1"/>
               <a:t>batterijen</a:t>
             </a:r>
             <a:r>
-              <a:rPr lang="en-US" dirty="0" smtClean="0"/>
+              <a:rPr lang="en-US" dirty="0"/>
               <a:t> op de </a:t>
             </a:r>
             <a:r>
-              <a:rPr lang="en-US" dirty="0" err="1" smtClean="0"/>
+              <a:rPr lang="en-US" dirty="0" err="1"/>
               <a:t>optimale</a:t>
             </a:r>
             <a:r>
-              <a:rPr lang="en-US" dirty="0" smtClean="0"/>
+              <a:rPr lang="en-US" dirty="0"/>
               <a:t> </a:t>
             </a:r>
             <a:r>
-              <a:rPr lang="en-US" dirty="0" err="1" smtClean="0"/>
+              <a:rPr lang="en-US" dirty="0" err="1"/>
               <a:t>locatie</a:t>
             </a:r>
             <a:r>
-              <a:rPr lang="en-US" dirty="0" smtClean="0"/>
+              <a:rPr lang="en-US" dirty="0"/>
               <a:t> </a:t>
             </a:r>
             <a:r>
-              <a:rPr lang="en-US" dirty="0" err="1" smtClean="0"/>
+              <a:rPr lang="en-US" dirty="0" err="1"/>
               <a:t>te</a:t>
             </a:r>
             <a:r>
-              <a:rPr lang="en-US" dirty="0" smtClean="0"/>
+              <a:rPr lang="en-US" dirty="0"/>
               <a:t> </a:t>
             </a:r>
             <a:r>
-              <a:rPr lang="en-US" dirty="0" err="1" smtClean="0"/>
+              <a:rPr lang="en-US" dirty="0" err="1"/>
               <a:t>plaatsen</a:t>
             </a:r>
-            <a:endParaRPr lang="en-US" dirty="0" smtClean="0"/>
+            <a:endParaRPr lang="en-US" dirty="0"/>
           </a:p>
         </p:txBody>
       </p:sp>
@@ -11757,37 +13418,37 @@
           <a:lstStyle/>
           <a:p>
             <a:r>
-              <a:rPr lang="en-US" dirty="0" err="1" smtClean="0"/>
+              <a:rPr lang="en-US" dirty="0" err="1"/>
               <a:t>Kosten</a:t>
             </a:r>
             <a:r>
-              <a:rPr lang="en-US" dirty="0" smtClean="0"/>
+              <a:rPr lang="en-US" dirty="0"/>
               <a:t>:</a:t>
             </a:r>
           </a:p>
           <a:p>
-            <a:endParaRPr lang="en-US" dirty="0" smtClean="0"/>
-          </a:p>
-          <a:p>
-            <a:r>
-              <a:rPr lang="en-US" dirty="0" err="1" smtClean="0"/>
+            <a:endParaRPr lang="en-US" dirty="0"/>
+          </a:p>
+          <a:p>
+            <a:r>
+              <a:rPr lang="en-US" dirty="0" err="1"/>
               <a:t>Batterij</a:t>
             </a:r>
             <a:r>
-              <a:rPr lang="en-US" dirty="0" smtClean="0"/>
+              <a:rPr lang="en-US" dirty="0"/>
               <a:t>: €5.000</a:t>
             </a:r>
           </a:p>
           <a:p>
-            <a:endParaRPr lang="en-US" dirty="0" smtClean="0"/>
-          </a:p>
-          <a:p>
-            <a:r>
-              <a:rPr lang="en-US" dirty="0" err="1" smtClean="0"/>
+            <a:endParaRPr lang="en-US" dirty="0"/>
+          </a:p>
+          <a:p>
+            <a:r>
+              <a:rPr lang="en-US" dirty="0" err="1"/>
               <a:t>Kabel</a:t>
             </a:r>
             <a:r>
-              <a:rPr lang="en-US" dirty="0" smtClean="0"/>
+              <a:rPr lang="en-US" dirty="0"/>
               <a:t>: €9 per grid segment</a:t>
             </a:r>
             <a:endParaRPr lang="nl-NL" dirty="0"/>
@@ -11804,13 +13465,6 @@
   <p:clrMapOvr>
     <a:masterClrMapping/>
   </p:clrMapOvr>
-  <p:timing>
-    <p:tnLst>
-      <p:par>
-        <p:cTn id="1" dur="indefinite" restart="never" nodeType="tmRoot"/>
-      </p:par>
-    </p:tnLst>
-  </p:timing>
 </p:sld>
 </file>
 
@@ -11836,7 +13490,7 @@
           <p:cNvPr id="2" name="Titel 1">
             <a:extLst>
               <a:ext uri="{FF2B5EF4-FFF2-40B4-BE49-F238E27FC236}">
-                <a16:creationId xmlns:a16="http://schemas.microsoft.com/office/drawing/2014/main" xmlns="" id="{B65100A1-C365-40A7-A42F-4B5A9FD90ADA}"/>
+                <a16:creationId xmlns:a16="http://schemas.microsoft.com/office/drawing/2014/main" id="{B65100A1-C365-40A7-A42F-4B5A9FD90ADA}"/>
               </a:ext>
             </a:extLst>
           </p:cNvPr>
@@ -11868,7 +13522,7 @@
           <p:cNvPr id="3" name="Tijdelijke aanduiding voor inhoud 2">
             <a:extLst>
               <a:ext uri="{FF2B5EF4-FFF2-40B4-BE49-F238E27FC236}">
-                <a16:creationId xmlns:a16="http://schemas.microsoft.com/office/drawing/2014/main" xmlns="" id="{05C6F3D3-C738-43C0-8418-47F08F56C29D}"/>
+                <a16:creationId xmlns:a16="http://schemas.microsoft.com/office/drawing/2014/main" id="{05C6F3D3-C738-43C0-8418-47F08F56C29D}"/>
               </a:ext>
             </a:extLst>
           </p:cNvPr>
@@ -11966,7 +13620,7 @@
           <p:cNvPr id="8" name="Afbeelding 8" descr="Afbeelding met object&#10;&#10;Beschrijving is gegenereerd met hoge betrouwbaarheid">
             <a:extLst>
               <a:ext uri="{FF2B5EF4-FFF2-40B4-BE49-F238E27FC236}">
-                <a16:creationId xmlns:a16="http://schemas.microsoft.com/office/drawing/2014/main" xmlns="" id="{932B4111-7644-4BE8-A8A6-7B47628A9855}"/>
+                <a16:creationId xmlns:a16="http://schemas.microsoft.com/office/drawing/2014/main" id="{932B4111-7644-4BE8-A8A6-7B47628A9855}"/>
               </a:ext>
             </a:extLst>
           </p:cNvPr>
@@ -12001,13 +13655,6 @@
   <p:clrMapOvr>
     <a:masterClrMapping/>
   </p:clrMapOvr>
-  <p:timing>
-    <p:tnLst>
-      <p:par>
-        <p:cTn id="1" dur="indefinite" restart="never" nodeType="tmRoot"/>
-      </p:par>
-    </p:tnLst>
-  </p:timing>
 </p:sld>
 </file>
 
@@ -12033,7 +13680,7 @@
           <p:cNvPr id="2" name="Titel 1">
             <a:extLst>
               <a:ext uri="{FF2B5EF4-FFF2-40B4-BE49-F238E27FC236}">
-                <a16:creationId xmlns:a16="http://schemas.microsoft.com/office/drawing/2014/main" xmlns="" id="{9CF66834-9D6D-4A52-8664-095792201C63}"/>
+                <a16:creationId xmlns:a16="http://schemas.microsoft.com/office/drawing/2014/main" id="{9CF66834-9D6D-4A52-8664-095792201C63}"/>
               </a:ext>
             </a:extLst>
           </p:cNvPr>
@@ -12061,7 +13708,7 @@
           <p:cNvPr id="3" name="Tijdelijke aanduiding voor inhoud 2">
             <a:extLst>
               <a:ext uri="{FF2B5EF4-FFF2-40B4-BE49-F238E27FC236}">
-                <a16:creationId xmlns:a16="http://schemas.microsoft.com/office/drawing/2014/main" xmlns="" id="{21FC9782-7392-448C-877F-DFA5765C1A81}"/>
+                <a16:creationId xmlns:a16="http://schemas.microsoft.com/office/drawing/2014/main" id="{21FC9782-7392-448C-877F-DFA5765C1A81}"/>
               </a:ext>
             </a:extLst>
           </p:cNvPr>
@@ -12085,17 +13732,17 @@
           <a:lstStyle/>
           <a:p>
             <a:r>
-              <a:rPr lang="nl-NL" dirty="0" err="1" smtClean="0"/>
+              <a:rPr lang="nl-NL" dirty="0" err="1"/>
               <a:t>Greedy</a:t>
             </a:r>
-            <a:endParaRPr lang="nl-NL" dirty="0" smtClean="0"/>
-          </a:p>
-          <a:p>
             <a:endParaRPr lang="nl-NL" dirty="0"/>
           </a:p>
           <a:p>
-            <a:r>
-              <a:rPr lang="nl-NL" dirty="0" smtClean="0"/>
+            <a:endParaRPr lang="nl-NL" dirty="0"/>
+          </a:p>
+          <a:p>
+            <a:r>
+              <a:rPr lang="nl-NL" dirty="0"/>
               <a:t>Hill </a:t>
             </a:r>
             <a:r>
@@ -12109,11 +13756,11 @@
           </a:p>
           <a:p>
             <a:r>
-              <a:rPr lang="nl-NL" dirty="0" err="1" smtClean="0"/>
+              <a:rPr lang="nl-NL" dirty="0" err="1"/>
               <a:t>Simulated</a:t>
             </a:r>
             <a:r>
-              <a:rPr lang="nl-NL" dirty="0" smtClean="0"/>
+              <a:rPr lang="nl-NL" dirty="0"/>
               <a:t> </a:t>
             </a:r>
             <a:r>
@@ -12127,7 +13774,7 @@
           </a:p>
           <a:p>
             <a:r>
-              <a:rPr lang="nl-NL" dirty="0" smtClean="0"/>
+              <a:rPr lang="nl-NL" dirty="0"/>
               <a:t>K Means</a:t>
             </a:r>
           </a:p>
@@ -12136,12 +13783,8 @@
           </a:p>
           <a:p>
             <a:r>
-              <a:rPr lang="en-US" dirty="0" smtClean="0"/>
-              <a:t>Hierarchical </a:t>
-            </a:r>
-            <a:r>
               <a:rPr lang="en-US" dirty="0"/>
-              <a:t>Agglomerative Clustering</a:t>
+              <a:t>Hierarchical Agglomerative Clustering</a:t>
             </a:r>
             <a:endParaRPr lang="nl-NL" dirty="0"/>
           </a:p>
@@ -12160,13 +13803,6 @@
   <p:clrMapOvr>
     <a:masterClrMapping/>
   </p:clrMapOvr>
-  <p:timing>
-    <p:tnLst>
-      <p:par>
-        <p:cTn id="1" dur="indefinite" restart="never" nodeType="tmRoot"/>
-      </p:par>
-    </p:tnLst>
-  </p:timing>
 </p:sld>
 </file>
 
@@ -12192,7 +13828,7 @@
           <p:cNvPr id="2" name="Titel 1">
             <a:extLst>
               <a:ext uri="{FF2B5EF4-FFF2-40B4-BE49-F238E27FC236}">
-                <a16:creationId xmlns:a16="http://schemas.microsoft.com/office/drawing/2014/main" xmlns="" id="{F35DF6B5-B5E3-4B99-AE4B-AD924BF7CD83}"/>
+                <a16:creationId xmlns:a16="http://schemas.microsoft.com/office/drawing/2014/main" id="{F35DF6B5-B5E3-4B99-AE4B-AD924BF7CD83}"/>
               </a:ext>
             </a:extLst>
           </p:cNvPr>
@@ -12220,7 +13856,7 @@
           <p:cNvPr id="3" name="Tijdelijke aanduiding voor inhoud 2">
             <a:extLst>
               <a:ext uri="{FF2B5EF4-FFF2-40B4-BE49-F238E27FC236}">
-                <a16:creationId xmlns:a16="http://schemas.microsoft.com/office/drawing/2014/main" xmlns="" id="{4EF0DB5F-D1EA-49EC-BAE7-E159686E804C}"/>
+                <a16:creationId xmlns:a16="http://schemas.microsoft.com/office/drawing/2014/main" id="{4EF0DB5F-D1EA-49EC-BAE7-E159686E804C}"/>
               </a:ext>
             </a:extLst>
           </p:cNvPr>
@@ -12291,13 +13927,6 @@
   <p:clrMapOvr>
     <a:masterClrMapping/>
   </p:clrMapOvr>
-  <p:timing>
-    <p:tnLst>
-      <p:par>
-        <p:cTn id="1" dur="indefinite" restart="never" nodeType="tmRoot"/>
-      </p:par>
-    </p:tnLst>
-  </p:timing>
 </p:sld>
 </file>
 
@@ -12323,7 +13952,7 @@
           <p:cNvPr id="2" name="Titel 1">
             <a:extLst>
               <a:ext uri="{FF2B5EF4-FFF2-40B4-BE49-F238E27FC236}">
-                <a16:creationId xmlns:a16="http://schemas.microsoft.com/office/drawing/2014/main" xmlns="" id="{F35DF6B5-B5E3-4B99-AE4B-AD924BF7CD83}"/>
+                <a16:creationId xmlns:a16="http://schemas.microsoft.com/office/drawing/2014/main" id="{F35DF6B5-B5E3-4B99-AE4B-AD924BF7CD83}"/>
               </a:ext>
             </a:extLst>
           </p:cNvPr>
@@ -12351,7 +13980,7 @@
           <p:cNvPr id="3" name="Tijdelijke aanduiding voor inhoud 2">
             <a:extLst>
               <a:ext uri="{FF2B5EF4-FFF2-40B4-BE49-F238E27FC236}">
-                <a16:creationId xmlns:a16="http://schemas.microsoft.com/office/drawing/2014/main" xmlns="" id="{4EF0DB5F-D1EA-49EC-BAE7-E159686E804C}"/>
+                <a16:creationId xmlns:a16="http://schemas.microsoft.com/office/drawing/2014/main" id="{4EF0DB5F-D1EA-49EC-BAE7-E159686E804C}"/>
               </a:ext>
             </a:extLst>
           </p:cNvPr>
@@ -12370,12 +13999,8 @@
           <a:lstStyle/>
           <a:p>
             <a:r>
-              <a:rPr lang="nl-NL" dirty="0" smtClean="0"/>
-              <a:t>2 huizen worden met elkaar vergeleken om een </a:t>
-            </a:r>
-            <a:r>
               <a:rPr lang="nl-NL" dirty="0"/>
-              <a:t>verbetering te realiseren.</a:t>
+              <a:t>2 huizen worden met elkaar vergeleken om een verbetering te realiseren.</a:t>
             </a:r>
           </a:p>
           <a:p>
@@ -12422,13 +14047,6 @@
   <p:clrMapOvr>
     <a:masterClrMapping/>
   </p:clrMapOvr>
-  <p:timing>
-    <p:tnLst>
-      <p:par>
-        <p:cTn id="1" dur="indefinite" restart="never" nodeType="tmRoot"/>
-      </p:par>
-    </p:tnLst>
-  </p:timing>
 </p:sld>
 </file>
 
@@ -12454,7 +14072,7 @@
           <p:cNvPr id="2" name="Titel 1">
             <a:extLst>
               <a:ext uri="{FF2B5EF4-FFF2-40B4-BE49-F238E27FC236}">
-                <a16:creationId xmlns:a16="http://schemas.microsoft.com/office/drawing/2014/main" xmlns="" id="{F35DF6B5-B5E3-4B99-AE4B-AD924BF7CD83}"/>
+                <a16:creationId xmlns:a16="http://schemas.microsoft.com/office/drawing/2014/main" id="{F35DF6B5-B5E3-4B99-AE4B-AD924BF7CD83}"/>
               </a:ext>
             </a:extLst>
           </p:cNvPr>
@@ -12482,7 +14100,7 @@
           <p:cNvPr id="3" name="Tijdelijke aanduiding voor inhoud 2">
             <a:extLst>
               <a:ext uri="{FF2B5EF4-FFF2-40B4-BE49-F238E27FC236}">
-                <a16:creationId xmlns:a16="http://schemas.microsoft.com/office/drawing/2014/main" xmlns="" id="{4EF0DB5F-D1EA-49EC-BAE7-E159686E804C}"/>
+                <a16:creationId xmlns:a16="http://schemas.microsoft.com/office/drawing/2014/main" id="{4EF0DB5F-D1EA-49EC-BAE7-E159686E804C}"/>
               </a:ext>
             </a:extLst>
           </p:cNvPr>
@@ -12501,28 +14119,8 @@
           <a:lstStyle/>
           <a:p>
             <a:r>
-              <a:rPr lang="nl-NL" dirty="0" smtClean="0"/>
-              <a:t>2 huizen worden  vergeleken en op basis </a:t>
-            </a:r>
-            <a:r>
               <a:rPr lang="nl-NL" dirty="0"/>
-              <a:t>van temperatuur </a:t>
-            </a:r>
-            <a:r>
-              <a:rPr lang="nl-NL" dirty="0" smtClean="0"/>
-              <a:t> zullen wijzigingen worden doorgevoerd </a:t>
-            </a:r>
-            <a:r>
-              <a:rPr lang="nl-NL" dirty="0"/>
-              <a:t>waarbij ook slechte wijzigingen </a:t>
-            </a:r>
-            <a:r>
-              <a:rPr lang="nl-NL" dirty="0" smtClean="0"/>
-              <a:t> mogelijk kunnen worden </a:t>
-            </a:r>
-            <a:r>
-              <a:rPr lang="nl-NL" dirty="0"/>
-              <a:t>geaccepteerd. </a:t>
+              <a:t>2 huizen worden  vergeleken en op basis van temperatuur  zullen wijzigingen worden doorgevoerd waarbij ook slechte wijzigingen  mogelijk kunnen worden geaccepteerd. </a:t>
             </a:r>
           </a:p>
           <a:p>
@@ -12547,13 +14145,6 @@
   <p:clrMapOvr>
     <a:masterClrMapping/>
   </p:clrMapOvr>
-  <p:timing>
-    <p:tnLst>
-      <p:par>
-        <p:cTn id="1" dur="indefinite" restart="never" nodeType="tmRoot"/>
-      </p:par>
-    </p:tnLst>
-  </p:timing>
 </p:sld>
 </file>
 
@@ -12579,7 +14170,7 @@
           <p:cNvPr id="2" name="Titel 1">
             <a:extLst>
               <a:ext uri="{FF2B5EF4-FFF2-40B4-BE49-F238E27FC236}">
-                <a16:creationId xmlns:a16="http://schemas.microsoft.com/office/drawing/2014/main" xmlns="" id="{F35DF6B5-B5E3-4B99-AE4B-AD924BF7CD83}"/>
+                <a16:creationId xmlns:a16="http://schemas.microsoft.com/office/drawing/2014/main" id="{F35DF6B5-B5E3-4B99-AE4B-AD924BF7CD83}"/>
               </a:ext>
             </a:extLst>
           </p:cNvPr>
@@ -12607,7 +14198,7 @@
           <p:cNvPr id="3" name="Tijdelijke aanduiding voor inhoud 2">
             <a:extLst>
               <a:ext uri="{FF2B5EF4-FFF2-40B4-BE49-F238E27FC236}">
-                <a16:creationId xmlns:a16="http://schemas.microsoft.com/office/drawing/2014/main" xmlns="" id="{4EF0DB5F-D1EA-49EC-BAE7-E159686E804C}"/>
+                <a16:creationId xmlns:a16="http://schemas.microsoft.com/office/drawing/2014/main" id="{4EF0DB5F-D1EA-49EC-BAE7-E159686E804C}"/>
               </a:ext>
             </a:extLst>
           </p:cNvPr>
@@ -12626,7 +14217,7 @@
           <a:lstStyle/>
           <a:p>
             <a:r>
-              <a:rPr lang="nl-NL" dirty="0" smtClean="0"/>
+              <a:rPr lang="nl-NL" dirty="0"/>
               <a:t>Batterijen worden verplaatst om de kabelkosten te verminderen.</a:t>
             </a:r>
           </a:p>
@@ -12635,25 +14226,25 @@
           </a:p>
           <a:p>
             <a:r>
-              <a:rPr lang="nl-NL" dirty="0" smtClean="0"/>
+              <a:rPr lang="nl-NL" dirty="0"/>
               <a:t>Gebaseerd op </a:t>
             </a:r>
             <a:r>
-              <a:rPr lang="nl-NL" dirty="0" err="1" smtClean="0"/>
+              <a:rPr lang="nl-NL" dirty="0" err="1"/>
               <a:t>Gre</a:t>
             </a:r>
             <a:r>
-              <a:rPr lang="en-US" dirty="0" err="1" smtClean="0"/>
+              <a:rPr lang="en-US" dirty="0" err="1"/>
               <a:t>edy</a:t>
             </a:r>
-            <a:endParaRPr lang="en-US" dirty="0" smtClean="0"/>
-          </a:p>
-          <a:p>
             <a:endParaRPr lang="en-US" dirty="0"/>
           </a:p>
           <a:p>
-            <a:r>
-              <a:rPr lang="en-US" dirty="0" smtClean="0"/>
+            <a:endParaRPr lang="en-US" dirty="0"/>
+          </a:p>
+          <a:p>
+            <a:r>
+              <a:rPr lang="en-US" dirty="0"/>
               <a:t>Random</a:t>
             </a:r>
           </a:p>
@@ -12705,13 +14296,6 @@
   <p:clrMapOvr>
     <a:masterClrMapping/>
   </p:clrMapOvr>
-  <p:timing>
-    <p:tnLst>
-      <p:par>
-        <p:cTn id="1" dur="indefinite" restart="never" nodeType="tmRoot"/>
-      </p:par>
-    </p:tnLst>
-  </p:timing>
 </p:sld>
 </file>
 
@@ -12952,7 +14536,7 @@
   <a:extraClrSchemeLst/>
   <a:extLst>
     <a:ext uri="{05A4C25C-085E-4340-85A3-A5531E510DB2}">
-      <thm15:themeFamily xmlns:thm15="http://schemas.microsoft.com/office/thememl/2012/main" xmlns="" name="Wisp" id="{7CB32D59-10C0-40DD-B7BD-2E94284A981C}" vid="{24B1A44C-C006-48B2-A4D7-E5549B3D8CD4}"/>
+      <thm15:themeFamily xmlns:thm15="http://schemas.microsoft.com/office/thememl/2012/main" name="Wisp" id="{7CB32D59-10C0-40DD-B7BD-2E94284A981C}" vid="{24B1A44C-C006-48B2-A4D7-E5549B3D8CD4}"/>
     </a:ext>
   </a:extLst>
 </a:theme>

--- a/Final_V2.pptx
+++ b/Final_V2.pptx
@@ -240,7 +240,7 @@
           <a:p>
             <a:fld id="{7FEA998D-50D6-4F9B-8BB7-ABCA489027ED}" type="datetimeFigureOut">
               <a:rPr lang="nl-NL" smtClean="0"/>
-              <a:t>19-12-2018</a:t>
+              <a:t>20-12-2018</a:t>
             </a:fld>
             <a:endParaRPr lang="nl-NL"/>
           </a:p>
@@ -817,7 +817,7 @@
           <a:p>
             <a:fld id="{CA953BDC-9EAE-49FE-9892-958C9F845175}" type="datetimeFigureOut">
               <a:rPr lang="de-DE" smtClean="0"/>
-              <a:t>19.12.2018</a:t>
+              <a:t>20.12.2018</a:t>
             </a:fld>
             <a:endParaRPr lang="de-DE"/>
           </a:p>
@@ -1025,7 +1025,7 @@
           <a:p>
             <a:fld id="{CA953BDC-9EAE-49FE-9892-958C9F845175}" type="datetimeFigureOut">
               <a:rPr lang="de-DE" smtClean="0"/>
-              <a:t>19.12.2018</a:t>
+              <a:t>20.12.2018</a:t>
             </a:fld>
             <a:endParaRPr lang="de-DE"/>
           </a:p>
@@ -1281,7 +1281,7 @@
           <a:p>
             <a:fld id="{CA953BDC-9EAE-49FE-9892-958C9F845175}" type="datetimeFigureOut">
               <a:rPr lang="de-DE" smtClean="0"/>
-              <a:t>19.12.2018</a:t>
+              <a:t>20.12.2018</a:t>
             </a:fld>
             <a:endParaRPr lang="de-DE"/>
           </a:p>
@@ -1399,7 +1399,7 @@
           <a:p>
             <a:fld id="{CA953BDC-9EAE-49FE-9892-958C9F845175}" type="datetimeFigureOut">
               <a:rPr lang="de-DE" smtClean="0"/>
-              <a:t>19.12.2018</a:t>
+              <a:t>20.12.2018</a:t>
             </a:fld>
             <a:endParaRPr lang="de-DE"/>
           </a:p>
@@ -1687,7 +1687,7 @@
           <a:p>
             <a:fld id="{CA953BDC-9EAE-49FE-9892-958C9F845175}" type="datetimeFigureOut">
               <a:rPr lang="de-DE" smtClean="0"/>
-              <a:t>19.12.2018</a:t>
+              <a:t>20.12.2018</a:t>
             </a:fld>
             <a:endParaRPr lang="de-DE"/>
           </a:p>
@@ -2030,7 +2030,7 @@
           <a:p>
             <a:fld id="{CA953BDC-9EAE-49FE-9892-958C9F845175}" type="datetimeFigureOut">
               <a:rPr lang="de-DE" smtClean="0"/>
-              <a:t>19.12.2018</a:t>
+              <a:t>20.12.2018</a:t>
             </a:fld>
             <a:endParaRPr lang="de-DE"/>
           </a:p>
@@ -2305,7 +2305,7 @@
           <a:p>
             <a:fld id="{CA953BDC-9EAE-49FE-9892-958C9F845175}" type="datetimeFigureOut">
               <a:rPr lang="de-DE" smtClean="0"/>
-              <a:t>19.12.2018</a:t>
+              <a:t>20.12.2018</a:t>
             </a:fld>
             <a:endParaRPr lang="de-DE"/>
           </a:p>
@@ -2684,7 +2684,7 @@
           <a:p>
             <a:fld id="{CA953BDC-9EAE-49FE-9892-958C9F845175}" type="datetimeFigureOut">
               <a:rPr lang="de-DE" smtClean="0"/>
-              <a:t>19.12.2018</a:t>
+              <a:t>20.12.2018</a:t>
             </a:fld>
             <a:endParaRPr lang="de-DE"/>
           </a:p>
@@ -2802,7 +2802,7 @@
           <a:p>
             <a:fld id="{CA953BDC-9EAE-49FE-9892-958C9F845175}" type="datetimeFigureOut">
               <a:rPr lang="de-DE" smtClean="0"/>
-              <a:t>19.12.2018</a:t>
+              <a:t>20.12.2018</a:t>
             </a:fld>
             <a:endParaRPr lang="de-DE"/>
           </a:p>
@@ -2973,7 +2973,7 @@
           <a:p>
             <a:fld id="{CA953BDC-9EAE-49FE-9892-958C9F845175}" type="datetimeFigureOut">
               <a:rPr lang="de-DE" smtClean="0"/>
-              <a:t>19.12.2018</a:t>
+              <a:t>20.12.2018</a:t>
             </a:fld>
             <a:endParaRPr lang="de-DE"/>
           </a:p>
@@ -3327,7 +3327,7 @@
           <a:p>
             <a:fld id="{CA953BDC-9EAE-49FE-9892-958C9F845175}" type="datetimeFigureOut">
               <a:rPr lang="de-DE" smtClean="0"/>
-              <a:t>19.12.2018</a:t>
+              <a:t>20.12.2018</a:t>
             </a:fld>
             <a:endParaRPr lang="de-DE"/>
           </a:p>
@@ -3709,7 +3709,7 @@
           <a:p>
             <a:fld id="{CA953BDC-9EAE-49FE-9892-958C9F845175}" type="datetimeFigureOut">
               <a:rPr lang="de-DE" smtClean="0"/>
-              <a:t>19.12.2018</a:t>
+              <a:t>20.12.2018</a:t>
             </a:fld>
             <a:endParaRPr lang="de-DE"/>
           </a:p>
@@ -3996,7 +3996,7 @@
           <a:p>
             <a:fld id="{CA953BDC-9EAE-49FE-9892-958C9F845175}" type="datetimeFigureOut">
               <a:rPr lang="de-DE" smtClean="0"/>
-              <a:t>19.12.2018</a:t>
+              <a:t>20.12.2018</a:t>
             </a:fld>
             <a:endParaRPr lang="de-DE"/>
           </a:p>
@@ -4831,7 +4831,7 @@
         </p:blipFill>
         <p:spPr bwMode="auto">
           <a:xfrm>
-            <a:off x="6533429" y="2307431"/>
+            <a:off x="6421134" y="2307431"/>
             <a:ext cx="3880021" cy="2243137"/>
           </a:xfrm>
           <a:prstGeom prst="rect">
@@ -5137,13 +5137,19 @@
           <a:lstStyle/>
           <a:p>
             <a:r>
-              <a:rPr lang="nl-NL">
+              <a:rPr lang="nl-NL" dirty="0" err="1">
                 <a:cs typeface="Segoe UI"/>
               </a:rPr>
-              <a:t>Lowerbound:</a:t>
-            </a:r>
-            <a:r>
-              <a:rPr lang="en-US">
+              <a:t>Lowerbound</a:t>
+            </a:r>
+            <a:r>
+              <a:rPr lang="nl-NL" dirty="0">
+                <a:cs typeface="Segoe UI"/>
+              </a:rPr>
+              <a:t>:</a:t>
+            </a:r>
+            <a:r>
+              <a:rPr lang="en-US" dirty="0">
                 <a:latin typeface="Century Gothic"/>
                 <a:cs typeface="Segoe UI"/>
               </a:rPr>
@@ -5152,32 +5158,38 @@
           </a:p>
           <a:p>
             <a:r>
-              <a:rPr lang="nl-NL">
+              <a:rPr lang="nl-NL" dirty="0">
                 <a:latin typeface="Century Gothic"/>
                 <a:cs typeface="Segoe UI"/>
               </a:rPr>
               <a:t>€ 53.188</a:t>
             </a:r>
-            <a:endParaRPr lang="en-US">
+            <a:endParaRPr lang="en-US" dirty="0">
               <a:latin typeface="Century Gothic"/>
               <a:cs typeface="Segoe UI"/>
             </a:endParaRPr>
           </a:p>
           <a:p>
-            <a:endParaRPr lang="en-US">
+            <a:endParaRPr lang="en-US" dirty="0">
               <a:latin typeface="Century Gothic"/>
               <a:cs typeface="Segoe UI"/>
             </a:endParaRPr>
           </a:p>
           <a:p>
             <a:r>
-              <a:rPr lang="nl-NL">
+              <a:rPr lang="nl-NL" dirty="0" err="1">
                 <a:cs typeface="Segoe UI"/>
               </a:rPr>
-              <a:t>Upperbound:</a:t>
-            </a:r>
-            <a:r>
-              <a:rPr lang="en-US">
+              <a:t>Upperbound</a:t>
+            </a:r>
+            <a:r>
+              <a:rPr lang="nl-NL" dirty="0">
+                <a:cs typeface="Segoe UI"/>
+              </a:rPr>
+              <a:t>:</a:t>
+            </a:r>
+            <a:r>
+              <a:rPr lang="en-US" dirty="0">
                 <a:latin typeface="Century Gothic"/>
                 <a:cs typeface="Segoe UI"/>
               </a:rPr>
@@ -5186,19 +5198,19 @@
           </a:p>
           <a:p>
             <a:r>
-              <a:rPr lang="nl-NL">
+              <a:rPr lang="nl-NL" dirty="0">
                 <a:cs typeface="Segoe UI"/>
               </a:rPr>
               <a:t>€ 103.030</a:t>
             </a:r>
-            <a:endParaRPr lang="nl-NL">
+            <a:endParaRPr lang="nl-NL" dirty="0">
               <a:latin typeface="Century Gothic"/>
               <a:cs typeface="Segoe UI"/>
             </a:endParaRPr>
           </a:p>
           <a:p>
             <a:r>
-              <a:rPr lang="nl-NL">
+              <a:rPr lang="nl-NL" dirty="0">
                 <a:latin typeface="Century Gothic"/>
                 <a:cs typeface="Segoe UI"/>
               </a:rPr>
@@ -5207,13 +5219,25 @@
           </a:p>
           <a:p>
             <a:r>
-              <a:rPr lang="nl-NL">
+              <a:rPr lang="nl-NL" dirty="0">
                 <a:cs typeface="Segoe UI"/>
               </a:rPr>
-              <a:t>Total costs:</a:t>
-            </a:r>
-            <a:r>
-              <a:rPr lang="en-US">
+              <a:t>Total </a:t>
+            </a:r>
+            <a:r>
+              <a:rPr lang="nl-NL" dirty="0" err="1">
+                <a:cs typeface="Segoe UI"/>
+              </a:rPr>
+              <a:t>costs</a:t>
+            </a:r>
+            <a:r>
+              <a:rPr lang="nl-NL" dirty="0">
+                <a:cs typeface="Segoe UI"/>
+              </a:rPr>
+              <a:t>:</a:t>
+            </a:r>
+            <a:r>
+              <a:rPr lang="en-US" dirty="0">
                 <a:latin typeface="Century Gothic"/>
                 <a:cs typeface="Segoe UI"/>
               </a:rPr>
@@ -5222,7 +5246,7 @@
           </a:p>
           <a:p>
             <a:r>
-              <a:rPr lang="nl-NL">
+              <a:rPr lang="nl-NL" dirty="0">
                 <a:cs typeface="Segoe UI"/>
               </a:rPr>
               <a:t>€ 56.950</a:t>
@@ -6264,7 +6288,7 @@
         </p:blipFill>
         <p:spPr bwMode="auto">
           <a:xfrm>
-            <a:off x="772872" y="1469562"/>
+            <a:off x="1543720" y="507036"/>
             <a:ext cx="10711542" cy="5040086"/>
           </a:xfrm>
           <a:prstGeom prst="rect">
@@ -7157,12 +7181,12 @@
                         </a:spcAft>
                       </a:pPr>
                       <a:r>
-                        <a:rPr lang="nl-NL" sz="2000" u="none" strike="noStrike">
+                        <a:rPr lang="nl-NL" sz="2000" u="none" strike="noStrike" dirty="0">
                           <a:effectLst/>
                         </a:rPr>
                         <a:t>K-means</a:t>
                       </a:r>
-                      <a:endParaRPr lang="nl-NL" sz="2000" b="0" i="0" u="none" strike="noStrike">
+                      <a:endParaRPr lang="nl-NL" sz="2000" b="0" i="0" u="none" strike="noStrike" dirty="0">
                         <a:effectLst/>
                         <a:latin typeface="Arial" panose="020B0604020202020204" pitchFamily="34" charset="0"/>
                       </a:endParaRPr>
@@ -7187,12 +7211,12 @@
                         </a:spcAft>
                       </a:pPr>
                       <a:r>
-                        <a:rPr lang="nl-NL" sz="2000" u="none" strike="noStrike">
+                        <a:rPr lang="nl-NL" sz="2000" u="none" strike="noStrike" dirty="0">
                           <a:effectLst/>
                         </a:rPr>
                         <a:t>40 606</a:t>
                       </a:r>
-                      <a:endParaRPr lang="nl-NL" sz="2000" b="0" i="0" u="none" strike="noStrike">
+                      <a:endParaRPr lang="nl-NL" sz="2000" b="0" i="0" u="none" strike="noStrike" dirty="0">
                         <a:effectLst/>
                         <a:latin typeface="Arial" panose="020B0604020202020204" pitchFamily="34" charset="0"/>
                       </a:endParaRPr>
@@ -7419,7 +7443,7 @@
         </p:nvGraphicFramePr>
         <p:xfrm>
           <a:off x="1794896" y="3655404"/>
-          <a:ext cx="9548294" cy="2477262"/>
+          <a:ext cx="9548294" cy="2493264"/>
         </p:xfrm>
         <a:graphic>
           <a:graphicData uri="http://schemas.openxmlformats.org/drawingml/2006/table">
@@ -8886,13 +8910,13 @@
           <p:nvPr>
             <p:extLst>
               <p:ext uri="{D42A27DB-BD31-4B8C-83A1-F6EECF244321}">
-                <p14:modId xmlns:p14="http://schemas.microsoft.com/office/powerpoint/2010/main" val="2349568791"/>
+                <p14:modId xmlns:p14="http://schemas.microsoft.com/office/powerpoint/2010/main" val="1980574573"/>
               </p:ext>
             </p:extLst>
           </p:nvPr>
         </p:nvGraphicFramePr>
         <p:xfrm>
-          <a:off x="6401725" y="2895706"/>
+          <a:off x="6242306" y="2895706"/>
           <a:ext cx="4143429" cy="1463040"/>
         </p:xfrm>
         <a:graphic>
